--- a/presentation-Final Edit.pptx
+++ b/presentation-Final Edit.pptx
@@ -6,28 +6,27 @@
     <p:sldMasterId id="2147483673" r:id="rId2"/>
   </p:sldMasterIdLst>
   <p:notesMasterIdLst>
-    <p:notesMasterId r:id="rId22"/>
+    <p:notesMasterId r:id="rId21"/>
   </p:notesMasterIdLst>
   <p:sldIdLst>
     <p:sldId id="256" r:id="rId3"/>
     <p:sldId id="257" r:id="rId4"/>
     <p:sldId id="260" r:id="rId5"/>
     <p:sldId id="258" r:id="rId6"/>
-    <p:sldId id="264" r:id="rId7"/>
-    <p:sldId id="265" r:id="rId8"/>
-    <p:sldId id="266" r:id="rId9"/>
+    <p:sldId id="272" r:id="rId7"/>
+    <p:sldId id="273" r:id="rId8"/>
+    <p:sldId id="274" r:id="rId9"/>
     <p:sldId id="267" r:id="rId10"/>
-    <p:sldId id="268" r:id="rId11"/>
-    <p:sldId id="269" r:id="rId12"/>
-    <p:sldId id="270" r:id="rId13"/>
-    <p:sldId id="271" r:id="rId14"/>
-    <p:sldId id="272" r:id="rId15"/>
-    <p:sldId id="273" r:id="rId16"/>
-    <p:sldId id="274" r:id="rId17"/>
-    <p:sldId id="275" r:id="rId18"/>
-    <p:sldId id="276" r:id="rId19"/>
-    <p:sldId id="262" r:id="rId20"/>
-    <p:sldId id="263" r:id="rId21"/>
+    <p:sldId id="276" r:id="rId11"/>
+    <p:sldId id="264" r:id="rId12"/>
+    <p:sldId id="265" r:id="rId13"/>
+    <p:sldId id="266" r:id="rId14"/>
+    <p:sldId id="268" r:id="rId15"/>
+    <p:sldId id="269" r:id="rId16"/>
+    <p:sldId id="270" r:id="rId17"/>
+    <p:sldId id="271" r:id="rId18"/>
+    <p:sldId id="262" r:id="rId19"/>
+    <p:sldId id="263" r:id="rId20"/>
   </p:sldIdLst>
   <p:sldSz cx="12192000" cy="6858000"/>
   <p:notesSz cx="6858000" cy="9144000"/>
@@ -311,7 +310,6 @@
               <a:rPr lang="en-US"/>
               <a:t>Fifth level</a:t>
             </a:r>
-            <a:endParaRPr lang="en-US"/>
           </a:p>
         </p:txBody>
       </p:sp>
@@ -818,7 +816,7 @@
           <a:p>
             <a:fld id="{14899D1B-9AAB-419F-AB0F-0948ECB5048A}" type="slidenum">
               <a:rPr lang="en-US" smtClean="0"/>
-              <a:t>18</a:t>
+              <a:t>17</a:t>
             </a:fld>
             <a:endParaRPr lang="en-US"/>
           </a:p>
@@ -2095,7 +2093,6 @@
               <a:rPr lang="en-US"/>
               <a:t>Click to edit Master title style</a:t>
             </a:r>
-            <a:endParaRPr lang="en-US"/>
           </a:p>
         </p:txBody>
       </p:sp>
@@ -2160,7 +2157,6 @@
               <a:rPr lang="en-US"/>
               <a:t>Click to edit Master subtitle style</a:t>
             </a:r>
-            <a:endParaRPr lang="en-US"/>
           </a:p>
         </p:txBody>
       </p:sp>
@@ -2278,7 +2274,6 @@
               <a:rPr lang="en-US"/>
               <a:t>Click to edit Master title style</a:t>
             </a:r>
-            <a:endParaRPr lang="en-US"/>
           </a:p>
         </p:txBody>
       </p:sp>
@@ -2330,7 +2325,6 @@
               <a:rPr lang="en-US"/>
               <a:t>Fifth level</a:t>
             </a:r>
-            <a:endParaRPr lang="en-US"/>
           </a:p>
         </p:txBody>
       </p:sp>
@@ -2457,7 +2451,6 @@
               <a:rPr lang="en-US"/>
               <a:t>Click to edit Master title style</a:t>
             </a:r>
-            <a:endParaRPr lang="en-US"/>
           </a:p>
         </p:txBody>
       </p:sp>
@@ -2694,7 +2687,6 @@
               <a:rPr lang="en-US"/>
               <a:t>Click to edit Master title style</a:t>
             </a:r>
-            <a:endParaRPr lang="en-US"/>
           </a:p>
         </p:txBody>
       </p:sp>
@@ -2751,7 +2743,6 @@
               <a:rPr lang="en-US"/>
               <a:t>Fifth level</a:t>
             </a:r>
-            <a:endParaRPr lang="en-US"/>
           </a:p>
         </p:txBody>
       </p:sp>
@@ -2808,7 +2799,6 @@
               <a:rPr lang="en-US"/>
               <a:t>Fifth level</a:t>
             </a:r>
-            <a:endParaRPr lang="en-US"/>
           </a:p>
         </p:txBody>
       </p:sp>
@@ -2931,7 +2921,6 @@
               <a:rPr lang="en-US"/>
               <a:t>Click to edit Master title style</a:t>
             </a:r>
-            <a:endParaRPr lang="en-US"/>
           </a:p>
         </p:txBody>
       </p:sp>
@@ -3053,7 +3042,6 @@
               <a:rPr lang="en-US"/>
               <a:t>Fifth level</a:t>
             </a:r>
-            <a:endParaRPr lang="en-US"/>
           </a:p>
         </p:txBody>
       </p:sp>
@@ -3175,7 +3163,6 @@
               <a:rPr lang="en-US"/>
               <a:t>Fifth level</a:t>
             </a:r>
-            <a:endParaRPr lang="en-US"/>
           </a:p>
         </p:txBody>
       </p:sp>
@@ -3293,7 +3280,6 @@
               <a:rPr lang="en-US"/>
               <a:t>Click to edit Master title style</a:t>
             </a:r>
-            <a:endParaRPr lang="en-US"/>
           </a:p>
         </p:txBody>
       </p:sp>
@@ -3685,7 +3671,6 @@
               <a:rPr lang="en-US"/>
               <a:t>Click to edit Master title style</a:t>
             </a:r>
-            <a:endParaRPr lang="en-US"/>
           </a:p>
         </p:txBody>
       </p:sp>
@@ -3770,7 +3755,6 @@
               <a:rPr lang="en-US"/>
               <a:t>Fifth level</a:t>
             </a:r>
-            <a:endParaRPr lang="en-US"/>
           </a:p>
         </p:txBody>
       </p:sp>
@@ -3962,7 +3946,6 @@
               <a:rPr lang="en-US"/>
               <a:t>Click to edit Master title style</a:t>
             </a:r>
-            <a:endParaRPr lang="en-US"/>
           </a:p>
         </p:txBody>
       </p:sp>
@@ -4206,7 +4189,6 @@
               <a:rPr lang="en-US"/>
               <a:t>Click to edit Master title style</a:t>
             </a:r>
-            <a:endParaRPr lang="en-US"/>
           </a:p>
         </p:txBody>
       </p:sp>
@@ -4258,7 +4240,6 @@
               <a:rPr lang="en-US"/>
               <a:t>Fifth level</a:t>
             </a:r>
-            <a:endParaRPr lang="en-US"/>
           </a:p>
         </p:txBody>
       </p:sp>
@@ -4381,7 +4362,6 @@
               <a:rPr lang="en-US"/>
               <a:t>Click to edit Master title style</a:t>
             </a:r>
-            <a:endParaRPr lang="en-US"/>
           </a:p>
         </p:txBody>
       </p:sp>
@@ -4438,7 +4418,6 @@
               <a:rPr lang="en-US"/>
               <a:t>Fifth level</a:t>
             </a:r>
-            <a:endParaRPr lang="en-US"/>
           </a:p>
         </p:txBody>
       </p:sp>
@@ -7554,7 +7533,6 @@
               <a:rPr lang="en-US"/>
               <a:t>Click to edit Master title style</a:t>
             </a:r>
-            <a:endParaRPr lang="en-US"/>
           </a:p>
         </p:txBody>
       </p:sp>
@@ -7616,7 +7594,6 @@
               <a:rPr lang="en-US"/>
               <a:t>Fifth level</a:t>
             </a:r>
-            <a:endParaRPr lang="en-US"/>
           </a:p>
         </p:txBody>
       </p:sp>
@@ -8645,6 +8622,3645 @@
       </p:sp>
       <p:grpSp>
         <p:nvGrpSpPr>
+          <p:cNvPr id="20" name="Group 19"/>
+          <p:cNvGrpSpPr/>
+          <p:nvPr/>
+        </p:nvGrpSpPr>
+        <p:grpSpPr>
+          <a:xfrm>
+            <a:off x="4998722" y="357051"/>
+            <a:ext cx="1802674" cy="6200503"/>
+            <a:chOff x="4963886" y="357051"/>
+            <a:chExt cx="1802674" cy="6200503"/>
+          </a:xfrm>
+        </p:grpSpPr>
+        <p:sp>
+          <p:nvSpPr>
+            <p:cNvPr id="21" name="Rectangle 20"/>
+            <p:cNvSpPr/>
+            <p:nvPr/>
+          </p:nvSpPr>
+          <p:spPr>
+            <a:xfrm>
+              <a:off x="5799909" y="357051"/>
+              <a:ext cx="583474" cy="130629"/>
+            </a:xfrm>
+            <a:prstGeom prst="rect">
+              <a:avLst/>
+            </a:prstGeom>
+            <a:solidFill>
+              <a:srgbClr val="F2F2F2"/>
+            </a:solidFill>
+            <a:ln>
+              <a:noFill/>
+            </a:ln>
+          </p:spPr>
+          <p:style>
+            <a:lnRef idx="2">
+              <a:schemeClr val="accent1">
+                <a:shade val="50000"/>
+              </a:schemeClr>
+            </a:lnRef>
+            <a:fillRef idx="1">
+              <a:schemeClr val="accent1"/>
+            </a:fillRef>
+            <a:effectRef idx="0">
+              <a:schemeClr val="accent1"/>
+            </a:effectRef>
+            <a:fontRef idx="minor">
+              <a:schemeClr val="lt1"/>
+            </a:fontRef>
+          </p:style>
+          <p:txBody>
+            <a:bodyPr rtlCol="0" anchor="ctr"/>
+            <a:lstStyle/>
+            <a:p>
+              <a:pPr algn="ctr"/>
+              <a:endParaRPr lang="en-US"/>
+            </a:p>
+          </p:txBody>
+        </p:sp>
+        <p:sp>
+          <p:nvSpPr>
+            <p:cNvPr id="28" name="Rectangle 27"/>
+            <p:cNvSpPr/>
+            <p:nvPr/>
+          </p:nvSpPr>
+          <p:spPr>
+            <a:xfrm>
+              <a:off x="5503818" y="5858576"/>
+              <a:ext cx="1262742" cy="698978"/>
+            </a:xfrm>
+            <a:prstGeom prst="rect">
+              <a:avLst/>
+            </a:prstGeom>
+            <a:solidFill>
+              <a:srgbClr val="F2F2F2"/>
+            </a:solidFill>
+            <a:ln>
+              <a:noFill/>
+            </a:ln>
+          </p:spPr>
+          <p:style>
+            <a:lnRef idx="2">
+              <a:schemeClr val="accent1">
+                <a:shade val="50000"/>
+              </a:schemeClr>
+            </a:lnRef>
+            <a:fillRef idx="1">
+              <a:schemeClr val="accent1"/>
+            </a:fillRef>
+            <a:effectRef idx="0">
+              <a:schemeClr val="accent1"/>
+            </a:effectRef>
+            <a:fontRef idx="minor">
+              <a:schemeClr val="lt1"/>
+            </a:fontRef>
+          </p:style>
+          <p:txBody>
+            <a:bodyPr rtlCol="0" anchor="ctr"/>
+            <a:lstStyle/>
+            <a:p>
+              <a:pPr algn="ctr"/>
+              <a:endParaRPr lang="en-US"/>
+            </a:p>
+          </p:txBody>
+        </p:sp>
+        <p:sp>
+          <p:nvSpPr>
+            <p:cNvPr id="29" name="Oval 28"/>
+            <p:cNvSpPr/>
+            <p:nvPr/>
+          </p:nvSpPr>
+          <p:spPr>
+            <a:xfrm>
+              <a:off x="4963886" y="487680"/>
+              <a:ext cx="113211" cy="113211"/>
+            </a:xfrm>
+            <a:prstGeom prst="ellipse">
+              <a:avLst/>
+            </a:prstGeom>
+          </p:spPr>
+          <p:style>
+            <a:lnRef idx="2">
+              <a:schemeClr val="dk1">
+                <a:shade val="50000"/>
+              </a:schemeClr>
+            </a:lnRef>
+            <a:fillRef idx="1">
+              <a:schemeClr val="dk1"/>
+            </a:fillRef>
+            <a:effectRef idx="0">
+              <a:schemeClr val="dk1"/>
+            </a:effectRef>
+            <a:fontRef idx="minor">
+              <a:schemeClr val="lt1"/>
+            </a:fontRef>
+          </p:style>
+          <p:txBody>
+            <a:bodyPr rtlCol="0" anchor="ctr"/>
+            <a:lstStyle/>
+            <a:p>
+              <a:pPr algn="ctr"/>
+              <a:endParaRPr lang="en-US"/>
+            </a:p>
+          </p:txBody>
+        </p:sp>
+        <p:sp>
+          <p:nvSpPr>
+            <p:cNvPr id="30" name="Rectangle 29"/>
+            <p:cNvSpPr/>
+            <p:nvPr/>
+          </p:nvSpPr>
+          <p:spPr>
+            <a:xfrm>
+              <a:off x="5216435" y="628388"/>
+              <a:ext cx="583474" cy="130629"/>
+            </a:xfrm>
+            <a:prstGeom prst="rect">
+              <a:avLst/>
+            </a:prstGeom>
+            <a:solidFill>
+              <a:srgbClr val="F2F2F2"/>
+            </a:solidFill>
+            <a:ln>
+              <a:noFill/>
+            </a:ln>
+          </p:spPr>
+          <p:style>
+            <a:lnRef idx="2">
+              <a:schemeClr val="accent1">
+                <a:shade val="50000"/>
+              </a:schemeClr>
+            </a:lnRef>
+            <a:fillRef idx="1">
+              <a:schemeClr val="accent1"/>
+            </a:fillRef>
+            <a:effectRef idx="0">
+              <a:schemeClr val="accent1"/>
+            </a:effectRef>
+            <a:fontRef idx="minor">
+              <a:schemeClr val="lt1"/>
+            </a:fontRef>
+          </p:style>
+          <p:txBody>
+            <a:bodyPr rtlCol="0" anchor="ctr"/>
+            <a:lstStyle/>
+            <a:p>
+              <a:pPr algn="ctr"/>
+              <a:endParaRPr lang="en-US"/>
+            </a:p>
+          </p:txBody>
+        </p:sp>
+        <p:sp>
+          <p:nvSpPr>
+            <p:cNvPr id="31" name="Rounded Rectangle 43"/>
+            <p:cNvSpPr/>
+            <p:nvPr/>
+          </p:nvSpPr>
+          <p:spPr>
+            <a:xfrm>
+              <a:off x="5416735" y="373617"/>
+              <a:ext cx="1275805" cy="98398"/>
+            </a:xfrm>
+            <a:prstGeom prst="roundRect">
+              <a:avLst/>
+            </a:prstGeom>
+            <a:solidFill>
+              <a:srgbClr val="F2F2F2"/>
+            </a:solidFill>
+            <a:ln>
+              <a:solidFill>
+                <a:schemeClr val="bg1">
+                  <a:lumMod val="50000"/>
+                </a:schemeClr>
+              </a:solidFill>
+            </a:ln>
+          </p:spPr>
+          <p:style>
+            <a:lnRef idx="2">
+              <a:schemeClr val="accent1">
+                <a:shade val="50000"/>
+              </a:schemeClr>
+            </a:lnRef>
+            <a:fillRef idx="1">
+              <a:schemeClr val="accent1"/>
+            </a:fillRef>
+            <a:effectRef idx="0">
+              <a:schemeClr val="accent1"/>
+            </a:effectRef>
+            <a:fontRef idx="minor">
+              <a:schemeClr val="lt1"/>
+            </a:fontRef>
+          </p:style>
+          <p:txBody>
+            <a:bodyPr rtlCol="0" anchor="ctr"/>
+            <a:lstStyle/>
+            <a:p>
+              <a:pPr algn="ctr"/>
+              <a:endParaRPr lang="en-US"/>
+            </a:p>
+          </p:txBody>
+        </p:sp>
+      </p:grpSp>
+    </p:spTree>
+    <p:extLst>
+      <p:ext uri="{BB962C8B-B14F-4D97-AF65-F5344CB8AC3E}">
+        <p14:creationId xmlns:p14="http://schemas.microsoft.com/office/powerpoint/2010/main" val="800474014"/>
+      </p:ext>
+    </p:extLst>
+  </p:cSld>
+  <p:clrMapOvr>
+    <a:masterClrMapping/>
+  </p:clrMapOvr>
+  <p:timing>
+    <p:tnLst>
+      <p:par>
+        <p:cTn id="1" dur="indefinite" restart="never" nodeType="tmRoot">
+          <p:childTnLst>
+            <p:seq concurrent="1" nextAc="seek">
+              <p:cTn id="2" dur="indefinite" nodeType="mainSeq">
+                <p:childTnLst>
+                  <p:par>
+                    <p:cTn id="3" fill="hold">
+                      <p:stCondLst>
+                        <p:cond delay="indefinite"/>
+                        <p:cond evt="onBegin" delay="0">
+                          <p:tn val="2"/>
+                        </p:cond>
+                      </p:stCondLst>
+                      <p:childTnLst>
+                        <p:par>
+                          <p:cTn id="4" fill="hold">
+                            <p:stCondLst>
+                              <p:cond delay="0"/>
+                            </p:stCondLst>
+                            <p:childTnLst>
+                              <p:par>
+                                <p:cTn id="5" presetID="42" presetClass="path" presetSubtype="0" accel="50000" decel="50000" fill="hold" grpId="0" nodeType="withEffect">
+                                  <p:stCondLst>
+                                    <p:cond delay="1000"/>
+                                  </p:stCondLst>
+                                  <p:childTnLst>
+                                    <p:animMotion origin="layout" path="M -1.25E-6 -2.22222E-6 L -1.25E-6 -0.15463 " pathEditMode="relative" rAng="0" ptsTypes="AA">
+                                      <p:cBhvr>
+                                        <p:cTn id="6" dur="2000" fill="hold"/>
+                                        <p:tgtEl>
+                                          <p:spTgt spid="6"/>
+                                        </p:tgtEl>
+                                        <p:attrNameLst>
+                                          <p:attrName>ppt_x</p:attrName>
+                                          <p:attrName>ppt_y</p:attrName>
+                                        </p:attrNameLst>
+                                      </p:cBhvr>
+                                      <p:rCtr x="0" y="-7731"/>
+                                    </p:animMotion>
+                                  </p:childTnLst>
+                                </p:cTn>
+                              </p:par>
+                            </p:childTnLst>
+                          </p:cTn>
+                        </p:par>
+                      </p:childTnLst>
+                    </p:cTn>
+                  </p:par>
+                </p:childTnLst>
+              </p:cTn>
+              <p:prevCondLst>
+                <p:cond evt="onPrev" delay="0">
+                  <p:tgtEl>
+                    <p:sldTgt/>
+                  </p:tgtEl>
+                </p:cond>
+              </p:prevCondLst>
+              <p:nextCondLst>
+                <p:cond evt="onNext" delay="0">
+                  <p:tgtEl>
+                    <p:sldTgt/>
+                  </p:tgtEl>
+                </p:cond>
+              </p:nextCondLst>
+            </p:seq>
+          </p:childTnLst>
+        </p:cTn>
+      </p:par>
+    </p:tnLst>
+    <p:bldLst>
+      <p:bldP spid="6" grpId="0"/>
+    </p:bldLst>
+  </p:timing>
+</p:sld>
+</file>
+
+<file path=ppt/slides/slide11.xml><?xml version="1.0" encoding="utf-8"?>
+<p:sld xmlns:a="http://schemas.openxmlformats.org/drawingml/2006/main" xmlns:r="http://schemas.openxmlformats.org/officeDocument/2006/relationships" xmlns:p="http://schemas.openxmlformats.org/presentationml/2006/main">
+  <p:cSld>
+    <p:spTree>
+      <p:nvGrpSpPr>
+        <p:cNvPr id="1" name=""/>
+        <p:cNvGrpSpPr/>
+        <p:nvPr/>
+      </p:nvGrpSpPr>
+      <p:grpSpPr>
+        <a:xfrm>
+          <a:off x="0" y="0"/>
+          <a:ext cx="0" cy="0"/>
+          <a:chOff x="0" y="0"/>
+          <a:chExt cx="0" cy="0"/>
+        </a:xfrm>
+      </p:grpSpPr>
+      <p:sp>
+        <p:nvSpPr>
+          <p:cNvPr id="8" name="Rectangle 7"/>
+          <p:cNvSpPr/>
+          <p:nvPr/>
+        </p:nvSpPr>
+        <p:spPr>
+          <a:xfrm>
+            <a:off x="4800600" y="1048624"/>
+            <a:ext cx="2623931" cy="4676315"/>
+          </a:xfrm>
+          <a:prstGeom prst="rect">
+            <a:avLst/>
+          </a:prstGeom>
+          <a:solidFill>
+            <a:srgbClr val="335B74"/>
+          </a:solidFill>
+          <a:ln>
+            <a:noFill/>
+          </a:ln>
+        </p:spPr>
+        <p:style>
+          <a:lnRef idx="2">
+            <a:schemeClr val="accent1">
+              <a:shade val="50000"/>
+            </a:schemeClr>
+          </a:lnRef>
+          <a:fillRef idx="1">
+            <a:schemeClr val="accent1"/>
+          </a:fillRef>
+          <a:effectRef idx="0">
+            <a:schemeClr val="accent1"/>
+          </a:effectRef>
+          <a:fontRef idx="minor">
+            <a:schemeClr val="lt1"/>
+          </a:fontRef>
+        </p:style>
+        <p:txBody>
+          <a:bodyPr rtlCol="0" anchor="ctr"/>
+          <a:lstStyle/>
+          <a:p>
+            <a:pPr algn="ctr"/>
+            <a:endParaRPr lang="en-US" dirty="0"/>
+          </a:p>
+        </p:txBody>
+      </p:sp>
+      <p:sp>
+        <p:nvSpPr>
+          <p:cNvPr id="2" name="TextBox 1"/>
+          <p:cNvSpPr txBox="1"/>
+          <p:nvPr/>
+        </p:nvSpPr>
+        <p:spPr>
+          <a:xfrm>
+            <a:off x="9315450" y="5876925"/>
+            <a:ext cx="2333625" cy="369332"/>
+          </a:xfrm>
+          <a:prstGeom prst="rect">
+            <a:avLst/>
+          </a:prstGeom>
+          <a:noFill/>
+        </p:spPr>
+        <p:txBody>
+          <a:bodyPr wrap="square" rtlCol="0">
+            <a:spAutoFit/>
+          </a:bodyPr>
+          <a:lstStyle/>
+          <a:p>
+            <a:r>
+              <a:rPr lang="en-US" dirty="0">
+                <a:latin typeface="Malgun Gothic Semilight" panose="020B0502040204020203" pitchFamily="34" charset="-128"/>
+                <a:ea typeface="Malgun Gothic Semilight" panose="020B0502040204020203" pitchFamily="34" charset="-128"/>
+                <a:cs typeface="Malgun Gothic Semilight" panose="020B0502040204020203" pitchFamily="34" charset="-128"/>
+              </a:rPr>
+              <a:t>Results Screen</a:t>
+            </a:r>
+          </a:p>
+        </p:txBody>
+      </p:sp>
+      <p:sp>
+        <p:nvSpPr>
+          <p:cNvPr id="6" name="TextBox 5"/>
+          <p:cNvSpPr txBox="1"/>
+          <p:nvPr/>
+        </p:nvSpPr>
+        <p:spPr>
+          <a:xfrm>
+            <a:off x="5625833" y="3202115"/>
+            <a:ext cx="973463" cy="369332"/>
+          </a:xfrm>
+          <a:prstGeom prst="rect">
+            <a:avLst/>
+          </a:prstGeom>
+          <a:noFill/>
+        </p:spPr>
+        <p:txBody>
+          <a:bodyPr wrap="square" rtlCol="0">
+            <a:spAutoFit/>
+          </a:bodyPr>
+          <a:lstStyle/>
+          <a:p>
+            <a:pPr marL="0" marR="0" lvl="0" indent="0" algn="ctr" defTabSz="914400" eaLnBrk="1" fontAlgn="auto" latinLnBrk="0" hangingPunct="1">
+              <a:lnSpc>
+                <a:spcPct val="100000"/>
+              </a:lnSpc>
+              <a:spcBef>
+                <a:spcPts val="0"/>
+              </a:spcBef>
+              <a:spcAft>
+                <a:spcPts val="0"/>
+              </a:spcAft>
+              <a:buClrTx/>
+              <a:buSzTx/>
+              <a:buFontTx/>
+              <a:buNone/>
+              <a:tabLst/>
+              <a:defRPr/>
+            </a:pPr>
+            <a:r>
+              <a:rPr kumimoji="0" lang="en-US" sz="1800" b="0" i="0" u="none" strike="noStrike" kern="0" cap="none" spc="0" normalizeH="0" baseline="0" noProof="0" dirty="0">
+                <a:ln>
+                  <a:noFill/>
+                </a:ln>
+                <a:solidFill>
+                  <a:schemeClr val="bg1"/>
+                </a:solidFill>
+                <a:effectLst/>
+                <a:uLnTx/>
+                <a:uFillTx/>
+                <a:latin typeface="Malgun Gothic Semilight" panose="020B0502040204020203" pitchFamily="34" charset="-128"/>
+                <a:ea typeface="Malgun Gothic Semilight" panose="020B0502040204020203" pitchFamily="34" charset="-128"/>
+                <a:cs typeface="Malgun Gothic Semilight" panose="020B0502040204020203" pitchFamily="34" charset="-128"/>
+              </a:rPr>
+              <a:t>Even II</a:t>
+            </a:r>
+          </a:p>
+        </p:txBody>
+      </p:sp>
+      <p:pic>
+        <p:nvPicPr>
+          <p:cNvPr id="5" name="Picture 4"/>
+          <p:cNvPicPr>
+            <a:picLocks noChangeAspect="1"/>
+          </p:cNvPicPr>
+          <p:nvPr/>
+        </p:nvPicPr>
+        <p:blipFill>
+          <a:blip r:embed="rId2"/>
+          <a:stretch>
+            <a:fillRect/>
+          </a:stretch>
+        </p:blipFill>
+        <p:spPr>
+          <a:xfrm>
+            <a:off x="4800599" y="1053959"/>
+            <a:ext cx="2623931" cy="4664767"/>
+          </a:xfrm>
+          <a:prstGeom prst="rect">
+            <a:avLst/>
+          </a:prstGeom>
+        </p:spPr>
+      </p:pic>
+      <p:sp>
+        <p:nvSpPr>
+          <p:cNvPr id="7" name="Rectangle 6"/>
+          <p:cNvSpPr/>
+          <p:nvPr/>
+        </p:nvSpPr>
+        <p:spPr>
+          <a:xfrm>
+            <a:off x="4920343" y="1776552"/>
+            <a:ext cx="1123406" cy="661851"/>
+          </a:xfrm>
+          <a:prstGeom prst="rect">
+            <a:avLst/>
+          </a:prstGeom>
+          <a:solidFill>
+            <a:srgbClr val="3E6F8E"/>
+          </a:solidFill>
+        </p:spPr>
+        <p:style>
+          <a:lnRef idx="2">
+            <a:schemeClr val="accent1">
+              <a:shade val="50000"/>
+            </a:schemeClr>
+          </a:lnRef>
+          <a:fillRef idx="1">
+            <a:schemeClr val="accent1"/>
+          </a:fillRef>
+          <a:effectRef idx="0">
+            <a:schemeClr val="accent1"/>
+          </a:effectRef>
+          <a:fontRef idx="minor">
+            <a:schemeClr val="lt1"/>
+          </a:fontRef>
+        </p:style>
+        <p:txBody>
+          <a:bodyPr rtlCol="0" anchor="ctr"/>
+          <a:lstStyle/>
+          <a:p>
+            <a:pPr algn="ctr"/>
+            <a:r>
+              <a:rPr lang="en-US" sz="2800" dirty="0"/>
+              <a:t>A</a:t>
+            </a:r>
+          </a:p>
+        </p:txBody>
+      </p:sp>
+      <p:sp>
+        <p:nvSpPr>
+          <p:cNvPr id="9" name="Rectangle 8"/>
+          <p:cNvSpPr/>
+          <p:nvPr/>
+        </p:nvSpPr>
+        <p:spPr>
+          <a:xfrm>
+            <a:off x="6172436" y="1776552"/>
+            <a:ext cx="1123406" cy="661851"/>
+          </a:xfrm>
+          <a:prstGeom prst="rect">
+            <a:avLst/>
+          </a:prstGeom>
+          <a:solidFill>
+            <a:srgbClr val="3E6F8E"/>
+          </a:solidFill>
+        </p:spPr>
+        <p:style>
+          <a:lnRef idx="2">
+            <a:schemeClr val="accent1">
+              <a:shade val="50000"/>
+            </a:schemeClr>
+          </a:lnRef>
+          <a:fillRef idx="1">
+            <a:schemeClr val="accent1"/>
+          </a:fillRef>
+          <a:effectRef idx="0">
+            <a:schemeClr val="accent1"/>
+          </a:effectRef>
+          <a:fontRef idx="minor">
+            <a:schemeClr val="lt1"/>
+          </a:fontRef>
+        </p:style>
+        <p:txBody>
+          <a:bodyPr rtlCol="0" anchor="ctr"/>
+          <a:lstStyle/>
+          <a:p>
+            <a:pPr algn="ctr"/>
+            <a:r>
+              <a:rPr lang="en-US" sz="2800" dirty="0"/>
+              <a:t>B</a:t>
+            </a:r>
+          </a:p>
+        </p:txBody>
+      </p:sp>
+      <p:sp>
+        <p:nvSpPr>
+          <p:cNvPr id="10" name="TextBox 9"/>
+          <p:cNvSpPr txBox="1"/>
+          <p:nvPr/>
+        </p:nvSpPr>
+        <p:spPr>
+          <a:xfrm>
+            <a:off x="4920343" y="2394863"/>
+            <a:ext cx="2375499" cy="1477328"/>
+          </a:xfrm>
+          <a:prstGeom prst="rect">
+            <a:avLst/>
+          </a:prstGeom>
+          <a:noFill/>
+        </p:spPr>
+        <p:txBody>
+          <a:bodyPr wrap="square" rtlCol="0">
+            <a:spAutoFit/>
+          </a:bodyPr>
+          <a:lstStyle/>
+          <a:p>
+            <a:r>
+              <a:rPr lang="en-US" dirty="0">
+                <a:solidFill>
+                  <a:schemeClr val="bg1">
+                    <a:lumMod val="95000"/>
+                  </a:schemeClr>
+                </a:solidFill>
+              </a:rPr>
+              <a:t>Albert	      Beth</a:t>
+            </a:r>
+          </a:p>
+          <a:p>
+            <a:endParaRPr lang="en-US" dirty="0">
+              <a:solidFill>
+                <a:schemeClr val="bg1">
+                  <a:lumMod val="95000"/>
+                </a:schemeClr>
+              </a:solidFill>
+            </a:endParaRPr>
+          </a:p>
+          <a:p>
+            <a:endParaRPr lang="en-US" dirty="0">
+              <a:solidFill>
+                <a:schemeClr val="bg1">
+                  <a:lumMod val="95000"/>
+                </a:schemeClr>
+              </a:solidFill>
+            </a:endParaRPr>
+          </a:p>
+          <a:p>
+            <a:endParaRPr lang="en-US" dirty="0">
+              <a:solidFill>
+                <a:schemeClr val="bg1">
+                  <a:lumMod val="95000"/>
+                </a:schemeClr>
+              </a:solidFill>
+            </a:endParaRPr>
+          </a:p>
+          <a:p>
+            <a:r>
+              <a:rPr lang="en-US" dirty="0">
+                <a:solidFill>
+                  <a:schemeClr val="bg1">
+                    <a:lumMod val="95000"/>
+                  </a:schemeClr>
+                </a:solidFill>
+              </a:rPr>
+              <a:t>Pearl	       Add</a:t>
+            </a:r>
+          </a:p>
+        </p:txBody>
+      </p:sp>
+      <p:sp>
+        <p:nvSpPr>
+          <p:cNvPr id="3" name="Rectangle 2"/>
+          <p:cNvSpPr/>
+          <p:nvPr/>
+        </p:nvSpPr>
+        <p:spPr>
+          <a:xfrm>
+            <a:off x="4800599" y="1715589"/>
+            <a:ext cx="2623931" cy="3718560"/>
+          </a:xfrm>
+          <a:prstGeom prst="rect">
+            <a:avLst/>
+          </a:prstGeom>
+          <a:solidFill>
+            <a:srgbClr val="A5B6C1"/>
+          </a:solidFill>
+          <a:ln>
+            <a:noFill/>
+          </a:ln>
+        </p:spPr>
+        <p:style>
+          <a:lnRef idx="2">
+            <a:schemeClr val="accent1">
+              <a:shade val="50000"/>
+            </a:schemeClr>
+          </a:lnRef>
+          <a:fillRef idx="1">
+            <a:schemeClr val="accent1"/>
+          </a:fillRef>
+          <a:effectRef idx="0">
+            <a:schemeClr val="accent1"/>
+          </a:effectRef>
+          <a:fontRef idx="minor">
+            <a:schemeClr val="lt1"/>
+          </a:fontRef>
+        </p:style>
+        <p:txBody>
+          <a:bodyPr rtlCol="0" anchor="ctr"/>
+          <a:lstStyle/>
+          <a:p>
+            <a:pPr algn="ctr"/>
+            <a:endParaRPr lang="en-US">
+              <a:ln w="0"/>
+              <a:solidFill>
+                <a:schemeClr val="tx1"/>
+              </a:solidFill>
+              <a:effectLst>
+                <a:outerShdw blurRad="38100" dist="19050" dir="2700000" algn="tl" rotWithShape="0">
+                  <a:schemeClr val="dk1">
+                    <a:alpha val="40000"/>
+                  </a:schemeClr>
+                </a:outerShdw>
+              </a:effectLst>
+            </a:endParaRPr>
+          </a:p>
+        </p:txBody>
+      </p:sp>
+      <p:sp>
+        <p:nvSpPr>
+          <p:cNvPr id="21" name="Rectangle 20"/>
+          <p:cNvSpPr/>
+          <p:nvPr/>
+        </p:nvSpPr>
+        <p:spPr>
+          <a:xfrm>
+            <a:off x="4800598" y="1431012"/>
+            <a:ext cx="2623932" cy="2949399"/>
+          </a:xfrm>
+          <a:prstGeom prst="rect">
+            <a:avLst/>
+          </a:prstGeom>
+          <a:noFill/>
+          <a:ln>
+            <a:noFill/>
+          </a:ln>
+        </p:spPr>
+        <p:style>
+          <a:lnRef idx="2">
+            <a:schemeClr val="accent1">
+              <a:shade val="50000"/>
+            </a:schemeClr>
+          </a:lnRef>
+          <a:fillRef idx="1">
+            <a:schemeClr val="accent1"/>
+          </a:fillRef>
+          <a:effectRef idx="0">
+            <a:schemeClr val="accent1"/>
+          </a:effectRef>
+          <a:fontRef idx="minor">
+            <a:schemeClr val="lt1"/>
+          </a:fontRef>
+        </p:style>
+        <p:txBody>
+          <a:bodyPr rtlCol="0" anchor="ctr"/>
+          <a:lstStyle/>
+          <a:p>
+            <a:pPr algn="ctr"/>
+            <a:r>
+              <a:rPr lang="en-US" sz="2000" dirty="0"/>
+              <a:t>No results :(</a:t>
+            </a:r>
+          </a:p>
+          <a:p>
+            <a:pPr algn="ctr"/>
+            <a:r>
+              <a:rPr lang="en-US" sz="2000" dirty="0"/>
+              <a:t>What does this mean ?</a:t>
+            </a:r>
+          </a:p>
+          <a:p>
+            <a:pPr algn="ctr"/>
+            <a:endParaRPr lang="en-US" sz="2000" dirty="0"/>
+          </a:p>
+          <a:p>
+            <a:pPr algn="ctr"/>
+            <a:endParaRPr lang="en-US" sz="2000" dirty="0"/>
+          </a:p>
+          <a:p>
+            <a:pPr algn="ctr"/>
+            <a:endParaRPr lang="en-US" sz="2000" dirty="0"/>
+          </a:p>
+        </p:txBody>
+      </p:sp>
+      <p:sp>
+        <p:nvSpPr>
+          <p:cNvPr id="26" name="Oval 25"/>
+          <p:cNvSpPr/>
+          <p:nvPr/>
+        </p:nvSpPr>
+        <p:spPr>
+          <a:xfrm>
+            <a:off x="6664328" y="4876800"/>
+            <a:ext cx="557349" cy="557349"/>
+          </a:xfrm>
+          <a:prstGeom prst="ellipse">
+            <a:avLst/>
+          </a:prstGeom>
+          <a:solidFill>
+            <a:srgbClr val="3E6F8E"/>
+          </a:solidFill>
+        </p:spPr>
+        <p:style>
+          <a:lnRef idx="2">
+            <a:schemeClr val="accent1">
+              <a:shade val="50000"/>
+            </a:schemeClr>
+          </a:lnRef>
+          <a:fillRef idx="1">
+            <a:schemeClr val="accent1"/>
+          </a:fillRef>
+          <a:effectRef idx="0">
+            <a:schemeClr val="accent1"/>
+          </a:effectRef>
+          <a:fontRef idx="minor">
+            <a:schemeClr val="lt1"/>
+          </a:fontRef>
+        </p:style>
+        <p:txBody>
+          <a:bodyPr rtlCol="0" anchor="ctr"/>
+          <a:lstStyle/>
+          <a:p>
+            <a:pPr algn="ctr"/>
+            <a:r>
+              <a:rPr lang="en-US" sz="2800" b="1"/>
+              <a:t>✓</a:t>
+            </a:r>
+          </a:p>
+        </p:txBody>
+      </p:sp>
+      <p:grpSp>
+        <p:nvGrpSpPr>
+          <p:cNvPr id="27" name="Group 26"/>
+          <p:cNvGrpSpPr/>
+          <p:nvPr/>
+        </p:nvGrpSpPr>
+        <p:grpSpPr>
+          <a:xfrm>
+            <a:off x="5351418" y="3319777"/>
+            <a:ext cx="1528353" cy="128818"/>
+            <a:chOff x="1341120" y="2229394"/>
+            <a:chExt cx="1214845" cy="159257"/>
+          </a:xfrm>
+        </p:grpSpPr>
+        <p:cxnSp>
+          <p:nvCxnSpPr>
+            <p:cNvPr id="28" name="Straight Connector 27"/>
+            <p:cNvCxnSpPr/>
+            <p:nvPr/>
+          </p:nvCxnSpPr>
+          <p:spPr>
+            <a:xfrm>
+              <a:off x="1341120" y="2229394"/>
+              <a:ext cx="0" cy="159257"/>
+            </a:xfrm>
+            <a:prstGeom prst="line">
+              <a:avLst/>
+            </a:prstGeom>
+            <a:ln w="28575"/>
+          </p:spPr>
+          <p:style>
+            <a:lnRef idx="1">
+              <a:schemeClr val="accent1"/>
+            </a:lnRef>
+            <a:fillRef idx="0">
+              <a:schemeClr val="accent1"/>
+            </a:fillRef>
+            <a:effectRef idx="0">
+              <a:schemeClr val="accent1"/>
+            </a:effectRef>
+            <a:fontRef idx="minor">
+              <a:schemeClr val="tx1"/>
+            </a:fontRef>
+          </p:style>
+        </p:cxnSp>
+        <p:cxnSp>
+          <p:nvCxnSpPr>
+            <p:cNvPr id="29" name="Straight Connector 28"/>
+            <p:cNvCxnSpPr/>
+            <p:nvPr/>
+          </p:nvCxnSpPr>
+          <p:spPr>
+            <a:xfrm>
+              <a:off x="2555965" y="2229394"/>
+              <a:ext cx="0" cy="159257"/>
+            </a:xfrm>
+            <a:prstGeom prst="line">
+              <a:avLst/>
+            </a:prstGeom>
+            <a:ln w="28575"/>
+          </p:spPr>
+          <p:style>
+            <a:lnRef idx="1">
+              <a:schemeClr val="accent1"/>
+            </a:lnRef>
+            <a:fillRef idx="0">
+              <a:schemeClr val="accent1"/>
+            </a:fillRef>
+            <a:effectRef idx="0">
+              <a:schemeClr val="accent1"/>
+            </a:effectRef>
+            <a:fontRef idx="minor">
+              <a:schemeClr val="tx1"/>
+            </a:fontRef>
+          </p:style>
+        </p:cxnSp>
+        <p:cxnSp>
+          <p:nvCxnSpPr>
+            <p:cNvPr id="30" name="Straight Connector 29"/>
+            <p:cNvCxnSpPr/>
+            <p:nvPr/>
+          </p:nvCxnSpPr>
+          <p:spPr>
+            <a:xfrm>
+              <a:off x="1341120" y="2379942"/>
+              <a:ext cx="1214845" cy="0"/>
+            </a:xfrm>
+            <a:prstGeom prst="line">
+              <a:avLst/>
+            </a:prstGeom>
+            <a:ln w="28575"/>
+          </p:spPr>
+          <p:style>
+            <a:lnRef idx="1">
+              <a:schemeClr val="accent1"/>
+            </a:lnRef>
+            <a:fillRef idx="0">
+              <a:schemeClr val="accent1"/>
+            </a:fillRef>
+            <a:effectRef idx="0">
+              <a:schemeClr val="accent1"/>
+            </a:effectRef>
+            <a:fontRef idx="minor">
+              <a:schemeClr val="tx1"/>
+            </a:fontRef>
+          </p:style>
+        </p:cxnSp>
+      </p:grpSp>
+      <p:pic>
+        <p:nvPicPr>
+          <p:cNvPr id="31" name="Picture 2" descr="http://2.bp.blogspot.com/-8k_yYUfDyn0/VlGEI-ojuvI/AAAAAAAAA4I/C7gDVCOqmrA/s1600/nexus2cee-image37.png"/>
+          <p:cNvPicPr>
+            <a:picLocks noChangeAspect="1" noChangeArrowheads="1"/>
+          </p:cNvPicPr>
+          <p:nvPr/>
+        </p:nvPicPr>
+        <p:blipFill>
+          <a:blip r:embed="rId3">
+            <a:extLst>
+              <a:ext uri="{28A0092B-C50C-407E-A947-70E740481C1C}">
+                <a14:useLocalDpi xmlns:a14="http://schemas.microsoft.com/office/drawing/2010/main" val="0"/>
+              </a:ext>
+            </a:extLst>
+          </a:blip>
+          <a:srcRect/>
+          <a:stretch>
+            <a:fillRect/>
+          </a:stretch>
+        </p:blipFill>
+        <p:spPr bwMode="auto">
+          <a:xfrm>
+            <a:off x="4800598" y="4214947"/>
+            <a:ext cx="2620116" cy="1515301"/>
+          </a:xfrm>
+          <a:prstGeom prst="rect">
+            <a:avLst/>
+          </a:prstGeom>
+          <a:noFill/>
+          <a:extLst>
+            <a:ext uri="{909E8E84-426E-40DD-AFC4-6F175D3DCCD1}">
+              <a14:hiddenFill xmlns:a14="http://schemas.microsoft.com/office/drawing/2010/main">
+                <a:solidFill>
+                  <a:srgbClr val="FFFFFF"/>
+                </a:solidFill>
+              </a14:hiddenFill>
+            </a:ext>
+          </a:extLst>
+        </p:spPr>
+      </p:pic>
+      <p:grpSp>
+        <p:nvGrpSpPr>
+          <p:cNvPr id="39" name="Group 38"/>
+          <p:cNvGrpSpPr/>
+          <p:nvPr/>
+        </p:nvGrpSpPr>
+        <p:grpSpPr>
+          <a:xfrm>
+            <a:off x="4998722" y="357051"/>
+            <a:ext cx="1802674" cy="6200503"/>
+            <a:chOff x="4963886" y="357051"/>
+            <a:chExt cx="1802674" cy="6200503"/>
+          </a:xfrm>
+        </p:grpSpPr>
+        <p:sp>
+          <p:nvSpPr>
+            <p:cNvPr id="40" name="Rectangle 39"/>
+            <p:cNvSpPr/>
+            <p:nvPr/>
+          </p:nvSpPr>
+          <p:spPr>
+            <a:xfrm>
+              <a:off x="5799909" y="357051"/>
+              <a:ext cx="583474" cy="130629"/>
+            </a:xfrm>
+            <a:prstGeom prst="rect">
+              <a:avLst/>
+            </a:prstGeom>
+            <a:solidFill>
+              <a:srgbClr val="F2F2F2"/>
+            </a:solidFill>
+            <a:ln>
+              <a:noFill/>
+            </a:ln>
+          </p:spPr>
+          <p:style>
+            <a:lnRef idx="2">
+              <a:schemeClr val="accent1">
+                <a:shade val="50000"/>
+              </a:schemeClr>
+            </a:lnRef>
+            <a:fillRef idx="1">
+              <a:schemeClr val="accent1"/>
+            </a:fillRef>
+            <a:effectRef idx="0">
+              <a:schemeClr val="accent1"/>
+            </a:effectRef>
+            <a:fontRef idx="minor">
+              <a:schemeClr val="lt1"/>
+            </a:fontRef>
+          </p:style>
+          <p:txBody>
+            <a:bodyPr rtlCol="0" anchor="ctr"/>
+            <a:lstStyle/>
+            <a:p>
+              <a:pPr algn="ctr"/>
+              <a:endParaRPr lang="en-US"/>
+            </a:p>
+          </p:txBody>
+        </p:sp>
+        <p:sp>
+          <p:nvSpPr>
+            <p:cNvPr id="41" name="Rectangle 40"/>
+            <p:cNvSpPr/>
+            <p:nvPr/>
+          </p:nvSpPr>
+          <p:spPr>
+            <a:xfrm>
+              <a:off x="5503818" y="5858576"/>
+              <a:ext cx="1262742" cy="698978"/>
+            </a:xfrm>
+            <a:prstGeom prst="rect">
+              <a:avLst/>
+            </a:prstGeom>
+            <a:solidFill>
+              <a:srgbClr val="F2F2F2"/>
+            </a:solidFill>
+            <a:ln>
+              <a:noFill/>
+            </a:ln>
+          </p:spPr>
+          <p:style>
+            <a:lnRef idx="2">
+              <a:schemeClr val="accent1">
+                <a:shade val="50000"/>
+              </a:schemeClr>
+            </a:lnRef>
+            <a:fillRef idx="1">
+              <a:schemeClr val="accent1"/>
+            </a:fillRef>
+            <a:effectRef idx="0">
+              <a:schemeClr val="accent1"/>
+            </a:effectRef>
+            <a:fontRef idx="minor">
+              <a:schemeClr val="lt1"/>
+            </a:fontRef>
+          </p:style>
+          <p:txBody>
+            <a:bodyPr rtlCol="0" anchor="ctr"/>
+            <a:lstStyle/>
+            <a:p>
+              <a:pPr algn="ctr"/>
+              <a:endParaRPr lang="en-US"/>
+            </a:p>
+          </p:txBody>
+        </p:sp>
+        <p:sp>
+          <p:nvSpPr>
+            <p:cNvPr id="42" name="Oval 41"/>
+            <p:cNvSpPr/>
+            <p:nvPr/>
+          </p:nvSpPr>
+          <p:spPr>
+            <a:xfrm>
+              <a:off x="4963886" y="487680"/>
+              <a:ext cx="113211" cy="113211"/>
+            </a:xfrm>
+            <a:prstGeom prst="ellipse">
+              <a:avLst/>
+            </a:prstGeom>
+          </p:spPr>
+          <p:style>
+            <a:lnRef idx="2">
+              <a:schemeClr val="dk1">
+                <a:shade val="50000"/>
+              </a:schemeClr>
+            </a:lnRef>
+            <a:fillRef idx="1">
+              <a:schemeClr val="dk1"/>
+            </a:fillRef>
+            <a:effectRef idx="0">
+              <a:schemeClr val="dk1"/>
+            </a:effectRef>
+            <a:fontRef idx="minor">
+              <a:schemeClr val="lt1"/>
+            </a:fontRef>
+          </p:style>
+          <p:txBody>
+            <a:bodyPr rtlCol="0" anchor="ctr"/>
+            <a:lstStyle/>
+            <a:p>
+              <a:pPr algn="ctr"/>
+              <a:endParaRPr lang="en-US"/>
+            </a:p>
+          </p:txBody>
+        </p:sp>
+        <p:sp>
+          <p:nvSpPr>
+            <p:cNvPr id="43" name="Rectangle 42"/>
+            <p:cNvSpPr/>
+            <p:nvPr/>
+          </p:nvSpPr>
+          <p:spPr>
+            <a:xfrm>
+              <a:off x="5216435" y="628388"/>
+              <a:ext cx="583474" cy="130629"/>
+            </a:xfrm>
+            <a:prstGeom prst="rect">
+              <a:avLst/>
+            </a:prstGeom>
+            <a:solidFill>
+              <a:srgbClr val="F2F2F2"/>
+            </a:solidFill>
+            <a:ln>
+              <a:noFill/>
+            </a:ln>
+          </p:spPr>
+          <p:style>
+            <a:lnRef idx="2">
+              <a:schemeClr val="accent1">
+                <a:shade val="50000"/>
+              </a:schemeClr>
+            </a:lnRef>
+            <a:fillRef idx="1">
+              <a:schemeClr val="accent1"/>
+            </a:fillRef>
+            <a:effectRef idx="0">
+              <a:schemeClr val="accent1"/>
+            </a:effectRef>
+            <a:fontRef idx="minor">
+              <a:schemeClr val="lt1"/>
+            </a:fontRef>
+          </p:style>
+          <p:txBody>
+            <a:bodyPr rtlCol="0" anchor="ctr"/>
+            <a:lstStyle/>
+            <a:p>
+              <a:pPr algn="ctr"/>
+              <a:endParaRPr lang="en-US"/>
+            </a:p>
+          </p:txBody>
+        </p:sp>
+        <p:sp>
+          <p:nvSpPr>
+            <p:cNvPr id="44" name="Rounded Rectangle 43"/>
+            <p:cNvSpPr/>
+            <p:nvPr/>
+          </p:nvSpPr>
+          <p:spPr>
+            <a:xfrm>
+              <a:off x="5416735" y="373617"/>
+              <a:ext cx="1275805" cy="98398"/>
+            </a:xfrm>
+            <a:prstGeom prst="roundRect">
+              <a:avLst/>
+            </a:prstGeom>
+            <a:solidFill>
+              <a:srgbClr val="F2F2F2"/>
+            </a:solidFill>
+            <a:ln>
+              <a:solidFill>
+                <a:schemeClr val="bg1">
+                  <a:lumMod val="50000"/>
+                </a:schemeClr>
+              </a:solidFill>
+            </a:ln>
+          </p:spPr>
+          <p:style>
+            <a:lnRef idx="2">
+              <a:schemeClr val="accent1">
+                <a:shade val="50000"/>
+              </a:schemeClr>
+            </a:lnRef>
+            <a:fillRef idx="1">
+              <a:schemeClr val="accent1"/>
+            </a:fillRef>
+            <a:effectRef idx="0">
+              <a:schemeClr val="accent1"/>
+            </a:effectRef>
+            <a:fontRef idx="minor">
+              <a:schemeClr val="lt1"/>
+            </a:fontRef>
+          </p:style>
+          <p:txBody>
+            <a:bodyPr rtlCol="0" anchor="ctr"/>
+            <a:lstStyle/>
+            <a:p>
+              <a:pPr algn="ctr"/>
+              <a:endParaRPr lang="en-US"/>
+            </a:p>
+          </p:txBody>
+        </p:sp>
+      </p:grpSp>
+    </p:spTree>
+    <p:extLst>
+      <p:ext uri="{BB962C8B-B14F-4D97-AF65-F5344CB8AC3E}">
+        <p14:creationId xmlns:p14="http://schemas.microsoft.com/office/powerpoint/2010/main" val="1467601557"/>
+      </p:ext>
+    </p:extLst>
+  </p:cSld>
+  <p:clrMapOvr>
+    <a:masterClrMapping/>
+  </p:clrMapOvr>
+  <p:timing>
+    <p:tnLst>
+      <p:par>
+        <p:cTn id="1" dur="indefinite" restart="never" nodeType="tmRoot">
+          <p:childTnLst>
+            <p:seq concurrent="1" nextAc="seek">
+              <p:cTn id="2" dur="indefinite" nodeType="mainSeq">
+                <p:childTnLst>
+                  <p:par>
+                    <p:cTn id="3" fill="hold">
+                      <p:stCondLst>
+                        <p:cond delay="indefinite"/>
+                        <p:cond evt="onBegin" delay="0">
+                          <p:tn val="2"/>
+                        </p:cond>
+                      </p:stCondLst>
+                      <p:childTnLst>
+                        <p:par>
+                          <p:cTn id="4" fill="hold">
+                            <p:stCondLst>
+                              <p:cond delay="0"/>
+                            </p:stCondLst>
+                            <p:childTnLst>
+                              <p:par>
+                                <p:cTn id="5" presetID="42" presetClass="path" presetSubtype="0" accel="50000" decel="50000" fill="hold" grpId="0" nodeType="withEffect">
+                                  <p:stCondLst>
+                                    <p:cond delay="1000"/>
+                                  </p:stCondLst>
+                                  <p:childTnLst>
+                                    <p:animMotion origin="layout" path="M -1.25E-6 -2.22222E-6 L -1.25E-6 -0.15463 " pathEditMode="relative" rAng="0" ptsTypes="AA">
+                                      <p:cBhvr>
+                                        <p:cTn id="6" dur="2000" fill="hold"/>
+                                        <p:tgtEl>
+                                          <p:spTgt spid="6"/>
+                                        </p:tgtEl>
+                                        <p:attrNameLst>
+                                          <p:attrName>ppt_x</p:attrName>
+                                          <p:attrName>ppt_y</p:attrName>
+                                        </p:attrNameLst>
+                                      </p:cBhvr>
+                                      <p:rCtr x="0" y="-7731"/>
+                                    </p:animMotion>
+                                  </p:childTnLst>
+                                </p:cTn>
+                              </p:par>
+                            </p:childTnLst>
+                          </p:cTn>
+                        </p:par>
+                      </p:childTnLst>
+                    </p:cTn>
+                  </p:par>
+                </p:childTnLst>
+              </p:cTn>
+              <p:prevCondLst>
+                <p:cond evt="onPrev" delay="0">
+                  <p:tgtEl>
+                    <p:sldTgt/>
+                  </p:tgtEl>
+                </p:cond>
+              </p:prevCondLst>
+              <p:nextCondLst>
+                <p:cond evt="onNext" delay="0">
+                  <p:tgtEl>
+                    <p:sldTgt/>
+                  </p:tgtEl>
+                </p:cond>
+              </p:nextCondLst>
+            </p:seq>
+          </p:childTnLst>
+        </p:cTn>
+      </p:par>
+    </p:tnLst>
+    <p:bldLst>
+      <p:bldP spid="6" grpId="0"/>
+    </p:bldLst>
+  </p:timing>
+</p:sld>
+</file>
+
+<file path=ppt/slides/slide12.xml><?xml version="1.0" encoding="utf-8"?>
+<p:sld xmlns:a="http://schemas.openxmlformats.org/drawingml/2006/main" xmlns:r="http://schemas.openxmlformats.org/officeDocument/2006/relationships" xmlns:p="http://schemas.openxmlformats.org/presentationml/2006/main">
+  <p:cSld>
+    <p:spTree>
+      <p:nvGrpSpPr>
+        <p:cNvPr id="1" name=""/>
+        <p:cNvGrpSpPr/>
+        <p:nvPr/>
+      </p:nvGrpSpPr>
+      <p:grpSpPr>
+        <a:xfrm>
+          <a:off x="0" y="0"/>
+          <a:ext cx="0" cy="0"/>
+          <a:chOff x="0" y="0"/>
+          <a:chExt cx="0" cy="0"/>
+        </a:xfrm>
+      </p:grpSpPr>
+      <p:sp>
+        <p:nvSpPr>
+          <p:cNvPr id="8" name="Rectangle 7"/>
+          <p:cNvSpPr/>
+          <p:nvPr/>
+        </p:nvSpPr>
+        <p:spPr>
+          <a:xfrm>
+            <a:off x="4800600" y="1048624"/>
+            <a:ext cx="2623931" cy="4676315"/>
+          </a:xfrm>
+          <a:prstGeom prst="rect">
+            <a:avLst/>
+          </a:prstGeom>
+          <a:solidFill>
+            <a:srgbClr val="335B74"/>
+          </a:solidFill>
+          <a:ln>
+            <a:noFill/>
+          </a:ln>
+        </p:spPr>
+        <p:style>
+          <a:lnRef idx="2">
+            <a:schemeClr val="accent1">
+              <a:shade val="50000"/>
+            </a:schemeClr>
+          </a:lnRef>
+          <a:fillRef idx="1">
+            <a:schemeClr val="accent1"/>
+          </a:fillRef>
+          <a:effectRef idx="0">
+            <a:schemeClr val="accent1"/>
+          </a:effectRef>
+          <a:fontRef idx="minor">
+            <a:schemeClr val="lt1"/>
+          </a:fontRef>
+        </p:style>
+        <p:txBody>
+          <a:bodyPr rtlCol="0" anchor="ctr"/>
+          <a:lstStyle/>
+          <a:p>
+            <a:pPr algn="ctr"/>
+            <a:endParaRPr lang="en-US" dirty="0"/>
+          </a:p>
+        </p:txBody>
+      </p:sp>
+      <p:sp>
+        <p:nvSpPr>
+          <p:cNvPr id="2" name="TextBox 1"/>
+          <p:cNvSpPr txBox="1"/>
+          <p:nvPr/>
+        </p:nvSpPr>
+        <p:spPr>
+          <a:xfrm>
+            <a:off x="9315450" y="5876925"/>
+            <a:ext cx="2333625" cy="369332"/>
+          </a:xfrm>
+          <a:prstGeom prst="rect">
+            <a:avLst/>
+          </a:prstGeom>
+          <a:noFill/>
+        </p:spPr>
+        <p:txBody>
+          <a:bodyPr wrap="square" rtlCol="0">
+            <a:spAutoFit/>
+          </a:bodyPr>
+          <a:lstStyle/>
+          <a:p>
+            <a:r>
+              <a:rPr lang="en-US" dirty="0">
+                <a:latin typeface="Malgun Gothic Semilight" panose="020B0502040204020203" pitchFamily="34" charset="-128"/>
+                <a:ea typeface="Malgun Gothic Semilight" panose="020B0502040204020203" pitchFamily="34" charset="-128"/>
+                <a:cs typeface="Malgun Gothic Semilight" panose="020B0502040204020203" pitchFamily="34" charset="-128"/>
+              </a:rPr>
+              <a:t>Results Screen</a:t>
+            </a:r>
+          </a:p>
+        </p:txBody>
+      </p:sp>
+      <p:sp>
+        <p:nvSpPr>
+          <p:cNvPr id="6" name="TextBox 5"/>
+          <p:cNvSpPr txBox="1"/>
+          <p:nvPr/>
+        </p:nvSpPr>
+        <p:spPr>
+          <a:xfrm>
+            <a:off x="5625833" y="3202115"/>
+            <a:ext cx="973463" cy="369332"/>
+          </a:xfrm>
+          <a:prstGeom prst="rect">
+            <a:avLst/>
+          </a:prstGeom>
+          <a:noFill/>
+        </p:spPr>
+        <p:txBody>
+          <a:bodyPr wrap="square" rtlCol="0">
+            <a:spAutoFit/>
+          </a:bodyPr>
+          <a:lstStyle/>
+          <a:p>
+            <a:pPr marL="0" marR="0" lvl="0" indent="0" algn="ctr" defTabSz="914400" eaLnBrk="1" fontAlgn="auto" latinLnBrk="0" hangingPunct="1">
+              <a:lnSpc>
+                <a:spcPct val="100000"/>
+              </a:lnSpc>
+              <a:spcBef>
+                <a:spcPts val="0"/>
+              </a:spcBef>
+              <a:spcAft>
+                <a:spcPts val="0"/>
+              </a:spcAft>
+              <a:buClrTx/>
+              <a:buSzTx/>
+              <a:buFontTx/>
+              <a:buNone/>
+              <a:tabLst/>
+              <a:defRPr/>
+            </a:pPr>
+            <a:r>
+              <a:rPr kumimoji="0" lang="en-US" sz="1800" b="0" i="0" u="none" strike="noStrike" kern="0" cap="none" spc="0" normalizeH="0" baseline="0" noProof="0" dirty="0">
+                <a:ln>
+                  <a:noFill/>
+                </a:ln>
+                <a:solidFill>
+                  <a:schemeClr val="bg1"/>
+                </a:solidFill>
+                <a:effectLst/>
+                <a:uLnTx/>
+                <a:uFillTx/>
+                <a:latin typeface="Malgun Gothic Semilight" panose="020B0502040204020203" pitchFamily="34" charset="-128"/>
+                <a:ea typeface="Malgun Gothic Semilight" panose="020B0502040204020203" pitchFamily="34" charset="-128"/>
+                <a:cs typeface="Malgun Gothic Semilight" panose="020B0502040204020203" pitchFamily="34" charset="-128"/>
+              </a:rPr>
+              <a:t>Even II</a:t>
+            </a:r>
+          </a:p>
+        </p:txBody>
+      </p:sp>
+      <p:pic>
+        <p:nvPicPr>
+          <p:cNvPr id="5" name="Picture 4"/>
+          <p:cNvPicPr>
+            <a:picLocks noChangeAspect="1"/>
+          </p:cNvPicPr>
+          <p:nvPr/>
+        </p:nvPicPr>
+        <p:blipFill>
+          <a:blip r:embed="rId2"/>
+          <a:stretch>
+            <a:fillRect/>
+          </a:stretch>
+        </p:blipFill>
+        <p:spPr>
+          <a:xfrm>
+            <a:off x="4800599" y="1053959"/>
+            <a:ext cx="2623931" cy="4664767"/>
+          </a:xfrm>
+          <a:prstGeom prst="rect">
+            <a:avLst/>
+          </a:prstGeom>
+        </p:spPr>
+      </p:pic>
+      <p:sp>
+        <p:nvSpPr>
+          <p:cNvPr id="7" name="Rectangle 6"/>
+          <p:cNvSpPr/>
+          <p:nvPr/>
+        </p:nvSpPr>
+        <p:spPr>
+          <a:xfrm>
+            <a:off x="4920343" y="1776552"/>
+            <a:ext cx="1123406" cy="661851"/>
+          </a:xfrm>
+          <a:prstGeom prst="rect">
+            <a:avLst/>
+          </a:prstGeom>
+          <a:solidFill>
+            <a:srgbClr val="3E6F8E"/>
+          </a:solidFill>
+        </p:spPr>
+        <p:style>
+          <a:lnRef idx="2">
+            <a:schemeClr val="accent1">
+              <a:shade val="50000"/>
+            </a:schemeClr>
+          </a:lnRef>
+          <a:fillRef idx="1">
+            <a:schemeClr val="accent1"/>
+          </a:fillRef>
+          <a:effectRef idx="0">
+            <a:schemeClr val="accent1"/>
+          </a:effectRef>
+          <a:fontRef idx="minor">
+            <a:schemeClr val="lt1"/>
+          </a:fontRef>
+        </p:style>
+        <p:txBody>
+          <a:bodyPr rtlCol="0" anchor="ctr"/>
+          <a:lstStyle/>
+          <a:p>
+            <a:pPr algn="ctr"/>
+            <a:r>
+              <a:rPr lang="en-US" sz="2800" dirty="0"/>
+              <a:t>A</a:t>
+            </a:r>
+          </a:p>
+        </p:txBody>
+      </p:sp>
+      <p:sp>
+        <p:nvSpPr>
+          <p:cNvPr id="9" name="Rectangle 8"/>
+          <p:cNvSpPr/>
+          <p:nvPr/>
+        </p:nvSpPr>
+        <p:spPr>
+          <a:xfrm>
+            <a:off x="6172436" y="1776552"/>
+            <a:ext cx="1123406" cy="661851"/>
+          </a:xfrm>
+          <a:prstGeom prst="rect">
+            <a:avLst/>
+          </a:prstGeom>
+          <a:solidFill>
+            <a:srgbClr val="3E6F8E"/>
+          </a:solidFill>
+        </p:spPr>
+        <p:style>
+          <a:lnRef idx="2">
+            <a:schemeClr val="accent1">
+              <a:shade val="50000"/>
+            </a:schemeClr>
+          </a:lnRef>
+          <a:fillRef idx="1">
+            <a:schemeClr val="accent1"/>
+          </a:fillRef>
+          <a:effectRef idx="0">
+            <a:schemeClr val="accent1"/>
+          </a:effectRef>
+          <a:fontRef idx="minor">
+            <a:schemeClr val="lt1"/>
+          </a:fontRef>
+        </p:style>
+        <p:txBody>
+          <a:bodyPr rtlCol="0" anchor="ctr"/>
+          <a:lstStyle/>
+          <a:p>
+            <a:pPr algn="ctr"/>
+            <a:r>
+              <a:rPr lang="en-US" sz="2800" dirty="0"/>
+              <a:t>B</a:t>
+            </a:r>
+          </a:p>
+        </p:txBody>
+      </p:sp>
+      <p:sp>
+        <p:nvSpPr>
+          <p:cNvPr id="10" name="TextBox 9"/>
+          <p:cNvSpPr txBox="1"/>
+          <p:nvPr/>
+        </p:nvSpPr>
+        <p:spPr>
+          <a:xfrm>
+            <a:off x="4920343" y="2394863"/>
+            <a:ext cx="2375499" cy="1477328"/>
+          </a:xfrm>
+          <a:prstGeom prst="rect">
+            <a:avLst/>
+          </a:prstGeom>
+          <a:noFill/>
+        </p:spPr>
+        <p:txBody>
+          <a:bodyPr wrap="square" rtlCol="0">
+            <a:spAutoFit/>
+          </a:bodyPr>
+          <a:lstStyle/>
+          <a:p>
+            <a:r>
+              <a:rPr lang="en-US" dirty="0">
+                <a:solidFill>
+                  <a:schemeClr val="bg1">
+                    <a:lumMod val="95000"/>
+                  </a:schemeClr>
+                </a:solidFill>
+              </a:rPr>
+              <a:t>Albert	      Beth</a:t>
+            </a:r>
+          </a:p>
+          <a:p>
+            <a:endParaRPr lang="en-US" dirty="0">
+              <a:solidFill>
+                <a:schemeClr val="bg1">
+                  <a:lumMod val="95000"/>
+                </a:schemeClr>
+              </a:solidFill>
+            </a:endParaRPr>
+          </a:p>
+          <a:p>
+            <a:endParaRPr lang="en-US" dirty="0">
+              <a:solidFill>
+                <a:schemeClr val="bg1">
+                  <a:lumMod val="95000"/>
+                </a:schemeClr>
+              </a:solidFill>
+            </a:endParaRPr>
+          </a:p>
+          <a:p>
+            <a:endParaRPr lang="en-US" dirty="0">
+              <a:solidFill>
+                <a:schemeClr val="bg1">
+                  <a:lumMod val="95000"/>
+                </a:schemeClr>
+              </a:solidFill>
+            </a:endParaRPr>
+          </a:p>
+          <a:p>
+            <a:r>
+              <a:rPr lang="en-US" dirty="0">
+                <a:solidFill>
+                  <a:schemeClr val="bg1">
+                    <a:lumMod val="95000"/>
+                  </a:schemeClr>
+                </a:solidFill>
+              </a:rPr>
+              <a:t>Pearl	       Add</a:t>
+            </a:r>
+          </a:p>
+        </p:txBody>
+      </p:sp>
+      <p:sp>
+        <p:nvSpPr>
+          <p:cNvPr id="3" name="Rectangle 2"/>
+          <p:cNvSpPr/>
+          <p:nvPr/>
+        </p:nvSpPr>
+        <p:spPr>
+          <a:xfrm>
+            <a:off x="4800599" y="1715589"/>
+            <a:ext cx="2623931" cy="3718560"/>
+          </a:xfrm>
+          <a:prstGeom prst="rect">
+            <a:avLst/>
+          </a:prstGeom>
+          <a:solidFill>
+            <a:srgbClr val="A5B6C1"/>
+          </a:solidFill>
+          <a:ln>
+            <a:noFill/>
+          </a:ln>
+        </p:spPr>
+        <p:style>
+          <a:lnRef idx="2">
+            <a:schemeClr val="accent1">
+              <a:shade val="50000"/>
+            </a:schemeClr>
+          </a:lnRef>
+          <a:fillRef idx="1">
+            <a:schemeClr val="accent1"/>
+          </a:fillRef>
+          <a:effectRef idx="0">
+            <a:schemeClr val="accent1"/>
+          </a:effectRef>
+          <a:fontRef idx="minor">
+            <a:schemeClr val="lt1"/>
+          </a:fontRef>
+        </p:style>
+        <p:txBody>
+          <a:bodyPr rtlCol="0" anchor="ctr"/>
+          <a:lstStyle/>
+          <a:p>
+            <a:pPr algn="ctr"/>
+            <a:endParaRPr lang="en-US">
+              <a:ln w="0"/>
+              <a:solidFill>
+                <a:schemeClr val="tx1"/>
+              </a:solidFill>
+              <a:effectLst>
+                <a:outerShdw blurRad="38100" dist="19050" dir="2700000" algn="tl" rotWithShape="0">
+                  <a:schemeClr val="dk1">
+                    <a:alpha val="40000"/>
+                  </a:schemeClr>
+                </a:outerShdw>
+              </a:effectLst>
+            </a:endParaRPr>
+          </a:p>
+        </p:txBody>
+      </p:sp>
+      <p:sp>
+        <p:nvSpPr>
+          <p:cNvPr id="21" name="Rectangle 20"/>
+          <p:cNvSpPr/>
+          <p:nvPr/>
+        </p:nvSpPr>
+        <p:spPr>
+          <a:xfrm>
+            <a:off x="4800598" y="1431012"/>
+            <a:ext cx="2623932" cy="2949399"/>
+          </a:xfrm>
+          <a:prstGeom prst="rect">
+            <a:avLst/>
+          </a:prstGeom>
+          <a:noFill/>
+          <a:ln>
+            <a:noFill/>
+          </a:ln>
+        </p:spPr>
+        <p:style>
+          <a:lnRef idx="2">
+            <a:schemeClr val="accent1">
+              <a:shade val="50000"/>
+            </a:schemeClr>
+          </a:lnRef>
+          <a:fillRef idx="1">
+            <a:schemeClr val="accent1"/>
+          </a:fillRef>
+          <a:effectRef idx="0">
+            <a:schemeClr val="accent1"/>
+          </a:effectRef>
+          <a:fontRef idx="minor">
+            <a:schemeClr val="lt1"/>
+          </a:fontRef>
+        </p:style>
+        <p:txBody>
+          <a:bodyPr rtlCol="0" anchor="ctr"/>
+          <a:lstStyle/>
+          <a:p>
+            <a:pPr algn="ctr"/>
+            <a:r>
+              <a:rPr lang="en-US" sz="2000" dirty="0"/>
+              <a:t>No results :(</a:t>
+            </a:r>
+          </a:p>
+          <a:p>
+            <a:pPr algn="ctr"/>
+            <a:r>
+              <a:rPr lang="en-US" sz="2000" dirty="0"/>
+              <a:t>What does this mean ?</a:t>
+            </a:r>
+          </a:p>
+          <a:p>
+            <a:pPr algn="ctr"/>
+            <a:endParaRPr lang="en-US" sz="2000" dirty="0"/>
+          </a:p>
+          <a:p>
+            <a:pPr algn="ctr"/>
+            <a:endParaRPr lang="en-US" sz="2000" dirty="0"/>
+          </a:p>
+          <a:p>
+            <a:pPr algn="ctr"/>
+            <a:endParaRPr lang="en-US" sz="2000" dirty="0"/>
+          </a:p>
+        </p:txBody>
+      </p:sp>
+      <p:sp>
+        <p:nvSpPr>
+          <p:cNvPr id="26" name="Oval 25"/>
+          <p:cNvSpPr/>
+          <p:nvPr/>
+        </p:nvSpPr>
+        <p:spPr>
+          <a:xfrm>
+            <a:off x="6664328" y="4876800"/>
+            <a:ext cx="557349" cy="557349"/>
+          </a:xfrm>
+          <a:prstGeom prst="ellipse">
+            <a:avLst/>
+          </a:prstGeom>
+          <a:solidFill>
+            <a:srgbClr val="3E6F8E"/>
+          </a:solidFill>
+        </p:spPr>
+        <p:style>
+          <a:lnRef idx="2">
+            <a:schemeClr val="accent1">
+              <a:shade val="50000"/>
+            </a:schemeClr>
+          </a:lnRef>
+          <a:fillRef idx="1">
+            <a:schemeClr val="accent1"/>
+          </a:fillRef>
+          <a:effectRef idx="0">
+            <a:schemeClr val="accent1"/>
+          </a:effectRef>
+          <a:fontRef idx="minor">
+            <a:schemeClr val="lt1"/>
+          </a:fontRef>
+        </p:style>
+        <p:txBody>
+          <a:bodyPr rtlCol="0" anchor="ctr"/>
+          <a:lstStyle/>
+          <a:p>
+            <a:pPr algn="ctr"/>
+            <a:r>
+              <a:rPr lang="en-US" sz="2800" b="1"/>
+              <a:t>✓</a:t>
+            </a:r>
+          </a:p>
+        </p:txBody>
+      </p:sp>
+      <p:grpSp>
+        <p:nvGrpSpPr>
+          <p:cNvPr id="27" name="Group 26"/>
+          <p:cNvGrpSpPr/>
+          <p:nvPr/>
+        </p:nvGrpSpPr>
+        <p:grpSpPr>
+          <a:xfrm>
+            <a:off x="5351418" y="3319777"/>
+            <a:ext cx="1528353" cy="128818"/>
+            <a:chOff x="1341120" y="2229394"/>
+            <a:chExt cx="1214845" cy="159257"/>
+          </a:xfrm>
+        </p:grpSpPr>
+        <p:cxnSp>
+          <p:nvCxnSpPr>
+            <p:cNvPr id="28" name="Straight Connector 27"/>
+            <p:cNvCxnSpPr/>
+            <p:nvPr/>
+          </p:nvCxnSpPr>
+          <p:spPr>
+            <a:xfrm>
+              <a:off x="1341120" y="2229394"/>
+              <a:ext cx="0" cy="159257"/>
+            </a:xfrm>
+            <a:prstGeom prst="line">
+              <a:avLst/>
+            </a:prstGeom>
+            <a:ln w="28575"/>
+          </p:spPr>
+          <p:style>
+            <a:lnRef idx="1">
+              <a:schemeClr val="accent1"/>
+            </a:lnRef>
+            <a:fillRef idx="0">
+              <a:schemeClr val="accent1"/>
+            </a:fillRef>
+            <a:effectRef idx="0">
+              <a:schemeClr val="accent1"/>
+            </a:effectRef>
+            <a:fontRef idx="minor">
+              <a:schemeClr val="tx1"/>
+            </a:fontRef>
+          </p:style>
+        </p:cxnSp>
+        <p:cxnSp>
+          <p:nvCxnSpPr>
+            <p:cNvPr id="29" name="Straight Connector 28"/>
+            <p:cNvCxnSpPr/>
+            <p:nvPr/>
+          </p:nvCxnSpPr>
+          <p:spPr>
+            <a:xfrm>
+              <a:off x="2555965" y="2229394"/>
+              <a:ext cx="0" cy="159257"/>
+            </a:xfrm>
+            <a:prstGeom prst="line">
+              <a:avLst/>
+            </a:prstGeom>
+            <a:ln w="28575"/>
+          </p:spPr>
+          <p:style>
+            <a:lnRef idx="1">
+              <a:schemeClr val="accent1"/>
+            </a:lnRef>
+            <a:fillRef idx="0">
+              <a:schemeClr val="accent1"/>
+            </a:fillRef>
+            <a:effectRef idx="0">
+              <a:schemeClr val="accent1"/>
+            </a:effectRef>
+            <a:fontRef idx="minor">
+              <a:schemeClr val="tx1"/>
+            </a:fontRef>
+          </p:style>
+        </p:cxnSp>
+        <p:cxnSp>
+          <p:nvCxnSpPr>
+            <p:cNvPr id="30" name="Straight Connector 29"/>
+            <p:cNvCxnSpPr/>
+            <p:nvPr/>
+          </p:nvCxnSpPr>
+          <p:spPr>
+            <a:xfrm>
+              <a:off x="1341120" y="2379942"/>
+              <a:ext cx="1214845" cy="0"/>
+            </a:xfrm>
+            <a:prstGeom prst="line">
+              <a:avLst/>
+            </a:prstGeom>
+            <a:ln w="28575"/>
+          </p:spPr>
+          <p:style>
+            <a:lnRef idx="1">
+              <a:schemeClr val="accent1"/>
+            </a:lnRef>
+            <a:fillRef idx="0">
+              <a:schemeClr val="accent1"/>
+            </a:fillRef>
+            <a:effectRef idx="0">
+              <a:schemeClr val="accent1"/>
+            </a:effectRef>
+            <a:fontRef idx="minor">
+              <a:schemeClr val="tx1"/>
+            </a:fontRef>
+          </p:style>
+        </p:cxnSp>
+      </p:grpSp>
+      <p:pic>
+        <p:nvPicPr>
+          <p:cNvPr id="31" name="Picture 2" descr="http://2.bp.blogspot.com/-8k_yYUfDyn0/VlGEI-ojuvI/AAAAAAAAA4I/C7gDVCOqmrA/s1600/nexus2cee-image37.png"/>
+          <p:cNvPicPr>
+            <a:picLocks noChangeAspect="1" noChangeArrowheads="1"/>
+          </p:cNvPicPr>
+          <p:nvPr/>
+        </p:nvPicPr>
+        <p:blipFill>
+          <a:blip r:embed="rId3">
+            <a:extLst>
+              <a:ext uri="{28A0092B-C50C-407E-A947-70E740481C1C}">
+                <a14:useLocalDpi xmlns:a14="http://schemas.microsoft.com/office/drawing/2010/main" val="0"/>
+              </a:ext>
+            </a:extLst>
+          </a:blip>
+          <a:srcRect/>
+          <a:stretch>
+            <a:fillRect/>
+          </a:stretch>
+        </p:blipFill>
+        <p:spPr bwMode="auto">
+          <a:xfrm>
+            <a:off x="4800598" y="4214947"/>
+            <a:ext cx="2620116" cy="1515301"/>
+          </a:xfrm>
+          <a:prstGeom prst="rect">
+            <a:avLst/>
+          </a:prstGeom>
+          <a:noFill/>
+          <a:extLst>
+            <a:ext uri="{909E8E84-426E-40DD-AFC4-6F175D3DCCD1}">
+              <a14:hiddenFill xmlns:a14="http://schemas.microsoft.com/office/drawing/2010/main">
+                <a:solidFill>
+                  <a:srgbClr val="FFFFFF"/>
+                </a:solidFill>
+              </a14:hiddenFill>
+            </a:ext>
+          </a:extLst>
+        </p:spPr>
+      </p:pic>
+      <p:sp>
+        <p:nvSpPr>
+          <p:cNvPr id="17" name="Rectangle 16"/>
+          <p:cNvSpPr/>
+          <p:nvPr/>
+        </p:nvSpPr>
+        <p:spPr>
+          <a:xfrm>
+            <a:off x="5196413" y="3015806"/>
+            <a:ext cx="1823358" cy="459698"/>
+          </a:xfrm>
+          <a:prstGeom prst="rect">
+            <a:avLst/>
+          </a:prstGeom>
+          <a:noFill/>
+          <a:ln>
+            <a:noFill/>
+          </a:ln>
+        </p:spPr>
+        <p:style>
+          <a:lnRef idx="2">
+            <a:schemeClr val="accent1">
+              <a:shade val="50000"/>
+            </a:schemeClr>
+          </a:lnRef>
+          <a:fillRef idx="1">
+            <a:schemeClr val="accent1"/>
+          </a:fillRef>
+          <a:effectRef idx="0">
+            <a:schemeClr val="accent1"/>
+          </a:effectRef>
+          <a:fontRef idx="minor">
+            <a:schemeClr val="lt1"/>
+          </a:fontRef>
+        </p:style>
+        <p:txBody>
+          <a:bodyPr rtlCol="0" anchor="ctr"/>
+          <a:lstStyle/>
+          <a:p>
+            <a:pPr algn="ctr"/>
+            <a:r>
+              <a:rPr lang="en-US" sz="2000" dirty="0"/>
+              <a:t>want iPad</a:t>
+            </a:r>
+          </a:p>
+        </p:txBody>
+      </p:sp>
+      <p:grpSp>
+        <p:nvGrpSpPr>
+          <p:cNvPr id="32" name="Group 31"/>
+          <p:cNvGrpSpPr/>
+          <p:nvPr/>
+        </p:nvGrpSpPr>
+        <p:grpSpPr>
+          <a:xfrm>
+            <a:off x="4998722" y="357051"/>
+            <a:ext cx="1802674" cy="6200503"/>
+            <a:chOff x="4963886" y="357051"/>
+            <a:chExt cx="1802674" cy="6200503"/>
+          </a:xfrm>
+        </p:grpSpPr>
+        <p:sp>
+          <p:nvSpPr>
+            <p:cNvPr id="33" name="Rectangle 32"/>
+            <p:cNvSpPr/>
+            <p:nvPr/>
+          </p:nvSpPr>
+          <p:spPr>
+            <a:xfrm>
+              <a:off x="5799909" y="357051"/>
+              <a:ext cx="583474" cy="130629"/>
+            </a:xfrm>
+            <a:prstGeom prst="rect">
+              <a:avLst/>
+            </a:prstGeom>
+            <a:solidFill>
+              <a:srgbClr val="F2F2F2"/>
+            </a:solidFill>
+            <a:ln>
+              <a:noFill/>
+            </a:ln>
+          </p:spPr>
+          <p:style>
+            <a:lnRef idx="2">
+              <a:schemeClr val="accent1">
+                <a:shade val="50000"/>
+              </a:schemeClr>
+            </a:lnRef>
+            <a:fillRef idx="1">
+              <a:schemeClr val="accent1"/>
+            </a:fillRef>
+            <a:effectRef idx="0">
+              <a:schemeClr val="accent1"/>
+            </a:effectRef>
+            <a:fontRef idx="minor">
+              <a:schemeClr val="lt1"/>
+            </a:fontRef>
+          </p:style>
+          <p:txBody>
+            <a:bodyPr rtlCol="0" anchor="ctr"/>
+            <a:lstStyle/>
+            <a:p>
+              <a:pPr algn="ctr"/>
+              <a:endParaRPr lang="en-US"/>
+            </a:p>
+          </p:txBody>
+        </p:sp>
+        <p:sp>
+          <p:nvSpPr>
+            <p:cNvPr id="34" name="Rectangle 33"/>
+            <p:cNvSpPr/>
+            <p:nvPr/>
+          </p:nvSpPr>
+          <p:spPr>
+            <a:xfrm>
+              <a:off x="5503818" y="5858576"/>
+              <a:ext cx="1262742" cy="698978"/>
+            </a:xfrm>
+            <a:prstGeom prst="rect">
+              <a:avLst/>
+            </a:prstGeom>
+            <a:solidFill>
+              <a:srgbClr val="F2F2F2"/>
+            </a:solidFill>
+            <a:ln>
+              <a:noFill/>
+            </a:ln>
+          </p:spPr>
+          <p:style>
+            <a:lnRef idx="2">
+              <a:schemeClr val="accent1">
+                <a:shade val="50000"/>
+              </a:schemeClr>
+            </a:lnRef>
+            <a:fillRef idx="1">
+              <a:schemeClr val="accent1"/>
+            </a:fillRef>
+            <a:effectRef idx="0">
+              <a:schemeClr val="accent1"/>
+            </a:effectRef>
+            <a:fontRef idx="minor">
+              <a:schemeClr val="lt1"/>
+            </a:fontRef>
+          </p:style>
+          <p:txBody>
+            <a:bodyPr rtlCol="0" anchor="ctr"/>
+            <a:lstStyle/>
+            <a:p>
+              <a:pPr algn="ctr"/>
+              <a:endParaRPr lang="en-US"/>
+            </a:p>
+          </p:txBody>
+        </p:sp>
+        <p:sp>
+          <p:nvSpPr>
+            <p:cNvPr id="35" name="Oval 34"/>
+            <p:cNvSpPr/>
+            <p:nvPr/>
+          </p:nvSpPr>
+          <p:spPr>
+            <a:xfrm>
+              <a:off x="4963886" y="487680"/>
+              <a:ext cx="113211" cy="113211"/>
+            </a:xfrm>
+            <a:prstGeom prst="ellipse">
+              <a:avLst/>
+            </a:prstGeom>
+          </p:spPr>
+          <p:style>
+            <a:lnRef idx="2">
+              <a:schemeClr val="dk1">
+                <a:shade val="50000"/>
+              </a:schemeClr>
+            </a:lnRef>
+            <a:fillRef idx="1">
+              <a:schemeClr val="dk1"/>
+            </a:fillRef>
+            <a:effectRef idx="0">
+              <a:schemeClr val="dk1"/>
+            </a:effectRef>
+            <a:fontRef idx="minor">
+              <a:schemeClr val="lt1"/>
+            </a:fontRef>
+          </p:style>
+          <p:txBody>
+            <a:bodyPr rtlCol="0" anchor="ctr"/>
+            <a:lstStyle/>
+            <a:p>
+              <a:pPr algn="ctr"/>
+              <a:endParaRPr lang="en-US"/>
+            </a:p>
+          </p:txBody>
+        </p:sp>
+        <p:sp>
+          <p:nvSpPr>
+            <p:cNvPr id="36" name="Rectangle 35"/>
+            <p:cNvSpPr/>
+            <p:nvPr/>
+          </p:nvSpPr>
+          <p:spPr>
+            <a:xfrm>
+              <a:off x="5216435" y="628388"/>
+              <a:ext cx="583474" cy="130629"/>
+            </a:xfrm>
+            <a:prstGeom prst="rect">
+              <a:avLst/>
+            </a:prstGeom>
+            <a:solidFill>
+              <a:srgbClr val="F2F2F2"/>
+            </a:solidFill>
+            <a:ln>
+              <a:noFill/>
+            </a:ln>
+          </p:spPr>
+          <p:style>
+            <a:lnRef idx="2">
+              <a:schemeClr val="accent1">
+                <a:shade val="50000"/>
+              </a:schemeClr>
+            </a:lnRef>
+            <a:fillRef idx="1">
+              <a:schemeClr val="accent1"/>
+            </a:fillRef>
+            <a:effectRef idx="0">
+              <a:schemeClr val="accent1"/>
+            </a:effectRef>
+            <a:fontRef idx="minor">
+              <a:schemeClr val="lt1"/>
+            </a:fontRef>
+          </p:style>
+          <p:txBody>
+            <a:bodyPr rtlCol="0" anchor="ctr"/>
+            <a:lstStyle/>
+            <a:p>
+              <a:pPr algn="ctr"/>
+              <a:endParaRPr lang="en-US"/>
+            </a:p>
+          </p:txBody>
+        </p:sp>
+        <p:sp>
+          <p:nvSpPr>
+            <p:cNvPr id="37" name="Rounded Rectangle 36"/>
+            <p:cNvSpPr/>
+            <p:nvPr/>
+          </p:nvSpPr>
+          <p:spPr>
+            <a:xfrm>
+              <a:off x="5416735" y="373617"/>
+              <a:ext cx="1275805" cy="98398"/>
+            </a:xfrm>
+            <a:prstGeom prst="roundRect">
+              <a:avLst/>
+            </a:prstGeom>
+            <a:solidFill>
+              <a:srgbClr val="F2F2F2"/>
+            </a:solidFill>
+            <a:ln>
+              <a:solidFill>
+                <a:schemeClr val="bg1">
+                  <a:lumMod val="50000"/>
+                </a:schemeClr>
+              </a:solidFill>
+            </a:ln>
+          </p:spPr>
+          <p:style>
+            <a:lnRef idx="2">
+              <a:schemeClr val="accent1">
+                <a:shade val="50000"/>
+              </a:schemeClr>
+            </a:lnRef>
+            <a:fillRef idx="1">
+              <a:schemeClr val="accent1"/>
+            </a:fillRef>
+            <a:effectRef idx="0">
+              <a:schemeClr val="accent1"/>
+            </a:effectRef>
+            <a:fontRef idx="minor">
+              <a:schemeClr val="lt1"/>
+            </a:fontRef>
+          </p:style>
+          <p:txBody>
+            <a:bodyPr rtlCol="0" anchor="ctr"/>
+            <a:lstStyle/>
+            <a:p>
+              <a:pPr algn="ctr"/>
+              <a:endParaRPr lang="en-US"/>
+            </a:p>
+          </p:txBody>
+        </p:sp>
+      </p:grpSp>
+    </p:spTree>
+    <p:extLst>
+      <p:ext uri="{BB962C8B-B14F-4D97-AF65-F5344CB8AC3E}">
+        <p14:creationId xmlns:p14="http://schemas.microsoft.com/office/powerpoint/2010/main" val="1029895765"/>
+      </p:ext>
+    </p:extLst>
+  </p:cSld>
+  <p:clrMapOvr>
+    <a:masterClrMapping/>
+  </p:clrMapOvr>
+  <p:timing>
+    <p:tnLst>
+      <p:par>
+        <p:cTn id="1" dur="indefinite" restart="never" nodeType="tmRoot">
+          <p:childTnLst>
+            <p:seq concurrent="1" nextAc="seek">
+              <p:cTn id="2" dur="indefinite" nodeType="mainSeq">
+                <p:childTnLst>
+                  <p:par>
+                    <p:cTn id="3" fill="hold">
+                      <p:stCondLst>
+                        <p:cond delay="indefinite"/>
+                        <p:cond evt="onBegin" delay="0">
+                          <p:tn val="2"/>
+                        </p:cond>
+                      </p:stCondLst>
+                      <p:childTnLst>
+                        <p:par>
+                          <p:cTn id="4" fill="hold">
+                            <p:stCondLst>
+                              <p:cond delay="0"/>
+                            </p:stCondLst>
+                            <p:childTnLst>
+                              <p:par>
+                                <p:cTn id="5" presetID="42" presetClass="path" presetSubtype="0" accel="50000" decel="50000" fill="hold" grpId="0" nodeType="withEffect">
+                                  <p:stCondLst>
+                                    <p:cond delay="1000"/>
+                                  </p:stCondLst>
+                                  <p:childTnLst>
+                                    <p:animMotion origin="layout" path="M -1.25E-6 -2.22222E-6 L -1.25E-6 -0.15463 " pathEditMode="relative" rAng="0" ptsTypes="AA">
+                                      <p:cBhvr>
+                                        <p:cTn id="6" dur="2000" fill="hold"/>
+                                        <p:tgtEl>
+                                          <p:spTgt spid="6"/>
+                                        </p:tgtEl>
+                                        <p:attrNameLst>
+                                          <p:attrName>ppt_x</p:attrName>
+                                          <p:attrName>ppt_y</p:attrName>
+                                        </p:attrNameLst>
+                                      </p:cBhvr>
+                                      <p:rCtr x="0" y="-7731"/>
+                                    </p:animMotion>
+                                  </p:childTnLst>
+                                </p:cTn>
+                              </p:par>
+                            </p:childTnLst>
+                          </p:cTn>
+                        </p:par>
+                      </p:childTnLst>
+                    </p:cTn>
+                  </p:par>
+                </p:childTnLst>
+              </p:cTn>
+              <p:prevCondLst>
+                <p:cond evt="onPrev" delay="0">
+                  <p:tgtEl>
+                    <p:sldTgt/>
+                  </p:tgtEl>
+                </p:cond>
+              </p:prevCondLst>
+              <p:nextCondLst>
+                <p:cond evt="onNext" delay="0">
+                  <p:tgtEl>
+                    <p:sldTgt/>
+                  </p:tgtEl>
+                </p:cond>
+              </p:nextCondLst>
+            </p:seq>
+          </p:childTnLst>
+        </p:cTn>
+      </p:par>
+    </p:tnLst>
+    <p:bldLst>
+      <p:bldP spid="6" grpId="0"/>
+    </p:bldLst>
+  </p:timing>
+</p:sld>
+</file>
+
+<file path=ppt/slides/slide13.xml><?xml version="1.0" encoding="utf-8"?>
+<p:sld xmlns:a="http://schemas.openxmlformats.org/drawingml/2006/main" xmlns:r="http://schemas.openxmlformats.org/officeDocument/2006/relationships" xmlns:p="http://schemas.openxmlformats.org/presentationml/2006/main">
+  <p:cSld>
+    <p:spTree>
+      <p:nvGrpSpPr>
+        <p:cNvPr id="1" name=""/>
+        <p:cNvGrpSpPr/>
+        <p:nvPr/>
+      </p:nvGrpSpPr>
+      <p:grpSpPr>
+        <a:xfrm>
+          <a:off x="0" y="0"/>
+          <a:ext cx="0" cy="0"/>
+          <a:chOff x="0" y="0"/>
+          <a:chExt cx="0" cy="0"/>
+        </a:xfrm>
+      </p:grpSpPr>
+      <p:sp>
+        <p:nvSpPr>
+          <p:cNvPr id="8" name="Rectangle 7"/>
+          <p:cNvSpPr/>
+          <p:nvPr/>
+        </p:nvSpPr>
+        <p:spPr>
+          <a:xfrm>
+            <a:off x="4800600" y="1048624"/>
+            <a:ext cx="2623931" cy="4676315"/>
+          </a:xfrm>
+          <a:prstGeom prst="rect">
+            <a:avLst/>
+          </a:prstGeom>
+          <a:solidFill>
+            <a:srgbClr val="335B74"/>
+          </a:solidFill>
+          <a:ln>
+            <a:noFill/>
+          </a:ln>
+        </p:spPr>
+        <p:style>
+          <a:lnRef idx="2">
+            <a:schemeClr val="accent1">
+              <a:shade val="50000"/>
+            </a:schemeClr>
+          </a:lnRef>
+          <a:fillRef idx="1">
+            <a:schemeClr val="accent1"/>
+          </a:fillRef>
+          <a:effectRef idx="0">
+            <a:schemeClr val="accent1"/>
+          </a:effectRef>
+          <a:fontRef idx="minor">
+            <a:schemeClr val="lt1"/>
+          </a:fontRef>
+        </p:style>
+        <p:txBody>
+          <a:bodyPr rtlCol="0" anchor="ctr"/>
+          <a:lstStyle/>
+          <a:p>
+            <a:pPr algn="ctr"/>
+            <a:endParaRPr lang="en-US" dirty="0"/>
+          </a:p>
+        </p:txBody>
+      </p:sp>
+      <p:sp>
+        <p:nvSpPr>
+          <p:cNvPr id="2" name="TextBox 1"/>
+          <p:cNvSpPr txBox="1"/>
+          <p:nvPr/>
+        </p:nvSpPr>
+        <p:spPr>
+          <a:xfrm>
+            <a:off x="9315450" y="5876925"/>
+            <a:ext cx="2333625" cy="369332"/>
+          </a:xfrm>
+          <a:prstGeom prst="rect">
+            <a:avLst/>
+          </a:prstGeom>
+          <a:noFill/>
+        </p:spPr>
+        <p:txBody>
+          <a:bodyPr wrap="square" rtlCol="0">
+            <a:spAutoFit/>
+          </a:bodyPr>
+          <a:lstStyle/>
+          <a:p>
+            <a:r>
+              <a:rPr lang="en-US" dirty="0">
+                <a:latin typeface="Malgun Gothic Semilight" panose="020B0502040204020203" pitchFamily="34" charset="-128"/>
+                <a:ea typeface="Malgun Gothic Semilight" panose="020B0502040204020203" pitchFamily="34" charset="-128"/>
+                <a:cs typeface="Malgun Gothic Semilight" panose="020B0502040204020203" pitchFamily="34" charset="-128"/>
+              </a:rPr>
+              <a:t>Home Screen</a:t>
+            </a:r>
+          </a:p>
+        </p:txBody>
+      </p:sp>
+      <p:sp>
+        <p:nvSpPr>
+          <p:cNvPr id="6" name="TextBox 5"/>
+          <p:cNvSpPr txBox="1"/>
+          <p:nvPr/>
+        </p:nvSpPr>
+        <p:spPr>
+          <a:xfrm>
+            <a:off x="5625833" y="3202115"/>
+            <a:ext cx="973463" cy="369332"/>
+          </a:xfrm>
+          <a:prstGeom prst="rect">
+            <a:avLst/>
+          </a:prstGeom>
+          <a:noFill/>
+        </p:spPr>
+        <p:txBody>
+          <a:bodyPr wrap="square" rtlCol="0">
+            <a:spAutoFit/>
+          </a:bodyPr>
+          <a:lstStyle/>
+          <a:p>
+            <a:pPr marL="0" marR="0" lvl="0" indent="0" algn="ctr" defTabSz="914400" eaLnBrk="1" fontAlgn="auto" latinLnBrk="0" hangingPunct="1">
+              <a:lnSpc>
+                <a:spcPct val="100000"/>
+              </a:lnSpc>
+              <a:spcBef>
+                <a:spcPts val="0"/>
+              </a:spcBef>
+              <a:spcAft>
+                <a:spcPts val="0"/>
+              </a:spcAft>
+              <a:buClrTx/>
+              <a:buSzTx/>
+              <a:buFontTx/>
+              <a:buNone/>
+              <a:tabLst/>
+              <a:defRPr/>
+            </a:pPr>
+            <a:r>
+              <a:rPr kumimoji="0" lang="en-US" sz="1800" b="0" i="0" u="none" strike="noStrike" kern="0" cap="none" spc="0" normalizeH="0" baseline="0" noProof="0" dirty="0">
+                <a:ln>
+                  <a:noFill/>
+                </a:ln>
+                <a:solidFill>
+                  <a:schemeClr val="bg1"/>
+                </a:solidFill>
+                <a:effectLst/>
+                <a:uLnTx/>
+                <a:uFillTx/>
+                <a:latin typeface="Malgun Gothic Semilight" panose="020B0502040204020203" pitchFamily="34" charset="-128"/>
+                <a:ea typeface="Malgun Gothic Semilight" panose="020B0502040204020203" pitchFamily="34" charset="-128"/>
+                <a:cs typeface="Malgun Gothic Semilight" panose="020B0502040204020203" pitchFamily="34" charset="-128"/>
+              </a:rPr>
+              <a:t>Even II</a:t>
+            </a:r>
+          </a:p>
+        </p:txBody>
+      </p:sp>
+      <p:pic>
+        <p:nvPicPr>
+          <p:cNvPr id="5" name="Picture 4"/>
+          <p:cNvPicPr>
+            <a:picLocks noChangeAspect="1"/>
+          </p:cNvPicPr>
+          <p:nvPr/>
+        </p:nvPicPr>
+        <p:blipFill>
+          <a:blip r:embed="rId2"/>
+          <a:stretch>
+            <a:fillRect/>
+          </a:stretch>
+        </p:blipFill>
+        <p:spPr>
+          <a:xfrm>
+            <a:off x="4800599" y="1053959"/>
+            <a:ext cx="2623931" cy="4664767"/>
+          </a:xfrm>
+          <a:prstGeom prst="rect">
+            <a:avLst/>
+          </a:prstGeom>
+        </p:spPr>
+      </p:pic>
+      <p:sp>
+        <p:nvSpPr>
+          <p:cNvPr id="7" name="Rectangle 6"/>
+          <p:cNvSpPr/>
+          <p:nvPr/>
+        </p:nvSpPr>
+        <p:spPr>
+          <a:xfrm>
+            <a:off x="4920343" y="1776552"/>
+            <a:ext cx="1123406" cy="661851"/>
+          </a:xfrm>
+          <a:prstGeom prst="rect">
+            <a:avLst/>
+          </a:prstGeom>
+          <a:solidFill>
+            <a:srgbClr val="3E6F8E"/>
+          </a:solidFill>
+        </p:spPr>
+        <p:style>
+          <a:lnRef idx="2">
+            <a:schemeClr val="accent1">
+              <a:shade val="50000"/>
+            </a:schemeClr>
+          </a:lnRef>
+          <a:fillRef idx="1">
+            <a:schemeClr val="accent1"/>
+          </a:fillRef>
+          <a:effectRef idx="0">
+            <a:schemeClr val="accent1"/>
+          </a:effectRef>
+          <a:fontRef idx="minor">
+            <a:schemeClr val="lt1"/>
+          </a:fontRef>
+        </p:style>
+        <p:txBody>
+          <a:bodyPr rtlCol="0" anchor="ctr"/>
+          <a:lstStyle/>
+          <a:p>
+            <a:pPr algn="ctr"/>
+            <a:r>
+              <a:rPr lang="en-US" sz="2800" dirty="0"/>
+              <a:t>A</a:t>
+            </a:r>
+          </a:p>
+        </p:txBody>
+      </p:sp>
+      <p:sp>
+        <p:nvSpPr>
+          <p:cNvPr id="9" name="Rectangle 8"/>
+          <p:cNvSpPr/>
+          <p:nvPr/>
+        </p:nvSpPr>
+        <p:spPr>
+          <a:xfrm>
+            <a:off x="6172436" y="1776552"/>
+            <a:ext cx="1123406" cy="661851"/>
+          </a:xfrm>
+          <a:prstGeom prst="rect">
+            <a:avLst/>
+          </a:prstGeom>
+          <a:solidFill>
+            <a:srgbClr val="3E6F8E"/>
+          </a:solidFill>
+        </p:spPr>
+        <p:style>
+          <a:lnRef idx="2">
+            <a:schemeClr val="accent1">
+              <a:shade val="50000"/>
+            </a:schemeClr>
+          </a:lnRef>
+          <a:fillRef idx="1">
+            <a:schemeClr val="accent1"/>
+          </a:fillRef>
+          <a:effectRef idx="0">
+            <a:schemeClr val="accent1"/>
+          </a:effectRef>
+          <a:fontRef idx="minor">
+            <a:schemeClr val="lt1"/>
+          </a:fontRef>
+        </p:style>
+        <p:txBody>
+          <a:bodyPr rtlCol="0" anchor="ctr"/>
+          <a:lstStyle/>
+          <a:p>
+            <a:pPr algn="ctr"/>
+            <a:r>
+              <a:rPr lang="en-US" sz="2800" dirty="0"/>
+              <a:t>B</a:t>
+            </a:r>
+          </a:p>
+        </p:txBody>
+      </p:sp>
+      <p:sp>
+        <p:nvSpPr>
+          <p:cNvPr id="10" name="TextBox 9"/>
+          <p:cNvSpPr txBox="1"/>
+          <p:nvPr/>
+        </p:nvSpPr>
+        <p:spPr>
+          <a:xfrm>
+            <a:off x="4920343" y="2394863"/>
+            <a:ext cx="2375499" cy="1477328"/>
+          </a:xfrm>
+          <a:prstGeom prst="rect">
+            <a:avLst/>
+          </a:prstGeom>
+          <a:noFill/>
+        </p:spPr>
+        <p:txBody>
+          <a:bodyPr wrap="square" rtlCol="0">
+            <a:spAutoFit/>
+          </a:bodyPr>
+          <a:lstStyle/>
+          <a:p>
+            <a:r>
+              <a:rPr lang="en-US" dirty="0">
+                <a:solidFill>
+                  <a:schemeClr val="bg1">
+                    <a:lumMod val="95000"/>
+                  </a:schemeClr>
+                </a:solidFill>
+              </a:rPr>
+              <a:t>Albert	      Beth</a:t>
+            </a:r>
+          </a:p>
+          <a:p>
+            <a:endParaRPr lang="en-US" dirty="0">
+              <a:solidFill>
+                <a:schemeClr val="bg1">
+                  <a:lumMod val="95000"/>
+                </a:schemeClr>
+              </a:solidFill>
+            </a:endParaRPr>
+          </a:p>
+          <a:p>
+            <a:endParaRPr lang="en-US" dirty="0">
+              <a:solidFill>
+                <a:schemeClr val="bg1">
+                  <a:lumMod val="95000"/>
+                </a:schemeClr>
+              </a:solidFill>
+            </a:endParaRPr>
+          </a:p>
+          <a:p>
+            <a:endParaRPr lang="en-US" dirty="0">
+              <a:solidFill>
+                <a:schemeClr val="bg1">
+                  <a:lumMod val="95000"/>
+                </a:schemeClr>
+              </a:solidFill>
+            </a:endParaRPr>
+          </a:p>
+          <a:p>
+            <a:r>
+              <a:rPr lang="en-US" dirty="0">
+                <a:solidFill>
+                  <a:schemeClr val="bg1">
+                    <a:lumMod val="95000"/>
+                  </a:schemeClr>
+                </a:solidFill>
+              </a:rPr>
+              <a:t>Pearl	       Add</a:t>
+            </a:r>
+          </a:p>
+        </p:txBody>
+      </p:sp>
+      <p:sp>
+        <p:nvSpPr>
+          <p:cNvPr id="11" name="Rectangle 10"/>
+          <p:cNvSpPr/>
+          <p:nvPr/>
+        </p:nvSpPr>
+        <p:spPr>
+          <a:xfrm>
+            <a:off x="4796126" y="1042411"/>
+            <a:ext cx="2623931" cy="4676315"/>
+          </a:xfrm>
+          <a:prstGeom prst="rect">
+            <a:avLst/>
+          </a:prstGeom>
+          <a:solidFill>
+            <a:srgbClr val="000000">
+              <a:alpha val="50196"/>
+            </a:srgbClr>
+          </a:solidFill>
+          <a:ln>
+            <a:noFill/>
+          </a:ln>
+        </p:spPr>
+        <p:style>
+          <a:lnRef idx="2">
+            <a:schemeClr val="accent1">
+              <a:shade val="50000"/>
+            </a:schemeClr>
+          </a:lnRef>
+          <a:fillRef idx="1">
+            <a:schemeClr val="accent1"/>
+          </a:fillRef>
+          <a:effectRef idx="0">
+            <a:schemeClr val="accent1"/>
+          </a:effectRef>
+          <a:fontRef idx="minor">
+            <a:schemeClr val="lt1"/>
+          </a:fontRef>
+        </p:style>
+        <p:txBody>
+          <a:bodyPr rtlCol="0" anchor="ctr"/>
+          <a:lstStyle/>
+          <a:p>
+            <a:pPr algn="ctr"/>
+            <a:endParaRPr lang="en-US" dirty="0"/>
+          </a:p>
+        </p:txBody>
+      </p:sp>
+      <p:pic>
+        <p:nvPicPr>
+          <p:cNvPr id="3" name="Picture 2"/>
+          <p:cNvPicPr>
+            <a:picLocks noChangeAspect="1"/>
+          </p:cNvPicPr>
+          <p:nvPr/>
+        </p:nvPicPr>
+        <p:blipFill>
+          <a:blip r:embed="rId3"/>
+          <a:stretch>
+            <a:fillRect/>
+          </a:stretch>
+        </p:blipFill>
+        <p:spPr>
+          <a:xfrm>
+            <a:off x="4927712" y="2838996"/>
+            <a:ext cx="2394257" cy="899820"/>
+          </a:xfrm>
+          <a:prstGeom prst="rect">
+            <a:avLst/>
+          </a:prstGeom>
+        </p:spPr>
+      </p:pic>
+      <p:pic>
+        <p:nvPicPr>
+          <p:cNvPr id="12" name="Picture 11"/>
+          <p:cNvPicPr>
+            <a:picLocks noChangeAspect="1"/>
+          </p:cNvPicPr>
+          <p:nvPr/>
+        </p:nvPicPr>
+        <p:blipFill>
+          <a:blip r:embed="rId4"/>
+          <a:stretch>
+            <a:fillRect/>
+          </a:stretch>
+        </p:blipFill>
+        <p:spPr>
+          <a:xfrm>
+            <a:off x="4881214" y="2638728"/>
+            <a:ext cx="2487251" cy="1865438"/>
+          </a:xfrm>
+          <a:prstGeom prst="rect">
+            <a:avLst/>
+          </a:prstGeom>
+        </p:spPr>
+      </p:pic>
+      <p:grpSp>
+        <p:nvGrpSpPr>
+          <p:cNvPr id="20" name="Group 19"/>
+          <p:cNvGrpSpPr/>
+          <p:nvPr/>
+        </p:nvGrpSpPr>
+        <p:grpSpPr>
+          <a:xfrm>
+            <a:off x="4998722" y="357051"/>
+            <a:ext cx="1802674" cy="6200503"/>
+            <a:chOff x="4963886" y="357051"/>
+            <a:chExt cx="1802674" cy="6200503"/>
+          </a:xfrm>
+        </p:grpSpPr>
+        <p:sp>
+          <p:nvSpPr>
+            <p:cNvPr id="21" name="Rectangle 20"/>
+            <p:cNvSpPr/>
+            <p:nvPr/>
+          </p:nvSpPr>
+          <p:spPr>
+            <a:xfrm>
+              <a:off x="5799909" y="357051"/>
+              <a:ext cx="583474" cy="130629"/>
+            </a:xfrm>
+            <a:prstGeom prst="rect">
+              <a:avLst/>
+            </a:prstGeom>
+            <a:solidFill>
+              <a:srgbClr val="F2F2F2"/>
+            </a:solidFill>
+            <a:ln>
+              <a:noFill/>
+            </a:ln>
+          </p:spPr>
+          <p:style>
+            <a:lnRef idx="2">
+              <a:schemeClr val="accent1">
+                <a:shade val="50000"/>
+              </a:schemeClr>
+            </a:lnRef>
+            <a:fillRef idx="1">
+              <a:schemeClr val="accent1"/>
+            </a:fillRef>
+            <a:effectRef idx="0">
+              <a:schemeClr val="accent1"/>
+            </a:effectRef>
+            <a:fontRef idx="minor">
+              <a:schemeClr val="lt1"/>
+            </a:fontRef>
+          </p:style>
+          <p:txBody>
+            <a:bodyPr rtlCol="0" anchor="ctr"/>
+            <a:lstStyle/>
+            <a:p>
+              <a:pPr algn="ctr"/>
+              <a:endParaRPr lang="en-US"/>
+            </a:p>
+          </p:txBody>
+        </p:sp>
+        <p:sp>
+          <p:nvSpPr>
+            <p:cNvPr id="22" name="Rectangle 21"/>
+            <p:cNvSpPr/>
+            <p:nvPr/>
+          </p:nvSpPr>
+          <p:spPr>
+            <a:xfrm>
+              <a:off x="5503818" y="5858576"/>
+              <a:ext cx="1262742" cy="698978"/>
+            </a:xfrm>
+            <a:prstGeom prst="rect">
+              <a:avLst/>
+            </a:prstGeom>
+            <a:solidFill>
+              <a:srgbClr val="F2F2F2"/>
+            </a:solidFill>
+            <a:ln>
+              <a:noFill/>
+            </a:ln>
+          </p:spPr>
+          <p:style>
+            <a:lnRef idx="2">
+              <a:schemeClr val="accent1">
+                <a:shade val="50000"/>
+              </a:schemeClr>
+            </a:lnRef>
+            <a:fillRef idx="1">
+              <a:schemeClr val="accent1"/>
+            </a:fillRef>
+            <a:effectRef idx="0">
+              <a:schemeClr val="accent1"/>
+            </a:effectRef>
+            <a:fontRef idx="minor">
+              <a:schemeClr val="lt1"/>
+            </a:fontRef>
+          </p:style>
+          <p:txBody>
+            <a:bodyPr rtlCol="0" anchor="ctr"/>
+            <a:lstStyle/>
+            <a:p>
+              <a:pPr algn="ctr"/>
+              <a:endParaRPr lang="en-US"/>
+            </a:p>
+          </p:txBody>
+        </p:sp>
+        <p:sp>
+          <p:nvSpPr>
+            <p:cNvPr id="23" name="Oval 22"/>
+            <p:cNvSpPr/>
+            <p:nvPr/>
+          </p:nvSpPr>
+          <p:spPr>
+            <a:xfrm>
+              <a:off x="4963886" y="487680"/>
+              <a:ext cx="113211" cy="113211"/>
+            </a:xfrm>
+            <a:prstGeom prst="ellipse">
+              <a:avLst/>
+            </a:prstGeom>
+          </p:spPr>
+          <p:style>
+            <a:lnRef idx="2">
+              <a:schemeClr val="dk1">
+                <a:shade val="50000"/>
+              </a:schemeClr>
+            </a:lnRef>
+            <a:fillRef idx="1">
+              <a:schemeClr val="dk1"/>
+            </a:fillRef>
+            <a:effectRef idx="0">
+              <a:schemeClr val="dk1"/>
+            </a:effectRef>
+            <a:fontRef idx="minor">
+              <a:schemeClr val="lt1"/>
+            </a:fontRef>
+          </p:style>
+          <p:txBody>
+            <a:bodyPr rtlCol="0" anchor="ctr"/>
+            <a:lstStyle/>
+            <a:p>
+              <a:pPr algn="ctr"/>
+              <a:endParaRPr lang="en-US"/>
+            </a:p>
+          </p:txBody>
+        </p:sp>
+        <p:sp>
+          <p:nvSpPr>
+            <p:cNvPr id="24" name="Rectangle 23"/>
+            <p:cNvSpPr/>
+            <p:nvPr/>
+          </p:nvSpPr>
+          <p:spPr>
+            <a:xfrm>
+              <a:off x="5216435" y="628388"/>
+              <a:ext cx="583474" cy="130629"/>
+            </a:xfrm>
+            <a:prstGeom prst="rect">
+              <a:avLst/>
+            </a:prstGeom>
+            <a:solidFill>
+              <a:srgbClr val="F2F2F2"/>
+            </a:solidFill>
+            <a:ln>
+              <a:noFill/>
+            </a:ln>
+          </p:spPr>
+          <p:style>
+            <a:lnRef idx="2">
+              <a:schemeClr val="accent1">
+                <a:shade val="50000"/>
+              </a:schemeClr>
+            </a:lnRef>
+            <a:fillRef idx="1">
+              <a:schemeClr val="accent1"/>
+            </a:fillRef>
+            <a:effectRef idx="0">
+              <a:schemeClr val="accent1"/>
+            </a:effectRef>
+            <a:fontRef idx="minor">
+              <a:schemeClr val="lt1"/>
+            </a:fontRef>
+          </p:style>
+          <p:txBody>
+            <a:bodyPr rtlCol="0" anchor="ctr"/>
+            <a:lstStyle/>
+            <a:p>
+              <a:pPr algn="ctr"/>
+              <a:endParaRPr lang="en-US"/>
+            </a:p>
+          </p:txBody>
+        </p:sp>
+        <p:sp>
+          <p:nvSpPr>
+            <p:cNvPr id="25" name="Rounded Rectangle 24"/>
+            <p:cNvSpPr/>
+            <p:nvPr/>
+          </p:nvSpPr>
+          <p:spPr>
+            <a:xfrm>
+              <a:off x="5416735" y="373617"/>
+              <a:ext cx="1275805" cy="98398"/>
+            </a:xfrm>
+            <a:prstGeom prst="roundRect">
+              <a:avLst/>
+            </a:prstGeom>
+            <a:solidFill>
+              <a:srgbClr val="F2F2F2"/>
+            </a:solidFill>
+            <a:ln>
+              <a:solidFill>
+                <a:schemeClr val="bg1">
+                  <a:lumMod val="50000"/>
+                </a:schemeClr>
+              </a:solidFill>
+            </a:ln>
+          </p:spPr>
+          <p:style>
+            <a:lnRef idx="2">
+              <a:schemeClr val="accent1">
+                <a:shade val="50000"/>
+              </a:schemeClr>
+            </a:lnRef>
+            <a:fillRef idx="1">
+              <a:schemeClr val="accent1"/>
+            </a:fillRef>
+            <a:effectRef idx="0">
+              <a:schemeClr val="accent1"/>
+            </a:effectRef>
+            <a:fontRef idx="minor">
+              <a:schemeClr val="lt1"/>
+            </a:fontRef>
+          </p:style>
+          <p:txBody>
+            <a:bodyPr rtlCol="0" anchor="ctr"/>
+            <a:lstStyle/>
+            <a:p>
+              <a:pPr algn="ctr"/>
+              <a:endParaRPr lang="en-US"/>
+            </a:p>
+          </p:txBody>
+        </p:sp>
+      </p:grpSp>
+    </p:spTree>
+    <p:extLst>
+      <p:ext uri="{BB962C8B-B14F-4D97-AF65-F5344CB8AC3E}">
+        <p14:creationId xmlns:p14="http://schemas.microsoft.com/office/powerpoint/2010/main" val="4032295001"/>
+      </p:ext>
+    </p:extLst>
+  </p:cSld>
+  <p:clrMapOvr>
+    <a:masterClrMapping/>
+  </p:clrMapOvr>
+  <p:timing>
+    <p:tnLst>
+      <p:par>
+        <p:cTn id="1" dur="indefinite" restart="never" nodeType="tmRoot">
+          <p:childTnLst>
+            <p:seq concurrent="1" nextAc="seek">
+              <p:cTn id="2" dur="indefinite" nodeType="mainSeq">
+                <p:childTnLst>
+                  <p:par>
+                    <p:cTn id="3" fill="hold">
+                      <p:stCondLst>
+                        <p:cond delay="indefinite"/>
+                        <p:cond evt="onBegin" delay="0">
+                          <p:tn val="2"/>
+                        </p:cond>
+                      </p:stCondLst>
+                      <p:childTnLst>
+                        <p:par>
+                          <p:cTn id="4" fill="hold">
+                            <p:stCondLst>
+                              <p:cond delay="0"/>
+                            </p:stCondLst>
+                            <p:childTnLst>
+                              <p:par>
+                                <p:cTn id="5" presetID="42" presetClass="path" presetSubtype="0" accel="50000" decel="50000" fill="hold" grpId="0" nodeType="withEffect">
+                                  <p:stCondLst>
+                                    <p:cond delay="1000"/>
+                                  </p:stCondLst>
+                                  <p:childTnLst>
+                                    <p:animMotion origin="layout" path="M -1.25E-6 -2.22222E-6 L -1.25E-6 -0.15463 " pathEditMode="relative" rAng="0" ptsTypes="AA">
+                                      <p:cBhvr>
+                                        <p:cTn id="6" dur="2000" fill="hold"/>
+                                        <p:tgtEl>
+                                          <p:spTgt spid="6"/>
+                                        </p:tgtEl>
+                                        <p:attrNameLst>
+                                          <p:attrName>ppt_x</p:attrName>
+                                          <p:attrName>ppt_y</p:attrName>
+                                        </p:attrNameLst>
+                                      </p:cBhvr>
+                                      <p:rCtr x="0" y="-7731"/>
+                                    </p:animMotion>
+                                  </p:childTnLst>
+                                </p:cTn>
+                              </p:par>
+                            </p:childTnLst>
+                          </p:cTn>
+                        </p:par>
+                      </p:childTnLst>
+                    </p:cTn>
+                  </p:par>
+                </p:childTnLst>
+              </p:cTn>
+              <p:prevCondLst>
+                <p:cond evt="onPrev" delay="0">
+                  <p:tgtEl>
+                    <p:sldTgt/>
+                  </p:tgtEl>
+                </p:cond>
+              </p:prevCondLst>
+              <p:nextCondLst>
+                <p:cond evt="onNext" delay="0">
+                  <p:tgtEl>
+                    <p:sldTgt/>
+                  </p:tgtEl>
+                </p:cond>
+              </p:nextCondLst>
+            </p:seq>
+          </p:childTnLst>
+        </p:cTn>
+      </p:par>
+    </p:tnLst>
+    <p:bldLst>
+      <p:bldP spid="6" grpId="0"/>
+    </p:bldLst>
+  </p:timing>
+</p:sld>
+</file>
+
+<file path=ppt/slides/slide14.xml><?xml version="1.0" encoding="utf-8"?>
+<p:sld xmlns:a="http://schemas.openxmlformats.org/drawingml/2006/main" xmlns:r="http://schemas.openxmlformats.org/officeDocument/2006/relationships" xmlns:p="http://schemas.openxmlformats.org/presentationml/2006/main">
+  <p:cSld>
+    <p:spTree>
+      <p:nvGrpSpPr>
+        <p:cNvPr id="1" name=""/>
+        <p:cNvGrpSpPr/>
+        <p:nvPr/>
+      </p:nvGrpSpPr>
+      <p:grpSpPr>
+        <a:xfrm>
+          <a:off x="0" y="0"/>
+          <a:ext cx="0" cy="0"/>
+          <a:chOff x="0" y="0"/>
+          <a:chExt cx="0" cy="0"/>
+        </a:xfrm>
+      </p:grpSpPr>
+      <p:sp>
+        <p:nvSpPr>
+          <p:cNvPr id="8" name="Rectangle 7"/>
+          <p:cNvSpPr/>
+          <p:nvPr/>
+        </p:nvSpPr>
+        <p:spPr>
+          <a:xfrm>
+            <a:off x="4800600" y="1048624"/>
+            <a:ext cx="2623931" cy="4676315"/>
+          </a:xfrm>
+          <a:prstGeom prst="rect">
+            <a:avLst/>
+          </a:prstGeom>
+          <a:solidFill>
+            <a:srgbClr val="335B74"/>
+          </a:solidFill>
+          <a:ln>
+            <a:noFill/>
+          </a:ln>
+        </p:spPr>
+        <p:style>
+          <a:lnRef idx="2">
+            <a:schemeClr val="accent1">
+              <a:shade val="50000"/>
+            </a:schemeClr>
+          </a:lnRef>
+          <a:fillRef idx="1">
+            <a:schemeClr val="accent1"/>
+          </a:fillRef>
+          <a:effectRef idx="0">
+            <a:schemeClr val="accent1"/>
+          </a:effectRef>
+          <a:fontRef idx="minor">
+            <a:schemeClr val="lt1"/>
+          </a:fontRef>
+        </p:style>
+        <p:txBody>
+          <a:bodyPr rtlCol="0" anchor="ctr"/>
+          <a:lstStyle/>
+          <a:p>
+            <a:pPr algn="ctr"/>
+            <a:endParaRPr lang="en-US" dirty="0"/>
+          </a:p>
+        </p:txBody>
+      </p:sp>
+      <p:sp>
+        <p:nvSpPr>
+          <p:cNvPr id="2" name="TextBox 1"/>
+          <p:cNvSpPr txBox="1"/>
+          <p:nvPr/>
+        </p:nvSpPr>
+        <p:spPr>
+          <a:xfrm>
+            <a:off x="9315450" y="5876925"/>
+            <a:ext cx="2333625" cy="369332"/>
+          </a:xfrm>
+          <a:prstGeom prst="rect">
+            <a:avLst/>
+          </a:prstGeom>
+          <a:noFill/>
+        </p:spPr>
+        <p:txBody>
+          <a:bodyPr wrap="square" rtlCol="0">
+            <a:spAutoFit/>
+          </a:bodyPr>
+          <a:lstStyle/>
+          <a:p>
+            <a:r>
+              <a:rPr lang="en-US" dirty="0">
+                <a:latin typeface="Malgun Gothic Semilight" panose="020B0502040204020203" pitchFamily="34" charset="-128"/>
+                <a:ea typeface="Malgun Gothic Semilight" panose="020B0502040204020203" pitchFamily="34" charset="-128"/>
+                <a:cs typeface="Malgun Gothic Semilight" panose="020B0502040204020203" pitchFamily="34" charset="-128"/>
+              </a:rPr>
+              <a:t>Results Screen</a:t>
+            </a:r>
+          </a:p>
+        </p:txBody>
+      </p:sp>
+      <p:sp>
+        <p:nvSpPr>
+          <p:cNvPr id="6" name="TextBox 5"/>
+          <p:cNvSpPr txBox="1"/>
+          <p:nvPr/>
+        </p:nvSpPr>
+        <p:spPr>
+          <a:xfrm>
+            <a:off x="5625833" y="3202115"/>
+            <a:ext cx="973463" cy="369332"/>
+          </a:xfrm>
+          <a:prstGeom prst="rect">
+            <a:avLst/>
+          </a:prstGeom>
+          <a:noFill/>
+        </p:spPr>
+        <p:txBody>
+          <a:bodyPr wrap="square" rtlCol="0">
+            <a:spAutoFit/>
+          </a:bodyPr>
+          <a:lstStyle/>
+          <a:p>
+            <a:pPr marL="0" marR="0" lvl="0" indent="0" algn="ctr" defTabSz="914400" eaLnBrk="1" fontAlgn="auto" latinLnBrk="0" hangingPunct="1">
+              <a:lnSpc>
+                <a:spcPct val="100000"/>
+              </a:lnSpc>
+              <a:spcBef>
+                <a:spcPts val="0"/>
+              </a:spcBef>
+              <a:spcAft>
+                <a:spcPts val="0"/>
+              </a:spcAft>
+              <a:buClrTx/>
+              <a:buSzTx/>
+              <a:buFontTx/>
+              <a:buNone/>
+              <a:tabLst/>
+              <a:defRPr/>
+            </a:pPr>
+            <a:r>
+              <a:rPr kumimoji="0" lang="en-US" sz="1800" b="0" i="0" u="none" strike="noStrike" kern="0" cap="none" spc="0" normalizeH="0" baseline="0" noProof="0" dirty="0">
+                <a:ln>
+                  <a:noFill/>
+                </a:ln>
+                <a:solidFill>
+                  <a:schemeClr val="bg1"/>
+                </a:solidFill>
+                <a:effectLst/>
+                <a:uLnTx/>
+                <a:uFillTx/>
+                <a:latin typeface="Malgun Gothic Semilight" panose="020B0502040204020203" pitchFamily="34" charset="-128"/>
+                <a:ea typeface="Malgun Gothic Semilight" panose="020B0502040204020203" pitchFamily="34" charset="-128"/>
+                <a:cs typeface="Malgun Gothic Semilight" panose="020B0502040204020203" pitchFamily="34" charset="-128"/>
+              </a:rPr>
+              <a:t>Even II</a:t>
+            </a:r>
+          </a:p>
+        </p:txBody>
+      </p:sp>
+      <p:pic>
+        <p:nvPicPr>
+          <p:cNvPr id="5" name="Picture 4"/>
+          <p:cNvPicPr>
+            <a:picLocks noChangeAspect="1"/>
+          </p:cNvPicPr>
+          <p:nvPr/>
+        </p:nvPicPr>
+        <p:blipFill>
+          <a:blip r:embed="rId2"/>
+          <a:stretch>
+            <a:fillRect/>
+          </a:stretch>
+        </p:blipFill>
+        <p:spPr>
+          <a:xfrm>
+            <a:off x="4800599" y="1053959"/>
+            <a:ext cx="2623931" cy="4664767"/>
+          </a:xfrm>
+          <a:prstGeom prst="rect">
+            <a:avLst/>
+          </a:prstGeom>
+        </p:spPr>
+      </p:pic>
+      <p:sp>
+        <p:nvSpPr>
+          <p:cNvPr id="7" name="Rectangle 6"/>
+          <p:cNvSpPr/>
+          <p:nvPr/>
+        </p:nvSpPr>
+        <p:spPr>
+          <a:xfrm>
+            <a:off x="4920343" y="1776552"/>
+            <a:ext cx="1123406" cy="661851"/>
+          </a:xfrm>
+          <a:prstGeom prst="rect">
+            <a:avLst/>
+          </a:prstGeom>
+          <a:solidFill>
+            <a:srgbClr val="3E6F8E"/>
+          </a:solidFill>
+        </p:spPr>
+        <p:style>
+          <a:lnRef idx="2">
+            <a:schemeClr val="accent1">
+              <a:shade val="50000"/>
+            </a:schemeClr>
+          </a:lnRef>
+          <a:fillRef idx="1">
+            <a:schemeClr val="accent1"/>
+          </a:fillRef>
+          <a:effectRef idx="0">
+            <a:schemeClr val="accent1"/>
+          </a:effectRef>
+          <a:fontRef idx="minor">
+            <a:schemeClr val="lt1"/>
+          </a:fontRef>
+        </p:style>
+        <p:txBody>
+          <a:bodyPr rtlCol="0" anchor="ctr"/>
+          <a:lstStyle/>
+          <a:p>
+            <a:pPr algn="ctr"/>
+            <a:r>
+              <a:rPr lang="en-US" sz="2800" dirty="0"/>
+              <a:t>A</a:t>
+            </a:r>
+          </a:p>
+        </p:txBody>
+      </p:sp>
+      <p:sp>
+        <p:nvSpPr>
+          <p:cNvPr id="9" name="Rectangle 8"/>
+          <p:cNvSpPr/>
+          <p:nvPr/>
+        </p:nvSpPr>
+        <p:spPr>
+          <a:xfrm>
+            <a:off x="6172436" y="1776552"/>
+            <a:ext cx="1123406" cy="661851"/>
+          </a:xfrm>
+          <a:prstGeom prst="rect">
+            <a:avLst/>
+          </a:prstGeom>
+          <a:solidFill>
+            <a:srgbClr val="3E6F8E"/>
+          </a:solidFill>
+        </p:spPr>
+        <p:style>
+          <a:lnRef idx="2">
+            <a:schemeClr val="accent1">
+              <a:shade val="50000"/>
+            </a:schemeClr>
+          </a:lnRef>
+          <a:fillRef idx="1">
+            <a:schemeClr val="accent1"/>
+          </a:fillRef>
+          <a:effectRef idx="0">
+            <a:schemeClr val="accent1"/>
+          </a:effectRef>
+          <a:fontRef idx="minor">
+            <a:schemeClr val="lt1"/>
+          </a:fontRef>
+        </p:style>
+        <p:txBody>
+          <a:bodyPr rtlCol="0" anchor="ctr"/>
+          <a:lstStyle/>
+          <a:p>
+            <a:pPr algn="ctr"/>
+            <a:r>
+              <a:rPr lang="en-US" sz="2800" dirty="0"/>
+              <a:t>B</a:t>
+            </a:r>
+          </a:p>
+        </p:txBody>
+      </p:sp>
+      <p:sp>
+        <p:nvSpPr>
+          <p:cNvPr id="10" name="TextBox 9"/>
+          <p:cNvSpPr txBox="1"/>
+          <p:nvPr/>
+        </p:nvSpPr>
+        <p:spPr>
+          <a:xfrm>
+            <a:off x="4920343" y="2394863"/>
+            <a:ext cx="2375499" cy="1477328"/>
+          </a:xfrm>
+          <a:prstGeom prst="rect">
+            <a:avLst/>
+          </a:prstGeom>
+          <a:noFill/>
+        </p:spPr>
+        <p:txBody>
+          <a:bodyPr wrap="square" rtlCol="0">
+            <a:spAutoFit/>
+          </a:bodyPr>
+          <a:lstStyle/>
+          <a:p>
+            <a:r>
+              <a:rPr lang="en-US" dirty="0">
+                <a:solidFill>
+                  <a:schemeClr val="bg1">
+                    <a:lumMod val="95000"/>
+                  </a:schemeClr>
+                </a:solidFill>
+              </a:rPr>
+              <a:t>Albert	      Beth</a:t>
+            </a:r>
+          </a:p>
+          <a:p>
+            <a:endParaRPr lang="en-US" dirty="0">
+              <a:solidFill>
+                <a:schemeClr val="bg1">
+                  <a:lumMod val="95000"/>
+                </a:schemeClr>
+              </a:solidFill>
+            </a:endParaRPr>
+          </a:p>
+          <a:p>
+            <a:endParaRPr lang="en-US" dirty="0">
+              <a:solidFill>
+                <a:schemeClr val="bg1">
+                  <a:lumMod val="95000"/>
+                </a:schemeClr>
+              </a:solidFill>
+            </a:endParaRPr>
+          </a:p>
+          <a:p>
+            <a:endParaRPr lang="en-US" dirty="0">
+              <a:solidFill>
+                <a:schemeClr val="bg1">
+                  <a:lumMod val="95000"/>
+                </a:schemeClr>
+              </a:solidFill>
+            </a:endParaRPr>
+          </a:p>
+          <a:p>
+            <a:r>
+              <a:rPr lang="en-US" dirty="0">
+                <a:solidFill>
+                  <a:schemeClr val="bg1">
+                    <a:lumMod val="95000"/>
+                  </a:schemeClr>
+                </a:solidFill>
+              </a:rPr>
+              <a:t>Pearl	       Add</a:t>
+            </a:r>
+          </a:p>
+        </p:txBody>
+      </p:sp>
+      <p:sp>
+        <p:nvSpPr>
+          <p:cNvPr id="11" name="Rectangle 10"/>
+          <p:cNvSpPr/>
+          <p:nvPr/>
+        </p:nvSpPr>
+        <p:spPr>
+          <a:xfrm>
+            <a:off x="4796126" y="1042411"/>
+            <a:ext cx="2623931" cy="4676315"/>
+          </a:xfrm>
+          <a:prstGeom prst="rect">
+            <a:avLst/>
+          </a:prstGeom>
+          <a:solidFill>
+            <a:srgbClr val="000000">
+              <a:alpha val="50196"/>
+            </a:srgbClr>
+          </a:solidFill>
+          <a:ln>
+            <a:noFill/>
+          </a:ln>
+        </p:spPr>
+        <p:style>
+          <a:lnRef idx="2">
+            <a:schemeClr val="accent1">
+              <a:shade val="50000"/>
+            </a:schemeClr>
+          </a:lnRef>
+          <a:fillRef idx="1">
+            <a:schemeClr val="accent1"/>
+          </a:fillRef>
+          <a:effectRef idx="0">
+            <a:schemeClr val="accent1"/>
+          </a:effectRef>
+          <a:fontRef idx="minor">
+            <a:schemeClr val="lt1"/>
+          </a:fontRef>
+        </p:style>
+        <p:txBody>
+          <a:bodyPr rtlCol="0" anchor="ctr"/>
+          <a:lstStyle/>
+          <a:p>
+            <a:pPr algn="ctr"/>
+            <a:endParaRPr lang="en-US" dirty="0"/>
+          </a:p>
+        </p:txBody>
+      </p:sp>
+      <p:pic>
+        <p:nvPicPr>
+          <p:cNvPr id="3" name="Picture 2"/>
+          <p:cNvPicPr>
+            <a:picLocks noChangeAspect="1"/>
+          </p:cNvPicPr>
+          <p:nvPr/>
+        </p:nvPicPr>
+        <p:blipFill>
+          <a:blip r:embed="rId3"/>
+          <a:stretch>
+            <a:fillRect/>
+          </a:stretch>
+        </p:blipFill>
+        <p:spPr>
+          <a:xfrm>
+            <a:off x="4927712" y="2838996"/>
+            <a:ext cx="2394257" cy="899820"/>
+          </a:xfrm>
+          <a:prstGeom prst="rect">
+            <a:avLst/>
+          </a:prstGeom>
+        </p:spPr>
+      </p:pic>
+      <p:pic>
+        <p:nvPicPr>
+          <p:cNvPr id="12" name="Picture 11"/>
+          <p:cNvPicPr>
+            <a:picLocks noChangeAspect="1"/>
+          </p:cNvPicPr>
+          <p:nvPr/>
+        </p:nvPicPr>
+        <p:blipFill>
+          <a:blip r:embed="rId4"/>
+          <a:stretch>
+            <a:fillRect/>
+          </a:stretch>
+        </p:blipFill>
+        <p:spPr>
+          <a:xfrm>
+            <a:off x="4881214" y="2638728"/>
+            <a:ext cx="2487251" cy="1865438"/>
+          </a:xfrm>
+          <a:prstGeom prst="rect">
+            <a:avLst/>
+          </a:prstGeom>
+        </p:spPr>
+      </p:pic>
+      <p:pic>
+        <p:nvPicPr>
+          <p:cNvPr id="14" name="Picture 13"/>
+          <p:cNvPicPr>
+            <a:picLocks noChangeAspect="1"/>
+          </p:cNvPicPr>
+          <p:nvPr/>
+        </p:nvPicPr>
+        <p:blipFill>
+          <a:blip r:embed="rId5"/>
+          <a:stretch>
+            <a:fillRect/>
+          </a:stretch>
+        </p:blipFill>
+        <p:spPr>
+          <a:xfrm>
+            <a:off x="4881215" y="2642451"/>
+            <a:ext cx="2487250" cy="1880470"/>
+          </a:xfrm>
+          <a:prstGeom prst="rect">
+            <a:avLst/>
+          </a:prstGeom>
+        </p:spPr>
+      </p:pic>
+      <p:sp>
+        <p:nvSpPr>
+          <p:cNvPr id="4" name="TextBox 3"/>
+          <p:cNvSpPr txBox="1"/>
+          <p:nvPr/>
+        </p:nvSpPr>
+        <p:spPr>
+          <a:xfrm>
+            <a:off x="5625833" y="2801522"/>
+            <a:ext cx="1290323" cy="369332"/>
+          </a:xfrm>
+          <a:prstGeom prst="rect">
+            <a:avLst/>
+          </a:prstGeom>
+          <a:noFill/>
+        </p:spPr>
+        <p:txBody>
+          <a:bodyPr wrap="square" rtlCol="0">
+            <a:spAutoFit/>
+          </a:bodyPr>
+          <a:lstStyle/>
+          <a:p>
+            <a:r>
+              <a:rPr lang="en-US" dirty="0" err="1"/>
+              <a:t>Abbaypa</a:t>
+            </a:r>
+            <a:endParaRPr lang="en-US" dirty="0"/>
+          </a:p>
+        </p:txBody>
+      </p:sp>
+      <p:grpSp>
+        <p:nvGrpSpPr>
           <p:cNvPr id="22" name="Group 21"/>
           <p:cNvGrpSpPr/>
           <p:nvPr/>
@@ -8975,7 +12591,7 @@
 </p:sld>
 </file>
 
-<file path=ppt/slides/slide11.xml><?xml version="1.0" encoding="utf-8"?>
+<file path=ppt/slides/slide15.xml><?xml version="1.0" encoding="utf-8"?>
 <p:sld xmlns:a="http://schemas.openxmlformats.org/drawingml/2006/main" xmlns:r="http://schemas.openxmlformats.org/officeDocument/2006/relationships" xmlns:p="http://schemas.openxmlformats.org/presentationml/2006/main">
   <p:cSld>
     <p:spTree>
@@ -10066,7 +13682,7 @@
 </p:sld>
 </file>
 
-<file path=ppt/slides/slide12.xml><?xml version="1.0" encoding="utf-8"?>
+<file path=ppt/slides/slide16.xml><?xml version="1.0" encoding="utf-8"?>
 <p:sld xmlns:a="http://schemas.openxmlformats.org/drawingml/2006/main" xmlns:r="http://schemas.openxmlformats.org/officeDocument/2006/relationships" xmlns:p="http://schemas.openxmlformats.org/presentationml/2006/main">
   <p:cSld>
     <p:spTree>
@@ -11198,7 +14814,726 @@
 </p:sld>
 </file>
 
-<file path=ppt/slides/slide13.xml><?xml version="1.0" encoding="utf-8"?>
+<file path=ppt/slides/slide17.xml><?xml version="1.0" encoding="utf-8"?>
+<p:sld xmlns:a="http://schemas.openxmlformats.org/drawingml/2006/main" xmlns:r="http://schemas.openxmlformats.org/officeDocument/2006/relationships" xmlns:p="http://schemas.openxmlformats.org/presentationml/2006/main">
+  <p:cSld>
+    <p:spTree>
+      <p:nvGrpSpPr>
+        <p:cNvPr id="1" name=""/>
+        <p:cNvGrpSpPr/>
+        <p:nvPr/>
+      </p:nvGrpSpPr>
+      <p:grpSpPr>
+        <a:xfrm>
+          <a:off x="0" y="0"/>
+          <a:ext cx="0" cy="0"/>
+          <a:chOff x="0" y="0"/>
+          <a:chExt cx="0" cy="0"/>
+        </a:xfrm>
+      </p:grpSpPr>
+      <p:sp>
+        <p:nvSpPr>
+          <p:cNvPr id="2" name="Title 1"/>
+          <p:cNvSpPr>
+            <a:spLocks noGrp="1"/>
+          </p:cNvSpPr>
+          <p:nvPr>
+            <p:ph type="title"/>
+          </p:nvPr>
+        </p:nvSpPr>
+        <p:spPr/>
+        <p:txBody>
+          <a:bodyPr/>
+          <a:lstStyle/>
+          <a:p>
+            <a:pPr algn="ctr"/>
+            <a:r>
+              <a:rPr lang="en-US" dirty="0"/>
+              <a:t>Future Improvements</a:t>
+            </a:r>
+          </a:p>
+        </p:txBody>
+      </p:sp>
+      <p:sp>
+        <p:nvSpPr>
+          <p:cNvPr id="3" name="Content Placeholder 2"/>
+          <p:cNvSpPr>
+            <a:spLocks noGrp="1"/>
+          </p:cNvSpPr>
+          <p:nvPr>
+            <p:ph idx="1"/>
+          </p:nvPr>
+        </p:nvSpPr>
+        <p:spPr/>
+        <p:txBody>
+          <a:bodyPr>
+            <a:noAutofit/>
+          </a:bodyPr>
+          <a:lstStyle/>
+          <a:p>
+            <a:r>
+              <a:rPr lang="en-US" sz="3300" dirty="0"/>
+              <a:t>Complete MVP</a:t>
+            </a:r>
+          </a:p>
+          <a:p>
+            <a:endParaRPr lang="en-US" sz="3300" dirty="0"/>
+          </a:p>
+          <a:p>
+            <a:r>
+              <a:rPr lang="en-US" sz="3300" dirty="0"/>
+              <a:t>Additional security in data transfer</a:t>
+            </a:r>
+          </a:p>
+          <a:p>
+            <a:endParaRPr lang="en-US" sz="3300" dirty="0"/>
+          </a:p>
+          <a:p>
+            <a:r>
+              <a:rPr lang="en-US" sz="3300" dirty="0"/>
+              <a:t>Accounts for caretakers</a:t>
+            </a:r>
+          </a:p>
+          <a:p>
+            <a:endParaRPr lang="en-US" sz="3300" dirty="0"/>
+          </a:p>
+          <a:p>
+            <a:r>
+              <a:rPr lang="en-US" sz="3300" dirty="0"/>
+              <a:t>Machine Learning/Audio fingerprinting</a:t>
+            </a:r>
+          </a:p>
+          <a:p>
+            <a:pPr marL="0" indent="0">
+              <a:buNone/>
+            </a:pPr>
+            <a:endParaRPr lang="en-US" sz="3300" dirty="0"/>
+          </a:p>
+        </p:txBody>
+      </p:sp>
+    </p:spTree>
+    <p:extLst>
+      <p:ext uri="{BB962C8B-B14F-4D97-AF65-F5344CB8AC3E}">
+        <p14:creationId xmlns:p14="http://schemas.microsoft.com/office/powerpoint/2010/main" val="1671750005"/>
+      </p:ext>
+    </p:extLst>
+  </p:cSld>
+  <p:clrMapOvr>
+    <a:masterClrMapping/>
+  </p:clrMapOvr>
+</p:sld>
+</file>
+
+<file path=ppt/slides/slide18.xml><?xml version="1.0" encoding="utf-8"?>
+<p:sld xmlns:a="http://schemas.openxmlformats.org/drawingml/2006/main" xmlns:r="http://schemas.openxmlformats.org/officeDocument/2006/relationships" xmlns:p="http://schemas.openxmlformats.org/presentationml/2006/main">
+  <p:cSld>
+    <p:spTree>
+      <p:nvGrpSpPr>
+        <p:cNvPr id="1" name=""/>
+        <p:cNvGrpSpPr/>
+        <p:nvPr/>
+      </p:nvGrpSpPr>
+      <p:grpSpPr>
+        <a:xfrm>
+          <a:off x="0" y="0"/>
+          <a:ext cx="0" cy="0"/>
+          <a:chOff x="0" y="0"/>
+          <a:chExt cx="0" cy="0"/>
+        </a:xfrm>
+      </p:grpSpPr>
+      <p:sp>
+        <p:nvSpPr>
+          <p:cNvPr id="2" name="Title 1"/>
+          <p:cNvSpPr>
+            <a:spLocks noGrp="1"/>
+          </p:cNvSpPr>
+          <p:nvPr>
+            <p:ph type="title"/>
+          </p:nvPr>
+        </p:nvSpPr>
+        <p:spPr/>
+        <p:txBody>
+          <a:bodyPr/>
+          <a:lstStyle/>
+          <a:p>
+            <a:pPr algn="ctr"/>
+            <a:r>
+              <a:rPr lang="en-US" dirty="0"/>
+              <a:t>Thank You For Listening</a:t>
+            </a:r>
+          </a:p>
+        </p:txBody>
+      </p:sp>
+      <p:sp>
+        <p:nvSpPr>
+          <p:cNvPr id="3" name="Content Placeholder 2"/>
+          <p:cNvSpPr>
+            <a:spLocks noGrp="1"/>
+          </p:cNvSpPr>
+          <p:nvPr>
+            <p:ph idx="1"/>
+          </p:nvPr>
+        </p:nvSpPr>
+        <p:spPr/>
+        <p:txBody>
+          <a:bodyPr>
+            <a:normAutofit/>
+          </a:bodyPr>
+          <a:lstStyle/>
+          <a:p>
+            <a:pPr marL="0" indent="0" algn="ctr">
+              <a:buNone/>
+            </a:pPr>
+            <a:r>
+              <a:rPr lang="en-US" sz="7200" dirty="0"/>
+              <a:t>Questions?</a:t>
+            </a:r>
+          </a:p>
+        </p:txBody>
+      </p:sp>
+    </p:spTree>
+    <p:extLst>
+      <p:ext uri="{BB962C8B-B14F-4D97-AF65-F5344CB8AC3E}">
+        <p14:creationId xmlns:p14="http://schemas.microsoft.com/office/powerpoint/2010/main" val="2321272181"/>
+      </p:ext>
+    </p:extLst>
+  </p:cSld>
+  <p:clrMapOvr>
+    <a:masterClrMapping/>
+  </p:clrMapOvr>
+</p:sld>
+</file>
+
+<file path=ppt/slides/slide2.xml><?xml version="1.0" encoding="utf-8"?>
+<p:sld xmlns:a="http://schemas.openxmlformats.org/drawingml/2006/main" xmlns:r="http://schemas.openxmlformats.org/officeDocument/2006/relationships" xmlns:p="http://schemas.openxmlformats.org/presentationml/2006/main">
+  <p:cSld>
+    <p:spTree>
+      <p:nvGrpSpPr>
+        <p:cNvPr id="1" name=""/>
+        <p:cNvGrpSpPr/>
+        <p:nvPr/>
+      </p:nvGrpSpPr>
+      <p:grpSpPr>
+        <a:xfrm>
+          <a:off x="0" y="0"/>
+          <a:ext cx="0" cy="0"/>
+          <a:chOff x="0" y="0"/>
+          <a:chExt cx="0" cy="0"/>
+        </a:xfrm>
+      </p:grpSpPr>
+      <p:pic>
+        <p:nvPicPr>
+          <p:cNvPr id="1026" name="Picture 2" descr="http://www.logospike.com/wp-content/uploads/2015/10/Android_Logo_09.png"/>
+          <p:cNvPicPr>
+            <a:picLocks noChangeAspect="1" noChangeArrowheads="1"/>
+          </p:cNvPicPr>
+          <p:nvPr/>
+        </p:nvPicPr>
+        <p:blipFill rotWithShape="1">
+          <a:blip r:embed="rId3">
+            <a:duotone>
+              <a:schemeClr val="bg2">
+                <a:shade val="45000"/>
+                <a:satMod val="135000"/>
+              </a:schemeClr>
+              <a:prstClr val="white"/>
+            </a:duotone>
+            <a:alphaModFix amt="25000"/>
+            <a:extLst>
+              <a:ext uri="{28A0092B-C50C-407E-A947-70E740481C1C}">
+                <a14:useLocalDpi xmlns:a14="http://schemas.microsoft.com/office/drawing/2010/main" val="0"/>
+              </a:ext>
+            </a:extLst>
+          </a:blip>
+          <a:srcRect r="1779" b="1"/>
+          <a:stretch/>
+        </p:blipFill>
+        <p:spPr bwMode="auto">
+          <a:xfrm>
+            <a:off x="-2544" y="1383333"/>
+            <a:ext cx="12191979" cy="6857989"/>
+          </a:xfrm>
+          <a:prstGeom prst="rect">
+            <a:avLst/>
+          </a:prstGeom>
+          <a:noFill/>
+          <a:extLst>
+            <a:ext uri="{909E8E84-426E-40DD-AFC4-6F175D3DCCD1}">
+              <a14:hiddenFill xmlns:a14="http://schemas.microsoft.com/office/drawing/2010/main">
+                <a:solidFill>
+                  <a:srgbClr val="FFFFFF"/>
+                </a:solidFill>
+              </a14:hiddenFill>
+            </a:ext>
+          </a:extLst>
+        </p:spPr>
+      </p:pic>
+      <p:sp>
+        <p:nvSpPr>
+          <p:cNvPr id="68" name="Rectangle 67"/>
+          <p:cNvSpPr>
+            <a:spLocks noGrp="1" noRot="1" noChangeAspect="1" noMove="1" noResize="1" noEditPoints="1" noAdjustHandles="1" noChangeArrowheads="1" noChangeShapeType="1" noTextEdit="1"/>
+          </p:cNvSpPr>
+          <p:nvPr>
+            <p:extLst>
+              <p:ext uri="{386F3935-93C4-4BCD-93E2-E3B085C9AB24}">
+                <p16:designElem xmlns:p16="http://schemas.microsoft.com/office/powerpoint/2015/main" val="1"/>
+              </p:ext>
+            </p:extLst>
+          </p:nvPr>
+        </p:nvSpPr>
+        <p:spPr>
+          <a:xfrm>
+            <a:off x="483" y="176109"/>
+            <a:ext cx="12188952" cy="1645919"/>
+          </a:xfrm>
+          <a:prstGeom prst="rect">
+            <a:avLst/>
+          </a:prstGeom>
+          <a:solidFill>
+            <a:schemeClr val="tx1">
+              <a:alpha val="95000"/>
+            </a:schemeClr>
+          </a:solidFill>
+          <a:ln>
+            <a:noFill/>
+          </a:ln>
+        </p:spPr>
+        <p:style>
+          <a:lnRef idx="2">
+            <a:schemeClr val="accent1">
+              <a:shade val="50000"/>
+            </a:schemeClr>
+          </a:lnRef>
+          <a:fillRef idx="1">
+            <a:schemeClr val="accent1"/>
+          </a:fillRef>
+          <a:effectRef idx="0">
+            <a:schemeClr val="accent1"/>
+          </a:effectRef>
+          <a:fontRef idx="minor">
+            <a:schemeClr val="lt1"/>
+          </a:fontRef>
+        </p:style>
+        <p:txBody>
+          <a:bodyPr rtlCol="0" anchor="ctr"/>
+          <a:lstStyle>
+            <a:defPPr>
+              <a:defRPr lang="en-US"/>
+            </a:defPPr>
+            <a:lvl1pPr marL="0" algn="l" defTabSz="914400" rtl="0" eaLnBrk="1" latinLnBrk="0" hangingPunct="1">
+              <a:defRPr sz="1800" kern="1200">
+                <a:solidFill>
+                  <a:schemeClr val="lt1"/>
+                </a:solidFill>
+                <a:latin typeface="+mn-lt"/>
+                <a:ea typeface="+mn-ea"/>
+                <a:cs typeface="+mn-cs"/>
+              </a:defRPr>
+            </a:lvl1pPr>
+            <a:lvl2pPr marL="457200" algn="l" defTabSz="914400" rtl="0" eaLnBrk="1" latinLnBrk="0" hangingPunct="1">
+              <a:defRPr sz="1800" kern="1200">
+                <a:solidFill>
+                  <a:schemeClr val="lt1"/>
+                </a:solidFill>
+                <a:latin typeface="+mn-lt"/>
+                <a:ea typeface="+mn-ea"/>
+                <a:cs typeface="+mn-cs"/>
+              </a:defRPr>
+            </a:lvl2pPr>
+            <a:lvl3pPr marL="914400" algn="l" defTabSz="914400" rtl="0" eaLnBrk="1" latinLnBrk="0" hangingPunct="1">
+              <a:defRPr sz="1800" kern="1200">
+                <a:solidFill>
+                  <a:schemeClr val="lt1"/>
+                </a:solidFill>
+                <a:latin typeface="+mn-lt"/>
+                <a:ea typeface="+mn-ea"/>
+                <a:cs typeface="+mn-cs"/>
+              </a:defRPr>
+            </a:lvl3pPr>
+            <a:lvl4pPr marL="1371600" algn="l" defTabSz="914400" rtl="0" eaLnBrk="1" latinLnBrk="0" hangingPunct="1">
+              <a:defRPr sz="1800" kern="1200">
+                <a:solidFill>
+                  <a:schemeClr val="lt1"/>
+                </a:solidFill>
+                <a:latin typeface="+mn-lt"/>
+                <a:ea typeface="+mn-ea"/>
+                <a:cs typeface="+mn-cs"/>
+              </a:defRPr>
+            </a:lvl4pPr>
+            <a:lvl5pPr marL="1828800" algn="l" defTabSz="914400" rtl="0" eaLnBrk="1" latinLnBrk="0" hangingPunct="1">
+              <a:defRPr sz="1800" kern="1200">
+                <a:solidFill>
+                  <a:schemeClr val="lt1"/>
+                </a:solidFill>
+                <a:latin typeface="+mn-lt"/>
+                <a:ea typeface="+mn-ea"/>
+                <a:cs typeface="+mn-cs"/>
+              </a:defRPr>
+            </a:lvl5pPr>
+            <a:lvl6pPr marL="2286000" algn="l" defTabSz="914400" rtl="0" eaLnBrk="1" latinLnBrk="0" hangingPunct="1">
+              <a:defRPr sz="1800" kern="1200">
+                <a:solidFill>
+                  <a:schemeClr val="lt1"/>
+                </a:solidFill>
+                <a:latin typeface="+mn-lt"/>
+                <a:ea typeface="+mn-ea"/>
+                <a:cs typeface="+mn-cs"/>
+              </a:defRPr>
+            </a:lvl6pPr>
+            <a:lvl7pPr marL="2743200" algn="l" defTabSz="914400" rtl="0" eaLnBrk="1" latinLnBrk="0" hangingPunct="1">
+              <a:defRPr sz="1800" kern="1200">
+                <a:solidFill>
+                  <a:schemeClr val="lt1"/>
+                </a:solidFill>
+                <a:latin typeface="+mn-lt"/>
+                <a:ea typeface="+mn-ea"/>
+                <a:cs typeface="+mn-cs"/>
+              </a:defRPr>
+            </a:lvl7pPr>
+            <a:lvl8pPr marL="3200400" algn="l" defTabSz="914400" rtl="0" eaLnBrk="1" latinLnBrk="0" hangingPunct="1">
+              <a:defRPr sz="1800" kern="1200">
+                <a:solidFill>
+                  <a:schemeClr val="lt1"/>
+                </a:solidFill>
+                <a:latin typeface="+mn-lt"/>
+                <a:ea typeface="+mn-ea"/>
+                <a:cs typeface="+mn-cs"/>
+              </a:defRPr>
+            </a:lvl8pPr>
+            <a:lvl9pPr marL="3657600" algn="l" defTabSz="914400" rtl="0" eaLnBrk="1" latinLnBrk="0" hangingPunct="1">
+              <a:defRPr sz="1800" kern="1200">
+                <a:solidFill>
+                  <a:schemeClr val="lt1"/>
+                </a:solidFill>
+                <a:latin typeface="+mn-lt"/>
+                <a:ea typeface="+mn-ea"/>
+                <a:cs typeface="+mn-cs"/>
+              </a:defRPr>
+            </a:lvl9pPr>
+          </a:lstStyle>
+          <a:p>
+            <a:pPr algn="ctr"/>
+            <a:endParaRPr lang="en-US" dirty="0">
+              <a:solidFill>
+                <a:srgbClr val="FFFFFF"/>
+              </a:solidFill>
+            </a:endParaRPr>
+          </a:p>
+        </p:txBody>
+      </p:sp>
+      <p:sp>
+        <p:nvSpPr>
+          <p:cNvPr id="2" name="Title 1"/>
+          <p:cNvSpPr>
+            <a:spLocks noGrp="1"/>
+          </p:cNvSpPr>
+          <p:nvPr>
+            <p:ph type="title"/>
+          </p:nvPr>
+        </p:nvSpPr>
+        <p:spPr>
+          <a:xfrm>
+            <a:off x="1202919" y="284176"/>
+            <a:ext cx="9718123" cy="1508760"/>
+          </a:xfrm>
+        </p:spPr>
+        <p:txBody>
+          <a:bodyPr>
+            <a:normAutofit/>
+          </a:bodyPr>
+          <a:lstStyle/>
+          <a:p>
+            <a:pPr algn="ctr"/>
+            <a:r>
+              <a:rPr lang="en-US" dirty="0"/>
+              <a:t>What Is It?</a:t>
+            </a:r>
+          </a:p>
+        </p:txBody>
+      </p:sp>
+      <p:sp>
+        <p:nvSpPr>
+          <p:cNvPr id="3" name="Content Placeholder 2"/>
+          <p:cNvSpPr>
+            <a:spLocks noGrp="1"/>
+          </p:cNvSpPr>
+          <p:nvPr>
+            <p:ph idx="1"/>
+          </p:nvPr>
+        </p:nvSpPr>
+        <p:spPr>
+          <a:xfrm>
+            <a:off x="1069674" y="2011680"/>
+            <a:ext cx="10230929" cy="4206240"/>
+          </a:xfrm>
+        </p:spPr>
+        <p:txBody>
+          <a:bodyPr>
+            <a:normAutofit fontScale="92500" lnSpcReduction="10000"/>
+          </a:bodyPr>
+          <a:lstStyle/>
+          <a:p>
+            <a:r>
+              <a:rPr lang="en-US" sz="3600" dirty="0"/>
+              <a:t>Intuitive and easy to use mobile app </a:t>
+            </a:r>
+          </a:p>
+          <a:p>
+            <a:endParaRPr lang="en-US" sz="3600" dirty="0"/>
+          </a:p>
+          <a:p>
+            <a:r>
+              <a:rPr lang="en-US" sz="3600" dirty="0"/>
+              <a:t>Helps caretakers understand kids</a:t>
+            </a:r>
+          </a:p>
+          <a:p>
+            <a:pPr marL="0" indent="0">
+              <a:buNone/>
+            </a:pPr>
+            <a:endParaRPr lang="en-US" sz="3600" dirty="0"/>
+          </a:p>
+          <a:p>
+            <a:r>
+              <a:rPr lang="en-US" sz="3600" dirty="0"/>
+              <a:t>Can retain unique language of each child</a:t>
+            </a:r>
+          </a:p>
+          <a:p>
+            <a:endParaRPr lang="en-US" sz="3600" dirty="0"/>
+          </a:p>
+          <a:p>
+            <a:r>
+              <a:rPr lang="en-US" sz="3600" dirty="0"/>
+              <a:t>All made available to caretakers</a:t>
+            </a:r>
+          </a:p>
+        </p:txBody>
+      </p:sp>
+    </p:spTree>
+    <p:extLst>
+      <p:ext uri="{BB962C8B-B14F-4D97-AF65-F5344CB8AC3E}">
+        <p14:creationId xmlns:p14="http://schemas.microsoft.com/office/powerpoint/2010/main" val="4216136034"/>
+      </p:ext>
+    </p:extLst>
+  </p:cSld>
+  <p:clrMapOvr>
+    <a:masterClrMapping/>
+  </p:clrMapOvr>
+</p:sld>
+</file>
+
+<file path=ppt/slides/slide3.xml><?xml version="1.0" encoding="utf-8"?>
+<p:sld xmlns:a="http://schemas.openxmlformats.org/drawingml/2006/main" xmlns:r="http://schemas.openxmlformats.org/officeDocument/2006/relationships" xmlns:p="http://schemas.openxmlformats.org/presentationml/2006/main">
+  <p:cSld>
+    <p:spTree>
+      <p:nvGrpSpPr>
+        <p:cNvPr id="1" name=""/>
+        <p:cNvGrpSpPr/>
+        <p:nvPr/>
+      </p:nvGrpSpPr>
+      <p:grpSpPr>
+        <a:xfrm>
+          <a:off x="0" y="0"/>
+          <a:ext cx="0" cy="0"/>
+          <a:chOff x="0" y="0"/>
+          <a:chExt cx="0" cy="0"/>
+        </a:xfrm>
+      </p:grpSpPr>
+      <p:sp>
+        <p:nvSpPr>
+          <p:cNvPr id="2" name="Title 1"/>
+          <p:cNvSpPr>
+            <a:spLocks noGrp="1"/>
+          </p:cNvSpPr>
+          <p:nvPr>
+            <p:ph type="title"/>
+          </p:nvPr>
+        </p:nvSpPr>
+        <p:spPr/>
+        <p:txBody>
+          <a:bodyPr/>
+          <a:lstStyle/>
+          <a:p>
+            <a:pPr algn="ctr"/>
+            <a:r>
+              <a:rPr lang="en-US" dirty="0"/>
+              <a:t>How it works</a:t>
+            </a:r>
+          </a:p>
+        </p:txBody>
+      </p:sp>
+      <p:sp>
+        <p:nvSpPr>
+          <p:cNvPr id="3" name="Content Placeholder 2"/>
+          <p:cNvSpPr>
+            <a:spLocks noGrp="1"/>
+          </p:cNvSpPr>
+          <p:nvPr>
+            <p:ph idx="1"/>
+          </p:nvPr>
+        </p:nvSpPr>
+        <p:spPr>
+          <a:xfrm>
+            <a:off x="1202919" y="2011680"/>
+            <a:ext cx="9784080" cy="4206240"/>
+          </a:xfrm>
+        </p:spPr>
+        <p:txBody>
+          <a:bodyPr>
+            <a:noAutofit/>
+          </a:bodyPr>
+          <a:lstStyle/>
+          <a:p>
+            <a:r>
+              <a:rPr lang="en-US" sz="3300" dirty="0"/>
+              <a:t>Initial: Users input audio data of phrases </a:t>
+            </a:r>
+          </a:p>
+          <a:p>
+            <a:endParaRPr lang="en-US" sz="3300" dirty="0"/>
+          </a:p>
+          <a:p>
+            <a:r>
+              <a:rPr lang="en-US" sz="3300" dirty="0"/>
+              <a:t>Translation: Caretaker/Parent records the child speaking</a:t>
+            </a:r>
+          </a:p>
+          <a:p>
+            <a:pPr lvl="1"/>
+            <a:r>
+              <a:rPr lang="en-US" sz="3300" dirty="0"/>
+              <a:t>This is translated to text</a:t>
+            </a:r>
+          </a:p>
+          <a:p>
+            <a:pPr lvl="1"/>
+            <a:endParaRPr lang="en-US" sz="3300" dirty="0"/>
+          </a:p>
+          <a:p>
+            <a:r>
+              <a:rPr lang="en-US" sz="3300" dirty="0"/>
+              <a:t>Editing: Translations can be edited if incorrect</a:t>
+            </a:r>
+          </a:p>
+        </p:txBody>
+      </p:sp>
+    </p:spTree>
+    <p:extLst>
+      <p:ext uri="{BB962C8B-B14F-4D97-AF65-F5344CB8AC3E}">
+        <p14:creationId xmlns:p14="http://schemas.microsoft.com/office/powerpoint/2010/main" val="2687689281"/>
+      </p:ext>
+    </p:extLst>
+  </p:cSld>
+  <p:clrMapOvr>
+    <a:masterClrMapping/>
+  </p:clrMapOvr>
+</p:sld>
+</file>
+
+<file path=ppt/slides/slide4.xml><?xml version="1.0" encoding="utf-8"?>
+<p:sld xmlns:a="http://schemas.openxmlformats.org/drawingml/2006/main" xmlns:r="http://schemas.openxmlformats.org/officeDocument/2006/relationships" xmlns:p="http://schemas.openxmlformats.org/presentationml/2006/main">
+  <p:cSld>
+    <p:spTree>
+      <p:nvGrpSpPr>
+        <p:cNvPr id="1" name=""/>
+        <p:cNvGrpSpPr/>
+        <p:nvPr/>
+      </p:nvGrpSpPr>
+      <p:grpSpPr>
+        <a:xfrm>
+          <a:off x="0" y="0"/>
+          <a:ext cx="0" cy="0"/>
+          <a:chOff x="0" y="0"/>
+          <a:chExt cx="0" cy="0"/>
+        </a:xfrm>
+      </p:grpSpPr>
+      <p:sp>
+        <p:nvSpPr>
+          <p:cNvPr id="2" name="Title 1"/>
+          <p:cNvSpPr>
+            <a:spLocks noGrp="1"/>
+          </p:cNvSpPr>
+          <p:nvPr>
+            <p:ph type="title"/>
+          </p:nvPr>
+        </p:nvSpPr>
+        <p:spPr/>
+        <p:txBody>
+          <a:bodyPr/>
+          <a:lstStyle/>
+          <a:p>
+            <a:pPr algn="ctr"/>
+            <a:r>
+              <a:rPr lang="en-US" dirty="0"/>
+              <a:t>How does it Solve the problem</a:t>
+            </a:r>
+          </a:p>
+        </p:txBody>
+      </p:sp>
+      <p:sp>
+        <p:nvSpPr>
+          <p:cNvPr id="3" name="Content Placeholder 2"/>
+          <p:cNvSpPr>
+            <a:spLocks noGrp="1"/>
+          </p:cNvSpPr>
+          <p:nvPr>
+            <p:ph idx="1"/>
+          </p:nvPr>
+        </p:nvSpPr>
+        <p:spPr/>
+        <p:txBody>
+          <a:bodyPr>
+            <a:normAutofit/>
+          </a:bodyPr>
+          <a:lstStyle/>
+          <a:p>
+            <a:r>
+              <a:rPr lang="en-US" sz="3300" dirty="0"/>
+              <a:t>Each caretaker’s app has its own pool of children to attend to</a:t>
+            </a:r>
+          </a:p>
+          <a:p>
+            <a:endParaRPr lang="en-US" sz="3300" dirty="0"/>
+          </a:p>
+          <a:p>
+            <a:r>
+              <a:rPr lang="en-US" sz="3300" dirty="0"/>
+              <a:t>A database retains data for each individual</a:t>
+            </a:r>
+          </a:p>
+          <a:p>
+            <a:endParaRPr lang="en-US" sz="3300" dirty="0"/>
+          </a:p>
+          <a:p>
+            <a:r>
+              <a:rPr lang="en-US" sz="3300" dirty="0"/>
+              <a:t>Compares data derived from audio with reference data</a:t>
+            </a:r>
+          </a:p>
+          <a:p>
+            <a:pPr marL="0" indent="0">
+              <a:buNone/>
+            </a:pPr>
+            <a:endParaRPr lang="en-US" sz="3300" dirty="0"/>
+          </a:p>
+        </p:txBody>
+      </p:sp>
+    </p:spTree>
+    <p:extLst>
+      <p:ext uri="{BB962C8B-B14F-4D97-AF65-F5344CB8AC3E}">
+        <p14:creationId xmlns:p14="http://schemas.microsoft.com/office/powerpoint/2010/main" val="2128898987"/>
+      </p:ext>
+    </p:extLst>
+  </p:cSld>
+  <p:clrMapOvr>
+    <a:masterClrMapping/>
+  </p:clrMapOvr>
+</p:sld>
+</file>
+
+<file path=ppt/slides/slide5.xml><?xml version="1.0" encoding="utf-8"?>
 <p:sld xmlns:a="http://schemas.openxmlformats.org/drawingml/2006/main" xmlns:r="http://schemas.openxmlformats.org/officeDocument/2006/relationships" xmlns:p="http://schemas.openxmlformats.org/presentationml/2006/main">
   <p:cSld>
     <p:spTree>
@@ -11685,7 +16020,7 @@
 </p:sld>
 </file>
 
-<file path=ppt/slides/slide14.xml><?xml version="1.0" encoding="utf-8"?>
+<file path=ppt/slides/slide6.xml><?xml version="1.0" encoding="utf-8"?>
 <p:sld xmlns:a="http://schemas.openxmlformats.org/drawingml/2006/main" xmlns:r="http://schemas.openxmlformats.org/officeDocument/2006/relationships" xmlns:p="http://schemas.openxmlformats.org/presentationml/2006/main">
   <p:cSld>
     <p:spTree>
@@ -12362,7 +16697,7 @@
 </p:sld>
 </file>
 
-<file path=ppt/slides/slide15.xml><?xml version="1.0" encoding="utf-8"?>
+<file path=ppt/slides/slide7.xml><?xml version="1.0" encoding="utf-8"?>
 <p:sld xmlns:a="http://schemas.openxmlformats.org/drawingml/2006/main" xmlns:r="http://schemas.openxmlformats.org/officeDocument/2006/relationships" xmlns:p="http://schemas.openxmlformats.org/presentationml/2006/main">
   <p:cSld>
     <p:spTree>
@@ -13111,7 +17446,7 @@
 </p:sld>
 </file>
 
-<file path=ppt/slides/slide16.xml><?xml version="1.0" encoding="utf-8"?>
+<file path=ppt/slides/slide8.xml><?xml version="1.0" encoding="utf-8"?>
 <p:sld xmlns:a="http://schemas.openxmlformats.org/drawingml/2006/main" xmlns:r="http://schemas.openxmlformats.org/officeDocument/2006/relationships" xmlns:p="http://schemas.openxmlformats.org/presentationml/2006/main">
   <p:cSld>
     <p:spTree>
@@ -13451,5219 +17786,7 @@
                   </a:schemeClr>
                 </a:solidFill>
               </a:rPr>
-              <a:t>Carl	       Pearl</a:t>
-            </a:r>
-          </a:p>
-          <a:p>
-            <a:endParaRPr lang="en-US" dirty="0">
-              <a:solidFill>
-                <a:schemeClr val="bg1">
-                  <a:lumMod val="95000"/>
-                </a:schemeClr>
-              </a:solidFill>
-            </a:endParaRPr>
-          </a:p>
-          <a:p>
-            <a:endParaRPr lang="en-US" dirty="0">
-              <a:solidFill>
-                <a:schemeClr val="bg1">
-                  <a:lumMod val="95000"/>
-                </a:schemeClr>
-              </a:solidFill>
-            </a:endParaRPr>
-          </a:p>
-          <a:p>
-            <a:endParaRPr lang="en-US" dirty="0">
-              <a:solidFill>
-                <a:schemeClr val="bg1">
-                  <a:lumMod val="95000"/>
-                </a:schemeClr>
-              </a:solidFill>
-            </a:endParaRPr>
-          </a:p>
-          <a:p>
-            <a:r>
-              <a:rPr lang="en-US" dirty="0">
-                <a:solidFill>
-                  <a:schemeClr val="bg1">
-                    <a:lumMod val="95000"/>
-                  </a:schemeClr>
-                </a:solidFill>
-              </a:rPr>
-              <a:t>Add</a:t>
-            </a:r>
-          </a:p>
-        </p:txBody>
-      </p:sp>
-      <p:sp>
-        <p:nvSpPr>
-          <p:cNvPr id="11" name="Rectangle 10"/>
-          <p:cNvSpPr/>
-          <p:nvPr/>
-        </p:nvSpPr>
-        <p:spPr>
-          <a:xfrm>
-            <a:off x="6181380" y="2824371"/>
-            <a:ext cx="1123406" cy="661851"/>
-          </a:xfrm>
-          <a:prstGeom prst="rect">
-            <a:avLst/>
-          </a:prstGeom>
-          <a:solidFill>
-            <a:srgbClr val="3E6F8E"/>
-          </a:solidFill>
-        </p:spPr>
-        <p:style>
-          <a:lnRef idx="2">
-            <a:schemeClr val="accent1">
-              <a:shade val="50000"/>
-            </a:schemeClr>
-          </a:lnRef>
-          <a:fillRef idx="1">
-            <a:schemeClr val="accent1"/>
-          </a:fillRef>
-          <a:effectRef idx="0">
-            <a:schemeClr val="accent1"/>
-          </a:effectRef>
-          <a:fontRef idx="minor">
-            <a:schemeClr val="lt1"/>
-          </a:fontRef>
-        </p:style>
-        <p:txBody>
-          <a:bodyPr rtlCol="0" anchor="ctr"/>
-          <a:lstStyle/>
-          <a:p>
-            <a:pPr algn="ctr"/>
-            <a:r>
-              <a:rPr lang="en-US" sz="2800" dirty="0"/>
-              <a:t>P</a:t>
-            </a:r>
-          </a:p>
-        </p:txBody>
-      </p:sp>
-      <p:sp>
-        <p:nvSpPr>
-          <p:cNvPr id="12" name="Rectangle 11"/>
-          <p:cNvSpPr/>
-          <p:nvPr/>
-        </p:nvSpPr>
-        <p:spPr>
-          <a:xfrm>
-            <a:off x="4914188" y="2824371"/>
-            <a:ext cx="1123406" cy="661851"/>
-          </a:xfrm>
-          <a:prstGeom prst="rect">
-            <a:avLst/>
-          </a:prstGeom>
-          <a:solidFill>
-            <a:srgbClr val="3E6F8E"/>
-          </a:solidFill>
-        </p:spPr>
-        <p:style>
-          <a:lnRef idx="2">
-            <a:schemeClr val="accent1">
-              <a:shade val="50000"/>
-            </a:schemeClr>
-          </a:lnRef>
-          <a:fillRef idx="1">
-            <a:schemeClr val="accent1"/>
-          </a:fillRef>
-          <a:effectRef idx="0">
-            <a:schemeClr val="accent1"/>
-          </a:effectRef>
-          <a:fontRef idx="minor">
-            <a:schemeClr val="lt1"/>
-          </a:fontRef>
-        </p:style>
-        <p:txBody>
-          <a:bodyPr rtlCol="0" anchor="ctr"/>
-          <a:lstStyle/>
-          <a:p>
-            <a:pPr algn="ctr"/>
-            <a:r>
-              <a:rPr lang="en-US" sz="2800" dirty="0"/>
-              <a:t>C</a:t>
-            </a:r>
-          </a:p>
-        </p:txBody>
-      </p:sp>
-      <p:sp>
-        <p:nvSpPr>
-          <p:cNvPr id="13" name="Rectangle 12"/>
-          <p:cNvSpPr/>
-          <p:nvPr/>
-        </p:nvSpPr>
-        <p:spPr>
-          <a:xfrm>
-            <a:off x="4911399" y="3872190"/>
-            <a:ext cx="1123406" cy="661851"/>
-          </a:xfrm>
-          <a:prstGeom prst="rect">
-            <a:avLst/>
-          </a:prstGeom>
-          <a:solidFill>
-            <a:srgbClr val="3E6F8E"/>
-          </a:solidFill>
-        </p:spPr>
-        <p:style>
-          <a:lnRef idx="2">
-            <a:schemeClr val="accent1">
-              <a:shade val="50000"/>
-            </a:schemeClr>
-          </a:lnRef>
-          <a:fillRef idx="1">
-            <a:schemeClr val="accent1"/>
-          </a:fillRef>
-          <a:effectRef idx="0">
-            <a:schemeClr val="accent1"/>
-          </a:effectRef>
-          <a:fontRef idx="minor">
-            <a:schemeClr val="lt1"/>
-          </a:fontRef>
-        </p:style>
-        <p:txBody>
-          <a:bodyPr rtlCol="0" anchor="ctr"/>
-          <a:lstStyle/>
-          <a:p>
-            <a:pPr algn="ctr"/>
-            <a:r>
-              <a:rPr lang="en-US" sz="4800" b="1" dirty="0"/>
-              <a:t>+</a:t>
-            </a:r>
-          </a:p>
-        </p:txBody>
-      </p:sp>
-      <p:grpSp>
-        <p:nvGrpSpPr>
-          <p:cNvPr id="21" name="Group 20"/>
-          <p:cNvGrpSpPr/>
-          <p:nvPr/>
-        </p:nvGrpSpPr>
-        <p:grpSpPr>
-          <a:xfrm>
-            <a:off x="4998722" y="357051"/>
-            <a:ext cx="1802674" cy="6200503"/>
-            <a:chOff x="4963886" y="357051"/>
-            <a:chExt cx="1802674" cy="6200503"/>
-          </a:xfrm>
-        </p:grpSpPr>
-        <p:sp>
-          <p:nvSpPr>
-            <p:cNvPr id="22" name="Rectangle 21"/>
-            <p:cNvSpPr/>
-            <p:nvPr/>
-          </p:nvSpPr>
-          <p:spPr>
-            <a:xfrm>
-              <a:off x="5799909" y="357051"/>
-              <a:ext cx="583474" cy="130629"/>
-            </a:xfrm>
-            <a:prstGeom prst="rect">
-              <a:avLst/>
-            </a:prstGeom>
-            <a:solidFill>
-              <a:srgbClr val="F2F2F2"/>
-            </a:solidFill>
-            <a:ln>
-              <a:noFill/>
-            </a:ln>
-          </p:spPr>
-          <p:style>
-            <a:lnRef idx="2">
-              <a:schemeClr val="accent1">
-                <a:shade val="50000"/>
-              </a:schemeClr>
-            </a:lnRef>
-            <a:fillRef idx="1">
-              <a:schemeClr val="accent1"/>
-            </a:fillRef>
-            <a:effectRef idx="0">
-              <a:schemeClr val="accent1"/>
-            </a:effectRef>
-            <a:fontRef idx="minor">
-              <a:schemeClr val="lt1"/>
-            </a:fontRef>
-          </p:style>
-          <p:txBody>
-            <a:bodyPr rtlCol="0" anchor="ctr"/>
-            <a:lstStyle/>
-            <a:p>
-              <a:pPr algn="ctr"/>
-              <a:endParaRPr lang="en-US"/>
-            </a:p>
-          </p:txBody>
-        </p:sp>
-        <p:sp>
-          <p:nvSpPr>
-            <p:cNvPr id="23" name="Rectangle 22"/>
-            <p:cNvSpPr/>
-            <p:nvPr/>
-          </p:nvSpPr>
-          <p:spPr>
-            <a:xfrm>
-              <a:off x="5503818" y="5858576"/>
-              <a:ext cx="1262742" cy="698978"/>
-            </a:xfrm>
-            <a:prstGeom prst="rect">
-              <a:avLst/>
-            </a:prstGeom>
-            <a:solidFill>
-              <a:srgbClr val="F2F2F2"/>
-            </a:solidFill>
-            <a:ln>
-              <a:noFill/>
-            </a:ln>
-          </p:spPr>
-          <p:style>
-            <a:lnRef idx="2">
-              <a:schemeClr val="accent1">
-                <a:shade val="50000"/>
-              </a:schemeClr>
-            </a:lnRef>
-            <a:fillRef idx="1">
-              <a:schemeClr val="accent1"/>
-            </a:fillRef>
-            <a:effectRef idx="0">
-              <a:schemeClr val="accent1"/>
-            </a:effectRef>
-            <a:fontRef idx="minor">
-              <a:schemeClr val="lt1"/>
-            </a:fontRef>
-          </p:style>
-          <p:txBody>
-            <a:bodyPr rtlCol="0" anchor="ctr"/>
-            <a:lstStyle/>
-            <a:p>
-              <a:pPr algn="ctr"/>
-              <a:endParaRPr lang="en-US"/>
-            </a:p>
-          </p:txBody>
-        </p:sp>
-        <p:sp>
-          <p:nvSpPr>
-            <p:cNvPr id="24" name="Oval 23"/>
-            <p:cNvSpPr/>
-            <p:nvPr/>
-          </p:nvSpPr>
-          <p:spPr>
-            <a:xfrm>
-              <a:off x="4963886" y="487680"/>
-              <a:ext cx="113211" cy="113211"/>
-            </a:xfrm>
-            <a:prstGeom prst="ellipse">
-              <a:avLst/>
-            </a:prstGeom>
-          </p:spPr>
-          <p:style>
-            <a:lnRef idx="2">
-              <a:schemeClr val="dk1">
-                <a:shade val="50000"/>
-              </a:schemeClr>
-            </a:lnRef>
-            <a:fillRef idx="1">
-              <a:schemeClr val="dk1"/>
-            </a:fillRef>
-            <a:effectRef idx="0">
-              <a:schemeClr val="dk1"/>
-            </a:effectRef>
-            <a:fontRef idx="minor">
-              <a:schemeClr val="lt1"/>
-            </a:fontRef>
-          </p:style>
-          <p:txBody>
-            <a:bodyPr rtlCol="0" anchor="ctr"/>
-            <a:lstStyle/>
-            <a:p>
-              <a:pPr algn="ctr"/>
-              <a:endParaRPr lang="en-US"/>
-            </a:p>
-          </p:txBody>
-        </p:sp>
-        <p:sp>
-          <p:nvSpPr>
-            <p:cNvPr id="25" name="Rectangle 24"/>
-            <p:cNvSpPr/>
-            <p:nvPr/>
-          </p:nvSpPr>
-          <p:spPr>
-            <a:xfrm>
-              <a:off x="5216435" y="628388"/>
-              <a:ext cx="583474" cy="130629"/>
-            </a:xfrm>
-            <a:prstGeom prst="rect">
-              <a:avLst/>
-            </a:prstGeom>
-            <a:solidFill>
-              <a:srgbClr val="F2F2F2"/>
-            </a:solidFill>
-            <a:ln>
-              <a:noFill/>
-            </a:ln>
-          </p:spPr>
-          <p:style>
-            <a:lnRef idx="2">
-              <a:schemeClr val="accent1">
-                <a:shade val="50000"/>
-              </a:schemeClr>
-            </a:lnRef>
-            <a:fillRef idx="1">
-              <a:schemeClr val="accent1"/>
-            </a:fillRef>
-            <a:effectRef idx="0">
-              <a:schemeClr val="accent1"/>
-            </a:effectRef>
-            <a:fontRef idx="minor">
-              <a:schemeClr val="lt1"/>
-            </a:fontRef>
-          </p:style>
-          <p:txBody>
-            <a:bodyPr rtlCol="0" anchor="ctr"/>
-            <a:lstStyle/>
-            <a:p>
-              <a:pPr algn="ctr"/>
-              <a:endParaRPr lang="en-US"/>
-            </a:p>
-          </p:txBody>
-        </p:sp>
-        <p:sp>
-          <p:nvSpPr>
-            <p:cNvPr id="26" name="Rounded Rectangle 25"/>
-            <p:cNvSpPr/>
-            <p:nvPr/>
-          </p:nvSpPr>
-          <p:spPr>
-            <a:xfrm>
-              <a:off x="5416735" y="373617"/>
-              <a:ext cx="1275805" cy="98398"/>
-            </a:xfrm>
-            <a:prstGeom prst="roundRect">
-              <a:avLst/>
-            </a:prstGeom>
-            <a:solidFill>
-              <a:srgbClr val="F2F2F2"/>
-            </a:solidFill>
-            <a:ln>
-              <a:solidFill>
-                <a:schemeClr val="bg1">
-                  <a:lumMod val="50000"/>
-                </a:schemeClr>
-              </a:solidFill>
-            </a:ln>
-          </p:spPr>
-          <p:style>
-            <a:lnRef idx="2">
-              <a:schemeClr val="accent1">
-                <a:shade val="50000"/>
-              </a:schemeClr>
-            </a:lnRef>
-            <a:fillRef idx="1">
-              <a:schemeClr val="accent1"/>
-            </a:fillRef>
-            <a:effectRef idx="0">
-              <a:schemeClr val="accent1"/>
-            </a:effectRef>
-            <a:fontRef idx="minor">
-              <a:schemeClr val="lt1"/>
-            </a:fontRef>
-          </p:style>
-          <p:txBody>
-            <a:bodyPr rtlCol="0" anchor="ctr"/>
-            <a:lstStyle/>
-            <a:p>
-              <a:pPr algn="ctr"/>
-              <a:endParaRPr lang="en-US"/>
-            </a:p>
-          </p:txBody>
-        </p:sp>
-      </p:grpSp>
-    </p:spTree>
-    <p:extLst>
-      <p:ext uri="{BB962C8B-B14F-4D97-AF65-F5344CB8AC3E}">
-        <p14:creationId xmlns:p14="http://schemas.microsoft.com/office/powerpoint/2010/main" val="1917458041"/>
-      </p:ext>
-    </p:extLst>
-  </p:cSld>
-  <p:clrMapOvr>
-    <a:masterClrMapping/>
-  </p:clrMapOvr>
-  <p:timing>
-    <p:tnLst>
-      <p:par>
-        <p:cTn id="1" dur="indefinite" restart="never" nodeType="tmRoot">
-          <p:childTnLst>
-            <p:seq concurrent="1" nextAc="seek">
-              <p:cTn id="2" dur="indefinite" nodeType="mainSeq">
-                <p:childTnLst>
-                  <p:par>
-                    <p:cTn id="3" fill="hold">
-                      <p:stCondLst>
-                        <p:cond delay="indefinite"/>
-                        <p:cond evt="onBegin" delay="0">
-                          <p:tn val="2"/>
-                        </p:cond>
-                      </p:stCondLst>
-                      <p:childTnLst>
-                        <p:par>
-                          <p:cTn id="4" fill="hold">
-                            <p:stCondLst>
-                              <p:cond delay="0"/>
-                            </p:stCondLst>
-                            <p:childTnLst>
-                              <p:par>
-                                <p:cTn id="5" presetID="42" presetClass="path" presetSubtype="0" accel="50000" decel="50000" fill="hold" grpId="0" nodeType="withEffect">
-                                  <p:stCondLst>
-                                    <p:cond delay="1000"/>
-                                  </p:stCondLst>
-                                  <p:childTnLst>
-                                    <p:animMotion origin="layout" path="M -1.25E-6 -2.22222E-6 L -1.25E-6 -0.15463 " pathEditMode="relative" rAng="0" ptsTypes="AA">
-                                      <p:cBhvr>
-                                        <p:cTn id="6" dur="2000" fill="hold"/>
-                                        <p:tgtEl>
-                                          <p:spTgt spid="6"/>
-                                        </p:tgtEl>
-                                        <p:attrNameLst>
-                                          <p:attrName>ppt_x</p:attrName>
-                                          <p:attrName>ppt_y</p:attrName>
-                                        </p:attrNameLst>
-                                      </p:cBhvr>
-                                      <p:rCtr x="0" y="-7731"/>
-                                    </p:animMotion>
-                                  </p:childTnLst>
-                                </p:cTn>
-                              </p:par>
-                            </p:childTnLst>
-                          </p:cTn>
-                        </p:par>
-                      </p:childTnLst>
-                    </p:cTn>
-                  </p:par>
-                </p:childTnLst>
-              </p:cTn>
-              <p:prevCondLst>
-                <p:cond evt="onPrev" delay="0">
-                  <p:tgtEl>
-                    <p:sldTgt/>
-                  </p:tgtEl>
-                </p:cond>
-              </p:prevCondLst>
-              <p:nextCondLst>
-                <p:cond evt="onNext" delay="0">
-                  <p:tgtEl>
-                    <p:sldTgt/>
-                  </p:tgtEl>
-                </p:cond>
-              </p:nextCondLst>
-            </p:seq>
-          </p:childTnLst>
-        </p:cTn>
-      </p:par>
-    </p:tnLst>
-    <p:bldLst>
-      <p:bldP spid="6" grpId="0"/>
-    </p:bldLst>
-  </p:timing>
-</p:sld>
-</file>
-
-<file path=ppt/slides/slide17.xml><?xml version="1.0" encoding="utf-8"?>
-<p:sld xmlns:a="http://schemas.openxmlformats.org/drawingml/2006/main" xmlns:r="http://schemas.openxmlformats.org/officeDocument/2006/relationships" xmlns:p="http://schemas.openxmlformats.org/presentationml/2006/main">
-  <p:cSld>
-    <p:spTree>
-      <p:nvGrpSpPr>
-        <p:cNvPr id="1" name=""/>
-        <p:cNvGrpSpPr/>
-        <p:nvPr/>
-      </p:nvGrpSpPr>
-      <p:grpSpPr>
-        <a:xfrm>
-          <a:off x="0" y="0"/>
-          <a:ext cx="0" cy="0"/>
-          <a:chOff x="0" y="0"/>
-          <a:chExt cx="0" cy="0"/>
-        </a:xfrm>
-      </p:grpSpPr>
-      <p:sp>
-        <p:nvSpPr>
-          <p:cNvPr id="8" name="Rectangle 7"/>
-          <p:cNvSpPr/>
-          <p:nvPr/>
-        </p:nvSpPr>
-        <p:spPr>
-          <a:xfrm>
-            <a:off x="4800600" y="1048624"/>
-            <a:ext cx="2623931" cy="4676315"/>
-          </a:xfrm>
-          <a:prstGeom prst="rect">
-            <a:avLst/>
-          </a:prstGeom>
-          <a:solidFill>
-            <a:srgbClr val="335B74"/>
-          </a:solidFill>
-          <a:ln>
-            <a:noFill/>
-          </a:ln>
-        </p:spPr>
-        <p:style>
-          <a:lnRef idx="2">
-            <a:schemeClr val="accent1">
-              <a:shade val="50000"/>
-            </a:schemeClr>
-          </a:lnRef>
-          <a:fillRef idx="1">
-            <a:schemeClr val="accent1"/>
-          </a:fillRef>
-          <a:effectRef idx="0">
-            <a:schemeClr val="accent1"/>
-          </a:effectRef>
-          <a:fontRef idx="minor">
-            <a:schemeClr val="lt1"/>
-          </a:fontRef>
-        </p:style>
-        <p:txBody>
-          <a:bodyPr rtlCol="0" anchor="ctr"/>
-          <a:lstStyle/>
-          <a:p>
-            <a:pPr algn="ctr"/>
-            <a:endParaRPr lang="en-US" dirty="0"/>
-          </a:p>
-        </p:txBody>
-      </p:sp>
-      <p:sp>
-        <p:nvSpPr>
-          <p:cNvPr id="2" name="TextBox 1"/>
-          <p:cNvSpPr txBox="1"/>
-          <p:nvPr/>
-        </p:nvSpPr>
-        <p:spPr>
-          <a:xfrm>
-            <a:off x="9315450" y="5876925"/>
-            <a:ext cx="2333625" cy="369332"/>
-          </a:xfrm>
-          <a:prstGeom prst="rect">
-            <a:avLst/>
-          </a:prstGeom>
-          <a:noFill/>
-        </p:spPr>
-        <p:txBody>
-          <a:bodyPr wrap="square" rtlCol="0">
-            <a:spAutoFit/>
-          </a:bodyPr>
-          <a:lstStyle/>
-          <a:p>
-            <a:r>
-              <a:rPr lang="en-US" dirty="0">
-                <a:latin typeface="Malgun Gothic Semilight" panose="020B0502040204020203" pitchFamily="34" charset="-128"/>
-                <a:ea typeface="Malgun Gothic Semilight" panose="020B0502040204020203" pitchFamily="34" charset="-128"/>
-                <a:cs typeface="Malgun Gothic Semilight" panose="020B0502040204020203" pitchFamily="34" charset="-128"/>
-              </a:rPr>
-              <a:t>Home Screen</a:t>
-            </a:r>
-          </a:p>
-        </p:txBody>
-      </p:sp>
-      <p:sp>
-        <p:nvSpPr>
-          <p:cNvPr id="6" name="TextBox 5"/>
-          <p:cNvSpPr txBox="1"/>
-          <p:nvPr/>
-        </p:nvSpPr>
-        <p:spPr>
-          <a:xfrm>
-            <a:off x="5625833" y="3202115"/>
-            <a:ext cx="973463" cy="369332"/>
-          </a:xfrm>
-          <a:prstGeom prst="rect">
-            <a:avLst/>
-          </a:prstGeom>
-          <a:noFill/>
-        </p:spPr>
-        <p:txBody>
-          <a:bodyPr wrap="square" rtlCol="0">
-            <a:spAutoFit/>
-          </a:bodyPr>
-          <a:lstStyle/>
-          <a:p>
-            <a:pPr marL="0" marR="0" lvl="0" indent="0" algn="ctr" defTabSz="914400" eaLnBrk="1" fontAlgn="auto" latinLnBrk="0" hangingPunct="1">
-              <a:lnSpc>
-                <a:spcPct val="100000"/>
-              </a:lnSpc>
-              <a:spcBef>
-                <a:spcPts val="0"/>
-              </a:spcBef>
-              <a:spcAft>
-                <a:spcPts val="0"/>
-              </a:spcAft>
-              <a:buClrTx/>
-              <a:buSzTx/>
-              <a:buFontTx/>
-              <a:buNone/>
-              <a:tabLst/>
-              <a:defRPr/>
-            </a:pPr>
-            <a:r>
-              <a:rPr kumimoji="0" lang="en-US" sz="1800" b="0" i="0" u="none" strike="noStrike" kern="0" cap="none" spc="0" normalizeH="0" baseline="0" noProof="0" dirty="0">
-                <a:ln>
-                  <a:noFill/>
-                </a:ln>
-                <a:solidFill>
-                  <a:schemeClr val="bg1"/>
-                </a:solidFill>
-                <a:effectLst/>
-                <a:uLnTx/>
-                <a:uFillTx/>
-                <a:latin typeface="Malgun Gothic Semilight" panose="020B0502040204020203" pitchFamily="34" charset="-128"/>
-                <a:ea typeface="Malgun Gothic Semilight" panose="020B0502040204020203" pitchFamily="34" charset="-128"/>
-                <a:cs typeface="Malgun Gothic Semilight" panose="020B0502040204020203" pitchFamily="34" charset="-128"/>
-              </a:rPr>
-              <a:t>Even II</a:t>
-            </a:r>
-          </a:p>
-        </p:txBody>
-      </p:sp>
-      <p:pic>
-        <p:nvPicPr>
-          <p:cNvPr id="5" name="Picture 4"/>
-          <p:cNvPicPr>
-            <a:picLocks noChangeAspect="1"/>
-          </p:cNvPicPr>
-          <p:nvPr/>
-        </p:nvPicPr>
-        <p:blipFill>
-          <a:blip r:embed="rId2"/>
-          <a:stretch>
-            <a:fillRect/>
-          </a:stretch>
-        </p:blipFill>
-        <p:spPr>
-          <a:xfrm>
-            <a:off x="4800599" y="1053959"/>
-            <a:ext cx="2623931" cy="4664767"/>
-          </a:xfrm>
-          <a:prstGeom prst="rect">
-            <a:avLst/>
-          </a:prstGeom>
-        </p:spPr>
-      </p:pic>
-      <p:sp>
-        <p:nvSpPr>
-          <p:cNvPr id="7" name="Rectangle 6"/>
-          <p:cNvSpPr/>
-          <p:nvPr/>
-        </p:nvSpPr>
-        <p:spPr>
-          <a:xfrm>
-            <a:off x="4920343" y="1776552"/>
-            <a:ext cx="1123406" cy="661851"/>
-          </a:xfrm>
-          <a:prstGeom prst="rect">
-            <a:avLst/>
-          </a:prstGeom>
-          <a:solidFill>
-            <a:srgbClr val="3E6F8E"/>
-          </a:solidFill>
-        </p:spPr>
-        <p:style>
-          <a:lnRef idx="2">
-            <a:schemeClr val="accent1">
-              <a:shade val="50000"/>
-            </a:schemeClr>
-          </a:lnRef>
-          <a:fillRef idx="1">
-            <a:schemeClr val="accent1"/>
-          </a:fillRef>
-          <a:effectRef idx="0">
-            <a:schemeClr val="accent1"/>
-          </a:effectRef>
-          <a:fontRef idx="minor">
-            <a:schemeClr val="lt1"/>
-          </a:fontRef>
-        </p:style>
-        <p:txBody>
-          <a:bodyPr rtlCol="0" anchor="ctr"/>
-          <a:lstStyle/>
-          <a:p>
-            <a:pPr algn="ctr"/>
-            <a:r>
-              <a:rPr lang="en-US" sz="2800" dirty="0"/>
-              <a:t>A</a:t>
-            </a:r>
-          </a:p>
-        </p:txBody>
-      </p:sp>
-      <p:sp>
-        <p:nvSpPr>
-          <p:cNvPr id="9" name="Rectangle 8"/>
-          <p:cNvSpPr/>
-          <p:nvPr/>
-        </p:nvSpPr>
-        <p:spPr>
-          <a:xfrm>
-            <a:off x="6172436" y="1776552"/>
-            <a:ext cx="1123406" cy="661851"/>
-          </a:xfrm>
-          <a:prstGeom prst="rect">
-            <a:avLst/>
-          </a:prstGeom>
-          <a:solidFill>
-            <a:srgbClr val="3E6F8E"/>
-          </a:solidFill>
-        </p:spPr>
-        <p:style>
-          <a:lnRef idx="2">
-            <a:schemeClr val="accent1">
-              <a:shade val="50000"/>
-            </a:schemeClr>
-          </a:lnRef>
-          <a:fillRef idx="1">
-            <a:schemeClr val="accent1"/>
-          </a:fillRef>
-          <a:effectRef idx="0">
-            <a:schemeClr val="accent1"/>
-          </a:effectRef>
-          <a:fontRef idx="minor">
-            <a:schemeClr val="lt1"/>
-          </a:fontRef>
-        </p:style>
-        <p:txBody>
-          <a:bodyPr rtlCol="0" anchor="ctr"/>
-          <a:lstStyle/>
-          <a:p>
-            <a:pPr algn="ctr"/>
-            <a:r>
-              <a:rPr lang="en-US" sz="2800" dirty="0"/>
-              <a:t>B</a:t>
-            </a:r>
-          </a:p>
-        </p:txBody>
-      </p:sp>
-      <p:sp>
-        <p:nvSpPr>
-          <p:cNvPr id="10" name="TextBox 9"/>
-          <p:cNvSpPr txBox="1"/>
-          <p:nvPr/>
-        </p:nvSpPr>
-        <p:spPr>
-          <a:xfrm>
-            <a:off x="4920343" y="2394863"/>
-            <a:ext cx="2375499" cy="1477328"/>
-          </a:xfrm>
-          <a:prstGeom prst="rect">
-            <a:avLst/>
-          </a:prstGeom>
-          <a:noFill/>
-        </p:spPr>
-        <p:txBody>
-          <a:bodyPr wrap="square" rtlCol="0">
-            <a:spAutoFit/>
-          </a:bodyPr>
-          <a:lstStyle/>
-          <a:p>
-            <a:r>
-              <a:rPr lang="en-US" dirty="0">
-                <a:solidFill>
-                  <a:schemeClr val="bg1">
-                    <a:lumMod val="95000"/>
-                  </a:schemeClr>
-                </a:solidFill>
-              </a:rPr>
-              <a:t>Albert	      Beth</a:t>
-            </a:r>
-          </a:p>
-          <a:p>
-            <a:endParaRPr lang="en-US" dirty="0">
-              <a:solidFill>
-                <a:schemeClr val="bg1">
-                  <a:lumMod val="95000"/>
-                </a:schemeClr>
-              </a:solidFill>
-            </a:endParaRPr>
-          </a:p>
-          <a:p>
-            <a:endParaRPr lang="en-US" dirty="0">
-              <a:solidFill>
-                <a:schemeClr val="bg1">
-                  <a:lumMod val="95000"/>
-                </a:schemeClr>
-              </a:solidFill>
-            </a:endParaRPr>
-          </a:p>
-          <a:p>
-            <a:endParaRPr lang="en-US" dirty="0">
-              <a:solidFill>
-                <a:schemeClr val="bg1">
-                  <a:lumMod val="95000"/>
-                </a:schemeClr>
-              </a:solidFill>
-            </a:endParaRPr>
-          </a:p>
-          <a:p>
-            <a:r>
-              <a:rPr lang="en-US" dirty="0">
-                <a:solidFill>
-                  <a:schemeClr val="bg1">
-                    <a:lumMod val="95000"/>
-                  </a:schemeClr>
-                </a:solidFill>
-              </a:rPr>
-              <a:t>Pearl	       Add</a:t>
-            </a:r>
-          </a:p>
-        </p:txBody>
-      </p:sp>
-      <p:sp>
-        <p:nvSpPr>
-          <p:cNvPr id="11" name="Rectangle 10"/>
-          <p:cNvSpPr/>
-          <p:nvPr/>
-        </p:nvSpPr>
-        <p:spPr>
-          <a:xfrm>
-            <a:off x="4796126" y="1042411"/>
-            <a:ext cx="2623931" cy="4676315"/>
-          </a:xfrm>
-          <a:prstGeom prst="rect">
-            <a:avLst/>
-          </a:prstGeom>
-          <a:solidFill>
-            <a:srgbClr val="000000">
-              <a:alpha val="50196"/>
-            </a:srgbClr>
-          </a:solidFill>
-          <a:ln>
-            <a:noFill/>
-          </a:ln>
-        </p:spPr>
-        <p:style>
-          <a:lnRef idx="2">
-            <a:schemeClr val="accent1">
-              <a:shade val="50000"/>
-            </a:schemeClr>
-          </a:lnRef>
-          <a:fillRef idx="1">
-            <a:schemeClr val="accent1"/>
-          </a:fillRef>
-          <a:effectRef idx="0">
-            <a:schemeClr val="accent1"/>
-          </a:effectRef>
-          <a:fontRef idx="minor">
-            <a:schemeClr val="lt1"/>
-          </a:fontRef>
-        </p:style>
-        <p:txBody>
-          <a:bodyPr rtlCol="0" anchor="ctr"/>
-          <a:lstStyle/>
-          <a:p>
-            <a:pPr algn="ctr"/>
-            <a:endParaRPr lang="en-US" dirty="0"/>
-          </a:p>
-        </p:txBody>
-      </p:sp>
-      <p:pic>
-        <p:nvPicPr>
-          <p:cNvPr id="3" name="Picture 2"/>
-          <p:cNvPicPr>
-            <a:picLocks noChangeAspect="1"/>
-          </p:cNvPicPr>
-          <p:nvPr/>
-        </p:nvPicPr>
-        <p:blipFill>
-          <a:blip r:embed="rId3"/>
-          <a:stretch>
-            <a:fillRect/>
-          </a:stretch>
-        </p:blipFill>
-        <p:spPr>
-          <a:xfrm>
-            <a:off x="4927712" y="2838996"/>
-            <a:ext cx="2394257" cy="899820"/>
-          </a:xfrm>
-          <a:prstGeom prst="rect">
-            <a:avLst/>
-          </a:prstGeom>
-        </p:spPr>
-      </p:pic>
-      <p:pic>
-        <p:nvPicPr>
-          <p:cNvPr id="12" name="Picture 11"/>
-          <p:cNvPicPr>
-            <a:picLocks noChangeAspect="1"/>
-          </p:cNvPicPr>
-          <p:nvPr/>
-        </p:nvPicPr>
-        <p:blipFill>
-          <a:blip r:embed="rId4"/>
-          <a:stretch>
-            <a:fillRect/>
-          </a:stretch>
-        </p:blipFill>
-        <p:spPr>
-          <a:xfrm>
-            <a:off x="4881214" y="2638728"/>
-            <a:ext cx="2487251" cy="1865438"/>
-          </a:xfrm>
-          <a:prstGeom prst="rect">
-            <a:avLst/>
-          </a:prstGeom>
-        </p:spPr>
-      </p:pic>
-      <p:grpSp>
-        <p:nvGrpSpPr>
-          <p:cNvPr id="20" name="Group 19"/>
-          <p:cNvGrpSpPr/>
-          <p:nvPr/>
-        </p:nvGrpSpPr>
-        <p:grpSpPr>
-          <a:xfrm>
-            <a:off x="4998722" y="357051"/>
-            <a:ext cx="1802674" cy="6200503"/>
-            <a:chOff x="4963886" y="357051"/>
-            <a:chExt cx="1802674" cy="6200503"/>
-          </a:xfrm>
-        </p:grpSpPr>
-        <p:sp>
-          <p:nvSpPr>
-            <p:cNvPr id="21" name="Rectangle 20"/>
-            <p:cNvSpPr/>
-            <p:nvPr/>
-          </p:nvSpPr>
-          <p:spPr>
-            <a:xfrm>
-              <a:off x="5799909" y="357051"/>
-              <a:ext cx="583474" cy="130629"/>
-            </a:xfrm>
-            <a:prstGeom prst="rect">
-              <a:avLst/>
-            </a:prstGeom>
-            <a:solidFill>
-              <a:srgbClr val="F2F2F2"/>
-            </a:solidFill>
-            <a:ln>
-              <a:noFill/>
-            </a:ln>
-          </p:spPr>
-          <p:style>
-            <a:lnRef idx="2">
-              <a:schemeClr val="accent1">
-                <a:shade val="50000"/>
-              </a:schemeClr>
-            </a:lnRef>
-            <a:fillRef idx="1">
-              <a:schemeClr val="accent1"/>
-            </a:fillRef>
-            <a:effectRef idx="0">
-              <a:schemeClr val="accent1"/>
-            </a:effectRef>
-            <a:fontRef idx="minor">
-              <a:schemeClr val="lt1"/>
-            </a:fontRef>
-          </p:style>
-          <p:txBody>
-            <a:bodyPr rtlCol="0" anchor="ctr"/>
-            <a:lstStyle/>
-            <a:p>
-              <a:pPr algn="ctr"/>
-              <a:endParaRPr lang="en-US"/>
-            </a:p>
-          </p:txBody>
-        </p:sp>
-        <p:sp>
-          <p:nvSpPr>
-            <p:cNvPr id="22" name="Rectangle 21"/>
-            <p:cNvSpPr/>
-            <p:nvPr/>
-          </p:nvSpPr>
-          <p:spPr>
-            <a:xfrm>
-              <a:off x="5503818" y="5858576"/>
-              <a:ext cx="1262742" cy="698978"/>
-            </a:xfrm>
-            <a:prstGeom prst="rect">
-              <a:avLst/>
-            </a:prstGeom>
-            <a:solidFill>
-              <a:srgbClr val="F2F2F2"/>
-            </a:solidFill>
-            <a:ln>
-              <a:noFill/>
-            </a:ln>
-          </p:spPr>
-          <p:style>
-            <a:lnRef idx="2">
-              <a:schemeClr val="accent1">
-                <a:shade val="50000"/>
-              </a:schemeClr>
-            </a:lnRef>
-            <a:fillRef idx="1">
-              <a:schemeClr val="accent1"/>
-            </a:fillRef>
-            <a:effectRef idx="0">
-              <a:schemeClr val="accent1"/>
-            </a:effectRef>
-            <a:fontRef idx="minor">
-              <a:schemeClr val="lt1"/>
-            </a:fontRef>
-          </p:style>
-          <p:txBody>
-            <a:bodyPr rtlCol="0" anchor="ctr"/>
-            <a:lstStyle/>
-            <a:p>
-              <a:pPr algn="ctr"/>
-              <a:endParaRPr lang="en-US"/>
-            </a:p>
-          </p:txBody>
-        </p:sp>
-        <p:sp>
-          <p:nvSpPr>
-            <p:cNvPr id="23" name="Oval 22"/>
-            <p:cNvSpPr/>
-            <p:nvPr/>
-          </p:nvSpPr>
-          <p:spPr>
-            <a:xfrm>
-              <a:off x="4963886" y="487680"/>
-              <a:ext cx="113211" cy="113211"/>
-            </a:xfrm>
-            <a:prstGeom prst="ellipse">
-              <a:avLst/>
-            </a:prstGeom>
-          </p:spPr>
-          <p:style>
-            <a:lnRef idx="2">
-              <a:schemeClr val="dk1">
-                <a:shade val="50000"/>
-              </a:schemeClr>
-            </a:lnRef>
-            <a:fillRef idx="1">
-              <a:schemeClr val="dk1"/>
-            </a:fillRef>
-            <a:effectRef idx="0">
-              <a:schemeClr val="dk1"/>
-            </a:effectRef>
-            <a:fontRef idx="minor">
-              <a:schemeClr val="lt1"/>
-            </a:fontRef>
-          </p:style>
-          <p:txBody>
-            <a:bodyPr rtlCol="0" anchor="ctr"/>
-            <a:lstStyle/>
-            <a:p>
-              <a:pPr algn="ctr"/>
-              <a:endParaRPr lang="en-US"/>
-            </a:p>
-          </p:txBody>
-        </p:sp>
-        <p:sp>
-          <p:nvSpPr>
-            <p:cNvPr id="24" name="Rectangle 23"/>
-            <p:cNvSpPr/>
-            <p:nvPr/>
-          </p:nvSpPr>
-          <p:spPr>
-            <a:xfrm>
-              <a:off x="5216435" y="628388"/>
-              <a:ext cx="583474" cy="130629"/>
-            </a:xfrm>
-            <a:prstGeom prst="rect">
-              <a:avLst/>
-            </a:prstGeom>
-            <a:solidFill>
-              <a:srgbClr val="F2F2F2"/>
-            </a:solidFill>
-            <a:ln>
-              <a:noFill/>
-            </a:ln>
-          </p:spPr>
-          <p:style>
-            <a:lnRef idx="2">
-              <a:schemeClr val="accent1">
-                <a:shade val="50000"/>
-              </a:schemeClr>
-            </a:lnRef>
-            <a:fillRef idx="1">
-              <a:schemeClr val="accent1"/>
-            </a:fillRef>
-            <a:effectRef idx="0">
-              <a:schemeClr val="accent1"/>
-            </a:effectRef>
-            <a:fontRef idx="minor">
-              <a:schemeClr val="lt1"/>
-            </a:fontRef>
-          </p:style>
-          <p:txBody>
-            <a:bodyPr rtlCol="0" anchor="ctr"/>
-            <a:lstStyle/>
-            <a:p>
-              <a:pPr algn="ctr"/>
-              <a:endParaRPr lang="en-US"/>
-            </a:p>
-          </p:txBody>
-        </p:sp>
-        <p:sp>
-          <p:nvSpPr>
-            <p:cNvPr id="25" name="Rounded Rectangle 24"/>
-            <p:cNvSpPr/>
-            <p:nvPr/>
-          </p:nvSpPr>
-          <p:spPr>
-            <a:xfrm>
-              <a:off x="5416735" y="373617"/>
-              <a:ext cx="1275805" cy="98398"/>
-            </a:xfrm>
-            <a:prstGeom prst="roundRect">
-              <a:avLst/>
-            </a:prstGeom>
-            <a:solidFill>
-              <a:srgbClr val="F2F2F2"/>
-            </a:solidFill>
-            <a:ln>
-              <a:solidFill>
-                <a:schemeClr val="bg1">
-                  <a:lumMod val="50000"/>
-                </a:schemeClr>
-              </a:solidFill>
-            </a:ln>
-          </p:spPr>
-          <p:style>
-            <a:lnRef idx="2">
-              <a:schemeClr val="accent1">
-                <a:shade val="50000"/>
-              </a:schemeClr>
-            </a:lnRef>
-            <a:fillRef idx="1">
-              <a:schemeClr val="accent1"/>
-            </a:fillRef>
-            <a:effectRef idx="0">
-              <a:schemeClr val="accent1"/>
-            </a:effectRef>
-            <a:fontRef idx="minor">
-              <a:schemeClr val="lt1"/>
-            </a:fontRef>
-          </p:style>
-          <p:txBody>
-            <a:bodyPr rtlCol="0" anchor="ctr"/>
-            <a:lstStyle/>
-            <a:p>
-              <a:pPr algn="ctr"/>
-              <a:endParaRPr lang="en-US"/>
-            </a:p>
-          </p:txBody>
-        </p:sp>
-      </p:grpSp>
-    </p:spTree>
-    <p:extLst>
-      <p:ext uri="{BB962C8B-B14F-4D97-AF65-F5344CB8AC3E}">
-        <p14:creationId xmlns:p14="http://schemas.microsoft.com/office/powerpoint/2010/main" val="3888993189"/>
-      </p:ext>
-    </p:extLst>
-  </p:cSld>
-  <p:clrMapOvr>
-    <a:masterClrMapping/>
-  </p:clrMapOvr>
-  <p:timing>
-    <p:tnLst>
-      <p:par>
-        <p:cTn id="1" dur="indefinite" restart="never" nodeType="tmRoot">
-          <p:childTnLst>
-            <p:seq concurrent="1" nextAc="seek">
-              <p:cTn id="2" dur="indefinite" nodeType="mainSeq">
-                <p:childTnLst>
-                  <p:par>
-                    <p:cTn id="3" fill="hold">
-                      <p:stCondLst>
-                        <p:cond delay="indefinite"/>
-                        <p:cond evt="onBegin" delay="0">
-                          <p:tn val="2"/>
-                        </p:cond>
-                      </p:stCondLst>
-                      <p:childTnLst>
-                        <p:par>
-                          <p:cTn id="4" fill="hold">
-                            <p:stCondLst>
-                              <p:cond delay="0"/>
-                            </p:stCondLst>
-                            <p:childTnLst>
-                              <p:par>
-                                <p:cTn id="5" presetID="42" presetClass="path" presetSubtype="0" accel="50000" decel="50000" fill="hold" grpId="0" nodeType="withEffect">
-                                  <p:stCondLst>
-                                    <p:cond delay="1000"/>
-                                  </p:stCondLst>
-                                  <p:childTnLst>
-                                    <p:animMotion origin="layout" path="M -1.25E-6 -2.22222E-6 L -1.25E-6 -0.15463 " pathEditMode="relative" rAng="0" ptsTypes="AA">
-                                      <p:cBhvr>
-                                        <p:cTn id="6" dur="2000" fill="hold"/>
-                                        <p:tgtEl>
-                                          <p:spTgt spid="6"/>
-                                        </p:tgtEl>
-                                        <p:attrNameLst>
-                                          <p:attrName>ppt_x</p:attrName>
-                                          <p:attrName>ppt_y</p:attrName>
-                                        </p:attrNameLst>
-                                      </p:cBhvr>
-                                      <p:rCtr x="0" y="-7731"/>
-                                    </p:animMotion>
-                                  </p:childTnLst>
-                                </p:cTn>
-                              </p:par>
-                            </p:childTnLst>
-                          </p:cTn>
-                        </p:par>
-                      </p:childTnLst>
-                    </p:cTn>
-                  </p:par>
-                </p:childTnLst>
-              </p:cTn>
-              <p:prevCondLst>
-                <p:cond evt="onPrev" delay="0">
-                  <p:tgtEl>
-                    <p:sldTgt/>
-                  </p:tgtEl>
-                </p:cond>
-              </p:prevCondLst>
-              <p:nextCondLst>
-                <p:cond evt="onNext" delay="0">
-                  <p:tgtEl>
-                    <p:sldTgt/>
-                  </p:tgtEl>
-                </p:cond>
-              </p:nextCondLst>
-            </p:seq>
-          </p:childTnLst>
-        </p:cTn>
-      </p:par>
-    </p:tnLst>
-    <p:bldLst>
-      <p:bldP spid="6" grpId="0"/>
-    </p:bldLst>
-  </p:timing>
-</p:sld>
-</file>
-
-<file path=ppt/slides/slide18.xml><?xml version="1.0" encoding="utf-8"?>
-<p:sld xmlns:a="http://schemas.openxmlformats.org/drawingml/2006/main" xmlns:r="http://schemas.openxmlformats.org/officeDocument/2006/relationships" xmlns:p="http://schemas.openxmlformats.org/presentationml/2006/main">
-  <p:cSld>
-    <p:spTree>
-      <p:nvGrpSpPr>
-        <p:cNvPr id="1" name=""/>
-        <p:cNvGrpSpPr/>
-        <p:nvPr/>
-      </p:nvGrpSpPr>
-      <p:grpSpPr>
-        <a:xfrm>
-          <a:off x="0" y="0"/>
-          <a:ext cx="0" cy="0"/>
-          <a:chOff x="0" y="0"/>
-          <a:chExt cx="0" cy="0"/>
-        </a:xfrm>
-      </p:grpSpPr>
-      <p:sp>
-        <p:nvSpPr>
-          <p:cNvPr id="2" name="Title 1"/>
-          <p:cNvSpPr>
-            <a:spLocks noGrp="1"/>
-          </p:cNvSpPr>
-          <p:nvPr>
-            <p:ph type="title"/>
-          </p:nvPr>
-        </p:nvSpPr>
-        <p:spPr/>
-        <p:txBody>
-          <a:bodyPr/>
-          <a:lstStyle/>
-          <a:p>
-            <a:pPr algn="ctr"/>
-            <a:r>
-              <a:rPr lang="en-US" dirty="0"/>
-              <a:t>Future Improvements</a:t>
-            </a:r>
-          </a:p>
-        </p:txBody>
-      </p:sp>
-      <p:sp>
-        <p:nvSpPr>
-          <p:cNvPr id="3" name="Content Placeholder 2"/>
-          <p:cNvSpPr>
-            <a:spLocks noGrp="1"/>
-          </p:cNvSpPr>
-          <p:nvPr>
-            <p:ph idx="1"/>
-          </p:nvPr>
-        </p:nvSpPr>
-        <p:spPr/>
-        <p:txBody>
-          <a:bodyPr>
-            <a:noAutofit/>
-          </a:bodyPr>
-          <a:lstStyle/>
-          <a:p>
-            <a:r>
-              <a:rPr lang="en-US" sz="3300" dirty="0"/>
-              <a:t>Complete MVP</a:t>
-            </a:r>
-          </a:p>
-          <a:p>
-            <a:endParaRPr lang="en-US" sz="3300" dirty="0"/>
-          </a:p>
-          <a:p>
-            <a:r>
-              <a:rPr lang="en-US" sz="3300" dirty="0"/>
-              <a:t>Additional security in data transfer</a:t>
-            </a:r>
-          </a:p>
-          <a:p>
-            <a:endParaRPr lang="en-US" sz="3300" dirty="0"/>
-          </a:p>
-          <a:p>
-            <a:r>
-              <a:rPr lang="en-US" sz="3300" dirty="0"/>
-              <a:t>Accounts for caretakers</a:t>
-            </a:r>
-          </a:p>
-          <a:p>
-            <a:endParaRPr lang="en-US" sz="3300" dirty="0"/>
-          </a:p>
-          <a:p>
-            <a:r>
-              <a:rPr lang="en-US" sz="3300" dirty="0"/>
-              <a:t>Machine Learning/Audio fingerprinting</a:t>
-            </a:r>
-          </a:p>
-          <a:p>
-            <a:pPr marL="0" indent="0">
-              <a:buNone/>
-            </a:pPr>
-            <a:endParaRPr lang="en-US" sz="3300" dirty="0"/>
-          </a:p>
-        </p:txBody>
-      </p:sp>
-    </p:spTree>
-    <p:extLst>
-      <p:ext uri="{BB962C8B-B14F-4D97-AF65-F5344CB8AC3E}">
-        <p14:creationId xmlns:p14="http://schemas.microsoft.com/office/powerpoint/2010/main" val="1671750005"/>
-      </p:ext>
-    </p:extLst>
-  </p:cSld>
-  <p:clrMapOvr>
-    <a:masterClrMapping/>
-  </p:clrMapOvr>
-</p:sld>
-</file>
-
-<file path=ppt/slides/slide19.xml><?xml version="1.0" encoding="utf-8"?>
-<p:sld xmlns:a="http://schemas.openxmlformats.org/drawingml/2006/main" xmlns:r="http://schemas.openxmlformats.org/officeDocument/2006/relationships" xmlns:p="http://schemas.openxmlformats.org/presentationml/2006/main">
-  <p:cSld>
-    <p:spTree>
-      <p:nvGrpSpPr>
-        <p:cNvPr id="1" name=""/>
-        <p:cNvGrpSpPr/>
-        <p:nvPr/>
-      </p:nvGrpSpPr>
-      <p:grpSpPr>
-        <a:xfrm>
-          <a:off x="0" y="0"/>
-          <a:ext cx="0" cy="0"/>
-          <a:chOff x="0" y="0"/>
-          <a:chExt cx="0" cy="0"/>
-        </a:xfrm>
-      </p:grpSpPr>
-      <p:sp>
-        <p:nvSpPr>
-          <p:cNvPr id="2" name="Title 1"/>
-          <p:cNvSpPr>
-            <a:spLocks noGrp="1"/>
-          </p:cNvSpPr>
-          <p:nvPr>
-            <p:ph type="title"/>
-          </p:nvPr>
-        </p:nvSpPr>
-        <p:spPr/>
-        <p:txBody>
-          <a:bodyPr/>
-          <a:lstStyle/>
-          <a:p>
-            <a:pPr algn="ctr"/>
-            <a:r>
-              <a:rPr lang="en-US" dirty="0"/>
-              <a:t>Thank You For Listening</a:t>
-            </a:r>
-          </a:p>
-        </p:txBody>
-      </p:sp>
-      <p:sp>
-        <p:nvSpPr>
-          <p:cNvPr id="3" name="Content Placeholder 2"/>
-          <p:cNvSpPr>
-            <a:spLocks noGrp="1"/>
-          </p:cNvSpPr>
-          <p:nvPr>
-            <p:ph idx="1"/>
-          </p:nvPr>
-        </p:nvSpPr>
-        <p:spPr/>
-        <p:txBody>
-          <a:bodyPr>
-            <a:normAutofit/>
-          </a:bodyPr>
-          <a:lstStyle/>
-          <a:p>
-            <a:pPr marL="0" indent="0" algn="ctr">
-              <a:buNone/>
-            </a:pPr>
-            <a:r>
-              <a:rPr lang="en-US" sz="7200" dirty="0"/>
-              <a:t>Questions?</a:t>
-            </a:r>
-          </a:p>
-        </p:txBody>
-      </p:sp>
-    </p:spTree>
-    <p:extLst>
-      <p:ext uri="{BB962C8B-B14F-4D97-AF65-F5344CB8AC3E}">
-        <p14:creationId xmlns:p14="http://schemas.microsoft.com/office/powerpoint/2010/main" val="2321272181"/>
-      </p:ext>
-    </p:extLst>
-  </p:cSld>
-  <p:clrMapOvr>
-    <a:masterClrMapping/>
-  </p:clrMapOvr>
-</p:sld>
-</file>
-
-<file path=ppt/slides/slide2.xml><?xml version="1.0" encoding="utf-8"?>
-<p:sld xmlns:a="http://schemas.openxmlformats.org/drawingml/2006/main" xmlns:r="http://schemas.openxmlformats.org/officeDocument/2006/relationships" xmlns:p="http://schemas.openxmlformats.org/presentationml/2006/main">
-  <p:cSld>
-    <p:spTree>
-      <p:nvGrpSpPr>
-        <p:cNvPr id="1" name=""/>
-        <p:cNvGrpSpPr/>
-        <p:nvPr/>
-      </p:nvGrpSpPr>
-      <p:grpSpPr>
-        <a:xfrm>
-          <a:off x="0" y="0"/>
-          <a:ext cx="0" cy="0"/>
-          <a:chOff x="0" y="0"/>
-          <a:chExt cx="0" cy="0"/>
-        </a:xfrm>
-      </p:grpSpPr>
-      <p:pic>
-        <p:nvPicPr>
-          <p:cNvPr id="1026" name="Picture 2" descr="http://www.logospike.com/wp-content/uploads/2015/10/Android_Logo_09.png"/>
-          <p:cNvPicPr>
-            <a:picLocks noChangeAspect="1" noChangeArrowheads="1"/>
-          </p:cNvPicPr>
-          <p:nvPr/>
-        </p:nvPicPr>
-        <p:blipFill rotWithShape="1">
-          <a:blip r:embed="rId3">
-            <a:duotone>
-              <a:schemeClr val="bg2">
-                <a:shade val="45000"/>
-                <a:satMod val="135000"/>
-              </a:schemeClr>
-              <a:prstClr val="white"/>
-            </a:duotone>
-            <a:alphaModFix amt="25000"/>
-            <a:extLst>
-              <a:ext uri="{28A0092B-C50C-407E-A947-70E740481C1C}">
-                <a14:useLocalDpi xmlns:a14="http://schemas.microsoft.com/office/drawing/2010/main" val="0"/>
-              </a:ext>
-            </a:extLst>
-          </a:blip>
-          <a:srcRect r="1779" b="1"/>
-          <a:stretch/>
-        </p:blipFill>
-        <p:spPr bwMode="auto">
-          <a:xfrm>
-            <a:off x="-2544" y="1383333"/>
-            <a:ext cx="12191979" cy="6857989"/>
-          </a:xfrm>
-          <a:prstGeom prst="rect">
-            <a:avLst/>
-          </a:prstGeom>
-          <a:noFill/>
-          <a:extLst>
-            <a:ext uri="{909E8E84-426E-40DD-AFC4-6F175D3DCCD1}">
-              <a14:hiddenFill xmlns:a14="http://schemas.microsoft.com/office/drawing/2010/main">
-                <a:solidFill>
-                  <a:srgbClr val="FFFFFF"/>
-                </a:solidFill>
-              </a14:hiddenFill>
-            </a:ext>
-          </a:extLst>
-        </p:spPr>
-      </p:pic>
-      <p:sp>
-        <p:nvSpPr>
-          <p:cNvPr id="68" name="Rectangle 67"/>
-          <p:cNvSpPr>
-            <a:spLocks noGrp="1" noRot="1" noChangeAspect="1" noMove="1" noResize="1" noEditPoints="1" noAdjustHandles="1" noChangeArrowheads="1" noChangeShapeType="1" noTextEdit="1"/>
-          </p:cNvSpPr>
-          <p:nvPr>
-            <p:extLst>
-              <p:ext uri="{386F3935-93C4-4BCD-93E2-E3B085C9AB24}">
-                <p16:designElem xmlns:p16="http://schemas.microsoft.com/office/powerpoint/2015/main" val="1"/>
-              </p:ext>
-            </p:extLst>
-          </p:nvPr>
-        </p:nvSpPr>
-        <p:spPr>
-          <a:xfrm>
-            <a:off x="483" y="176109"/>
-            <a:ext cx="12188952" cy="1645919"/>
-          </a:xfrm>
-          <a:prstGeom prst="rect">
-            <a:avLst/>
-          </a:prstGeom>
-          <a:solidFill>
-            <a:schemeClr val="tx1">
-              <a:alpha val="95000"/>
-            </a:schemeClr>
-          </a:solidFill>
-          <a:ln>
-            <a:noFill/>
-          </a:ln>
-        </p:spPr>
-        <p:style>
-          <a:lnRef idx="2">
-            <a:schemeClr val="accent1">
-              <a:shade val="50000"/>
-            </a:schemeClr>
-          </a:lnRef>
-          <a:fillRef idx="1">
-            <a:schemeClr val="accent1"/>
-          </a:fillRef>
-          <a:effectRef idx="0">
-            <a:schemeClr val="accent1"/>
-          </a:effectRef>
-          <a:fontRef idx="minor">
-            <a:schemeClr val="lt1"/>
-          </a:fontRef>
-        </p:style>
-        <p:txBody>
-          <a:bodyPr rtlCol="0" anchor="ctr"/>
-          <a:lstStyle>
-            <a:defPPr>
-              <a:defRPr lang="en-US"/>
-            </a:defPPr>
-            <a:lvl1pPr marL="0" algn="l" defTabSz="914400" rtl="0" eaLnBrk="1" latinLnBrk="0" hangingPunct="1">
-              <a:defRPr sz="1800" kern="1200">
-                <a:solidFill>
-                  <a:schemeClr val="lt1"/>
-                </a:solidFill>
-                <a:latin typeface="+mn-lt"/>
-                <a:ea typeface="+mn-ea"/>
-                <a:cs typeface="+mn-cs"/>
-              </a:defRPr>
-            </a:lvl1pPr>
-            <a:lvl2pPr marL="457200" algn="l" defTabSz="914400" rtl="0" eaLnBrk="1" latinLnBrk="0" hangingPunct="1">
-              <a:defRPr sz="1800" kern="1200">
-                <a:solidFill>
-                  <a:schemeClr val="lt1"/>
-                </a:solidFill>
-                <a:latin typeface="+mn-lt"/>
-                <a:ea typeface="+mn-ea"/>
-                <a:cs typeface="+mn-cs"/>
-              </a:defRPr>
-            </a:lvl2pPr>
-            <a:lvl3pPr marL="914400" algn="l" defTabSz="914400" rtl="0" eaLnBrk="1" latinLnBrk="0" hangingPunct="1">
-              <a:defRPr sz="1800" kern="1200">
-                <a:solidFill>
-                  <a:schemeClr val="lt1"/>
-                </a:solidFill>
-                <a:latin typeface="+mn-lt"/>
-                <a:ea typeface="+mn-ea"/>
-                <a:cs typeface="+mn-cs"/>
-              </a:defRPr>
-            </a:lvl3pPr>
-            <a:lvl4pPr marL="1371600" algn="l" defTabSz="914400" rtl="0" eaLnBrk="1" latinLnBrk="0" hangingPunct="1">
-              <a:defRPr sz="1800" kern="1200">
-                <a:solidFill>
-                  <a:schemeClr val="lt1"/>
-                </a:solidFill>
-                <a:latin typeface="+mn-lt"/>
-                <a:ea typeface="+mn-ea"/>
-                <a:cs typeface="+mn-cs"/>
-              </a:defRPr>
-            </a:lvl4pPr>
-            <a:lvl5pPr marL="1828800" algn="l" defTabSz="914400" rtl="0" eaLnBrk="1" latinLnBrk="0" hangingPunct="1">
-              <a:defRPr sz="1800" kern="1200">
-                <a:solidFill>
-                  <a:schemeClr val="lt1"/>
-                </a:solidFill>
-                <a:latin typeface="+mn-lt"/>
-                <a:ea typeface="+mn-ea"/>
-                <a:cs typeface="+mn-cs"/>
-              </a:defRPr>
-            </a:lvl5pPr>
-            <a:lvl6pPr marL="2286000" algn="l" defTabSz="914400" rtl="0" eaLnBrk="1" latinLnBrk="0" hangingPunct="1">
-              <a:defRPr sz="1800" kern="1200">
-                <a:solidFill>
-                  <a:schemeClr val="lt1"/>
-                </a:solidFill>
-                <a:latin typeface="+mn-lt"/>
-                <a:ea typeface="+mn-ea"/>
-                <a:cs typeface="+mn-cs"/>
-              </a:defRPr>
-            </a:lvl6pPr>
-            <a:lvl7pPr marL="2743200" algn="l" defTabSz="914400" rtl="0" eaLnBrk="1" latinLnBrk="0" hangingPunct="1">
-              <a:defRPr sz="1800" kern="1200">
-                <a:solidFill>
-                  <a:schemeClr val="lt1"/>
-                </a:solidFill>
-                <a:latin typeface="+mn-lt"/>
-                <a:ea typeface="+mn-ea"/>
-                <a:cs typeface="+mn-cs"/>
-              </a:defRPr>
-            </a:lvl7pPr>
-            <a:lvl8pPr marL="3200400" algn="l" defTabSz="914400" rtl="0" eaLnBrk="1" latinLnBrk="0" hangingPunct="1">
-              <a:defRPr sz="1800" kern="1200">
-                <a:solidFill>
-                  <a:schemeClr val="lt1"/>
-                </a:solidFill>
-                <a:latin typeface="+mn-lt"/>
-                <a:ea typeface="+mn-ea"/>
-                <a:cs typeface="+mn-cs"/>
-              </a:defRPr>
-            </a:lvl8pPr>
-            <a:lvl9pPr marL="3657600" algn="l" defTabSz="914400" rtl="0" eaLnBrk="1" latinLnBrk="0" hangingPunct="1">
-              <a:defRPr sz="1800" kern="1200">
-                <a:solidFill>
-                  <a:schemeClr val="lt1"/>
-                </a:solidFill>
-                <a:latin typeface="+mn-lt"/>
-                <a:ea typeface="+mn-ea"/>
-                <a:cs typeface="+mn-cs"/>
-              </a:defRPr>
-            </a:lvl9pPr>
-          </a:lstStyle>
-          <a:p>
-            <a:pPr algn="ctr"/>
-            <a:endParaRPr lang="en-US" dirty="0">
-              <a:solidFill>
-                <a:srgbClr val="FFFFFF"/>
-              </a:solidFill>
-            </a:endParaRPr>
-          </a:p>
-        </p:txBody>
-      </p:sp>
-      <p:sp>
-        <p:nvSpPr>
-          <p:cNvPr id="2" name="Title 1"/>
-          <p:cNvSpPr>
-            <a:spLocks noGrp="1"/>
-          </p:cNvSpPr>
-          <p:nvPr>
-            <p:ph type="title"/>
-          </p:nvPr>
-        </p:nvSpPr>
-        <p:spPr>
-          <a:xfrm>
-            <a:off x="1202919" y="284176"/>
-            <a:ext cx="9718123" cy="1508760"/>
-          </a:xfrm>
-        </p:spPr>
-        <p:txBody>
-          <a:bodyPr>
-            <a:normAutofit/>
-          </a:bodyPr>
-          <a:lstStyle/>
-          <a:p>
-            <a:pPr algn="ctr"/>
-            <a:r>
-              <a:rPr lang="en-US" dirty="0"/>
-              <a:t>What Is It?</a:t>
-            </a:r>
-          </a:p>
-        </p:txBody>
-      </p:sp>
-      <p:sp>
-        <p:nvSpPr>
-          <p:cNvPr id="3" name="Content Placeholder 2"/>
-          <p:cNvSpPr>
-            <a:spLocks noGrp="1"/>
-          </p:cNvSpPr>
-          <p:nvPr>
-            <p:ph idx="1"/>
-          </p:nvPr>
-        </p:nvSpPr>
-        <p:spPr>
-          <a:xfrm>
-            <a:off x="1069674" y="2011680"/>
-            <a:ext cx="10230929" cy="4206240"/>
-          </a:xfrm>
-        </p:spPr>
-        <p:txBody>
-          <a:bodyPr>
-            <a:normAutofit fontScale="92500" lnSpcReduction="10000"/>
-          </a:bodyPr>
-          <a:lstStyle/>
-          <a:p>
-            <a:r>
-              <a:rPr lang="en-US" sz="3600" dirty="0"/>
-              <a:t>Intuitive and easy to use mobile app </a:t>
-            </a:r>
-          </a:p>
-          <a:p>
-            <a:endParaRPr lang="en-US" sz="3600" dirty="0"/>
-          </a:p>
-          <a:p>
-            <a:r>
-              <a:rPr lang="en-US" sz="3600" dirty="0"/>
-              <a:t>Helps caretakers understand kids</a:t>
-            </a:r>
-          </a:p>
-          <a:p>
-            <a:pPr marL="0" indent="0">
-              <a:buNone/>
-            </a:pPr>
-            <a:endParaRPr lang="en-US" sz="3600" dirty="0"/>
-          </a:p>
-          <a:p>
-            <a:r>
-              <a:rPr lang="en-US" sz="3600" dirty="0"/>
-              <a:t>Can retain unique language of each child</a:t>
-            </a:r>
-          </a:p>
-          <a:p>
-            <a:endParaRPr lang="en-US" sz="3600" dirty="0"/>
-          </a:p>
-          <a:p>
-            <a:r>
-              <a:rPr lang="en-US" sz="3600" dirty="0"/>
-              <a:t>All made available to caretakers</a:t>
-            </a:r>
-          </a:p>
-        </p:txBody>
-      </p:sp>
-    </p:spTree>
-    <p:extLst>
-      <p:ext uri="{BB962C8B-B14F-4D97-AF65-F5344CB8AC3E}">
-        <p14:creationId xmlns:p14="http://schemas.microsoft.com/office/powerpoint/2010/main" val="4216136034"/>
-      </p:ext>
-    </p:extLst>
-  </p:cSld>
-  <p:clrMapOvr>
-    <a:masterClrMapping/>
-  </p:clrMapOvr>
-</p:sld>
-</file>
-
-<file path=ppt/slides/slide3.xml><?xml version="1.0" encoding="utf-8"?>
-<p:sld xmlns:a="http://schemas.openxmlformats.org/drawingml/2006/main" xmlns:r="http://schemas.openxmlformats.org/officeDocument/2006/relationships" xmlns:p="http://schemas.openxmlformats.org/presentationml/2006/main">
-  <p:cSld>
-    <p:spTree>
-      <p:nvGrpSpPr>
-        <p:cNvPr id="1" name=""/>
-        <p:cNvGrpSpPr/>
-        <p:nvPr/>
-      </p:nvGrpSpPr>
-      <p:grpSpPr>
-        <a:xfrm>
-          <a:off x="0" y="0"/>
-          <a:ext cx="0" cy="0"/>
-          <a:chOff x="0" y="0"/>
-          <a:chExt cx="0" cy="0"/>
-        </a:xfrm>
-      </p:grpSpPr>
-      <p:sp>
-        <p:nvSpPr>
-          <p:cNvPr id="2" name="Title 1"/>
-          <p:cNvSpPr>
-            <a:spLocks noGrp="1"/>
-          </p:cNvSpPr>
-          <p:nvPr>
-            <p:ph type="title"/>
-          </p:nvPr>
-        </p:nvSpPr>
-        <p:spPr/>
-        <p:txBody>
-          <a:bodyPr/>
-          <a:lstStyle/>
-          <a:p>
-            <a:pPr algn="ctr"/>
-            <a:r>
-              <a:rPr lang="en-US" dirty="0"/>
-              <a:t>How it works</a:t>
-            </a:r>
-          </a:p>
-        </p:txBody>
-      </p:sp>
-      <p:sp>
-        <p:nvSpPr>
-          <p:cNvPr id="3" name="Content Placeholder 2"/>
-          <p:cNvSpPr>
-            <a:spLocks noGrp="1"/>
-          </p:cNvSpPr>
-          <p:nvPr>
-            <p:ph idx="1"/>
-          </p:nvPr>
-        </p:nvSpPr>
-        <p:spPr>
-          <a:xfrm>
-            <a:off x="1202919" y="2011680"/>
-            <a:ext cx="9784080" cy="4206240"/>
-          </a:xfrm>
-        </p:spPr>
-        <p:txBody>
-          <a:bodyPr>
-            <a:noAutofit/>
-          </a:bodyPr>
-          <a:lstStyle/>
-          <a:p>
-            <a:r>
-              <a:rPr lang="en-US" sz="3300" dirty="0"/>
-              <a:t>Initial: Users input audio data of phrases </a:t>
-            </a:r>
-          </a:p>
-          <a:p>
-            <a:endParaRPr lang="en-US" sz="3300" dirty="0"/>
-          </a:p>
-          <a:p>
-            <a:r>
-              <a:rPr lang="en-US" sz="3300" dirty="0"/>
-              <a:t>Translation: Caretaker/Parent records the child speaking</a:t>
-            </a:r>
-          </a:p>
-          <a:p>
-            <a:pPr lvl="1"/>
-            <a:r>
-              <a:rPr lang="en-US" sz="3300" dirty="0"/>
-              <a:t>This is translated to text</a:t>
-            </a:r>
-          </a:p>
-          <a:p>
-            <a:pPr lvl="1"/>
-            <a:endParaRPr lang="en-US" sz="3300" dirty="0"/>
-          </a:p>
-          <a:p>
-            <a:r>
-              <a:rPr lang="en-US" sz="3300" dirty="0"/>
-              <a:t>Editing: Translations can be edited if incorrect</a:t>
-            </a:r>
-          </a:p>
-        </p:txBody>
-      </p:sp>
-    </p:spTree>
-    <p:extLst>
-      <p:ext uri="{BB962C8B-B14F-4D97-AF65-F5344CB8AC3E}">
-        <p14:creationId xmlns:p14="http://schemas.microsoft.com/office/powerpoint/2010/main" val="2687689281"/>
-      </p:ext>
-    </p:extLst>
-  </p:cSld>
-  <p:clrMapOvr>
-    <a:masterClrMapping/>
-  </p:clrMapOvr>
-</p:sld>
-</file>
-
-<file path=ppt/slides/slide4.xml><?xml version="1.0" encoding="utf-8"?>
-<p:sld xmlns:a="http://schemas.openxmlformats.org/drawingml/2006/main" xmlns:r="http://schemas.openxmlformats.org/officeDocument/2006/relationships" xmlns:p="http://schemas.openxmlformats.org/presentationml/2006/main">
-  <p:cSld>
-    <p:spTree>
-      <p:nvGrpSpPr>
-        <p:cNvPr id="1" name=""/>
-        <p:cNvGrpSpPr/>
-        <p:nvPr/>
-      </p:nvGrpSpPr>
-      <p:grpSpPr>
-        <a:xfrm>
-          <a:off x="0" y="0"/>
-          <a:ext cx="0" cy="0"/>
-          <a:chOff x="0" y="0"/>
-          <a:chExt cx="0" cy="0"/>
-        </a:xfrm>
-      </p:grpSpPr>
-      <p:sp>
-        <p:nvSpPr>
-          <p:cNvPr id="2" name="Title 1"/>
-          <p:cNvSpPr>
-            <a:spLocks noGrp="1"/>
-          </p:cNvSpPr>
-          <p:nvPr>
-            <p:ph type="title"/>
-          </p:nvPr>
-        </p:nvSpPr>
-        <p:spPr/>
-        <p:txBody>
-          <a:bodyPr/>
-          <a:lstStyle/>
-          <a:p>
-            <a:pPr algn="ctr"/>
-            <a:r>
-              <a:rPr lang="en-US" dirty="0"/>
-              <a:t>How does it Solve the problem</a:t>
-            </a:r>
-          </a:p>
-        </p:txBody>
-      </p:sp>
-      <p:sp>
-        <p:nvSpPr>
-          <p:cNvPr id="3" name="Content Placeholder 2"/>
-          <p:cNvSpPr>
-            <a:spLocks noGrp="1"/>
-          </p:cNvSpPr>
-          <p:nvPr>
-            <p:ph idx="1"/>
-          </p:nvPr>
-        </p:nvSpPr>
-        <p:spPr/>
-        <p:txBody>
-          <a:bodyPr>
-            <a:normAutofit/>
-          </a:bodyPr>
-          <a:lstStyle/>
-          <a:p>
-            <a:r>
-              <a:rPr lang="en-US" sz="3300" dirty="0"/>
-              <a:t>Each caretaker’s app has its own pool of children to attend to</a:t>
-            </a:r>
-          </a:p>
-          <a:p>
-            <a:endParaRPr lang="en-US" sz="3300" dirty="0"/>
-          </a:p>
-          <a:p>
-            <a:r>
-              <a:rPr lang="en-US" sz="3300" dirty="0"/>
-              <a:t>A database retains data for each individual</a:t>
-            </a:r>
-          </a:p>
-          <a:p>
-            <a:endParaRPr lang="en-US" sz="3300" dirty="0"/>
-          </a:p>
-          <a:p>
-            <a:r>
-              <a:rPr lang="en-US" sz="3300" dirty="0"/>
-              <a:t>Compares data derived from audio with reference data</a:t>
-            </a:r>
-          </a:p>
-          <a:p>
-            <a:pPr marL="0" indent="0">
-              <a:buNone/>
-            </a:pPr>
-            <a:endParaRPr lang="en-US" sz="3300" dirty="0"/>
-          </a:p>
-        </p:txBody>
-      </p:sp>
-    </p:spTree>
-    <p:extLst>
-      <p:ext uri="{BB962C8B-B14F-4D97-AF65-F5344CB8AC3E}">
-        <p14:creationId xmlns:p14="http://schemas.microsoft.com/office/powerpoint/2010/main" val="2128898987"/>
-      </p:ext>
-    </p:extLst>
-  </p:cSld>
-  <p:clrMapOvr>
-    <a:masterClrMapping/>
-  </p:clrMapOvr>
-</p:sld>
-</file>
-
-<file path=ppt/slides/slide5.xml><?xml version="1.0" encoding="utf-8"?>
-<p:sld xmlns:a="http://schemas.openxmlformats.org/drawingml/2006/main" xmlns:r="http://schemas.openxmlformats.org/officeDocument/2006/relationships" xmlns:p="http://schemas.openxmlformats.org/presentationml/2006/main">
-  <p:cSld>
-    <p:spTree>
-      <p:nvGrpSpPr>
-        <p:cNvPr id="1" name=""/>
-        <p:cNvGrpSpPr/>
-        <p:nvPr/>
-      </p:nvGrpSpPr>
-      <p:grpSpPr>
-        <a:xfrm>
-          <a:off x="0" y="0"/>
-          <a:ext cx="0" cy="0"/>
-          <a:chOff x="0" y="0"/>
-          <a:chExt cx="0" cy="0"/>
-        </a:xfrm>
-      </p:grpSpPr>
-      <p:sp>
-        <p:nvSpPr>
-          <p:cNvPr id="8" name="Rectangle 7"/>
-          <p:cNvSpPr/>
-          <p:nvPr/>
-        </p:nvSpPr>
-        <p:spPr>
-          <a:xfrm>
-            <a:off x="4800600" y="1048624"/>
-            <a:ext cx="2623931" cy="4676315"/>
-          </a:xfrm>
-          <a:prstGeom prst="rect">
-            <a:avLst/>
-          </a:prstGeom>
-          <a:solidFill>
-            <a:srgbClr val="335B74"/>
-          </a:solidFill>
-          <a:ln>
-            <a:noFill/>
-          </a:ln>
-        </p:spPr>
-        <p:style>
-          <a:lnRef idx="2">
-            <a:schemeClr val="accent1">
-              <a:shade val="50000"/>
-            </a:schemeClr>
-          </a:lnRef>
-          <a:fillRef idx="1">
-            <a:schemeClr val="accent1"/>
-          </a:fillRef>
-          <a:effectRef idx="0">
-            <a:schemeClr val="accent1"/>
-          </a:effectRef>
-          <a:fontRef idx="minor">
-            <a:schemeClr val="lt1"/>
-          </a:fontRef>
-        </p:style>
-        <p:txBody>
-          <a:bodyPr rtlCol="0" anchor="ctr"/>
-          <a:lstStyle/>
-          <a:p>
-            <a:pPr algn="ctr"/>
-            <a:endParaRPr lang="en-US" dirty="0"/>
-          </a:p>
-        </p:txBody>
-      </p:sp>
-      <p:sp>
-        <p:nvSpPr>
-          <p:cNvPr id="2" name="TextBox 1"/>
-          <p:cNvSpPr txBox="1"/>
-          <p:nvPr/>
-        </p:nvSpPr>
-        <p:spPr>
-          <a:xfrm>
-            <a:off x="9315450" y="5876925"/>
-            <a:ext cx="2333625" cy="369332"/>
-          </a:xfrm>
-          <a:prstGeom prst="rect">
-            <a:avLst/>
-          </a:prstGeom>
-          <a:noFill/>
-        </p:spPr>
-        <p:txBody>
-          <a:bodyPr wrap="square" rtlCol="0">
-            <a:spAutoFit/>
-          </a:bodyPr>
-          <a:lstStyle/>
-          <a:p>
-            <a:r>
-              <a:rPr lang="en-US" dirty="0">
-                <a:latin typeface="Malgun Gothic Semilight" panose="020B0502040204020203" pitchFamily="34" charset="-128"/>
-                <a:ea typeface="Malgun Gothic Semilight" panose="020B0502040204020203" pitchFamily="34" charset="-128"/>
-                <a:cs typeface="Malgun Gothic Semilight" panose="020B0502040204020203" pitchFamily="34" charset="-128"/>
-              </a:rPr>
-              <a:t>Results Screen</a:t>
-            </a:r>
-          </a:p>
-        </p:txBody>
-      </p:sp>
-      <p:sp>
-        <p:nvSpPr>
-          <p:cNvPr id="6" name="TextBox 5"/>
-          <p:cNvSpPr txBox="1"/>
-          <p:nvPr/>
-        </p:nvSpPr>
-        <p:spPr>
-          <a:xfrm>
-            <a:off x="5625833" y="3202115"/>
-            <a:ext cx="973463" cy="369332"/>
-          </a:xfrm>
-          <a:prstGeom prst="rect">
-            <a:avLst/>
-          </a:prstGeom>
-          <a:noFill/>
-        </p:spPr>
-        <p:txBody>
-          <a:bodyPr wrap="square" rtlCol="0">
-            <a:spAutoFit/>
-          </a:bodyPr>
-          <a:lstStyle/>
-          <a:p>
-            <a:pPr marL="0" marR="0" lvl="0" indent="0" algn="ctr" defTabSz="914400" eaLnBrk="1" fontAlgn="auto" latinLnBrk="0" hangingPunct="1">
-              <a:lnSpc>
-                <a:spcPct val="100000"/>
-              </a:lnSpc>
-              <a:spcBef>
-                <a:spcPts val="0"/>
-              </a:spcBef>
-              <a:spcAft>
-                <a:spcPts val="0"/>
-              </a:spcAft>
-              <a:buClrTx/>
-              <a:buSzTx/>
-              <a:buFontTx/>
-              <a:buNone/>
-              <a:tabLst/>
-              <a:defRPr/>
-            </a:pPr>
-            <a:r>
-              <a:rPr kumimoji="0" lang="en-US" sz="1800" b="0" i="0" u="none" strike="noStrike" kern="0" cap="none" spc="0" normalizeH="0" baseline="0" noProof="0" dirty="0">
-                <a:ln>
-                  <a:noFill/>
-                </a:ln>
-                <a:solidFill>
-                  <a:schemeClr val="bg1"/>
-                </a:solidFill>
-                <a:effectLst/>
-                <a:uLnTx/>
-                <a:uFillTx/>
-                <a:latin typeface="Malgun Gothic Semilight" panose="020B0502040204020203" pitchFamily="34" charset="-128"/>
-                <a:ea typeface="Malgun Gothic Semilight" panose="020B0502040204020203" pitchFamily="34" charset="-128"/>
-                <a:cs typeface="Malgun Gothic Semilight" panose="020B0502040204020203" pitchFamily="34" charset="-128"/>
-              </a:rPr>
-              <a:t>Even II</a:t>
-            </a:r>
-          </a:p>
-        </p:txBody>
-      </p:sp>
-      <p:pic>
-        <p:nvPicPr>
-          <p:cNvPr id="5" name="Picture 4"/>
-          <p:cNvPicPr>
-            <a:picLocks noChangeAspect="1"/>
-          </p:cNvPicPr>
-          <p:nvPr/>
-        </p:nvPicPr>
-        <p:blipFill>
-          <a:blip r:embed="rId2"/>
-          <a:stretch>
-            <a:fillRect/>
-          </a:stretch>
-        </p:blipFill>
-        <p:spPr>
-          <a:xfrm>
-            <a:off x="4800599" y="1053959"/>
-            <a:ext cx="2623931" cy="4664767"/>
-          </a:xfrm>
-          <a:prstGeom prst="rect">
-            <a:avLst/>
-          </a:prstGeom>
-        </p:spPr>
-      </p:pic>
-      <p:sp>
-        <p:nvSpPr>
-          <p:cNvPr id="7" name="Rectangle 6"/>
-          <p:cNvSpPr/>
-          <p:nvPr/>
-        </p:nvSpPr>
-        <p:spPr>
-          <a:xfrm>
-            <a:off x="4920343" y="1776552"/>
-            <a:ext cx="1123406" cy="661851"/>
-          </a:xfrm>
-          <a:prstGeom prst="rect">
-            <a:avLst/>
-          </a:prstGeom>
-          <a:solidFill>
-            <a:srgbClr val="3E6F8E"/>
-          </a:solidFill>
-        </p:spPr>
-        <p:style>
-          <a:lnRef idx="2">
-            <a:schemeClr val="accent1">
-              <a:shade val="50000"/>
-            </a:schemeClr>
-          </a:lnRef>
-          <a:fillRef idx="1">
-            <a:schemeClr val="accent1"/>
-          </a:fillRef>
-          <a:effectRef idx="0">
-            <a:schemeClr val="accent1"/>
-          </a:effectRef>
-          <a:fontRef idx="minor">
-            <a:schemeClr val="lt1"/>
-          </a:fontRef>
-        </p:style>
-        <p:txBody>
-          <a:bodyPr rtlCol="0" anchor="ctr"/>
-          <a:lstStyle/>
-          <a:p>
-            <a:pPr algn="ctr"/>
-            <a:r>
-              <a:rPr lang="en-US" sz="2800" dirty="0"/>
-              <a:t>A</a:t>
-            </a:r>
-          </a:p>
-        </p:txBody>
-      </p:sp>
-      <p:sp>
-        <p:nvSpPr>
-          <p:cNvPr id="9" name="Rectangle 8"/>
-          <p:cNvSpPr/>
-          <p:nvPr/>
-        </p:nvSpPr>
-        <p:spPr>
-          <a:xfrm>
-            <a:off x="6172436" y="1776552"/>
-            <a:ext cx="1123406" cy="661851"/>
-          </a:xfrm>
-          <a:prstGeom prst="rect">
-            <a:avLst/>
-          </a:prstGeom>
-          <a:solidFill>
-            <a:srgbClr val="3E6F8E"/>
-          </a:solidFill>
-        </p:spPr>
-        <p:style>
-          <a:lnRef idx="2">
-            <a:schemeClr val="accent1">
-              <a:shade val="50000"/>
-            </a:schemeClr>
-          </a:lnRef>
-          <a:fillRef idx="1">
-            <a:schemeClr val="accent1"/>
-          </a:fillRef>
-          <a:effectRef idx="0">
-            <a:schemeClr val="accent1"/>
-          </a:effectRef>
-          <a:fontRef idx="minor">
-            <a:schemeClr val="lt1"/>
-          </a:fontRef>
-        </p:style>
-        <p:txBody>
-          <a:bodyPr rtlCol="0" anchor="ctr"/>
-          <a:lstStyle/>
-          <a:p>
-            <a:pPr algn="ctr"/>
-            <a:r>
-              <a:rPr lang="en-US" sz="2800" dirty="0"/>
-              <a:t>B</a:t>
-            </a:r>
-          </a:p>
-        </p:txBody>
-      </p:sp>
-      <p:sp>
-        <p:nvSpPr>
-          <p:cNvPr id="10" name="TextBox 9"/>
-          <p:cNvSpPr txBox="1"/>
-          <p:nvPr/>
-        </p:nvSpPr>
-        <p:spPr>
-          <a:xfrm>
-            <a:off x="4920343" y="2394863"/>
-            <a:ext cx="2375499" cy="1477328"/>
-          </a:xfrm>
-          <a:prstGeom prst="rect">
-            <a:avLst/>
-          </a:prstGeom>
-          <a:noFill/>
-        </p:spPr>
-        <p:txBody>
-          <a:bodyPr wrap="square" rtlCol="0">
-            <a:spAutoFit/>
-          </a:bodyPr>
-          <a:lstStyle/>
-          <a:p>
-            <a:r>
-              <a:rPr lang="en-US" dirty="0">
-                <a:solidFill>
-                  <a:schemeClr val="bg1">
-                    <a:lumMod val="95000"/>
-                  </a:schemeClr>
-                </a:solidFill>
-              </a:rPr>
-              <a:t>Albert	      Beth</a:t>
-            </a:r>
-          </a:p>
-          <a:p>
-            <a:endParaRPr lang="en-US" dirty="0">
-              <a:solidFill>
-                <a:schemeClr val="bg1">
-                  <a:lumMod val="95000"/>
-                </a:schemeClr>
-              </a:solidFill>
-            </a:endParaRPr>
-          </a:p>
-          <a:p>
-            <a:endParaRPr lang="en-US" dirty="0">
-              <a:solidFill>
-                <a:schemeClr val="bg1">
-                  <a:lumMod val="95000"/>
-                </a:schemeClr>
-              </a:solidFill>
-            </a:endParaRPr>
-          </a:p>
-          <a:p>
-            <a:endParaRPr lang="en-US" dirty="0">
-              <a:solidFill>
-                <a:schemeClr val="bg1">
-                  <a:lumMod val="95000"/>
-                </a:schemeClr>
-              </a:solidFill>
-            </a:endParaRPr>
-          </a:p>
-          <a:p>
-            <a:r>
-              <a:rPr lang="en-US" dirty="0">
-                <a:solidFill>
-                  <a:schemeClr val="bg1">
-                    <a:lumMod val="95000"/>
-                  </a:schemeClr>
-                </a:solidFill>
-              </a:rPr>
-              <a:t>Pearl	       Add</a:t>
-            </a:r>
-          </a:p>
-        </p:txBody>
-      </p:sp>
-      <p:sp>
-        <p:nvSpPr>
-          <p:cNvPr id="11" name="Rectangle 10"/>
-          <p:cNvSpPr/>
-          <p:nvPr/>
-        </p:nvSpPr>
-        <p:spPr>
-          <a:xfrm>
-            <a:off x="4796126" y="1042411"/>
-            <a:ext cx="2623931" cy="4676315"/>
-          </a:xfrm>
-          <a:prstGeom prst="rect">
-            <a:avLst/>
-          </a:prstGeom>
-          <a:solidFill>
-            <a:srgbClr val="000000">
-              <a:alpha val="50196"/>
-            </a:srgbClr>
-          </a:solidFill>
-          <a:ln>
-            <a:noFill/>
-          </a:ln>
-        </p:spPr>
-        <p:style>
-          <a:lnRef idx="2">
-            <a:schemeClr val="accent1">
-              <a:shade val="50000"/>
-            </a:schemeClr>
-          </a:lnRef>
-          <a:fillRef idx="1">
-            <a:schemeClr val="accent1"/>
-          </a:fillRef>
-          <a:effectRef idx="0">
-            <a:schemeClr val="accent1"/>
-          </a:effectRef>
-          <a:fontRef idx="minor">
-            <a:schemeClr val="lt1"/>
-          </a:fontRef>
-        </p:style>
-        <p:txBody>
-          <a:bodyPr rtlCol="0" anchor="ctr"/>
-          <a:lstStyle/>
-          <a:p>
-            <a:pPr algn="ctr"/>
-            <a:endParaRPr lang="en-US" dirty="0"/>
-          </a:p>
-        </p:txBody>
-      </p:sp>
-      <p:pic>
-        <p:nvPicPr>
-          <p:cNvPr id="3" name="Picture 2"/>
-          <p:cNvPicPr>
-            <a:picLocks noChangeAspect="1"/>
-          </p:cNvPicPr>
-          <p:nvPr/>
-        </p:nvPicPr>
-        <p:blipFill>
-          <a:blip r:embed="rId3"/>
-          <a:stretch>
-            <a:fillRect/>
-          </a:stretch>
-        </p:blipFill>
-        <p:spPr>
-          <a:xfrm>
-            <a:off x="4927712" y="2838996"/>
-            <a:ext cx="2394257" cy="899820"/>
-          </a:xfrm>
-          <a:prstGeom prst="rect">
-            <a:avLst/>
-          </a:prstGeom>
-        </p:spPr>
-      </p:pic>
-      <p:pic>
-        <p:nvPicPr>
-          <p:cNvPr id="12" name="Picture 11"/>
-          <p:cNvPicPr>
-            <a:picLocks noChangeAspect="1"/>
-          </p:cNvPicPr>
-          <p:nvPr/>
-        </p:nvPicPr>
-        <p:blipFill>
-          <a:blip r:embed="rId4"/>
-          <a:stretch>
-            <a:fillRect/>
-          </a:stretch>
-        </p:blipFill>
-        <p:spPr>
-          <a:xfrm>
-            <a:off x="4881214" y="2638728"/>
-            <a:ext cx="2487251" cy="1865438"/>
-          </a:xfrm>
-          <a:prstGeom prst="rect">
-            <a:avLst/>
-          </a:prstGeom>
-        </p:spPr>
-      </p:pic>
-      <p:pic>
-        <p:nvPicPr>
-          <p:cNvPr id="14" name="Picture 13"/>
-          <p:cNvPicPr>
-            <a:picLocks noChangeAspect="1"/>
-          </p:cNvPicPr>
-          <p:nvPr/>
-        </p:nvPicPr>
-        <p:blipFill>
-          <a:blip r:embed="rId5"/>
-          <a:stretch>
-            <a:fillRect/>
-          </a:stretch>
-        </p:blipFill>
-        <p:spPr>
-          <a:xfrm>
-            <a:off x="4881215" y="2642451"/>
-            <a:ext cx="2487250" cy="1880470"/>
-          </a:xfrm>
-          <a:prstGeom prst="rect">
-            <a:avLst/>
-          </a:prstGeom>
-        </p:spPr>
-      </p:pic>
-      <p:sp>
-        <p:nvSpPr>
-          <p:cNvPr id="4" name="TextBox 3"/>
-          <p:cNvSpPr txBox="1"/>
-          <p:nvPr/>
-        </p:nvSpPr>
-        <p:spPr>
-          <a:xfrm>
-            <a:off x="5625833" y="2801522"/>
-            <a:ext cx="1290323" cy="369332"/>
-          </a:xfrm>
-          <a:prstGeom prst="rect">
-            <a:avLst/>
-          </a:prstGeom>
-          <a:noFill/>
-        </p:spPr>
-        <p:txBody>
-          <a:bodyPr wrap="square" rtlCol="0">
-            <a:spAutoFit/>
-          </a:bodyPr>
-          <a:lstStyle/>
-          <a:p>
-            <a:r>
-              <a:rPr lang="en-US" dirty="0" err="1"/>
-              <a:t>Abbaypa</a:t>
-            </a:r>
-            <a:endParaRPr lang="en-US" dirty="0"/>
-          </a:p>
-        </p:txBody>
-      </p:sp>
-      <p:grpSp>
-        <p:nvGrpSpPr>
-          <p:cNvPr id="20" name="Group 19"/>
-          <p:cNvGrpSpPr/>
-          <p:nvPr/>
-        </p:nvGrpSpPr>
-        <p:grpSpPr>
-          <a:xfrm>
-            <a:off x="4998722" y="357051"/>
-            <a:ext cx="1802674" cy="6200503"/>
-            <a:chOff x="4963886" y="357051"/>
-            <a:chExt cx="1802674" cy="6200503"/>
-          </a:xfrm>
-        </p:grpSpPr>
-        <p:sp>
-          <p:nvSpPr>
-            <p:cNvPr id="21" name="Rectangle 20"/>
-            <p:cNvSpPr/>
-            <p:nvPr/>
-          </p:nvSpPr>
-          <p:spPr>
-            <a:xfrm>
-              <a:off x="5799909" y="357051"/>
-              <a:ext cx="583474" cy="130629"/>
-            </a:xfrm>
-            <a:prstGeom prst="rect">
-              <a:avLst/>
-            </a:prstGeom>
-            <a:solidFill>
-              <a:srgbClr val="F2F2F2"/>
-            </a:solidFill>
-            <a:ln>
-              <a:noFill/>
-            </a:ln>
-          </p:spPr>
-          <p:style>
-            <a:lnRef idx="2">
-              <a:schemeClr val="accent1">
-                <a:shade val="50000"/>
-              </a:schemeClr>
-            </a:lnRef>
-            <a:fillRef idx="1">
-              <a:schemeClr val="accent1"/>
-            </a:fillRef>
-            <a:effectRef idx="0">
-              <a:schemeClr val="accent1"/>
-            </a:effectRef>
-            <a:fontRef idx="minor">
-              <a:schemeClr val="lt1"/>
-            </a:fontRef>
-          </p:style>
-          <p:txBody>
-            <a:bodyPr rtlCol="0" anchor="ctr"/>
-            <a:lstStyle/>
-            <a:p>
-              <a:pPr algn="ctr"/>
-              <a:endParaRPr lang="en-US"/>
-            </a:p>
-          </p:txBody>
-        </p:sp>
-        <p:sp>
-          <p:nvSpPr>
-            <p:cNvPr id="28" name="Rectangle 27"/>
-            <p:cNvSpPr/>
-            <p:nvPr/>
-          </p:nvSpPr>
-          <p:spPr>
-            <a:xfrm>
-              <a:off x="5503818" y="5858576"/>
-              <a:ext cx="1262742" cy="698978"/>
-            </a:xfrm>
-            <a:prstGeom prst="rect">
-              <a:avLst/>
-            </a:prstGeom>
-            <a:solidFill>
-              <a:srgbClr val="F2F2F2"/>
-            </a:solidFill>
-            <a:ln>
-              <a:noFill/>
-            </a:ln>
-          </p:spPr>
-          <p:style>
-            <a:lnRef idx="2">
-              <a:schemeClr val="accent1">
-                <a:shade val="50000"/>
-              </a:schemeClr>
-            </a:lnRef>
-            <a:fillRef idx="1">
-              <a:schemeClr val="accent1"/>
-            </a:fillRef>
-            <a:effectRef idx="0">
-              <a:schemeClr val="accent1"/>
-            </a:effectRef>
-            <a:fontRef idx="minor">
-              <a:schemeClr val="lt1"/>
-            </a:fontRef>
-          </p:style>
-          <p:txBody>
-            <a:bodyPr rtlCol="0" anchor="ctr"/>
-            <a:lstStyle/>
-            <a:p>
-              <a:pPr algn="ctr"/>
-              <a:endParaRPr lang="en-US"/>
-            </a:p>
-          </p:txBody>
-        </p:sp>
-        <p:sp>
-          <p:nvSpPr>
-            <p:cNvPr id="29" name="Oval 28"/>
-            <p:cNvSpPr/>
-            <p:nvPr/>
-          </p:nvSpPr>
-          <p:spPr>
-            <a:xfrm>
-              <a:off x="4963886" y="487680"/>
-              <a:ext cx="113211" cy="113211"/>
-            </a:xfrm>
-            <a:prstGeom prst="ellipse">
-              <a:avLst/>
-            </a:prstGeom>
-          </p:spPr>
-          <p:style>
-            <a:lnRef idx="2">
-              <a:schemeClr val="dk1">
-                <a:shade val="50000"/>
-              </a:schemeClr>
-            </a:lnRef>
-            <a:fillRef idx="1">
-              <a:schemeClr val="dk1"/>
-            </a:fillRef>
-            <a:effectRef idx="0">
-              <a:schemeClr val="dk1"/>
-            </a:effectRef>
-            <a:fontRef idx="minor">
-              <a:schemeClr val="lt1"/>
-            </a:fontRef>
-          </p:style>
-          <p:txBody>
-            <a:bodyPr rtlCol="0" anchor="ctr"/>
-            <a:lstStyle/>
-            <a:p>
-              <a:pPr algn="ctr"/>
-              <a:endParaRPr lang="en-US"/>
-            </a:p>
-          </p:txBody>
-        </p:sp>
-        <p:sp>
-          <p:nvSpPr>
-            <p:cNvPr id="30" name="Rectangle 29"/>
-            <p:cNvSpPr/>
-            <p:nvPr/>
-          </p:nvSpPr>
-          <p:spPr>
-            <a:xfrm>
-              <a:off x="5216435" y="628388"/>
-              <a:ext cx="583474" cy="130629"/>
-            </a:xfrm>
-            <a:prstGeom prst="rect">
-              <a:avLst/>
-            </a:prstGeom>
-            <a:solidFill>
-              <a:srgbClr val="F2F2F2"/>
-            </a:solidFill>
-            <a:ln>
-              <a:noFill/>
-            </a:ln>
-          </p:spPr>
-          <p:style>
-            <a:lnRef idx="2">
-              <a:schemeClr val="accent1">
-                <a:shade val="50000"/>
-              </a:schemeClr>
-            </a:lnRef>
-            <a:fillRef idx="1">
-              <a:schemeClr val="accent1"/>
-            </a:fillRef>
-            <a:effectRef idx="0">
-              <a:schemeClr val="accent1"/>
-            </a:effectRef>
-            <a:fontRef idx="minor">
-              <a:schemeClr val="lt1"/>
-            </a:fontRef>
-          </p:style>
-          <p:txBody>
-            <a:bodyPr rtlCol="0" anchor="ctr"/>
-            <a:lstStyle/>
-            <a:p>
-              <a:pPr algn="ctr"/>
-              <a:endParaRPr lang="en-US"/>
-            </a:p>
-          </p:txBody>
-        </p:sp>
-        <p:sp>
-          <p:nvSpPr>
-            <p:cNvPr id="31" name="Rounded Rectangle 43"/>
-            <p:cNvSpPr/>
-            <p:nvPr/>
-          </p:nvSpPr>
-          <p:spPr>
-            <a:xfrm>
-              <a:off x="5416735" y="373617"/>
-              <a:ext cx="1275805" cy="98398"/>
-            </a:xfrm>
-            <a:prstGeom prst="roundRect">
-              <a:avLst/>
-            </a:prstGeom>
-            <a:solidFill>
-              <a:srgbClr val="F2F2F2"/>
-            </a:solidFill>
-            <a:ln>
-              <a:solidFill>
-                <a:schemeClr val="bg1">
-                  <a:lumMod val="50000"/>
-                </a:schemeClr>
-              </a:solidFill>
-            </a:ln>
-          </p:spPr>
-          <p:style>
-            <a:lnRef idx="2">
-              <a:schemeClr val="accent1">
-                <a:shade val="50000"/>
-              </a:schemeClr>
-            </a:lnRef>
-            <a:fillRef idx="1">
-              <a:schemeClr val="accent1"/>
-            </a:fillRef>
-            <a:effectRef idx="0">
-              <a:schemeClr val="accent1"/>
-            </a:effectRef>
-            <a:fontRef idx="minor">
-              <a:schemeClr val="lt1"/>
-            </a:fontRef>
-          </p:style>
-          <p:txBody>
-            <a:bodyPr rtlCol="0" anchor="ctr"/>
-            <a:lstStyle/>
-            <a:p>
-              <a:pPr algn="ctr"/>
-              <a:endParaRPr lang="en-US"/>
-            </a:p>
-          </p:txBody>
-        </p:sp>
-      </p:grpSp>
-    </p:spTree>
-    <p:extLst>
-      <p:ext uri="{BB962C8B-B14F-4D97-AF65-F5344CB8AC3E}">
-        <p14:creationId xmlns:p14="http://schemas.microsoft.com/office/powerpoint/2010/main" val="800474014"/>
-      </p:ext>
-    </p:extLst>
-  </p:cSld>
-  <p:clrMapOvr>
-    <a:masterClrMapping/>
-  </p:clrMapOvr>
-  <p:timing>
-    <p:tnLst>
-      <p:par>
-        <p:cTn id="1" dur="indefinite" restart="never" nodeType="tmRoot">
-          <p:childTnLst>
-            <p:seq concurrent="1" nextAc="seek">
-              <p:cTn id="2" dur="indefinite" nodeType="mainSeq">
-                <p:childTnLst>
-                  <p:par>
-                    <p:cTn id="3" fill="hold">
-                      <p:stCondLst>
-                        <p:cond delay="indefinite"/>
-                        <p:cond evt="onBegin" delay="0">
-                          <p:tn val="2"/>
-                        </p:cond>
-                      </p:stCondLst>
-                      <p:childTnLst>
-                        <p:par>
-                          <p:cTn id="4" fill="hold">
-                            <p:stCondLst>
-                              <p:cond delay="0"/>
-                            </p:stCondLst>
-                            <p:childTnLst>
-                              <p:par>
-                                <p:cTn id="5" presetID="42" presetClass="path" presetSubtype="0" accel="50000" decel="50000" fill="hold" grpId="0" nodeType="withEffect">
-                                  <p:stCondLst>
-                                    <p:cond delay="1000"/>
-                                  </p:stCondLst>
-                                  <p:childTnLst>
-                                    <p:animMotion origin="layout" path="M -1.25E-6 -2.22222E-6 L -1.25E-6 -0.15463 " pathEditMode="relative" rAng="0" ptsTypes="AA">
-                                      <p:cBhvr>
-                                        <p:cTn id="6" dur="2000" fill="hold"/>
-                                        <p:tgtEl>
-                                          <p:spTgt spid="6"/>
-                                        </p:tgtEl>
-                                        <p:attrNameLst>
-                                          <p:attrName>ppt_x</p:attrName>
-                                          <p:attrName>ppt_y</p:attrName>
-                                        </p:attrNameLst>
-                                      </p:cBhvr>
-                                      <p:rCtr x="0" y="-7731"/>
-                                    </p:animMotion>
-                                  </p:childTnLst>
-                                </p:cTn>
-                              </p:par>
-                            </p:childTnLst>
-                          </p:cTn>
-                        </p:par>
-                      </p:childTnLst>
-                    </p:cTn>
-                  </p:par>
-                </p:childTnLst>
-              </p:cTn>
-              <p:prevCondLst>
-                <p:cond evt="onPrev" delay="0">
-                  <p:tgtEl>
-                    <p:sldTgt/>
-                  </p:tgtEl>
-                </p:cond>
-              </p:prevCondLst>
-              <p:nextCondLst>
-                <p:cond evt="onNext" delay="0">
-                  <p:tgtEl>
-                    <p:sldTgt/>
-                  </p:tgtEl>
-                </p:cond>
-              </p:nextCondLst>
-            </p:seq>
-          </p:childTnLst>
-        </p:cTn>
-      </p:par>
-    </p:tnLst>
-    <p:bldLst>
-      <p:bldP spid="6" grpId="0"/>
-    </p:bldLst>
-  </p:timing>
-</p:sld>
-</file>
-
-<file path=ppt/slides/slide6.xml><?xml version="1.0" encoding="utf-8"?>
-<p:sld xmlns:a="http://schemas.openxmlformats.org/drawingml/2006/main" xmlns:r="http://schemas.openxmlformats.org/officeDocument/2006/relationships" xmlns:p="http://schemas.openxmlformats.org/presentationml/2006/main">
-  <p:cSld>
-    <p:spTree>
-      <p:nvGrpSpPr>
-        <p:cNvPr id="1" name=""/>
-        <p:cNvGrpSpPr/>
-        <p:nvPr/>
-      </p:nvGrpSpPr>
-      <p:grpSpPr>
-        <a:xfrm>
-          <a:off x="0" y="0"/>
-          <a:ext cx="0" cy="0"/>
-          <a:chOff x="0" y="0"/>
-          <a:chExt cx="0" cy="0"/>
-        </a:xfrm>
-      </p:grpSpPr>
-      <p:sp>
-        <p:nvSpPr>
-          <p:cNvPr id="8" name="Rectangle 7"/>
-          <p:cNvSpPr/>
-          <p:nvPr/>
-        </p:nvSpPr>
-        <p:spPr>
-          <a:xfrm>
-            <a:off x="4800600" y="1048624"/>
-            <a:ext cx="2623931" cy="4676315"/>
-          </a:xfrm>
-          <a:prstGeom prst="rect">
-            <a:avLst/>
-          </a:prstGeom>
-          <a:solidFill>
-            <a:srgbClr val="335B74"/>
-          </a:solidFill>
-          <a:ln>
-            <a:noFill/>
-          </a:ln>
-        </p:spPr>
-        <p:style>
-          <a:lnRef idx="2">
-            <a:schemeClr val="accent1">
-              <a:shade val="50000"/>
-            </a:schemeClr>
-          </a:lnRef>
-          <a:fillRef idx="1">
-            <a:schemeClr val="accent1"/>
-          </a:fillRef>
-          <a:effectRef idx="0">
-            <a:schemeClr val="accent1"/>
-          </a:effectRef>
-          <a:fontRef idx="minor">
-            <a:schemeClr val="lt1"/>
-          </a:fontRef>
-        </p:style>
-        <p:txBody>
-          <a:bodyPr rtlCol="0" anchor="ctr"/>
-          <a:lstStyle/>
-          <a:p>
-            <a:pPr algn="ctr"/>
-            <a:endParaRPr lang="en-US" dirty="0"/>
-          </a:p>
-        </p:txBody>
-      </p:sp>
-      <p:sp>
-        <p:nvSpPr>
-          <p:cNvPr id="2" name="TextBox 1"/>
-          <p:cNvSpPr txBox="1"/>
-          <p:nvPr/>
-        </p:nvSpPr>
-        <p:spPr>
-          <a:xfrm>
-            <a:off x="9315450" y="5876925"/>
-            <a:ext cx="2333625" cy="369332"/>
-          </a:xfrm>
-          <a:prstGeom prst="rect">
-            <a:avLst/>
-          </a:prstGeom>
-          <a:noFill/>
-        </p:spPr>
-        <p:txBody>
-          <a:bodyPr wrap="square" rtlCol="0">
-            <a:spAutoFit/>
-          </a:bodyPr>
-          <a:lstStyle/>
-          <a:p>
-            <a:r>
-              <a:rPr lang="en-US" dirty="0">
-                <a:latin typeface="Malgun Gothic Semilight" panose="020B0502040204020203" pitchFamily="34" charset="-128"/>
-                <a:ea typeface="Malgun Gothic Semilight" panose="020B0502040204020203" pitchFamily="34" charset="-128"/>
-                <a:cs typeface="Malgun Gothic Semilight" panose="020B0502040204020203" pitchFamily="34" charset="-128"/>
-              </a:rPr>
-              <a:t>Results Screen</a:t>
-            </a:r>
-          </a:p>
-        </p:txBody>
-      </p:sp>
-      <p:sp>
-        <p:nvSpPr>
-          <p:cNvPr id="6" name="TextBox 5"/>
-          <p:cNvSpPr txBox="1"/>
-          <p:nvPr/>
-        </p:nvSpPr>
-        <p:spPr>
-          <a:xfrm>
-            <a:off x="5625833" y="3202115"/>
-            <a:ext cx="973463" cy="369332"/>
-          </a:xfrm>
-          <a:prstGeom prst="rect">
-            <a:avLst/>
-          </a:prstGeom>
-          <a:noFill/>
-        </p:spPr>
-        <p:txBody>
-          <a:bodyPr wrap="square" rtlCol="0">
-            <a:spAutoFit/>
-          </a:bodyPr>
-          <a:lstStyle/>
-          <a:p>
-            <a:pPr marL="0" marR="0" lvl="0" indent="0" algn="ctr" defTabSz="914400" eaLnBrk="1" fontAlgn="auto" latinLnBrk="0" hangingPunct="1">
-              <a:lnSpc>
-                <a:spcPct val="100000"/>
-              </a:lnSpc>
-              <a:spcBef>
-                <a:spcPts val="0"/>
-              </a:spcBef>
-              <a:spcAft>
-                <a:spcPts val="0"/>
-              </a:spcAft>
-              <a:buClrTx/>
-              <a:buSzTx/>
-              <a:buFontTx/>
-              <a:buNone/>
-              <a:tabLst/>
-              <a:defRPr/>
-            </a:pPr>
-            <a:r>
-              <a:rPr kumimoji="0" lang="en-US" sz="1800" b="0" i="0" u="none" strike="noStrike" kern="0" cap="none" spc="0" normalizeH="0" baseline="0" noProof="0" dirty="0">
-                <a:ln>
-                  <a:noFill/>
-                </a:ln>
-                <a:solidFill>
-                  <a:schemeClr val="bg1"/>
-                </a:solidFill>
-                <a:effectLst/>
-                <a:uLnTx/>
-                <a:uFillTx/>
-                <a:latin typeface="Malgun Gothic Semilight" panose="020B0502040204020203" pitchFamily="34" charset="-128"/>
-                <a:ea typeface="Malgun Gothic Semilight" panose="020B0502040204020203" pitchFamily="34" charset="-128"/>
-                <a:cs typeface="Malgun Gothic Semilight" panose="020B0502040204020203" pitchFamily="34" charset="-128"/>
-              </a:rPr>
-              <a:t>Even II</a:t>
-            </a:r>
-          </a:p>
-        </p:txBody>
-      </p:sp>
-      <p:pic>
-        <p:nvPicPr>
-          <p:cNvPr id="5" name="Picture 4"/>
-          <p:cNvPicPr>
-            <a:picLocks noChangeAspect="1"/>
-          </p:cNvPicPr>
-          <p:nvPr/>
-        </p:nvPicPr>
-        <p:blipFill>
-          <a:blip r:embed="rId2"/>
-          <a:stretch>
-            <a:fillRect/>
-          </a:stretch>
-        </p:blipFill>
-        <p:spPr>
-          <a:xfrm>
-            <a:off x="4800599" y="1053959"/>
-            <a:ext cx="2623931" cy="4664767"/>
-          </a:xfrm>
-          <a:prstGeom prst="rect">
-            <a:avLst/>
-          </a:prstGeom>
-        </p:spPr>
-      </p:pic>
-      <p:sp>
-        <p:nvSpPr>
-          <p:cNvPr id="7" name="Rectangle 6"/>
-          <p:cNvSpPr/>
-          <p:nvPr/>
-        </p:nvSpPr>
-        <p:spPr>
-          <a:xfrm>
-            <a:off x="4920343" y="1776552"/>
-            <a:ext cx="1123406" cy="661851"/>
-          </a:xfrm>
-          <a:prstGeom prst="rect">
-            <a:avLst/>
-          </a:prstGeom>
-          <a:solidFill>
-            <a:srgbClr val="3E6F8E"/>
-          </a:solidFill>
-        </p:spPr>
-        <p:style>
-          <a:lnRef idx="2">
-            <a:schemeClr val="accent1">
-              <a:shade val="50000"/>
-            </a:schemeClr>
-          </a:lnRef>
-          <a:fillRef idx="1">
-            <a:schemeClr val="accent1"/>
-          </a:fillRef>
-          <a:effectRef idx="0">
-            <a:schemeClr val="accent1"/>
-          </a:effectRef>
-          <a:fontRef idx="minor">
-            <a:schemeClr val="lt1"/>
-          </a:fontRef>
-        </p:style>
-        <p:txBody>
-          <a:bodyPr rtlCol="0" anchor="ctr"/>
-          <a:lstStyle/>
-          <a:p>
-            <a:pPr algn="ctr"/>
-            <a:r>
-              <a:rPr lang="en-US" sz="2800" dirty="0"/>
-              <a:t>A</a:t>
-            </a:r>
-          </a:p>
-        </p:txBody>
-      </p:sp>
-      <p:sp>
-        <p:nvSpPr>
-          <p:cNvPr id="9" name="Rectangle 8"/>
-          <p:cNvSpPr/>
-          <p:nvPr/>
-        </p:nvSpPr>
-        <p:spPr>
-          <a:xfrm>
-            <a:off x="6172436" y="1776552"/>
-            <a:ext cx="1123406" cy="661851"/>
-          </a:xfrm>
-          <a:prstGeom prst="rect">
-            <a:avLst/>
-          </a:prstGeom>
-          <a:solidFill>
-            <a:srgbClr val="3E6F8E"/>
-          </a:solidFill>
-        </p:spPr>
-        <p:style>
-          <a:lnRef idx="2">
-            <a:schemeClr val="accent1">
-              <a:shade val="50000"/>
-            </a:schemeClr>
-          </a:lnRef>
-          <a:fillRef idx="1">
-            <a:schemeClr val="accent1"/>
-          </a:fillRef>
-          <a:effectRef idx="0">
-            <a:schemeClr val="accent1"/>
-          </a:effectRef>
-          <a:fontRef idx="minor">
-            <a:schemeClr val="lt1"/>
-          </a:fontRef>
-        </p:style>
-        <p:txBody>
-          <a:bodyPr rtlCol="0" anchor="ctr"/>
-          <a:lstStyle/>
-          <a:p>
-            <a:pPr algn="ctr"/>
-            <a:r>
-              <a:rPr lang="en-US" sz="2800" dirty="0"/>
-              <a:t>B</a:t>
-            </a:r>
-          </a:p>
-        </p:txBody>
-      </p:sp>
-      <p:sp>
-        <p:nvSpPr>
-          <p:cNvPr id="10" name="TextBox 9"/>
-          <p:cNvSpPr txBox="1"/>
-          <p:nvPr/>
-        </p:nvSpPr>
-        <p:spPr>
-          <a:xfrm>
-            <a:off x="4920343" y="2394863"/>
-            <a:ext cx="2375499" cy="1477328"/>
-          </a:xfrm>
-          <a:prstGeom prst="rect">
-            <a:avLst/>
-          </a:prstGeom>
-          <a:noFill/>
-        </p:spPr>
-        <p:txBody>
-          <a:bodyPr wrap="square" rtlCol="0">
-            <a:spAutoFit/>
-          </a:bodyPr>
-          <a:lstStyle/>
-          <a:p>
-            <a:r>
-              <a:rPr lang="en-US" dirty="0">
-                <a:solidFill>
-                  <a:schemeClr val="bg1">
-                    <a:lumMod val="95000"/>
-                  </a:schemeClr>
-                </a:solidFill>
-              </a:rPr>
-              <a:t>Albert	      Beth</a:t>
-            </a:r>
-          </a:p>
-          <a:p>
-            <a:endParaRPr lang="en-US" dirty="0">
-              <a:solidFill>
-                <a:schemeClr val="bg1">
-                  <a:lumMod val="95000"/>
-                </a:schemeClr>
-              </a:solidFill>
-            </a:endParaRPr>
-          </a:p>
-          <a:p>
-            <a:endParaRPr lang="en-US" dirty="0">
-              <a:solidFill>
-                <a:schemeClr val="bg1">
-                  <a:lumMod val="95000"/>
-                </a:schemeClr>
-              </a:solidFill>
-            </a:endParaRPr>
-          </a:p>
-          <a:p>
-            <a:endParaRPr lang="en-US" dirty="0">
-              <a:solidFill>
-                <a:schemeClr val="bg1">
-                  <a:lumMod val="95000"/>
-                </a:schemeClr>
-              </a:solidFill>
-            </a:endParaRPr>
-          </a:p>
-          <a:p>
-            <a:r>
-              <a:rPr lang="en-US" dirty="0">
-                <a:solidFill>
-                  <a:schemeClr val="bg1">
-                    <a:lumMod val="95000"/>
-                  </a:schemeClr>
-                </a:solidFill>
-              </a:rPr>
-              <a:t>Pearl	       Add</a:t>
-            </a:r>
-          </a:p>
-        </p:txBody>
-      </p:sp>
-      <p:sp>
-        <p:nvSpPr>
-          <p:cNvPr id="3" name="Rectangle 2"/>
-          <p:cNvSpPr/>
-          <p:nvPr/>
-        </p:nvSpPr>
-        <p:spPr>
-          <a:xfrm>
-            <a:off x="4800599" y="1715589"/>
-            <a:ext cx="2623931" cy="3718560"/>
-          </a:xfrm>
-          <a:prstGeom prst="rect">
-            <a:avLst/>
-          </a:prstGeom>
-          <a:solidFill>
-            <a:srgbClr val="A5B6C1"/>
-          </a:solidFill>
-          <a:ln>
-            <a:noFill/>
-          </a:ln>
-        </p:spPr>
-        <p:style>
-          <a:lnRef idx="2">
-            <a:schemeClr val="accent1">
-              <a:shade val="50000"/>
-            </a:schemeClr>
-          </a:lnRef>
-          <a:fillRef idx="1">
-            <a:schemeClr val="accent1"/>
-          </a:fillRef>
-          <a:effectRef idx="0">
-            <a:schemeClr val="accent1"/>
-          </a:effectRef>
-          <a:fontRef idx="minor">
-            <a:schemeClr val="lt1"/>
-          </a:fontRef>
-        </p:style>
-        <p:txBody>
-          <a:bodyPr rtlCol="0" anchor="ctr"/>
-          <a:lstStyle/>
-          <a:p>
-            <a:pPr algn="ctr"/>
-            <a:endParaRPr lang="en-US">
-              <a:ln w="0"/>
-              <a:solidFill>
-                <a:schemeClr val="tx1"/>
-              </a:solidFill>
-              <a:effectLst>
-                <a:outerShdw blurRad="38100" dist="19050" dir="2700000" algn="tl" rotWithShape="0">
-                  <a:schemeClr val="dk1">
-                    <a:alpha val="40000"/>
-                  </a:schemeClr>
-                </a:outerShdw>
-              </a:effectLst>
-            </a:endParaRPr>
-          </a:p>
-        </p:txBody>
-      </p:sp>
-      <p:sp>
-        <p:nvSpPr>
-          <p:cNvPr id="21" name="Rectangle 20"/>
-          <p:cNvSpPr/>
-          <p:nvPr/>
-        </p:nvSpPr>
-        <p:spPr>
-          <a:xfrm>
-            <a:off x="4800598" y="1431012"/>
-            <a:ext cx="2623932" cy="2949399"/>
-          </a:xfrm>
-          <a:prstGeom prst="rect">
-            <a:avLst/>
-          </a:prstGeom>
-          <a:noFill/>
-          <a:ln>
-            <a:noFill/>
-          </a:ln>
-        </p:spPr>
-        <p:style>
-          <a:lnRef idx="2">
-            <a:schemeClr val="accent1">
-              <a:shade val="50000"/>
-            </a:schemeClr>
-          </a:lnRef>
-          <a:fillRef idx="1">
-            <a:schemeClr val="accent1"/>
-          </a:fillRef>
-          <a:effectRef idx="0">
-            <a:schemeClr val="accent1"/>
-          </a:effectRef>
-          <a:fontRef idx="minor">
-            <a:schemeClr val="lt1"/>
-          </a:fontRef>
-        </p:style>
-        <p:txBody>
-          <a:bodyPr rtlCol="0" anchor="ctr"/>
-          <a:lstStyle/>
-          <a:p>
-            <a:pPr algn="ctr"/>
-            <a:r>
-              <a:rPr lang="en-US" sz="2000" dirty="0"/>
-              <a:t>No results :(</a:t>
-            </a:r>
-          </a:p>
-          <a:p>
-            <a:pPr algn="ctr"/>
-            <a:r>
-              <a:rPr lang="en-US" sz="2000" dirty="0"/>
-              <a:t>What does this mean ?</a:t>
-            </a:r>
-          </a:p>
-          <a:p>
-            <a:pPr algn="ctr"/>
-            <a:endParaRPr lang="en-US" sz="2000" dirty="0"/>
-          </a:p>
-          <a:p>
-            <a:pPr algn="ctr"/>
-            <a:endParaRPr lang="en-US" sz="2000" dirty="0"/>
-          </a:p>
-          <a:p>
-            <a:pPr algn="ctr"/>
-            <a:endParaRPr lang="en-US" sz="2000" dirty="0"/>
-          </a:p>
-        </p:txBody>
-      </p:sp>
-      <p:sp>
-        <p:nvSpPr>
-          <p:cNvPr id="26" name="Oval 25"/>
-          <p:cNvSpPr/>
-          <p:nvPr/>
-        </p:nvSpPr>
-        <p:spPr>
-          <a:xfrm>
-            <a:off x="6664328" y="4876800"/>
-            <a:ext cx="557349" cy="557349"/>
-          </a:xfrm>
-          <a:prstGeom prst="ellipse">
-            <a:avLst/>
-          </a:prstGeom>
-          <a:solidFill>
-            <a:srgbClr val="3E6F8E"/>
-          </a:solidFill>
-        </p:spPr>
-        <p:style>
-          <a:lnRef idx="2">
-            <a:schemeClr val="accent1">
-              <a:shade val="50000"/>
-            </a:schemeClr>
-          </a:lnRef>
-          <a:fillRef idx="1">
-            <a:schemeClr val="accent1"/>
-          </a:fillRef>
-          <a:effectRef idx="0">
-            <a:schemeClr val="accent1"/>
-          </a:effectRef>
-          <a:fontRef idx="minor">
-            <a:schemeClr val="lt1"/>
-          </a:fontRef>
-        </p:style>
-        <p:txBody>
-          <a:bodyPr rtlCol="0" anchor="ctr"/>
-          <a:lstStyle/>
-          <a:p>
-            <a:pPr algn="ctr"/>
-            <a:r>
-              <a:rPr lang="en-US" sz="2800" b="1"/>
-              <a:t>✓</a:t>
-            </a:r>
-          </a:p>
-        </p:txBody>
-      </p:sp>
-      <p:grpSp>
-        <p:nvGrpSpPr>
-          <p:cNvPr id="27" name="Group 26"/>
-          <p:cNvGrpSpPr/>
-          <p:nvPr/>
-        </p:nvGrpSpPr>
-        <p:grpSpPr>
-          <a:xfrm>
-            <a:off x="5351418" y="3319777"/>
-            <a:ext cx="1528353" cy="128818"/>
-            <a:chOff x="1341120" y="2229394"/>
-            <a:chExt cx="1214845" cy="159257"/>
-          </a:xfrm>
-        </p:grpSpPr>
-        <p:cxnSp>
-          <p:nvCxnSpPr>
-            <p:cNvPr id="28" name="Straight Connector 27"/>
-            <p:cNvCxnSpPr/>
-            <p:nvPr/>
-          </p:nvCxnSpPr>
-          <p:spPr>
-            <a:xfrm>
-              <a:off x="1341120" y="2229394"/>
-              <a:ext cx="0" cy="159257"/>
-            </a:xfrm>
-            <a:prstGeom prst="line">
-              <a:avLst/>
-            </a:prstGeom>
-            <a:ln w="28575"/>
-          </p:spPr>
-          <p:style>
-            <a:lnRef idx="1">
-              <a:schemeClr val="accent1"/>
-            </a:lnRef>
-            <a:fillRef idx="0">
-              <a:schemeClr val="accent1"/>
-            </a:fillRef>
-            <a:effectRef idx="0">
-              <a:schemeClr val="accent1"/>
-            </a:effectRef>
-            <a:fontRef idx="minor">
-              <a:schemeClr val="tx1"/>
-            </a:fontRef>
-          </p:style>
-        </p:cxnSp>
-        <p:cxnSp>
-          <p:nvCxnSpPr>
-            <p:cNvPr id="29" name="Straight Connector 28"/>
-            <p:cNvCxnSpPr/>
-            <p:nvPr/>
-          </p:nvCxnSpPr>
-          <p:spPr>
-            <a:xfrm>
-              <a:off x="2555965" y="2229394"/>
-              <a:ext cx="0" cy="159257"/>
-            </a:xfrm>
-            <a:prstGeom prst="line">
-              <a:avLst/>
-            </a:prstGeom>
-            <a:ln w="28575"/>
-          </p:spPr>
-          <p:style>
-            <a:lnRef idx="1">
-              <a:schemeClr val="accent1"/>
-            </a:lnRef>
-            <a:fillRef idx="0">
-              <a:schemeClr val="accent1"/>
-            </a:fillRef>
-            <a:effectRef idx="0">
-              <a:schemeClr val="accent1"/>
-            </a:effectRef>
-            <a:fontRef idx="minor">
-              <a:schemeClr val="tx1"/>
-            </a:fontRef>
-          </p:style>
-        </p:cxnSp>
-        <p:cxnSp>
-          <p:nvCxnSpPr>
-            <p:cNvPr id="30" name="Straight Connector 29"/>
-            <p:cNvCxnSpPr/>
-            <p:nvPr/>
-          </p:nvCxnSpPr>
-          <p:spPr>
-            <a:xfrm>
-              <a:off x="1341120" y="2379942"/>
-              <a:ext cx="1214845" cy="0"/>
-            </a:xfrm>
-            <a:prstGeom prst="line">
-              <a:avLst/>
-            </a:prstGeom>
-            <a:ln w="28575"/>
-          </p:spPr>
-          <p:style>
-            <a:lnRef idx="1">
-              <a:schemeClr val="accent1"/>
-            </a:lnRef>
-            <a:fillRef idx="0">
-              <a:schemeClr val="accent1"/>
-            </a:fillRef>
-            <a:effectRef idx="0">
-              <a:schemeClr val="accent1"/>
-            </a:effectRef>
-            <a:fontRef idx="minor">
-              <a:schemeClr val="tx1"/>
-            </a:fontRef>
-          </p:style>
-        </p:cxnSp>
-      </p:grpSp>
-      <p:pic>
-        <p:nvPicPr>
-          <p:cNvPr id="31" name="Picture 2" descr="http://2.bp.blogspot.com/-8k_yYUfDyn0/VlGEI-ojuvI/AAAAAAAAA4I/C7gDVCOqmrA/s1600/nexus2cee-image37.png"/>
-          <p:cNvPicPr>
-            <a:picLocks noChangeAspect="1" noChangeArrowheads="1"/>
-          </p:cNvPicPr>
-          <p:nvPr/>
-        </p:nvPicPr>
-        <p:blipFill>
-          <a:blip r:embed="rId3">
-            <a:extLst>
-              <a:ext uri="{28A0092B-C50C-407E-A947-70E740481C1C}">
-                <a14:useLocalDpi xmlns:a14="http://schemas.microsoft.com/office/drawing/2010/main" val="0"/>
-              </a:ext>
-            </a:extLst>
-          </a:blip>
-          <a:srcRect/>
-          <a:stretch>
-            <a:fillRect/>
-          </a:stretch>
-        </p:blipFill>
-        <p:spPr bwMode="auto">
-          <a:xfrm>
-            <a:off x="4800598" y="4214947"/>
-            <a:ext cx="2620116" cy="1515301"/>
-          </a:xfrm>
-          <a:prstGeom prst="rect">
-            <a:avLst/>
-          </a:prstGeom>
-          <a:noFill/>
-          <a:extLst>
-            <a:ext uri="{909E8E84-426E-40DD-AFC4-6F175D3DCCD1}">
-              <a14:hiddenFill xmlns:a14="http://schemas.microsoft.com/office/drawing/2010/main">
-                <a:solidFill>
-                  <a:srgbClr val="FFFFFF"/>
-                </a:solidFill>
-              </a14:hiddenFill>
-            </a:ext>
-          </a:extLst>
-        </p:spPr>
-      </p:pic>
-      <p:grpSp>
-        <p:nvGrpSpPr>
-          <p:cNvPr id="39" name="Group 38"/>
-          <p:cNvGrpSpPr/>
-          <p:nvPr/>
-        </p:nvGrpSpPr>
-        <p:grpSpPr>
-          <a:xfrm>
-            <a:off x="4998722" y="357051"/>
-            <a:ext cx="1802674" cy="6200503"/>
-            <a:chOff x="4963886" y="357051"/>
-            <a:chExt cx="1802674" cy="6200503"/>
-          </a:xfrm>
-        </p:grpSpPr>
-        <p:sp>
-          <p:nvSpPr>
-            <p:cNvPr id="40" name="Rectangle 39"/>
-            <p:cNvSpPr/>
-            <p:nvPr/>
-          </p:nvSpPr>
-          <p:spPr>
-            <a:xfrm>
-              <a:off x="5799909" y="357051"/>
-              <a:ext cx="583474" cy="130629"/>
-            </a:xfrm>
-            <a:prstGeom prst="rect">
-              <a:avLst/>
-            </a:prstGeom>
-            <a:solidFill>
-              <a:srgbClr val="F2F2F2"/>
-            </a:solidFill>
-            <a:ln>
-              <a:noFill/>
-            </a:ln>
-          </p:spPr>
-          <p:style>
-            <a:lnRef idx="2">
-              <a:schemeClr val="accent1">
-                <a:shade val="50000"/>
-              </a:schemeClr>
-            </a:lnRef>
-            <a:fillRef idx="1">
-              <a:schemeClr val="accent1"/>
-            </a:fillRef>
-            <a:effectRef idx="0">
-              <a:schemeClr val="accent1"/>
-            </a:effectRef>
-            <a:fontRef idx="minor">
-              <a:schemeClr val="lt1"/>
-            </a:fontRef>
-          </p:style>
-          <p:txBody>
-            <a:bodyPr rtlCol="0" anchor="ctr"/>
-            <a:lstStyle/>
-            <a:p>
-              <a:pPr algn="ctr"/>
-              <a:endParaRPr lang="en-US"/>
-            </a:p>
-          </p:txBody>
-        </p:sp>
-        <p:sp>
-          <p:nvSpPr>
-            <p:cNvPr id="41" name="Rectangle 40"/>
-            <p:cNvSpPr/>
-            <p:nvPr/>
-          </p:nvSpPr>
-          <p:spPr>
-            <a:xfrm>
-              <a:off x="5503818" y="5858576"/>
-              <a:ext cx="1262742" cy="698978"/>
-            </a:xfrm>
-            <a:prstGeom prst="rect">
-              <a:avLst/>
-            </a:prstGeom>
-            <a:solidFill>
-              <a:srgbClr val="F2F2F2"/>
-            </a:solidFill>
-            <a:ln>
-              <a:noFill/>
-            </a:ln>
-          </p:spPr>
-          <p:style>
-            <a:lnRef idx="2">
-              <a:schemeClr val="accent1">
-                <a:shade val="50000"/>
-              </a:schemeClr>
-            </a:lnRef>
-            <a:fillRef idx="1">
-              <a:schemeClr val="accent1"/>
-            </a:fillRef>
-            <a:effectRef idx="0">
-              <a:schemeClr val="accent1"/>
-            </a:effectRef>
-            <a:fontRef idx="minor">
-              <a:schemeClr val="lt1"/>
-            </a:fontRef>
-          </p:style>
-          <p:txBody>
-            <a:bodyPr rtlCol="0" anchor="ctr"/>
-            <a:lstStyle/>
-            <a:p>
-              <a:pPr algn="ctr"/>
-              <a:endParaRPr lang="en-US"/>
-            </a:p>
-          </p:txBody>
-        </p:sp>
-        <p:sp>
-          <p:nvSpPr>
-            <p:cNvPr id="42" name="Oval 41"/>
-            <p:cNvSpPr/>
-            <p:nvPr/>
-          </p:nvSpPr>
-          <p:spPr>
-            <a:xfrm>
-              <a:off x="4963886" y="487680"/>
-              <a:ext cx="113211" cy="113211"/>
-            </a:xfrm>
-            <a:prstGeom prst="ellipse">
-              <a:avLst/>
-            </a:prstGeom>
-          </p:spPr>
-          <p:style>
-            <a:lnRef idx="2">
-              <a:schemeClr val="dk1">
-                <a:shade val="50000"/>
-              </a:schemeClr>
-            </a:lnRef>
-            <a:fillRef idx="1">
-              <a:schemeClr val="dk1"/>
-            </a:fillRef>
-            <a:effectRef idx="0">
-              <a:schemeClr val="dk1"/>
-            </a:effectRef>
-            <a:fontRef idx="minor">
-              <a:schemeClr val="lt1"/>
-            </a:fontRef>
-          </p:style>
-          <p:txBody>
-            <a:bodyPr rtlCol="0" anchor="ctr"/>
-            <a:lstStyle/>
-            <a:p>
-              <a:pPr algn="ctr"/>
-              <a:endParaRPr lang="en-US"/>
-            </a:p>
-          </p:txBody>
-        </p:sp>
-        <p:sp>
-          <p:nvSpPr>
-            <p:cNvPr id="43" name="Rectangle 42"/>
-            <p:cNvSpPr/>
-            <p:nvPr/>
-          </p:nvSpPr>
-          <p:spPr>
-            <a:xfrm>
-              <a:off x="5216435" y="628388"/>
-              <a:ext cx="583474" cy="130629"/>
-            </a:xfrm>
-            <a:prstGeom prst="rect">
-              <a:avLst/>
-            </a:prstGeom>
-            <a:solidFill>
-              <a:srgbClr val="F2F2F2"/>
-            </a:solidFill>
-            <a:ln>
-              <a:noFill/>
-            </a:ln>
-          </p:spPr>
-          <p:style>
-            <a:lnRef idx="2">
-              <a:schemeClr val="accent1">
-                <a:shade val="50000"/>
-              </a:schemeClr>
-            </a:lnRef>
-            <a:fillRef idx="1">
-              <a:schemeClr val="accent1"/>
-            </a:fillRef>
-            <a:effectRef idx="0">
-              <a:schemeClr val="accent1"/>
-            </a:effectRef>
-            <a:fontRef idx="minor">
-              <a:schemeClr val="lt1"/>
-            </a:fontRef>
-          </p:style>
-          <p:txBody>
-            <a:bodyPr rtlCol="0" anchor="ctr"/>
-            <a:lstStyle/>
-            <a:p>
-              <a:pPr algn="ctr"/>
-              <a:endParaRPr lang="en-US"/>
-            </a:p>
-          </p:txBody>
-        </p:sp>
-        <p:sp>
-          <p:nvSpPr>
-            <p:cNvPr id="44" name="Rounded Rectangle 43"/>
-            <p:cNvSpPr/>
-            <p:nvPr/>
-          </p:nvSpPr>
-          <p:spPr>
-            <a:xfrm>
-              <a:off x="5416735" y="373617"/>
-              <a:ext cx="1275805" cy="98398"/>
-            </a:xfrm>
-            <a:prstGeom prst="roundRect">
-              <a:avLst/>
-            </a:prstGeom>
-            <a:solidFill>
-              <a:srgbClr val="F2F2F2"/>
-            </a:solidFill>
-            <a:ln>
-              <a:solidFill>
-                <a:schemeClr val="bg1">
-                  <a:lumMod val="50000"/>
-                </a:schemeClr>
-              </a:solidFill>
-            </a:ln>
-          </p:spPr>
-          <p:style>
-            <a:lnRef idx="2">
-              <a:schemeClr val="accent1">
-                <a:shade val="50000"/>
-              </a:schemeClr>
-            </a:lnRef>
-            <a:fillRef idx="1">
-              <a:schemeClr val="accent1"/>
-            </a:fillRef>
-            <a:effectRef idx="0">
-              <a:schemeClr val="accent1"/>
-            </a:effectRef>
-            <a:fontRef idx="minor">
-              <a:schemeClr val="lt1"/>
-            </a:fontRef>
-          </p:style>
-          <p:txBody>
-            <a:bodyPr rtlCol="0" anchor="ctr"/>
-            <a:lstStyle/>
-            <a:p>
-              <a:pPr algn="ctr"/>
-              <a:endParaRPr lang="en-US"/>
-            </a:p>
-          </p:txBody>
-        </p:sp>
-      </p:grpSp>
-    </p:spTree>
-    <p:extLst>
-      <p:ext uri="{BB962C8B-B14F-4D97-AF65-F5344CB8AC3E}">
-        <p14:creationId xmlns:p14="http://schemas.microsoft.com/office/powerpoint/2010/main" val="1467601557"/>
-      </p:ext>
-    </p:extLst>
-  </p:cSld>
-  <p:clrMapOvr>
-    <a:masterClrMapping/>
-  </p:clrMapOvr>
-  <p:timing>
-    <p:tnLst>
-      <p:par>
-        <p:cTn id="1" dur="indefinite" restart="never" nodeType="tmRoot">
-          <p:childTnLst>
-            <p:seq concurrent="1" nextAc="seek">
-              <p:cTn id="2" dur="indefinite" nodeType="mainSeq">
-                <p:childTnLst>
-                  <p:par>
-                    <p:cTn id="3" fill="hold">
-                      <p:stCondLst>
-                        <p:cond delay="indefinite"/>
-                        <p:cond evt="onBegin" delay="0">
-                          <p:tn val="2"/>
-                        </p:cond>
-                      </p:stCondLst>
-                      <p:childTnLst>
-                        <p:par>
-                          <p:cTn id="4" fill="hold">
-                            <p:stCondLst>
-                              <p:cond delay="0"/>
-                            </p:stCondLst>
-                            <p:childTnLst>
-                              <p:par>
-                                <p:cTn id="5" presetID="42" presetClass="path" presetSubtype="0" accel="50000" decel="50000" fill="hold" grpId="0" nodeType="withEffect">
-                                  <p:stCondLst>
-                                    <p:cond delay="1000"/>
-                                  </p:stCondLst>
-                                  <p:childTnLst>
-                                    <p:animMotion origin="layout" path="M -1.25E-6 -2.22222E-6 L -1.25E-6 -0.15463 " pathEditMode="relative" rAng="0" ptsTypes="AA">
-                                      <p:cBhvr>
-                                        <p:cTn id="6" dur="2000" fill="hold"/>
-                                        <p:tgtEl>
-                                          <p:spTgt spid="6"/>
-                                        </p:tgtEl>
-                                        <p:attrNameLst>
-                                          <p:attrName>ppt_x</p:attrName>
-                                          <p:attrName>ppt_y</p:attrName>
-                                        </p:attrNameLst>
-                                      </p:cBhvr>
-                                      <p:rCtr x="0" y="-7731"/>
-                                    </p:animMotion>
-                                  </p:childTnLst>
-                                </p:cTn>
-                              </p:par>
-                            </p:childTnLst>
-                          </p:cTn>
-                        </p:par>
-                      </p:childTnLst>
-                    </p:cTn>
-                  </p:par>
-                </p:childTnLst>
-              </p:cTn>
-              <p:prevCondLst>
-                <p:cond evt="onPrev" delay="0">
-                  <p:tgtEl>
-                    <p:sldTgt/>
-                  </p:tgtEl>
-                </p:cond>
-              </p:prevCondLst>
-              <p:nextCondLst>
-                <p:cond evt="onNext" delay="0">
-                  <p:tgtEl>
-                    <p:sldTgt/>
-                  </p:tgtEl>
-                </p:cond>
-              </p:nextCondLst>
-            </p:seq>
-          </p:childTnLst>
-        </p:cTn>
-      </p:par>
-    </p:tnLst>
-    <p:bldLst>
-      <p:bldP spid="6" grpId="0"/>
-    </p:bldLst>
-  </p:timing>
-</p:sld>
-</file>
-
-<file path=ppt/slides/slide7.xml><?xml version="1.0" encoding="utf-8"?>
-<p:sld xmlns:a="http://schemas.openxmlformats.org/drawingml/2006/main" xmlns:r="http://schemas.openxmlformats.org/officeDocument/2006/relationships" xmlns:p="http://schemas.openxmlformats.org/presentationml/2006/main">
-  <p:cSld>
-    <p:spTree>
-      <p:nvGrpSpPr>
-        <p:cNvPr id="1" name=""/>
-        <p:cNvGrpSpPr/>
-        <p:nvPr/>
-      </p:nvGrpSpPr>
-      <p:grpSpPr>
-        <a:xfrm>
-          <a:off x="0" y="0"/>
-          <a:ext cx="0" cy="0"/>
-          <a:chOff x="0" y="0"/>
-          <a:chExt cx="0" cy="0"/>
-        </a:xfrm>
-      </p:grpSpPr>
-      <p:sp>
-        <p:nvSpPr>
-          <p:cNvPr id="8" name="Rectangle 7"/>
-          <p:cNvSpPr/>
-          <p:nvPr/>
-        </p:nvSpPr>
-        <p:spPr>
-          <a:xfrm>
-            <a:off x="4800600" y="1048624"/>
-            <a:ext cx="2623931" cy="4676315"/>
-          </a:xfrm>
-          <a:prstGeom prst="rect">
-            <a:avLst/>
-          </a:prstGeom>
-          <a:solidFill>
-            <a:srgbClr val="335B74"/>
-          </a:solidFill>
-          <a:ln>
-            <a:noFill/>
-          </a:ln>
-        </p:spPr>
-        <p:style>
-          <a:lnRef idx="2">
-            <a:schemeClr val="accent1">
-              <a:shade val="50000"/>
-            </a:schemeClr>
-          </a:lnRef>
-          <a:fillRef idx="1">
-            <a:schemeClr val="accent1"/>
-          </a:fillRef>
-          <a:effectRef idx="0">
-            <a:schemeClr val="accent1"/>
-          </a:effectRef>
-          <a:fontRef idx="minor">
-            <a:schemeClr val="lt1"/>
-          </a:fontRef>
-        </p:style>
-        <p:txBody>
-          <a:bodyPr rtlCol="0" anchor="ctr"/>
-          <a:lstStyle/>
-          <a:p>
-            <a:pPr algn="ctr"/>
-            <a:endParaRPr lang="en-US" dirty="0"/>
-          </a:p>
-        </p:txBody>
-      </p:sp>
-      <p:sp>
-        <p:nvSpPr>
-          <p:cNvPr id="2" name="TextBox 1"/>
-          <p:cNvSpPr txBox="1"/>
-          <p:nvPr/>
-        </p:nvSpPr>
-        <p:spPr>
-          <a:xfrm>
-            <a:off x="9315450" y="5876925"/>
-            <a:ext cx="2333625" cy="369332"/>
-          </a:xfrm>
-          <a:prstGeom prst="rect">
-            <a:avLst/>
-          </a:prstGeom>
-          <a:noFill/>
-        </p:spPr>
-        <p:txBody>
-          <a:bodyPr wrap="square" rtlCol="0">
-            <a:spAutoFit/>
-          </a:bodyPr>
-          <a:lstStyle/>
-          <a:p>
-            <a:r>
-              <a:rPr lang="en-US" dirty="0">
-                <a:latin typeface="Malgun Gothic Semilight" panose="020B0502040204020203" pitchFamily="34" charset="-128"/>
-                <a:ea typeface="Malgun Gothic Semilight" panose="020B0502040204020203" pitchFamily="34" charset="-128"/>
-                <a:cs typeface="Malgun Gothic Semilight" panose="020B0502040204020203" pitchFamily="34" charset="-128"/>
-              </a:rPr>
-              <a:t>Results Screen</a:t>
-            </a:r>
-          </a:p>
-        </p:txBody>
-      </p:sp>
-      <p:sp>
-        <p:nvSpPr>
-          <p:cNvPr id="6" name="TextBox 5"/>
-          <p:cNvSpPr txBox="1"/>
-          <p:nvPr/>
-        </p:nvSpPr>
-        <p:spPr>
-          <a:xfrm>
-            <a:off x="5625833" y="3202115"/>
-            <a:ext cx="973463" cy="369332"/>
-          </a:xfrm>
-          <a:prstGeom prst="rect">
-            <a:avLst/>
-          </a:prstGeom>
-          <a:noFill/>
-        </p:spPr>
-        <p:txBody>
-          <a:bodyPr wrap="square" rtlCol="0">
-            <a:spAutoFit/>
-          </a:bodyPr>
-          <a:lstStyle/>
-          <a:p>
-            <a:pPr marL="0" marR="0" lvl="0" indent="0" algn="ctr" defTabSz="914400" eaLnBrk="1" fontAlgn="auto" latinLnBrk="0" hangingPunct="1">
-              <a:lnSpc>
-                <a:spcPct val="100000"/>
-              </a:lnSpc>
-              <a:spcBef>
-                <a:spcPts val="0"/>
-              </a:spcBef>
-              <a:spcAft>
-                <a:spcPts val="0"/>
-              </a:spcAft>
-              <a:buClrTx/>
-              <a:buSzTx/>
-              <a:buFontTx/>
-              <a:buNone/>
-              <a:tabLst/>
-              <a:defRPr/>
-            </a:pPr>
-            <a:r>
-              <a:rPr kumimoji="0" lang="en-US" sz="1800" b="0" i="0" u="none" strike="noStrike" kern="0" cap="none" spc="0" normalizeH="0" baseline="0" noProof="0" dirty="0">
-                <a:ln>
-                  <a:noFill/>
-                </a:ln>
-                <a:solidFill>
-                  <a:schemeClr val="bg1"/>
-                </a:solidFill>
-                <a:effectLst/>
-                <a:uLnTx/>
-                <a:uFillTx/>
-                <a:latin typeface="Malgun Gothic Semilight" panose="020B0502040204020203" pitchFamily="34" charset="-128"/>
-                <a:ea typeface="Malgun Gothic Semilight" panose="020B0502040204020203" pitchFamily="34" charset="-128"/>
-                <a:cs typeface="Malgun Gothic Semilight" panose="020B0502040204020203" pitchFamily="34" charset="-128"/>
-              </a:rPr>
-              <a:t>Even II</a:t>
-            </a:r>
-          </a:p>
-        </p:txBody>
-      </p:sp>
-      <p:pic>
-        <p:nvPicPr>
-          <p:cNvPr id="5" name="Picture 4"/>
-          <p:cNvPicPr>
-            <a:picLocks noChangeAspect="1"/>
-          </p:cNvPicPr>
-          <p:nvPr/>
-        </p:nvPicPr>
-        <p:blipFill>
-          <a:blip r:embed="rId2"/>
-          <a:stretch>
-            <a:fillRect/>
-          </a:stretch>
-        </p:blipFill>
-        <p:spPr>
-          <a:xfrm>
-            <a:off x="4800599" y="1053959"/>
-            <a:ext cx="2623931" cy="4664767"/>
-          </a:xfrm>
-          <a:prstGeom prst="rect">
-            <a:avLst/>
-          </a:prstGeom>
-        </p:spPr>
-      </p:pic>
-      <p:sp>
-        <p:nvSpPr>
-          <p:cNvPr id="7" name="Rectangle 6"/>
-          <p:cNvSpPr/>
-          <p:nvPr/>
-        </p:nvSpPr>
-        <p:spPr>
-          <a:xfrm>
-            <a:off x="4920343" y="1776552"/>
-            <a:ext cx="1123406" cy="661851"/>
-          </a:xfrm>
-          <a:prstGeom prst="rect">
-            <a:avLst/>
-          </a:prstGeom>
-          <a:solidFill>
-            <a:srgbClr val="3E6F8E"/>
-          </a:solidFill>
-        </p:spPr>
-        <p:style>
-          <a:lnRef idx="2">
-            <a:schemeClr val="accent1">
-              <a:shade val="50000"/>
-            </a:schemeClr>
-          </a:lnRef>
-          <a:fillRef idx="1">
-            <a:schemeClr val="accent1"/>
-          </a:fillRef>
-          <a:effectRef idx="0">
-            <a:schemeClr val="accent1"/>
-          </a:effectRef>
-          <a:fontRef idx="minor">
-            <a:schemeClr val="lt1"/>
-          </a:fontRef>
-        </p:style>
-        <p:txBody>
-          <a:bodyPr rtlCol="0" anchor="ctr"/>
-          <a:lstStyle/>
-          <a:p>
-            <a:pPr algn="ctr"/>
-            <a:r>
-              <a:rPr lang="en-US" sz="2800" dirty="0"/>
-              <a:t>A</a:t>
-            </a:r>
-          </a:p>
-        </p:txBody>
-      </p:sp>
-      <p:sp>
-        <p:nvSpPr>
-          <p:cNvPr id="9" name="Rectangle 8"/>
-          <p:cNvSpPr/>
-          <p:nvPr/>
-        </p:nvSpPr>
-        <p:spPr>
-          <a:xfrm>
-            <a:off x="6172436" y="1776552"/>
-            <a:ext cx="1123406" cy="661851"/>
-          </a:xfrm>
-          <a:prstGeom prst="rect">
-            <a:avLst/>
-          </a:prstGeom>
-          <a:solidFill>
-            <a:srgbClr val="3E6F8E"/>
-          </a:solidFill>
-        </p:spPr>
-        <p:style>
-          <a:lnRef idx="2">
-            <a:schemeClr val="accent1">
-              <a:shade val="50000"/>
-            </a:schemeClr>
-          </a:lnRef>
-          <a:fillRef idx="1">
-            <a:schemeClr val="accent1"/>
-          </a:fillRef>
-          <a:effectRef idx="0">
-            <a:schemeClr val="accent1"/>
-          </a:effectRef>
-          <a:fontRef idx="minor">
-            <a:schemeClr val="lt1"/>
-          </a:fontRef>
-        </p:style>
-        <p:txBody>
-          <a:bodyPr rtlCol="0" anchor="ctr"/>
-          <a:lstStyle/>
-          <a:p>
-            <a:pPr algn="ctr"/>
-            <a:r>
-              <a:rPr lang="en-US" sz="2800" dirty="0"/>
-              <a:t>B</a:t>
-            </a:r>
-          </a:p>
-        </p:txBody>
-      </p:sp>
-      <p:sp>
-        <p:nvSpPr>
-          <p:cNvPr id="10" name="TextBox 9"/>
-          <p:cNvSpPr txBox="1"/>
-          <p:nvPr/>
-        </p:nvSpPr>
-        <p:spPr>
-          <a:xfrm>
-            <a:off x="4920343" y="2394863"/>
-            <a:ext cx="2375499" cy="1477328"/>
-          </a:xfrm>
-          <a:prstGeom prst="rect">
-            <a:avLst/>
-          </a:prstGeom>
-          <a:noFill/>
-        </p:spPr>
-        <p:txBody>
-          <a:bodyPr wrap="square" rtlCol="0">
-            <a:spAutoFit/>
-          </a:bodyPr>
-          <a:lstStyle/>
-          <a:p>
-            <a:r>
-              <a:rPr lang="en-US" dirty="0">
-                <a:solidFill>
-                  <a:schemeClr val="bg1">
-                    <a:lumMod val="95000"/>
-                  </a:schemeClr>
-                </a:solidFill>
-              </a:rPr>
-              <a:t>Albert	      Beth</a:t>
-            </a:r>
-          </a:p>
-          <a:p>
-            <a:endParaRPr lang="en-US" dirty="0">
-              <a:solidFill>
-                <a:schemeClr val="bg1">
-                  <a:lumMod val="95000"/>
-                </a:schemeClr>
-              </a:solidFill>
-            </a:endParaRPr>
-          </a:p>
-          <a:p>
-            <a:endParaRPr lang="en-US" dirty="0">
-              <a:solidFill>
-                <a:schemeClr val="bg1">
-                  <a:lumMod val="95000"/>
-                </a:schemeClr>
-              </a:solidFill>
-            </a:endParaRPr>
-          </a:p>
-          <a:p>
-            <a:endParaRPr lang="en-US" dirty="0">
-              <a:solidFill>
-                <a:schemeClr val="bg1">
-                  <a:lumMod val="95000"/>
-                </a:schemeClr>
-              </a:solidFill>
-            </a:endParaRPr>
-          </a:p>
-          <a:p>
-            <a:r>
-              <a:rPr lang="en-US" dirty="0">
-                <a:solidFill>
-                  <a:schemeClr val="bg1">
-                    <a:lumMod val="95000"/>
-                  </a:schemeClr>
-                </a:solidFill>
-              </a:rPr>
-              <a:t>Pearl	       Add</a:t>
-            </a:r>
-          </a:p>
-        </p:txBody>
-      </p:sp>
-      <p:sp>
-        <p:nvSpPr>
-          <p:cNvPr id="3" name="Rectangle 2"/>
-          <p:cNvSpPr/>
-          <p:nvPr/>
-        </p:nvSpPr>
-        <p:spPr>
-          <a:xfrm>
-            <a:off x="4800599" y="1715589"/>
-            <a:ext cx="2623931" cy="3718560"/>
-          </a:xfrm>
-          <a:prstGeom prst="rect">
-            <a:avLst/>
-          </a:prstGeom>
-          <a:solidFill>
-            <a:srgbClr val="A5B6C1"/>
-          </a:solidFill>
-          <a:ln>
-            <a:noFill/>
-          </a:ln>
-        </p:spPr>
-        <p:style>
-          <a:lnRef idx="2">
-            <a:schemeClr val="accent1">
-              <a:shade val="50000"/>
-            </a:schemeClr>
-          </a:lnRef>
-          <a:fillRef idx="1">
-            <a:schemeClr val="accent1"/>
-          </a:fillRef>
-          <a:effectRef idx="0">
-            <a:schemeClr val="accent1"/>
-          </a:effectRef>
-          <a:fontRef idx="minor">
-            <a:schemeClr val="lt1"/>
-          </a:fontRef>
-        </p:style>
-        <p:txBody>
-          <a:bodyPr rtlCol="0" anchor="ctr"/>
-          <a:lstStyle/>
-          <a:p>
-            <a:pPr algn="ctr"/>
-            <a:endParaRPr lang="en-US">
-              <a:ln w="0"/>
-              <a:solidFill>
-                <a:schemeClr val="tx1"/>
-              </a:solidFill>
-              <a:effectLst>
-                <a:outerShdw blurRad="38100" dist="19050" dir="2700000" algn="tl" rotWithShape="0">
-                  <a:schemeClr val="dk1">
-                    <a:alpha val="40000"/>
-                  </a:schemeClr>
-                </a:outerShdw>
-              </a:effectLst>
-            </a:endParaRPr>
-          </a:p>
-        </p:txBody>
-      </p:sp>
-      <p:sp>
-        <p:nvSpPr>
-          <p:cNvPr id="21" name="Rectangle 20"/>
-          <p:cNvSpPr/>
-          <p:nvPr/>
-        </p:nvSpPr>
-        <p:spPr>
-          <a:xfrm>
-            <a:off x="4800598" y="1431012"/>
-            <a:ext cx="2623932" cy="2949399"/>
-          </a:xfrm>
-          <a:prstGeom prst="rect">
-            <a:avLst/>
-          </a:prstGeom>
-          <a:noFill/>
-          <a:ln>
-            <a:noFill/>
-          </a:ln>
-        </p:spPr>
-        <p:style>
-          <a:lnRef idx="2">
-            <a:schemeClr val="accent1">
-              <a:shade val="50000"/>
-            </a:schemeClr>
-          </a:lnRef>
-          <a:fillRef idx="1">
-            <a:schemeClr val="accent1"/>
-          </a:fillRef>
-          <a:effectRef idx="0">
-            <a:schemeClr val="accent1"/>
-          </a:effectRef>
-          <a:fontRef idx="minor">
-            <a:schemeClr val="lt1"/>
-          </a:fontRef>
-        </p:style>
-        <p:txBody>
-          <a:bodyPr rtlCol="0" anchor="ctr"/>
-          <a:lstStyle/>
-          <a:p>
-            <a:pPr algn="ctr"/>
-            <a:r>
-              <a:rPr lang="en-US" sz="2000" dirty="0"/>
-              <a:t>No results :(</a:t>
-            </a:r>
-          </a:p>
-          <a:p>
-            <a:pPr algn="ctr"/>
-            <a:r>
-              <a:rPr lang="en-US" sz="2000" dirty="0"/>
-              <a:t>What does this mean ?</a:t>
-            </a:r>
-          </a:p>
-          <a:p>
-            <a:pPr algn="ctr"/>
-            <a:endParaRPr lang="en-US" sz="2000" dirty="0"/>
-          </a:p>
-          <a:p>
-            <a:pPr algn="ctr"/>
-            <a:endParaRPr lang="en-US" sz="2000" dirty="0"/>
-          </a:p>
-          <a:p>
-            <a:pPr algn="ctr"/>
-            <a:endParaRPr lang="en-US" sz="2000" dirty="0"/>
-          </a:p>
-        </p:txBody>
-      </p:sp>
-      <p:sp>
-        <p:nvSpPr>
-          <p:cNvPr id="26" name="Oval 25"/>
-          <p:cNvSpPr/>
-          <p:nvPr/>
-        </p:nvSpPr>
-        <p:spPr>
-          <a:xfrm>
-            <a:off x="6664328" y="4876800"/>
-            <a:ext cx="557349" cy="557349"/>
-          </a:xfrm>
-          <a:prstGeom prst="ellipse">
-            <a:avLst/>
-          </a:prstGeom>
-          <a:solidFill>
-            <a:srgbClr val="3E6F8E"/>
-          </a:solidFill>
-        </p:spPr>
-        <p:style>
-          <a:lnRef idx="2">
-            <a:schemeClr val="accent1">
-              <a:shade val="50000"/>
-            </a:schemeClr>
-          </a:lnRef>
-          <a:fillRef idx="1">
-            <a:schemeClr val="accent1"/>
-          </a:fillRef>
-          <a:effectRef idx="0">
-            <a:schemeClr val="accent1"/>
-          </a:effectRef>
-          <a:fontRef idx="minor">
-            <a:schemeClr val="lt1"/>
-          </a:fontRef>
-        </p:style>
-        <p:txBody>
-          <a:bodyPr rtlCol="0" anchor="ctr"/>
-          <a:lstStyle/>
-          <a:p>
-            <a:pPr algn="ctr"/>
-            <a:r>
-              <a:rPr lang="en-US" sz="2800" b="1"/>
-              <a:t>✓</a:t>
-            </a:r>
-          </a:p>
-        </p:txBody>
-      </p:sp>
-      <p:grpSp>
-        <p:nvGrpSpPr>
-          <p:cNvPr id="27" name="Group 26"/>
-          <p:cNvGrpSpPr/>
-          <p:nvPr/>
-        </p:nvGrpSpPr>
-        <p:grpSpPr>
-          <a:xfrm>
-            <a:off x="5351418" y="3319777"/>
-            <a:ext cx="1528353" cy="128818"/>
-            <a:chOff x="1341120" y="2229394"/>
-            <a:chExt cx="1214845" cy="159257"/>
-          </a:xfrm>
-        </p:grpSpPr>
-        <p:cxnSp>
-          <p:nvCxnSpPr>
-            <p:cNvPr id="28" name="Straight Connector 27"/>
-            <p:cNvCxnSpPr/>
-            <p:nvPr/>
-          </p:nvCxnSpPr>
-          <p:spPr>
-            <a:xfrm>
-              <a:off x="1341120" y="2229394"/>
-              <a:ext cx="0" cy="159257"/>
-            </a:xfrm>
-            <a:prstGeom prst="line">
-              <a:avLst/>
-            </a:prstGeom>
-            <a:ln w="28575"/>
-          </p:spPr>
-          <p:style>
-            <a:lnRef idx="1">
-              <a:schemeClr val="accent1"/>
-            </a:lnRef>
-            <a:fillRef idx="0">
-              <a:schemeClr val="accent1"/>
-            </a:fillRef>
-            <a:effectRef idx="0">
-              <a:schemeClr val="accent1"/>
-            </a:effectRef>
-            <a:fontRef idx="minor">
-              <a:schemeClr val="tx1"/>
-            </a:fontRef>
-          </p:style>
-        </p:cxnSp>
-        <p:cxnSp>
-          <p:nvCxnSpPr>
-            <p:cNvPr id="29" name="Straight Connector 28"/>
-            <p:cNvCxnSpPr/>
-            <p:nvPr/>
-          </p:nvCxnSpPr>
-          <p:spPr>
-            <a:xfrm>
-              <a:off x="2555965" y="2229394"/>
-              <a:ext cx="0" cy="159257"/>
-            </a:xfrm>
-            <a:prstGeom prst="line">
-              <a:avLst/>
-            </a:prstGeom>
-            <a:ln w="28575"/>
-          </p:spPr>
-          <p:style>
-            <a:lnRef idx="1">
-              <a:schemeClr val="accent1"/>
-            </a:lnRef>
-            <a:fillRef idx="0">
-              <a:schemeClr val="accent1"/>
-            </a:fillRef>
-            <a:effectRef idx="0">
-              <a:schemeClr val="accent1"/>
-            </a:effectRef>
-            <a:fontRef idx="minor">
-              <a:schemeClr val="tx1"/>
-            </a:fontRef>
-          </p:style>
-        </p:cxnSp>
-        <p:cxnSp>
-          <p:nvCxnSpPr>
-            <p:cNvPr id="30" name="Straight Connector 29"/>
-            <p:cNvCxnSpPr/>
-            <p:nvPr/>
-          </p:nvCxnSpPr>
-          <p:spPr>
-            <a:xfrm>
-              <a:off x="1341120" y="2379942"/>
-              <a:ext cx="1214845" cy="0"/>
-            </a:xfrm>
-            <a:prstGeom prst="line">
-              <a:avLst/>
-            </a:prstGeom>
-            <a:ln w="28575"/>
-          </p:spPr>
-          <p:style>
-            <a:lnRef idx="1">
-              <a:schemeClr val="accent1"/>
-            </a:lnRef>
-            <a:fillRef idx="0">
-              <a:schemeClr val="accent1"/>
-            </a:fillRef>
-            <a:effectRef idx="0">
-              <a:schemeClr val="accent1"/>
-            </a:effectRef>
-            <a:fontRef idx="minor">
-              <a:schemeClr val="tx1"/>
-            </a:fontRef>
-          </p:style>
-        </p:cxnSp>
-      </p:grpSp>
-      <p:pic>
-        <p:nvPicPr>
-          <p:cNvPr id="31" name="Picture 2" descr="http://2.bp.blogspot.com/-8k_yYUfDyn0/VlGEI-ojuvI/AAAAAAAAA4I/C7gDVCOqmrA/s1600/nexus2cee-image37.png"/>
-          <p:cNvPicPr>
-            <a:picLocks noChangeAspect="1" noChangeArrowheads="1"/>
-          </p:cNvPicPr>
-          <p:nvPr/>
-        </p:nvPicPr>
-        <p:blipFill>
-          <a:blip r:embed="rId3">
-            <a:extLst>
-              <a:ext uri="{28A0092B-C50C-407E-A947-70E740481C1C}">
-                <a14:useLocalDpi xmlns:a14="http://schemas.microsoft.com/office/drawing/2010/main" val="0"/>
-              </a:ext>
-            </a:extLst>
-          </a:blip>
-          <a:srcRect/>
-          <a:stretch>
-            <a:fillRect/>
-          </a:stretch>
-        </p:blipFill>
-        <p:spPr bwMode="auto">
-          <a:xfrm>
-            <a:off x="4800598" y="4214947"/>
-            <a:ext cx="2620116" cy="1515301"/>
-          </a:xfrm>
-          <a:prstGeom prst="rect">
-            <a:avLst/>
-          </a:prstGeom>
-          <a:noFill/>
-          <a:extLst>
-            <a:ext uri="{909E8E84-426E-40DD-AFC4-6F175D3DCCD1}">
-              <a14:hiddenFill xmlns:a14="http://schemas.microsoft.com/office/drawing/2010/main">
-                <a:solidFill>
-                  <a:srgbClr val="FFFFFF"/>
-                </a:solidFill>
-              </a14:hiddenFill>
-            </a:ext>
-          </a:extLst>
-        </p:spPr>
-      </p:pic>
-      <p:sp>
-        <p:nvSpPr>
-          <p:cNvPr id="17" name="Rectangle 16"/>
-          <p:cNvSpPr/>
-          <p:nvPr/>
-        </p:nvSpPr>
-        <p:spPr>
-          <a:xfrm>
-            <a:off x="5196413" y="3015806"/>
-            <a:ext cx="1823358" cy="459698"/>
-          </a:xfrm>
-          <a:prstGeom prst="rect">
-            <a:avLst/>
-          </a:prstGeom>
-          <a:noFill/>
-          <a:ln>
-            <a:noFill/>
-          </a:ln>
-        </p:spPr>
-        <p:style>
-          <a:lnRef idx="2">
-            <a:schemeClr val="accent1">
-              <a:shade val="50000"/>
-            </a:schemeClr>
-          </a:lnRef>
-          <a:fillRef idx="1">
-            <a:schemeClr val="accent1"/>
-          </a:fillRef>
-          <a:effectRef idx="0">
-            <a:schemeClr val="accent1"/>
-          </a:effectRef>
-          <a:fontRef idx="minor">
-            <a:schemeClr val="lt1"/>
-          </a:fontRef>
-        </p:style>
-        <p:txBody>
-          <a:bodyPr rtlCol="0" anchor="ctr"/>
-          <a:lstStyle/>
-          <a:p>
-            <a:pPr algn="ctr"/>
-            <a:r>
-              <a:rPr lang="en-US" sz="2000" dirty="0"/>
-              <a:t>want iPad</a:t>
-            </a:r>
-          </a:p>
-        </p:txBody>
-      </p:sp>
-      <p:grpSp>
-        <p:nvGrpSpPr>
-          <p:cNvPr id="32" name="Group 31"/>
-          <p:cNvGrpSpPr/>
-          <p:nvPr/>
-        </p:nvGrpSpPr>
-        <p:grpSpPr>
-          <a:xfrm>
-            <a:off x="4998722" y="357051"/>
-            <a:ext cx="1802674" cy="6200503"/>
-            <a:chOff x="4963886" y="357051"/>
-            <a:chExt cx="1802674" cy="6200503"/>
-          </a:xfrm>
-        </p:grpSpPr>
-        <p:sp>
-          <p:nvSpPr>
-            <p:cNvPr id="33" name="Rectangle 32"/>
-            <p:cNvSpPr/>
-            <p:nvPr/>
-          </p:nvSpPr>
-          <p:spPr>
-            <a:xfrm>
-              <a:off x="5799909" y="357051"/>
-              <a:ext cx="583474" cy="130629"/>
-            </a:xfrm>
-            <a:prstGeom prst="rect">
-              <a:avLst/>
-            </a:prstGeom>
-            <a:solidFill>
-              <a:srgbClr val="F2F2F2"/>
-            </a:solidFill>
-            <a:ln>
-              <a:noFill/>
-            </a:ln>
-          </p:spPr>
-          <p:style>
-            <a:lnRef idx="2">
-              <a:schemeClr val="accent1">
-                <a:shade val="50000"/>
-              </a:schemeClr>
-            </a:lnRef>
-            <a:fillRef idx="1">
-              <a:schemeClr val="accent1"/>
-            </a:fillRef>
-            <a:effectRef idx="0">
-              <a:schemeClr val="accent1"/>
-            </a:effectRef>
-            <a:fontRef idx="minor">
-              <a:schemeClr val="lt1"/>
-            </a:fontRef>
-          </p:style>
-          <p:txBody>
-            <a:bodyPr rtlCol="0" anchor="ctr"/>
-            <a:lstStyle/>
-            <a:p>
-              <a:pPr algn="ctr"/>
-              <a:endParaRPr lang="en-US"/>
-            </a:p>
-          </p:txBody>
-        </p:sp>
-        <p:sp>
-          <p:nvSpPr>
-            <p:cNvPr id="34" name="Rectangle 33"/>
-            <p:cNvSpPr/>
-            <p:nvPr/>
-          </p:nvSpPr>
-          <p:spPr>
-            <a:xfrm>
-              <a:off x="5503818" y="5858576"/>
-              <a:ext cx="1262742" cy="698978"/>
-            </a:xfrm>
-            <a:prstGeom prst="rect">
-              <a:avLst/>
-            </a:prstGeom>
-            <a:solidFill>
-              <a:srgbClr val="F2F2F2"/>
-            </a:solidFill>
-            <a:ln>
-              <a:noFill/>
-            </a:ln>
-          </p:spPr>
-          <p:style>
-            <a:lnRef idx="2">
-              <a:schemeClr val="accent1">
-                <a:shade val="50000"/>
-              </a:schemeClr>
-            </a:lnRef>
-            <a:fillRef idx="1">
-              <a:schemeClr val="accent1"/>
-            </a:fillRef>
-            <a:effectRef idx="0">
-              <a:schemeClr val="accent1"/>
-            </a:effectRef>
-            <a:fontRef idx="minor">
-              <a:schemeClr val="lt1"/>
-            </a:fontRef>
-          </p:style>
-          <p:txBody>
-            <a:bodyPr rtlCol="0" anchor="ctr"/>
-            <a:lstStyle/>
-            <a:p>
-              <a:pPr algn="ctr"/>
-              <a:endParaRPr lang="en-US"/>
-            </a:p>
-          </p:txBody>
-        </p:sp>
-        <p:sp>
-          <p:nvSpPr>
-            <p:cNvPr id="35" name="Oval 34"/>
-            <p:cNvSpPr/>
-            <p:nvPr/>
-          </p:nvSpPr>
-          <p:spPr>
-            <a:xfrm>
-              <a:off x="4963886" y="487680"/>
-              <a:ext cx="113211" cy="113211"/>
-            </a:xfrm>
-            <a:prstGeom prst="ellipse">
-              <a:avLst/>
-            </a:prstGeom>
-          </p:spPr>
-          <p:style>
-            <a:lnRef idx="2">
-              <a:schemeClr val="dk1">
-                <a:shade val="50000"/>
-              </a:schemeClr>
-            </a:lnRef>
-            <a:fillRef idx="1">
-              <a:schemeClr val="dk1"/>
-            </a:fillRef>
-            <a:effectRef idx="0">
-              <a:schemeClr val="dk1"/>
-            </a:effectRef>
-            <a:fontRef idx="minor">
-              <a:schemeClr val="lt1"/>
-            </a:fontRef>
-          </p:style>
-          <p:txBody>
-            <a:bodyPr rtlCol="0" anchor="ctr"/>
-            <a:lstStyle/>
-            <a:p>
-              <a:pPr algn="ctr"/>
-              <a:endParaRPr lang="en-US"/>
-            </a:p>
-          </p:txBody>
-        </p:sp>
-        <p:sp>
-          <p:nvSpPr>
-            <p:cNvPr id="36" name="Rectangle 35"/>
-            <p:cNvSpPr/>
-            <p:nvPr/>
-          </p:nvSpPr>
-          <p:spPr>
-            <a:xfrm>
-              <a:off x="5216435" y="628388"/>
-              <a:ext cx="583474" cy="130629"/>
-            </a:xfrm>
-            <a:prstGeom prst="rect">
-              <a:avLst/>
-            </a:prstGeom>
-            <a:solidFill>
-              <a:srgbClr val="F2F2F2"/>
-            </a:solidFill>
-            <a:ln>
-              <a:noFill/>
-            </a:ln>
-          </p:spPr>
-          <p:style>
-            <a:lnRef idx="2">
-              <a:schemeClr val="accent1">
-                <a:shade val="50000"/>
-              </a:schemeClr>
-            </a:lnRef>
-            <a:fillRef idx="1">
-              <a:schemeClr val="accent1"/>
-            </a:fillRef>
-            <a:effectRef idx="0">
-              <a:schemeClr val="accent1"/>
-            </a:effectRef>
-            <a:fontRef idx="minor">
-              <a:schemeClr val="lt1"/>
-            </a:fontRef>
-          </p:style>
-          <p:txBody>
-            <a:bodyPr rtlCol="0" anchor="ctr"/>
-            <a:lstStyle/>
-            <a:p>
-              <a:pPr algn="ctr"/>
-              <a:endParaRPr lang="en-US"/>
-            </a:p>
-          </p:txBody>
-        </p:sp>
-        <p:sp>
-          <p:nvSpPr>
-            <p:cNvPr id="37" name="Rounded Rectangle 36"/>
-            <p:cNvSpPr/>
-            <p:nvPr/>
-          </p:nvSpPr>
-          <p:spPr>
-            <a:xfrm>
-              <a:off x="5416735" y="373617"/>
-              <a:ext cx="1275805" cy="98398"/>
-            </a:xfrm>
-            <a:prstGeom prst="roundRect">
-              <a:avLst/>
-            </a:prstGeom>
-            <a:solidFill>
-              <a:srgbClr val="F2F2F2"/>
-            </a:solidFill>
-            <a:ln>
-              <a:solidFill>
-                <a:schemeClr val="bg1">
-                  <a:lumMod val="50000"/>
-                </a:schemeClr>
-              </a:solidFill>
-            </a:ln>
-          </p:spPr>
-          <p:style>
-            <a:lnRef idx="2">
-              <a:schemeClr val="accent1">
-                <a:shade val="50000"/>
-              </a:schemeClr>
-            </a:lnRef>
-            <a:fillRef idx="1">
-              <a:schemeClr val="accent1"/>
-            </a:fillRef>
-            <a:effectRef idx="0">
-              <a:schemeClr val="accent1"/>
-            </a:effectRef>
-            <a:fontRef idx="minor">
-              <a:schemeClr val="lt1"/>
-            </a:fontRef>
-          </p:style>
-          <p:txBody>
-            <a:bodyPr rtlCol="0" anchor="ctr"/>
-            <a:lstStyle/>
-            <a:p>
-              <a:pPr algn="ctr"/>
-              <a:endParaRPr lang="en-US"/>
-            </a:p>
-          </p:txBody>
-        </p:sp>
-      </p:grpSp>
-    </p:spTree>
-    <p:extLst>
-      <p:ext uri="{BB962C8B-B14F-4D97-AF65-F5344CB8AC3E}">
-        <p14:creationId xmlns:p14="http://schemas.microsoft.com/office/powerpoint/2010/main" val="1029895765"/>
-      </p:ext>
-    </p:extLst>
-  </p:cSld>
-  <p:clrMapOvr>
-    <a:masterClrMapping/>
-  </p:clrMapOvr>
-  <p:timing>
-    <p:tnLst>
-      <p:par>
-        <p:cTn id="1" dur="indefinite" restart="never" nodeType="tmRoot">
-          <p:childTnLst>
-            <p:seq concurrent="1" nextAc="seek">
-              <p:cTn id="2" dur="indefinite" nodeType="mainSeq">
-                <p:childTnLst>
-                  <p:par>
-                    <p:cTn id="3" fill="hold">
-                      <p:stCondLst>
-                        <p:cond delay="indefinite"/>
-                        <p:cond evt="onBegin" delay="0">
-                          <p:tn val="2"/>
-                        </p:cond>
-                      </p:stCondLst>
-                      <p:childTnLst>
-                        <p:par>
-                          <p:cTn id="4" fill="hold">
-                            <p:stCondLst>
-                              <p:cond delay="0"/>
-                            </p:stCondLst>
-                            <p:childTnLst>
-                              <p:par>
-                                <p:cTn id="5" presetID="42" presetClass="path" presetSubtype="0" accel="50000" decel="50000" fill="hold" grpId="0" nodeType="withEffect">
-                                  <p:stCondLst>
-                                    <p:cond delay="1000"/>
-                                  </p:stCondLst>
-                                  <p:childTnLst>
-                                    <p:animMotion origin="layout" path="M -1.25E-6 -2.22222E-6 L -1.25E-6 -0.15463 " pathEditMode="relative" rAng="0" ptsTypes="AA">
-                                      <p:cBhvr>
-                                        <p:cTn id="6" dur="2000" fill="hold"/>
-                                        <p:tgtEl>
-                                          <p:spTgt spid="6"/>
-                                        </p:tgtEl>
-                                        <p:attrNameLst>
-                                          <p:attrName>ppt_x</p:attrName>
-                                          <p:attrName>ppt_y</p:attrName>
-                                        </p:attrNameLst>
-                                      </p:cBhvr>
-                                      <p:rCtr x="0" y="-7731"/>
-                                    </p:animMotion>
-                                  </p:childTnLst>
-                                </p:cTn>
-                              </p:par>
-                            </p:childTnLst>
-                          </p:cTn>
-                        </p:par>
-                      </p:childTnLst>
-                    </p:cTn>
-                  </p:par>
-                </p:childTnLst>
-              </p:cTn>
-              <p:prevCondLst>
-                <p:cond evt="onPrev" delay="0">
-                  <p:tgtEl>
-                    <p:sldTgt/>
-                  </p:tgtEl>
-                </p:cond>
-              </p:prevCondLst>
-              <p:nextCondLst>
-                <p:cond evt="onNext" delay="0">
-                  <p:tgtEl>
-                    <p:sldTgt/>
-                  </p:tgtEl>
-                </p:cond>
-              </p:nextCondLst>
-            </p:seq>
-          </p:childTnLst>
-        </p:cTn>
-      </p:par>
-    </p:tnLst>
-    <p:bldLst>
-      <p:bldP spid="6" grpId="0"/>
-    </p:bldLst>
-  </p:timing>
-</p:sld>
-</file>
-
-<file path=ppt/slides/slide8.xml><?xml version="1.0" encoding="utf-8"?>
-<p:sld xmlns:a="http://schemas.openxmlformats.org/drawingml/2006/main" xmlns:r="http://schemas.openxmlformats.org/officeDocument/2006/relationships" xmlns:p="http://schemas.openxmlformats.org/presentationml/2006/main">
-  <p:cSld>
-    <p:spTree>
-      <p:nvGrpSpPr>
-        <p:cNvPr id="1" name=""/>
-        <p:cNvGrpSpPr/>
-        <p:nvPr/>
-      </p:nvGrpSpPr>
-      <p:grpSpPr>
-        <a:xfrm>
-          <a:off x="0" y="0"/>
-          <a:ext cx="0" cy="0"/>
-          <a:chOff x="0" y="0"/>
-          <a:chExt cx="0" cy="0"/>
-        </a:xfrm>
-      </p:grpSpPr>
-      <p:sp>
-        <p:nvSpPr>
-          <p:cNvPr id="8" name="Rectangle 7"/>
-          <p:cNvSpPr/>
-          <p:nvPr/>
-        </p:nvSpPr>
-        <p:spPr>
-          <a:xfrm>
-            <a:off x="4800600" y="1048624"/>
-            <a:ext cx="2623931" cy="4676315"/>
-          </a:xfrm>
-          <a:prstGeom prst="rect">
-            <a:avLst/>
-          </a:prstGeom>
-          <a:solidFill>
-            <a:srgbClr val="335B74"/>
-          </a:solidFill>
-          <a:ln>
-            <a:noFill/>
-          </a:ln>
-        </p:spPr>
-        <p:style>
-          <a:lnRef idx="2">
-            <a:schemeClr val="accent1">
-              <a:shade val="50000"/>
-            </a:schemeClr>
-          </a:lnRef>
-          <a:fillRef idx="1">
-            <a:schemeClr val="accent1"/>
-          </a:fillRef>
-          <a:effectRef idx="0">
-            <a:schemeClr val="accent1"/>
-          </a:effectRef>
-          <a:fontRef idx="minor">
-            <a:schemeClr val="lt1"/>
-          </a:fontRef>
-        </p:style>
-        <p:txBody>
-          <a:bodyPr rtlCol="0" anchor="ctr"/>
-          <a:lstStyle/>
-          <a:p>
-            <a:pPr algn="ctr"/>
-            <a:endParaRPr lang="en-US" dirty="0"/>
-          </a:p>
-        </p:txBody>
-      </p:sp>
-      <p:sp>
-        <p:nvSpPr>
-          <p:cNvPr id="2" name="TextBox 1"/>
-          <p:cNvSpPr txBox="1"/>
-          <p:nvPr/>
-        </p:nvSpPr>
-        <p:spPr>
-          <a:xfrm>
-            <a:off x="9315450" y="5876925"/>
-            <a:ext cx="2333625" cy="369332"/>
-          </a:xfrm>
-          <a:prstGeom prst="rect">
-            <a:avLst/>
-          </a:prstGeom>
-          <a:noFill/>
-        </p:spPr>
-        <p:txBody>
-          <a:bodyPr wrap="square" rtlCol="0">
-            <a:spAutoFit/>
-          </a:bodyPr>
-          <a:lstStyle/>
-          <a:p>
-            <a:r>
-              <a:rPr lang="en-US" dirty="0">
-                <a:latin typeface="Malgun Gothic Semilight" panose="020B0502040204020203" pitchFamily="34" charset="-128"/>
-                <a:ea typeface="Malgun Gothic Semilight" panose="020B0502040204020203" pitchFamily="34" charset="-128"/>
-                <a:cs typeface="Malgun Gothic Semilight" panose="020B0502040204020203" pitchFamily="34" charset="-128"/>
-              </a:rPr>
-              <a:t>Home Screen</a:t>
-            </a:r>
-          </a:p>
-        </p:txBody>
-      </p:sp>
-      <p:sp>
-        <p:nvSpPr>
-          <p:cNvPr id="6" name="TextBox 5"/>
-          <p:cNvSpPr txBox="1"/>
-          <p:nvPr/>
-        </p:nvSpPr>
-        <p:spPr>
-          <a:xfrm>
-            <a:off x="5625833" y="3202115"/>
-            <a:ext cx="973463" cy="369332"/>
-          </a:xfrm>
-          <a:prstGeom prst="rect">
-            <a:avLst/>
-          </a:prstGeom>
-          <a:noFill/>
-        </p:spPr>
-        <p:txBody>
-          <a:bodyPr wrap="square" rtlCol="0">
-            <a:spAutoFit/>
-          </a:bodyPr>
-          <a:lstStyle/>
-          <a:p>
-            <a:pPr marL="0" marR="0" lvl="0" indent="0" algn="ctr" defTabSz="914400" eaLnBrk="1" fontAlgn="auto" latinLnBrk="0" hangingPunct="1">
-              <a:lnSpc>
-                <a:spcPct val="100000"/>
-              </a:lnSpc>
-              <a:spcBef>
-                <a:spcPts val="0"/>
-              </a:spcBef>
-              <a:spcAft>
-                <a:spcPts val="0"/>
-              </a:spcAft>
-              <a:buClrTx/>
-              <a:buSzTx/>
-              <a:buFontTx/>
-              <a:buNone/>
-              <a:tabLst/>
-              <a:defRPr/>
-            </a:pPr>
-            <a:r>
-              <a:rPr kumimoji="0" lang="en-US" sz="1800" b="0" i="0" u="none" strike="noStrike" kern="0" cap="none" spc="0" normalizeH="0" baseline="0" noProof="0" dirty="0">
-                <a:ln>
-                  <a:noFill/>
-                </a:ln>
-                <a:solidFill>
-                  <a:schemeClr val="bg1"/>
-                </a:solidFill>
-                <a:effectLst/>
-                <a:uLnTx/>
-                <a:uFillTx/>
-                <a:latin typeface="Malgun Gothic Semilight" panose="020B0502040204020203" pitchFamily="34" charset="-128"/>
-                <a:ea typeface="Malgun Gothic Semilight" panose="020B0502040204020203" pitchFamily="34" charset="-128"/>
-                <a:cs typeface="Malgun Gothic Semilight" panose="020B0502040204020203" pitchFamily="34" charset="-128"/>
-              </a:rPr>
-              <a:t>Even II</a:t>
-            </a:r>
-          </a:p>
-        </p:txBody>
-      </p:sp>
-      <p:pic>
-        <p:nvPicPr>
-          <p:cNvPr id="5" name="Picture 4"/>
-          <p:cNvPicPr>
-            <a:picLocks noChangeAspect="1"/>
-          </p:cNvPicPr>
-          <p:nvPr/>
-        </p:nvPicPr>
-        <p:blipFill>
-          <a:blip r:embed="rId2"/>
-          <a:stretch>
-            <a:fillRect/>
-          </a:stretch>
-        </p:blipFill>
-        <p:spPr>
-          <a:xfrm>
-            <a:off x="4800599" y="1053959"/>
-            <a:ext cx="2623931" cy="4664767"/>
-          </a:xfrm>
-          <a:prstGeom prst="rect">
-            <a:avLst/>
-          </a:prstGeom>
-        </p:spPr>
-      </p:pic>
-      <p:sp>
-        <p:nvSpPr>
-          <p:cNvPr id="7" name="Rectangle 6"/>
-          <p:cNvSpPr/>
-          <p:nvPr/>
-        </p:nvSpPr>
-        <p:spPr>
-          <a:xfrm>
-            <a:off x="4920343" y="1776552"/>
-            <a:ext cx="1123406" cy="661851"/>
-          </a:xfrm>
-          <a:prstGeom prst="rect">
-            <a:avLst/>
-          </a:prstGeom>
-          <a:solidFill>
-            <a:srgbClr val="3E6F8E"/>
-          </a:solidFill>
-        </p:spPr>
-        <p:style>
-          <a:lnRef idx="2">
-            <a:schemeClr val="accent1">
-              <a:shade val="50000"/>
-            </a:schemeClr>
-          </a:lnRef>
-          <a:fillRef idx="1">
-            <a:schemeClr val="accent1"/>
-          </a:fillRef>
-          <a:effectRef idx="0">
-            <a:schemeClr val="accent1"/>
-          </a:effectRef>
-          <a:fontRef idx="minor">
-            <a:schemeClr val="lt1"/>
-          </a:fontRef>
-        </p:style>
-        <p:txBody>
-          <a:bodyPr rtlCol="0" anchor="ctr"/>
-          <a:lstStyle/>
-          <a:p>
-            <a:pPr algn="ctr"/>
-            <a:r>
-              <a:rPr lang="en-US" sz="2800" dirty="0"/>
-              <a:t>A</a:t>
-            </a:r>
-          </a:p>
-        </p:txBody>
-      </p:sp>
-      <p:sp>
-        <p:nvSpPr>
-          <p:cNvPr id="9" name="Rectangle 8"/>
-          <p:cNvSpPr/>
-          <p:nvPr/>
-        </p:nvSpPr>
-        <p:spPr>
-          <a:xfrm>
-            <a:off x="6172436" y="1776552"/>
-            <a:ext cx="1123406" cy="661851"/>
-          </a:xfrm>
-          <a:prstGeom prst="rect">
-            <a:avLst/>
-          </a:prstGeom>
-          <a:solidFill>
-            <a:srgbClr val="3E6F8E"/>
-          </a:solidFill>
-        </p:spPr>
-        <p:style>
-          <a:lnRef idx="2">
-            <a:schemeClr val="accent1">
-              <a:shade val="50000"/>
-            </a:schemeClr>
-          </a:lnRef>
-          <a:fillRef idx="1">
-            <a:schemeClr val="accent1"/>
-          </a:fillRef>
-          <a:effectRef idx="0">
-            <a:schemeClr val="accent1"/>
-          </a:effectRef>
-          <a:fontRef idx="minor">
-            <a:schemeClr val="lt1"/>
-          </a:fontRef>
-        </p:style>
-        <p:txBody>
-          <a:bodyPr rtlCol="0" anchor="ctr"/>
-          <a:lstStyle/>
-          <a:p>
-            <a:pPr algn="ctr"/>
-            <a:r>
-              <a:rPr lang="en-US" sz="2800" dirty="0"/>
-              <a:t>B</a:t>
-            </a:r>
-          </a:p>
-        </p:txBody>
-      </p:sp>
-      <p:sp>
-        <p:nvSpPr>
-          <p:cNvPr id="10" name="TextBox 9"/>
-          <p:cNvSpPr txBox="1"/>
-          <p:nvPr/>
-        </p:nvSpPr>
-        <p:spPr>
-          <a:xfrm>
-            <a:off x="4920343" y="2394863"/>
-            <a:ext cx="2375499" cy="2585323"/>
-          </a:xfrm>
-          <a:prstGeom prst="rect">
-            <a:avLst/>
-          </a:prstGeom>
-          <a:noFill/>
-        </p:spPr>
-        <p:txBody>
-          <a:bodyPr wrap="square" rtlCol="0">
-            <a:spAutoFit/>
-          </a:bodyPr>
-          <a:lstStyle/>
-          <a:p>
-            <a:r>
-              <a:rPr lang="en-US" dirty="0">
-                <a:solidFill>
-                  <a:schemeClr val="bg1">
-                    <a:lumMod val="95000"/>
-                  </a:schemeClr>
-                </a:solidFill>
-              </a:rPr>
-              <a:t>Albert	      Beth</a:t>
-            </a:r>
-          </a:p>
-          <a:p>
-            <a:endParaRPr lang="en-US" dirty="0">
-              <a:solidFill>
-                <a:schemeClr val="bg1">
-                  <a:lumMod val="95000"/>
-                </a:schemeClr>
-              </a:solidFill>
-            </a:endParaRPr>
-          </a:p>
-          <a:p>
-            <a:endParaRPr lang="en-US" dirty="0">
-              <a:solidFill>
-                <a:schemeClr val="bg1">
-                  <a:lumMod val="95000"/>
-                </a:schemeClr>
-              </a:solidFill>
-            </a:endParaRPr>
-          </a:p>
-          <a:p>
-            <a:endParaRPr lang="en-US" dirty="0">
-              <a:solidFill>
-                <a:schemeClr val="bg1">
-                  <a:lumMod val="95000"/>
-                </a:schemeClr>
-              </a:solidFill>
-            </a:endParaRPr>
-          </a:p>
-          <a:p>
-            <a:r>
-              <a:rPr lang="en-US" dirty="0">
-                <a:solidFill>
-                  <a:schemeClr val="bg1">
-                    <a:lumMod val="95000"/>
-                  </a:schemeClr>
-                </a:solidFill>
-              </a:rPr>
-              <a:t>Carl	       Pearl</a:t>
+              <a:t>Carl	              Pearl</a:t>
             </a:r>
           </a:p>
           <a:p>
@@ -19864,7 +18987,7 @@
     </p:spTree>
     <p:extLst>
       <p:ext uri="{BB962C8B-B14F-4D97-AF65-F5344CB8AC3E}">
-        <p14:creationId xmlns:p14="http://schemas.microsoft.com/office/powerpoint/2010/main" val="4032295001"/>
+        <p14:creationId xmlns:p14="http://schemas.microsoft.com/office/powerpoint/2010/main" val="3888993189"/>
       </p:ext>
     </p:extLst>
   </p:cSld>

--- a/presentation-Final Edit.pptx
+++ b/presentation-Final Edit.pptx
@@ -6,27 +6,30 @@
     <p:sldMasterId id="2147483673" r:id="rId2"/>
   </p:sldMasterIdLst>
   <p:notesMasterIdLst>
-    <p:notesMasterId r:id="rId21"/>
+    <p:notesMasterId r:id="rId24"/>
   </p:notesMasterIdLst>
   <p:sldIdLst>
     <p:sldId id="256" r:id="rId3"/>
-    <p:sldId id="257" r:id="rId4"/>
-    <p:sldId id="260" r:id="rId5"/>
-    <p:sldId id="258" r:id="rId6"/>
-    <p:sldId id="272" r:id="rId7"/>
-    <p:sldId id="273" r:id="rId8"/>
-    <p:sldId id="274" r:id="rId9"/>
-    <p:sldId id="267" r:id="rId10"/>
-    <p:sldId id="276" r:id="rId11"/>
-    <p:sldId id="264" r:id="rId12"/>
-    <p:sldId id="265" r:id="rId13"/>
-    <p:sldId id="266" r:id="rId14"/>
-    <p:sldId id="268" r:id="rId15"/>
-    <p:sldId id="269" r:id="rId16"/>
-    <p:sldId id="270" r:id="rId17"/>
-    <p:sldId id="271" r:id="rId18"/>
-    <p:sldId id="262" r:id="rId19"/>
-    <p:sldId id="263" r:id="rId20"/>
+    <p:sldId id="280" r:id="rId4"/>
+    <p:sldId id="279" r:id="rId5"/>
+    <p:sldId id="257" r:id="rId6"/>
+    <p:sldId id="260" r:id="rId7"/>
+    <p:sldId id="258" r:id="rId8"/>
+    <p:sldId id="272" r:id="rId9"/>
+    <p:sldId id="273" r:id="rId10"/>
+    <p:sldId id="274" r:id="rId11"/>
+    <p:sldId id="267" r:id="rId12"/>
+    <p:sldId id="276" r:id="rId13"/>
+    <p:sldId id="264" r:id="rId14"/>
+    <p:sldId id="265" r:id="rId15"/>
+    <p:sldId id="266" r:id="rId16"/>
+    <p:sldId id="268" r:id="rId17"/>
+    <p:sldId id="269" r:id="rId18"/>
+    <p:sldId id="270" r:id="rId19"/>
+    <p:sldId id="271" r:id="rId20"/>
+    <p:sldId id="278" r:id="rId21"/>
+    <p:sldId id="262" r:id="rId22"/>
+    <p:sldId id="263" r:id="rId23"/>
   </p:sldIdLst>
   <p:sldSz cx="12192000" cy="6858000"/>
   <p:notesSz cx="6858000" cy="9144000"/>
@@ -528,13 +531,8 @@
           <a:p>
             <a:r>
               <a:rPr lang="en-US" dirty="0"/>
-              <a:t>30 seconds</a:t>
-            </a:r>
-            <a:r>
-              <a:rPr lang="en-US" baseline="0" dirty="0"/>
-              <a:t>  Gary</a:t>
-            </a:r>
-            <a:endParaRPr lang="en-US" dirty="0"/>
+              <a:t>30 sec Elon</a:t>
+            </a:r>
           </a:p>
         </p:txBody>
       </p:sp>
@@ -555,7 +553,7 @@
           <a:p>
             <a:fld id="{14899D1B-9AAB-419F-AB0F-0948ECB5048A}" type="slidenum">
               <a:rPr lang="en-US" smtClean="0"/>
-              <a:t>2</a:t>
+              <a:t>3</a:t>
             </a:fld>
             <a:endParaRPr lang="en-US"/>
           </a:p>
@@ -564,7 +562,7 @@
     </p:spTree>
     <p:extLst>
       <p:ext uri="{BB962C8B-B14F-4D97-AF65-F5344CB8AC3E}">
-        <p14:creationId xmlns:p14="http://schemas.microsoft.com/office/powerpoint/2010/main" val="4007904567"/>
+        <p14:creationId xmlns:p14="http://schemas.microsoft.com/office/powerpoint/2010/main" val="2360862864"/>
       </p:ext>
     </p:extLst>
   </p:cSld>
@@ -620,8 +618,13 @@
           <a:p>
             <a:r>
               <a:rPr lang="en-US" dirty="0"/>
-              <a:t>1 min Elon</a:t>
-            </a:r>
+              <a:t>30 seconds</a:t>
+            </a:r>
+            <a:r>
+              <a:rPr lang="en-US" baseline="0" dirty="0"/>
+              <a:t>  Elon</a:t>
+            </a:r>
+            <a:endParaRPr lang="en-US" dirty="0"/>
           </a:p>
         </p:txBody>
       </p:sp>
@@ -642,7 +645,7 @@
           <a:p>
             <a:fld id="{14899D1B-9AAB-419F-AB0F-0948ECB5048A}" type="slidenum">
               <a:rPr lang="en-US" smtClean="0"/>
-              <a:t>3</a:t>
+              <a:t>4</a:t>
             </a:fld>
             <a:endParaRPr lang="en-US"/>
           </a:p>
@@ -651,7 +654,7 @@
     </p:spTree>
     <p:extLst>
       <p:ext uri="{BB962C8B-B14F-4D97-AF65-F5344CB8AC3E}">
-        <p14:creationId xmlns:p14="http://schemas.microsoft.com/office/powerpoint/2010/main" val="2775197939"/>
+        <p14:creationId xmlns:p14="http://schemas.microsoft.com/office/powerpoint/2010/main" val="4007904567"/>
       </p:ext>
     </p:extLst>
   </p:cSld>
@@ -707,8 +710,21 @@
           <a:p>
             <a:r>
               <a:rPr lang="en-US" dirty="0"/>
-              <a:t>1 min Gary</a:t>
-            </a:r>
+              <a:t>30</a:t>
+            </a:r>
+            <a:r>
+              <a:rPr lang="en-US" baseline="0" dirty="0"/>
+              <a:t> s </a:t>
+            </a:r>
+            <a:r>
+              <a:rPr lang="en-US" baseline="0" dirty="0" err="1"/>
+              <a:t>gary</a:t>
+            </a:r>
+            <a:r>
+              <a:rPr lang="en-US" baseline="0" dirty="0"/>
+              <a:t> </a:t>
+            </a:r>
+            <a:endParaRPr lang="en-US" dirty="0"/>
           </a:p>
         </p:txBody>
       </p:sp>
@@ -729,7 +745,7 @@
           <a:p>
             <a:fld id="{14899D1B-9AAB-419F-AB0F-0948ECB5048A}" type="slidenum">
               <a:rPr lang="en-US" smtClean="0"/>
-              <a:t>4</a:t>
+              <a:t>5</a:t>
             </a:fld>
             <a:endParaRPr lang="en-US"/>
           </a:p>
@@ -738,7 +754,7 @@
     </p:spTree>
     <p:extLst>
       <p:ext uri="{BB962C8B-B14F-4D97-AF65-F5344CB8AC3E}">
-        <p14:creationId xmlns:p14="http://schemas.microsoft.com/office/powerpoint/2010/main" val="460963368"/>
+        <p14:creationId xmlns:p14="http://schemas.microsoft.com/office/powerpoint/2010/main" val="2775197939"/>
       </p:ext>
     </p:extLst>
   </p:cSld>
@@ -794,8 +810,21 @@
           <a:p>
             <a:r>
               <a:rPr lang="en-US" dirty="0"/>
-              <a:t>Raisa 30 sec</a:t>
-            </a:r>
+              <a:t>30</a:t>
+            </a:r>
+            <a:r>
+              <a:rPr lang="en-US" baseline="0" dirty="0"/>
+              <a:t> sec </a:t>
+            </a:r>
+            <a:r>
+              <a:rPr lang="en-US" baseline="0" dirty="0" err="1"/>
+              <a:t>gary</a:t>
+            </a:r>
+            <a:r>
+              <a:rPr lang="en-US" baseline="0" dirty="0"/>
+              <a:t> </a:t>
+            </a:r>
+            <a:endParaRPr lang="en-US" dirty="0"/>
           </a:p>
         </p:txBody>
       </p:sp>
@@ -816,7 +845,268 @@
           <a:p>
             <a:fld id="{14899D1B-9AAB-419F-AB0F-0948ECB5048A}" type="slidenum">
               <a:rPr lang="en-US" smtClean="0"/>
-              <a:t>17</a:t>
+              <a:t>6</a:t>
+            </a:fld>
+            <a:endParaRPr lang="en-US"/>
+          </a:p>
+        </p:txBody>
+      </p:sp>
+    </p:spTree>
+    <p:extLst>
+      <p:ext uri="{BB962C8B-B14F-4D97-AF65-F5344CB8AC3E}">
+        <p14:creationId xmlns:p14="http://schemas.microsoft.com/office/powerpoint/2010/main" val="460963368"/>
+      </p:ext>
+    </p:extLst>
+  </p:cSld>
+  <p:clrMapOvr>
+    <a:masterClrMapping/>
+  </p:clrMapOvr>
+</p:notes>
+</file>
+
+<file path=ppt/notesSlides/notesSlide5.xml><?xml version="1.0" encoding="utf-8"?>
+<p:notes xmlns:a="http://schemas.openxmlformats.org/drawingml/2006/main" xmlns:r="http://schemas.openxmlformats.org/officeDocument/2006/relationships" xmlns:p="http://schemas.openxmlformats.org/presentationml/2006/main">
+  <p:cSld>
+    <p:spTree>
+      <p:nvGrpSpPr>
+        <p:cNvPr id="1" name=""/>
+        <p:cNvGrpSpPr/>
+        <p:nvPr/>
+      </p:nvGrpSpPr>
+      <p:grpSpPr>
+        <a:xfrm>
+          <a:off x="0" y="0"/>
+          <a:ext cx="0" cy="0"/>
+          <a:chOff x="0" y="0"/>
+          <a:chExt cx="0" cy="0"/>
+        </a:xfrm>
+      </p:grpSpPr>
+      <p:sp>
+        <p:nvSpPr>
+          <p:cNvPr id="2" name="Slide Image Placeholder 1"/>
+          <p:cNvSpPr>
+            <a:spLocks noGrp="1" noRot="1" noChangeAspect="1"/>
+          </p:cNvSpPr>
+          <p:nvPr>
+            <p:ph type="sldImg"/>
+          </p:nvPr>
+        </p:nvSpPr>
+        <p:spPr/>
+      </p:sp>
+      <p:sp>
+        <p:nvSpPr>
+          <p:cNvPr id="3" name="Notes Placeholder 2"/>
+          <p:cNvSpPr>
+            <a:spLocks noGrp="1"/>
+          </p:cNvSpPr>
+          <p:nvPr>
+            <p:ph type="body" idx="1"/>
+          </p:nvPr>
+        </p:nvSpPr>
+        <p:spPr/>
+        <p:txBody>
+          <a:bodyPr/>
+          <a:lstStyle/>
+          <a:p>
+            <a:r>
+              <a:rPr lang="en-US" dirty="0"/>
+              <a:t>1 min </a:t>
+            </a:r>
+          </a:p>
+        </p:txBody>
+      </p:sp>
+      <p:sp>
+        <p:nvSpPr>
+          <p:cNvPr id="4" name="Slide Number Placeholder 3"/>
+          <p:cNvSpPr>
+            <a:spLocks noGrp="1"/>
+          </p:cNvSpPr>
+          <p:nvPr>
+            <p:ph type="sldNum" sz="quarter" idx="10"/>
+          </p:nvPr>
+        </p:nvSpPr>
+        <p:spPr/>
+        <p:txBody>
+          <a:bodyPr/>
+          <a:lstStyle/>
+          <a:p>
+            <a:fld id="{14899D1B-9AAB-419F-AB0F-0948ECB5048A}" type="slidenum">
+              <a:rPr lang="en-US" smtClean="0"/>
+              <a:t>7</a:t>
+            </a:fld>
+            <a:endParaRPr lang="en-US"/>
+          </a:p>
+        </p:txBody>
+      </p:sp>
+    </p:spTree>
+    <p:extLst>
+      <p:ext uri="{BB962C8B-B14F-4D97-AF65-F5344CB8AC3E}">
+        <p14:creationId xmlns:p14="http://schemas.microsoft.com/office/powerpoint/2010/main" val="2388960605"/>
+      </p:ext>
+    </p:extLst>
+  </p:cSld>
+  <p:clrMapOvr>
+    <a:masterClrMapping/>
+  </p:clrMapOvr>
+</p:notes>
+</file>
+
+<file path=ppt/notesSlides/notesSlide6.xml><?xml version="1.0" encoding="utf-8"?>
+<p:notes xmlns:a="http://schemas.openxmlformats.org/drawingml/2006/main" xmlns:r="http://schemas.openxmlformats.org/officeDocument/2006/relationships" xmlns:p="http://schemas.openxmlformats.org/presentationml/2006/main">
+  <p:cSld>
+    <p:spTree>
+      <p:nvGrpSpPr>
+        <p:cNvPr id="1" name=""/>
+        <p:cNvGrpSpPr/>
+        <p:nvPr/>
+      </p:nvGrpSpPr>
+      <p:grpSpPr>
+        <a:xfrm>
+          <a:off x="0" y="0"/>
+          <a:ext cx="0" cy="0"/>
+          <a:chOff x="0" y="0"/>
+          <a:chExt cx="0" cy="0"/>
+        </a:xfrm>
+      </p:grpSpPr>
+      <p:sp>
+        <p:nvSpPr>
+          <p:cNvPr id="2" name="Slide Image Placeholder 1"/>
+          <p:cNvSpPr>
+            <a:spLocks noGrp="1" noRot="1" noChangeAspect="1"/>
+          </p:cNvSpPr>
+          <p:nvPr>
+            <p:ph type="sldImg"/>
+          </p:nvPr>
+        </p:nvSpPr>
+        <p:spPr/>
+      </p:sp>
+      <p:sp>
+        <p:nvSpPr>
+          <p:cNvPr id="3" name="Notes Placeholder 2"/>
+          <p:cNvSpPr>
+            <a:spLocks noGrp="1"/>
+          </p:cNvSpPr>
+          <p:nvPr>
+            <p:ph type="body" idx="1"/>
+          </p:nvPr>
+        </p:nvSpPr>
+        <p:spPr/>
+        <p:txBody>
+          <a:bodyPr/>
+          <a:lstStyle/>
+          <a:p>
+            <a:r>
+              <a:rPr lang="en-US" dirty="0"/>
+              <a:t>1 min </a:t>
+            </a:r>
+          </a:p>
+        </p:txBody>
+      </p:sp>
+      <p:sp>
+        <p:nvSpPr>
+          <p:cNvPr id="4" name="Slide Number Placeholder 3"/>
+          <p:cNvSpPr>
+            <a:spLocks noGrp="1"/>
+          </p:cNvSpPr>
+          <p:nvPr>
+            <p:ph type="sldNum" sz="quarter" idx="10"/>
+          </p:nvPr>
+        </p:nvSpPr>
+        <p:spPr/>
+        <p:txBody>
+          <a:bodyPr/>
+          <a:lstStyle/>
+          <a:p>
+            <a:fld id="{14899D1B-9AAB-419F-AB0F-0948ECB5048A}" type="slidenum">
+              <a:rPr lang="en-US" smtClean="0"/>
+              <a:t>19</a:t>
+            </a:fld>
+            <a:endParaRPr lang="en-US"/>
+          </a:p>
+        </p:txBody>
+      </p:sp>
+    </p:spTree>
+    <p:extLst>
+      <p:ext uri="{BB962C8B-B14F-4D97-AF65-F5344CB8AC3E}">
+        <p14:creationId xmlns:p14="http://schemas.microsoft.com/office/powerpoint/2010/main" val="500104371"/>
+      </p:ext>
+    </p:extLst>
+  </p:cSld>
+  <p:clrMapOvr>
+    <a:masterClrMapping/>
+  </p:clrMapOvr>
+</p:notes>
+</file>
+
+<file path=ppt/notesSlides/notesSlide7.xml><?xml version="1.0" encoding="utf-8"?>
+<p:notes xmlns:a="http://schemas.openxmlformats.org/drawingml/2006/main" xmlns:r="http://schemas.openxmlformats.org/officeDocument/2006/relationships" xmlns:p="http://schemas.openxmlformats.org/presentationml/2006/main">
+  <p:cSld>
+    <p:spTree>
+      <p:nvGrpSpPr>
+        <p:cNvPr id="1" name=""/>
+        <p:cNvGrpSpPr/>
+        <p:nvPr/>
+      </p:nvGrpSpPr>
+      <p:grpSpPr>
+        <a:xfrm>
+          <a:off x="0" y="0"/>
+          <a:ext cx="0" cy="0"/>
+          <a:chOff x="0" y="0"/>
+          <a:chExt cx="0" cy="0"/>
+        </a:xfrm>
+      </p:grpSpPr>
+      <p:sp>
+        <p:nvSpPr>
+          <p:cNvPr id="2" name="Slide Image Placeholder 1"/>
+          <p:cNvSpPr>
+            <a:spLocks noGrp="1" noRot="1" noChangeAspect="1"/>
+          </p:cNvSpPr>
+          <p:nvPr>
+            <p:ph type="sldImg"/>
+          </p:nvPr>
+        </p:nvSpPr>
+        <p:spPr/>
+      </p:sp>
+      <p:sp>
+        <p:nvSpPr>
+          <p:cNvPr id="3" name="Notes Placeholder 2"/>
+          <p:cNvSpPr>
+            <a:spLocks noGrp="1"/>
+          </p:cNvSpPr>
+          <p:nvPr>
+            <p:ph type="body" idx="1"/>
+          </p:nvPr>
+        </p:nvSpPr>
+        <p:spPr/>
+        <p:txBody>
+          <a:bodyPr/>
+          <a:lstStyle/>
+          <a:p>
+            <a:r>
+              <a:rPr lang="en-US" dirty="0"/>
+              <a:t>Raisa 15 sec</a:t>
+            </a:r>
+          </a:p>
+        </p:txBody>
+      </p:sp>
+      <p:sp>
+        <p:nvSpPr>
+          <p:cNvPr id="4" name="Slide Number Placeholder 3"/>
+          <p:cNvSpPr>
+            <a:spLocks noGrp="1"/>
+          </p:cNvSpPr>
+          <p:nvPr>
+            <p:ph type="sldNum" sz="quarter" idx="10"/>
+          </p:nvPr>
+        </p:nvSpPr>
+        <p:spPr/>
+        <p:txBody>
+          <a:bodyPr/>
+          <a:lstStyle/>
+          <a:p>
+            <a:fld id="{14899D1B-9AAB-419F-AB0F-0948ECB5048A}" type="slidenum">
+              <a:rPr lang="en-US" smtClean="0"/>
+              <a:t>20</a:t>
             </a:fld>
             <a:endParaRPr lang="en-US"/>
           </a:p>
@@ -8216,7 +8506,7 @@
                 <a:ea typeface="Malgun Gothic Semilight" panose="020B0502040204020203" pitchFamily="34" charset="-128"/>
                 <a:cs typeface="Malgun Gothic Semilight" panose="020B0502040204020203" pitchFamily="34" charset="-128"/>
               </a:rPr>
-              <a:t>Results Screen</a:t>
+              <a:t>Home Screen</a:t>
             </a:r>
           </a:p>
         </p:txBody>
@@ -8405,7 +8695,7 @@
         <p:spPr>
           <a:xfrm>
             <a:off x="4920343" y="2394863"/>
-            <a:ext cx="2375499" cy="1477328"/>
+            <a:ext cx="2375499" cy="2585323"/>
           </a:xfrm>
           <a:prstGeom prst="rect">
             <a:avLst/>
@@ -8465,11 +8755,1021 @@
                   </a:schemeClr>
                 </a:solidFill>
               </a:rPr>
+              <a:t>Carl	              Pearl</a:t>
+            </a:r>
+          </a:p>
+          <a:p>
+            <a:endParaRPr lang="en-US" dirty="0">
+              <a:solidFill>
+                <a:schemeClr val="bg1">
+                  <a:lumMod val="95000"/>
+                </a:schemeClr>
+              </a:solidFill>
+            </a:endParaRPr>
+          </a:p>
+          <a:p>
+            <a:endParaRPr lang="en-US" dirty="0">
+              <a:solidFill>
+                <a:schemeClr val="bg1">
+                  <a:lumMod val="95000"/>
+                </a:schemeClr>
+              </a:solidFill>
+            </a:endParaRPr>
+          </a:p>
+          <a:p>
+            <a:endParaRPr lang="en-US" dirty="0">
+              <a:solidFill>
+                <a:schemeClr val="bg1">
+                  <a:lumMod val="95000"/>
+                </a:schemeClr>
+              </a:solidFill>
+            </a:endParaRPr>
+          </a:p>
+          <a:p>
+            <a:r>
+              <a:rPr lang="en-US" dirty="0">
+                <a:solidFill>
+                  <a:schemeClr val="bg1">
+                    <a:lumMod val="95000"/>
+                  </a:schemeClr>
+                </a:solidFill>
+              </a:rPr>
+              <a:t>Add</a:t>
+            </a:r>
+          </a:p>
+        </p:txBody>
+      </p:sp>
+      <p:sp>
+        <p:nvSpPr>
+          <p:cNvPr id="11" name="Rectangle 10"/>
+          <p:cNvSpPr/>
+          <p:nvPr/>
+        </p:nvSpPr>
+        <p:spPr>
+          <a:xfrm>
+            <a:off x="6181380" y="2824371"/>
+            <a:ext cx="1123406" cy="661851"/>
+          </a:xfrm>
+          <a:prstGeom prst="rect">
+            <a:avLst/>
+          </a:prstGeom>
+          <a:solidFill>
+            <a:srgbClr val="3E6F8E"/>
+          </a:solidFill>
+        </p:spPr>
+        <p:style>
+          <a:lnRef idx="2">
+            <a:schemeClr val="accent1">
+              <a:shade val="50000"/>
+            </a:schemeClr>
+          </a:lnRef>
+          <a:fillRef idx="1">
+            <a:schemeClr val="accent1"/>
+          </a:fillRef>
+          <a:effectRef idx="0">
+            <a:schemeClr val="accent1"/>
+          </a:effectRef>
+          <a:fontRef idx="minor">
+            <a:schemeClr val="lt1"/>
+          </a:fontRef>
+        </p:style>
+        <p:txBody>
+          <a:bodyPr rtlCol="0" anchor="ctr"/>
+          <a:lstStyle/>
+          <a:p>
+            <a:pPr algn="ctr"/>
+            <a:r>
+              <a:rPr lang="en-US" sz="2800" dirty="0"/>
+              <a:t>P</a:t>
+            </a:r>
+          </a:p>
+        </p:txBody>
+      </p:sp>
+      <p:sp>
+        <p:nvSpPr>
+          <p:cNvPr id="12" name="Rectangle 11"/>
+          <p:cNvSpPr/>
+          <p:nvPr/>
+        </p:nvSpPr>
+        <p:spPr>
+          <a:xfrm>
+            <a:off x="4914188" y="2824371"/>
+            <a:ext cx="1123406" cy="661851"/>
+          </a:xfrm>
+          <a:prstGeom prst="rect">
+            <a:avLst/>
+          </a:prstGeom>
+          <a:solidFill>
+            <a:srgbClr val="3E6F8E"/>
+          </a:solidFill>
+        </p:spPr>
+        <p:style>
+          <a:lnRef idx="2">
+            <a:schemeClr val="accent1">
+              <a:shade val="50000"/>
+            </a:schemeClr>
+          </a:lnRef>
+          <a:fillRef idx="1">
+            <a:schemeClr val="accent1"/>
+          </a:fillRef>
+          <a:effectRef idx="0">
+            <a:schemeClr val="accent1"/>
+          </a:effectRef>
+          <a:fontRef idx="minor">
+            <a:schemeClr val="lt1"/>
+          </a:fontRef>
+        </p:style>
+        <p:txBody>
+          <a:bodyPr rtlCol="0" anchor="ctr"/>
+          <a:lstStyle/>
+          <a:p>
+            <a:pPr algn="ctr"/>
+            <a:r>
+              <a:rPr lang="en-US" sz="2800" dirty="0"/>
+              <a:t>C</a:t>
+            </a:r>
+          </a:p>
+        </p:txBody>
+      </p:sp>
+      <p:sp>
+        <p:nvSpPr>
+          <p:cNvPr id="13" name="Rectangle 12"/>
+          <p:cNvSpPr/>
+          <p:nvPr/>
+        </p:nvSpPr>
+        <p:spPr>
+          <a:xfrm>
+            <a:off x="4911399" y="3872190"/>
+            <a:ext cx="1123406" cy="661851"/>
+          </a:xfrm>
+          <a:prstGeom prst="rect">
+            <a:avLst/>
+          </a:prstGeom>
+          <a:solidFill>
+            <a:srgbClr val="3E6F8E"/>
+          </a:solidFill>
+        </p:spPr>
+        <p:style>
+          <a:lnRef idx="2">
+            <a:schemeClr val="accent1">
+              <a:shade val="50000"/>
+            </a:schemeClr>
+          </a:lnRef>
+          <a:fillRef idx="1">
+            <a:schemeClr val="accent1"/>
+          </a:fillRef>
+          <a:effectRef idx="0">
+            <a:schemeClr val="accent1"/>
+          </a:effectRef>
+          <a:fontRef idx="minor">
+            <a:schemeClr val="lt1"/>
+          </a:fontRef>
+        </p:style>
+        <p:txBody>
+          <a:bodyPr rtlCol="0" anchor="ctr"/>
+          <a:lstStyle/>
+          <a:p>
+            <a:pPr algn="ctr"/>
+            <a:r>
+              <a:rPr lang="en-US" sz="4800" b="1" dirty="0"/>
+              <a:t>+</a:t>
+            </a:r>
+          </a:p>
+        </p:txBody>
+      </p:sp>
+      <p:grpSp>
+        <p:nvGrpSpPr>
+          <p:cNvPr id="21" name="Group 20"/>
+          <p:cNvGrpSpPr/>
+          <p:nvPr/>
+        </p:nvGrpSpPr>
+        <p:grpSpPr>
+          <a:xfrm>
+            <a:off x="4998722" y="357051"/>
+            <a:ext cx="1802674" cy="6200503"/>
+            <a:chOff x="4963886" y="357051"/>
+            <a:chExt cx="1802674" cy="6200503"/>
+          </a:xfrm>
+        </p:grpSpPr>
+        <p:sp>
+          <p:nvSpPr>
+            <p:cNvPr id="22" name="Rectangle 21"/>
+            <p:cNvSpPr/>
+            <p:nvPr/>
+          </p:nvSpPr>
+          <p:spPr>
+            <a:xfrm>
+              <a:off x="5799909" y="357051"/>
+              <a:ext cx="583474" cy="130629"/>
+            </a:xfrm>
+            <a:prstGeom prst="rect">
+              <a:avLst/>
+            </a:prstGeom>
+            <a:solidFill>
+              <a:srgbClr val="F2F2F2"/>
+            </a:solidFill>
+            <a:ln>
+              <a:noFill/>
+            </a:ln>
+          </p:spPr>
+          <p:style>
+            <a:lnRef idx="2">
+              <a:schemeClr val="accent1">
+                <a:shade val="50000"/>
+              </a:schemeClr>
+            </a:lnRef>
+            <a:fillRef idx="1">
+              <a:schemeClr val="accent1"/>
+            </a:fillRef>
+            <a:effectRef idx="0">
+              <a:schemeClr val="accent1"/>
+            </a:effectRef>
+            <a:fontRef idx="minor">
+              <a:schemeClr val="lt1"/>
+            </a:fontRef>
+          </p:style>
+          <p:txBody>
+            <a:bodyPr rtlCol="0" anchor="ctr"/>
+            <a:lstStyle/>
+            <a:p>
+              <a:pPr algn="ctr"/>
+              <a:endParaRPr lang="en-US"/>
+            </a:p>
+          </p:txBody>
+        </p:sp>
+        <p:sp>
+          <p:nvSpPr>
+            <p:cNvPr id="23" name="Rectangle 22"/>
+            <p:cNvSpPr/>
+            <p:nvPr/>
+          </p:nvSpPr>
+          <p:spPr>
+            <a:xfrm>
+              <a:off x="5503818" y="5858576"/>
+              <a:ext cx="1262742" cy="698978"/>
+            </a:xfrm>
+            <a:prstGeom prst="rect">
+              <a:avLst/>
+            </a:prstGeom>
+            <a:solidFill>
+              <a:srgbClr val="F2F2F2"/>
+            </a:solidFill>
+            <a:ln>
+              <a:noFill/>
+            </a:ln>
+          </p:spPr>
+          <p:style>
+            <a:lnRef idx="2">
+              <a:schemeClr val="accent1">
+                <a:shade val="50000"/>
+              </a:schemeClr>
+            </a:lnRef>
+            <a:fillRef idx="1">
+              <a:schemeClr val="accent1"/>
+            </a:fillRef>
+            <a:effectRef idx="0">
+              <a:schemeClr val="accent1"/>
+            </a:effectRef>
+            <a:fontRef idx="minor">
+              <a:schemeClr val="lt1"/>
+            </a:fontRef>
+          </p:style>
+          <p:txBody>
+            <a:bodyPr rtlCol="0" anchor="ctr"/>
+            <a:lstStyle/>
+            <a:p>
+              <a:pPr algn="ctr"/>
+              <a:endParaRPr lang="en-US"/>
+            </a:p>
+          </p:txBody>
+        </p:sp>
+        <p:sp>
+          <p:nvSpPr>
+            <p:cNvPr id="24" name="Oval 23"/>
+            <p:cNvSpPr/>
+            <p:nvPr/>
+          </p:nvSpPr>
+          <p:spPr>
+            <a:xfrm>
+              <a:off x="4963886" y="487680"/>
+              <a:ext cx="113211" cy="113211"/>
+            </a:xfrm>
+            <a:prstGeom prst="ellipse">
+              <a:avLst/>
+            </a:prstGeom>
+          </p:spPr>
+          <p:style>
+            <a:lnRef idx="2">
+              <a:schemeClr val="dk1">
+                <a:shade val="50000"/>
+              </a:schemeClr>
+            </a:lnRef>
+            <a:fillRef idx="1">
+              <a:schemeClr val="dk1"/>
+            </a:fillRef>
+            <a:effectRef idx="0">
+              <a:schemeClr val="dk1"/>
+            </a:effectRef>
+            <a:fontRef idx="minor">
+              <a:schemeClr val="lt1"/>
+            </a:fontRef>
+          </p:style>
+          <p:txBody>
+            <a:bodyPr rtlCol="0" anchor="ctr"/>
+            <a:lstStyle/>
+            <a:p>
+              <a:pPr algn="ctr"/>
+              <a:endParaRPr lang="en-US"/>
+            </a:p>
+          </p:txBody>
+        </p:sp>
+        <p:sp>
+          <p:nvSpPr>
+            <p:cNvPr id="25" name="Rectangle 24"/>
+            <p:cNvSpPr/>
+            <p:nvPr/>
+          </p:nvSpPr>
+          <p:spPr>
+            <a:xfrm>
+              <a:off x="5216435" y="628388"/>
+              <a:ext cx="583474" cy="130629"/>
+            </a:xfrm>
+            <a:prstGeom prst="rect">
+              <a:avLst/>
+            </a:prstGeom>
+            <a:solidFill>
+              <a:srgbClr val="F2F2F2"/>
+            </a:solidFill>
+            <a:ln>
+              <a:noFill/>
+            </a:ln>
+          </p:spPr>
+          <p:style>
+            <a:lnRef idx="2">
+              <a:schemeClr val="accent1">
+                <a:shade val="50000"/>
+              </a:schemeClr>
+            </a:lnRef>
+            <a:fillRef idx="1">
+              <a:schemeClr val="accent1"/>
+            </a:fillRef>
+            <a:effectRef idx="0">
+              <a:schemeClr val="accent1"/>
+            </a:effectRef>
+            <a:fontRef idx="minor">
+              <a:schemeClr val="lt1"/>
+            </a:fontRef>
+          </p:style>
+          <p:txBody>
+            <a:bodyPr rtlCol="0" anchor="ctr"/>
+            <a:lstStyle/>
+            <a:p>
+              <a:pPr algn="ctr"/>
+              <a:endParaRPr lang="en-US"/>
+            </a:p>
+          </p:txBody>
+        </p:sp>
+        <p:sp>
+          <p:nvSpPr>
+            <p:cNvPr id="26" name="Rounded Rectangle 25"/>
+            <p:cNvSpPr/>
+            <p:nvPr/>
+          </p:nvSpPr>
+          <p:spPr>
+            <a:xfrm>
+              <a:off x="5416735" y="373617"/>
+              <a:ext cx="1275805" cy="98398"/>
+            </a:xfrm>
+            <a:prstGeom prst="roundRect">
+              <a:avLst/>
+            </a:prstGeom>
+            <a:solidFill>
+              <a:srgbClr val="F2F2F2"/>
+            </a:solidFill>
+            <a:ln>
+              <a:solidFill>
+                <a:schemeClr val="bg1">
+                  <a:lumMod val="50000"/>
+                </a:schemeClr>
+              </a:solidFill>
+            </a:ln>
+          </p:spPr>
+          <p:style>
+            <a:lnRef idx="2">
+              <a:schemeClr val="accent1">
+                <a:shade val="50000"/>
+              </a:schemeClr>
+            </a:lnRef>
+            <a:fillRef idx="1">
+              <a:schemeClr val="accent1"/>
+            </a:fillRef>
+            <a:effectRef idx="0">
+              <a:schemeClr val="accent1"/>
+            </a:effectRef>
+            <a:fontRef idx="minor">
+              <a:schemeClr val="lt1"/>
+            </a:fontRef>
+          </p:style>
+          <p:txBody>
+            <a:bodyPr rtlCol="0" anchor="ctr"/>
+            <a:lstStyle/>
+            <a:p>
+              <a:pPr algn="ctr"/>
+              <a:endParaRPr lang="en-US"/>
+            </a:p>
+          </p:txBody>
+        </p:sp>
+      </p:grpSp>
+      <p:pic>
+        <p:nvPicPr>
+          <p:cNvPr id="18" name="Picture 2" descr="http://www.creativesoulphoto.com/wp-content/uploads/2015/05/2015-05-07_0001.jpg"/>
+          <p:cNvPicPr>
+            <a:picLocks noChangeAspect="1" noChangeArrowheads="1"/>
+          </p:cNvPicPr>
+          <p:nvPr/>
+        </p:nvPicPr>
+        <p:blipFill rotWithShape="1">
+          <a:blip r:embed="rId3">
+            <a:extLst>
+              <a:ext uri="{28A0092B-C50C-407E-A947-70E740481C1C}">
+                <a14:useLocalDpi xmlns:a14="http://schemas.microsoft.com/office/drawing/2010/main" val="0"/>
+              </a:ext>
+            </a:extLst>
+          </a:blip>
+          <a:srcRect l="12083" t="9777" r="28041" b="27781"/>
+          <a:stretch/>
+        </p:blipFill>
+        <p:spPr bwMode="auto">
+          <a:xfrm>
+            <a:off x="4920342" y="1757157"/>
+            <a:ext cx="1123406" cy="700640"/>
+          </a:xfrm>
+          <a:prstGeom prst="rect">
+            <a:avLst/>
+          </a:prstGeom>
+          <a:noFill/>
+          <a:extLst>
+            <a:ext uri="{909E8E84-426E-40DD-AFC4-6F175D3DCCD1}">
+              <a14:hiddenFill xmlns:a14="http://schemas.microsoft.com/office/drawing/2010/main">
+                <a:solidFill>
+                  <a:srgbClr val="FFFFFF"/>
+                </a:solidFill>
+              </a14:hiddenFill>
+            </a:ext>
+          </a:extLst>
+        </p:spPr>
+      </p:pic>
+      <p:pic>
+        <p:nvPicPr>
+          <p:cNvPr id="19" name="Picture 4" descr="http://static.wixstatic.com/media/9f192c_5ef6405990094f558a94350d1da90fec.jpg_srz_1903_1270_85_22_0.50_1.20_0.00_jpg_srz"/>
+          <p:cNvPicPr>
+            <a:picLocks noChangeAspect="1" noChangeArrowheads="1"/>
+          </p:cNvPicPr>
+          <p:nvPr/>
+        </p:nvPicPr>
+        <p:blipFill rotWithShape="1">
+          <a:blip r:embed="rId4">
+            <a:extLst>
+              <a:ext uri="{28A0092B-C50C-407E-A947-70E740481C1C}">
+                <a14:useLocalDpi xmlns:a14="http://schemas.microsoft.com/office/drawing/2010/main" val="0"/>
+              </a:ext>
+            </a:extLst>
+          </a:blip>
+          <a:srcRect r="24403"/>
+          <a:stretch/>
+        </p:blipFill>
+        <p:spPr bwMode="auto">
+          <a:xfrm>
+            <a:off x="6163490" y="1761215"/>
+            <a:ext cx="1132352" cy="696582"/>
+          </a:xfrm>
+          <a:prstGeom prst="rect">
+            <a:avLst/>
+          </a:prstGeom>
+          <a:noFill/>
+          <a:extLst>
+            <a:ext uri="{909E8E84-426E-40DD-AFC4-6F175D3DCCD1}">
+              <a14:hiddenFill xmlns:a14="http://schemas.microsoft.com/office/drawing/2010/main">
+                <a:solidFill>
+                  <a:srgbClr val="FFFFFF"/>
+                </a:solidFill>
+              </a14:hiddenFill>
+            </a:ext>
+          </a:extLst>
+        </p:spPr>
+      </p:pic>
+    </p:spTree>
+    <p:extLst>
+      <p:ext uri="{BB962C8B-B14F-4D97-AF65-F5344CB8AC3E}">
+        <p14:creationId xmlns:p14="http://schemas.microsoft.com/office/powerpoint/2010/main" val="193707465"/>
+      </p:ext>
+    </p:extLst>
+  </p:cSld>
+  <p:clrMapOvr>
+    <a:masterClrMapping/>
+  </p:clrMapOvr>
+  <p:timing>
+    <p:tnLst>
+      <p:par>
+        <p:cTn id="1" dur="indefinite" restart="never" nodeType="tmRoot">
+          <p:childTnLst>
+            <p:seq concurrent="1" nextAc="seek">
+              <p:cTn id="2" dur="indefinite" nodeType="mainSeq">
+                <p:childTnLst>
+                  <p:par>
+                    <p:cTn id="3" fill="hold">
+                      <p:stCondLst>
+                        <p:cond delay="indefinite"/>
+                        <p:cond evt="onBegin" delay="0">
+                          <p:tn val="2"/>
+                        </p:cond>
+                      </p:stCondLst>
+                      <p:childTnLst>
+                        <p:par>
+                          <p:cTn id="4" fill="hold">
+                            <p:stCondLst>
+                              <p:cond delay="0"/>
+                            </p:stCondLst>
+                            <p:childTnLst>
+                              <p:par>
+                                <p:cTn id="5" presetID="42" presetClass="path" presetSubtype="0" accel="50000" decel="50000" fill="hold" grpId="0" nodeType="withEffect">
+                                  <p:stCondLst>
+                                    <p:cond delay="1000"/>
+                                  </p:stCondLst>
+                                  <p:childTnLst>
+                                    <p:animMotion origin="layout" path="M -1.25E-6 -2.22222E-6 L -1.25E-6 -0.15463 " pathEditMode="relative" rAng="0" ptsTypes="AA">
+                                      <p:cBhvr>
+                                        <p:cTn id="6" dur="2000" fill="hold"/>
+                                        <p:tgtEl>
+                                          <p:spTgt spid="6"/>
+                                        </p:tgtEl>
+                                        <p:attrNameLst>
+                                          <p:attrName>ppt_x</p:attrName>
+                                          <p:attrName>ppt_y</p:attrName>
+                                        </p:attrNameLst>
+                                      </p:cBhvr>
+                                      <p:rCtr x="0" y="-7731"/>
+                                    </p:animMotion>
+                                  </p:childTnLst>
+                                </p:cTn>
+                              </p:par>
+                            </p:childTnLst>
+                          </p:cTn>
+                        </p:par>
+                      </p:childTnLst>
+                    </p:cTn>
+                  </p:par>
+                </p:childTnLst>
+              </p:cTn>
+              <p:prevCondLst>
+                <p:cond evt="onPrev" delay="0">
+                  <p:tgtEl>
+                    <p:sldTgt/>
+                  </p:tgtEl>
+                </p:cond>
+              </p:prevCondLst>
+              <p:nextCondLst>
+                <p:cond evt="onNext" delay="0">
+                  <p:tgtEl>
+                    <p:sldTgt/>
+                  </p:tgtEl>
+                </p:cond>
+              </p:nextCondLst>
+            </p:seq>
+          </p:childTnLst>
+        </p:cTn>
+      </p:par>
+    </p:tnLst>
+    <p:bldLst>
+      <p:bldP spid="6" grpId="0"/>
+    </p:bldLst>
+  </p:timing>
+</p:sld>
+</file>
+
+<file path=ppt/slides/slide11.xml><?xml version="1.0" encoding="utf-8"?>
+<p:sld xmlns:a="http://schemas.openxmlformats.org/drawingml/2006/main" xmlns:r="http://schemas.openxmlformats.org/officeDocument/2006/relationships" xmlns:p="http://schemas.openxmlformats.org/presentationml/2006/main">
+  <p:cSld>
+    <p:spTree>
+      <p:nvGrpSpPr>
+        <p:cNvPr id="1" name=""/>
+        <p:cNvGrpSpPr/>
+        <p:nvPr/>
+      </p:nvGrpSpPr>
+      <p:grpSpPr>
+        <a:xfrm>
+          <a:off x="0" y="0"/>
+          <a:ext cx="0" cy="0"/>
+          <a:chOff x="0" y="0"/>
+          <a:chExt cx="0" cy="0"/>
+        </a:xfrm>
+      </p:grpSpPr>
+      <p:sp>
+        <p:nvSpPr>
+          <p:cNvPr id="8" name="Rectangle 7"/>
+          <p:cNvSpPr/>
+          <p:nvPr/>
+        </p:nvSpPr>
+        <p:spPr>
+          <a:xfrm>
+            <a:off x="4800600" y="1048624"/>
+            <a:ext cx="2623931" cy="4676315"/>
+          </a:xfrm>
+          <a:prstGeom prst="rect">
+            <a:avLst/>
+          </a:prstGeom>
+          <a:solidFill>
+            <a:srgbClr val="335B74"/>
+          </a:solidFill>
+          <a:ln>
+            <a:noFill/>
+          </a:ln>
+        </p:spPr>
+        <p:style>
+          <a:lnRef idx="2">
+            <a:schemeClr val="accent1">
+              <a:shade val="50000"/>
+            </a:schemeClr>
+          </a:lnRef>
+          <a:fillRef idx="1">
+            <a:schemeClr val="accent1"/>
+          </a:fillRef>
+          <a:effectRef idx="0">
+            <a:schemeClr val="accent1"/>
+          </a:effectRef>
+          <a:fontRef idx="minor">
+            <a:schemeClr val="lt1"/>
+          </a:fontRef>
+        </p:style>
+        <p:txBody>
+          <a:bodyPr rtlCol="0" anchor="ctr"/>
+          <a:lstStyle/>
+          <a:p>
+            <a:pPr algn="ctr"/>
+            <a:endParaRPr lang="en-US" dirty="0"/>
+          </a:p>
+        </p:txBody>
+      </p:sp>
+      <p:sp>
+        <p:nvSpPr>
+          <p:cNvPr id="2" name="TextBox 1"/>
+          <p:cNvSpPr txBox="1"/>
+          <p:nvPr/>
+        </p:nvSpPr>
+        <p:spPr>
+          <a:xfrm>
+            <a:off x="9315450" y="5876925"/>
+            <a:ext cx="2333625" cy="369332"/>
+          </a:xfrm>
+          <a:prstGeom prst="rect">
+            <a:avLst/>
+          </a:prstGeom>
+          <a:noFill/>
+        </p:spPr>
+        <p:txBody>
+          <a:bodyPr wrap="square" rtlCol="0">
+            <a:spAutoFit/>
+          </a:bodyPr>
+          <a:lstStyle/>
+          <a:p>
+            <a:r>
+              <a:rPr lang="en-US" dirty="0">
+                <a:latin typeface="Malgun Gothic Semilight" panose="020B0502040204020203" pitchFamily="34" charset="-128"/>
+                <a:ea typeface="Malgun Gothic Semilight" panose="020B0502040204020203" pitchFamily="34" charset="-128"/>
+                <a:cs typeface="Malgun Gothic Semilight" panose="020B0502040204020203" pitchFamily="34" charset="-128"/>
+              </a:rPr>
+              <a:t>Home Screen</a:t>
+            </a:r>
+          </a:p>
+        </p:txBody>
+      </p:sp>
+      <p:sp>
+        <p:nvSpPr>
+          <p:cNvPr id="6" name="TextBox 5"/>
+          <p:cNvSpPr txBox="1"/>
+          <p:nvPr/>
+        </p:nvSpPr>
+        <p:spPr>
+          <a:xfrm>
+            <a:off x="5625833" y="3202115"/>
+            <a:ext cx="973463" cy="369332"/>
+          </a:xfrm>
+          <a:prstGeom prst="rect">
+            <a:avLst/>
+          </a:prstGeom>
+          <a:noFill/>
+        </p:spPr>
+        <p:txBody>
+          <a:bodyPr wrap="square" rtlCol="0">
+            <a:spAutoFit/>
+          </a:bodyPr>
+          <a:lstStyle/>
+          <a:p>
+            <a:pPr marL="0" marR="0" lvl="0" indent="0" algn="ctr" defTabSz="914400" eaLnBrk="1" fontAlgn="auto" latinLnBrk="0" hangingPunct="1">
+              <a:lnSpc>
+                <a:spcPct val="100000"/>
+              </a:lnSpc>
+              <a:spcBef>
+                <a:spcPts val="0"/>
+              </a:spcBef>
+              <a:spcAft>
+                <a:spcPts val="0"/>
+              </a:spcAft>
+              <a:buClrTx/>
+              <a:buSzTx/>
+              <a:buFontTx/>
+              <a:buNone/>
+              <a:tabLst/>
+              <a:defRPr/>
+            </a:pPr>
+            <a:r>
+              <a:rPr kumimoji="0" lang="en-US" sz="1800" b="0" i="0" u="none" strike="noStrike" kern="0" cap="none" spc="0" normalizeH="0" baseline="0" noProof="0" dirty="0">
+                <a:ln>
+                  <a:noFill/>
+                </a:ln>
+                <a:solidFill>
+                  <a:schemeClr val="bg1"/>
+                </a:solidFill>
+                <a:effectLst/>
+                <a:uLnTx/>
+                <a:uFillTx/>
+                <a:latin typeface="Malgun Gothic Semilight" panose="020B0502040204020203" pitchFamily="34" charset="-128"/>
+                <a:ea typeface="Malgun Gothic Semilight" panose="020B0502040204020203" pitchFamily="34" charset="-128"/>
+                <a:cs typeface="Malgun Gothic Semilight" panose="020B0502040204020203" pitchFamily="34" charset="-128"/>
+              </a:rPr>
+              <a:t>Even II</a:t>
+            </a:r>
+          </a:p>
+        </p:txBody>
+      </p:sp>
+      <p:pic>
+        <p:nvPicPr>
+          <p:cNvPr id="5" name="Picture 4"/>
+          <p:cNvPicPr>
+            <a:picLocks noChangeAspect="1"/>
+          </p:cNvPicPr>
+          <p:nvPr/>
+        </p:nvPicPr>
+        <p:blipFill>
+          <a:blip r:embed="rId2"/>
+          <a:stretch>
+            <a:fillRect/>
+          </a:stretch>
+        </p:blipFill>
+        <p:spPr>
+          <a:xfrm>
+            <a:off x="4800599" y="1053959"/>
+            <a:ext cx="2623931" cy="4664767"/>
+          </a:xfrm>
+          <a:prstGeom prst="rect">
+            <a:avLst/>
+          </a:prstGeom>
+        </p:spPr>
+      </p:pic>
+      <p:sp>
+        <p:nvSpPr>
+          <p:cNvPr id="7" name="Rectangle 6"/>
+          <p:cNvSpPr/>
+          <p:nvPr/>
+        </p:nvSpPr>
+        <p:spPr>
+          <a:xfrm>
+            <a:off x="4920343" y="1776552"/>
+            <a:ext cx="1123406" cy="661851"/>
+          </a:xfrm>
+          <a:prstGeom prst="rect">
+            <a:avLst/>
+          </a:prstGeom>
+          <a:solidFill>
+            <a:srgbClr val="3E6F8E"/>
+          </a:solidFill>
+        </p:spPr>
+        <p:style>
+          <a:lnRef idx="2">
+            <a:schemeClr val="accent1">
+              <a:shade val="50000"/>
+            </a:schemeClr>
+          </a:lnRef>
+          <a:fillRef idx="1">
+            <a:schemeClr val="accent1"/>
+          </a:fillRef>
+          <a:effectRef idx="0">
+            <a:schemeClr val="accent1"/>
+          </a:effectRef>
+          <a:fontRef idx="minor">
+            <a:schemeClr val="lt1"/>
+          </a:fontRef>
+        </p:style>
+        <p:txBody>
+          <a:bodyPr rtlCol="0" anchor="ctr"/>
+          <a:lstStyle/>
+          <a:p>
+            <a:pPr algn="ctr"/>
+            <a:r>
+              <a:rPr lang="en-US" sz="2800" dirty="0"/>
+              <a:t>A</a:t>
+            </a:r>
+          </a:p>
+        </p:txBody>
+      </p:sp>
+      <p:sp>
+        <p:nvSpPr>
+          <p:cNvPr id="9" name="Rectangle 8"/>
+          <p:cNvSpPr/>
+          <p:nvPr/>
+        </p:nvSpPr>
+        <p:spPr>
+          <a:xfrm>
+            <a:off x="6172436" y="1776552"/>
+            <a:ext cx="1123406" cy="661851"/>
+          </a:xfrm>
+          <a:prstGeom prst="rect">
+            <a:avLst/>
+          </a:prstGeom>
+          <a:solidFill>
+            <a:srgbClr val="3E6F8E"/>
+          </a:solidFill>
+        </p:spPr>
+        <p:style>
+          <a:lnRef idx="2">
+            <a:schemeClr val="accent1">
+              <a:shade val="50000"/>
+            </a:schemeClr>
+          </a:lnRef>
+          <a:fillRef idx="1">
+            <a:schemeClr val="accent1"/>
+          </a:fillRef>
+          <a:effectRef idx="0">
+            <a:schemeClr val="accent1"/>
+          </a:effectRef>
+          <a:fontRef idx="minor">
+            <a:schemeClr val="lt1"/>
+          </a:fontRef>
+        </p:style>
+        <p:txBody>
+          <a:bodyPr rtlCol="0" anchor="ctr"/>
+          <a:lstStyle/>
+          <a:p>
+            <a:pPr algn="ctr"/>
+            <a:r>
+              <a:rPr lang="en-US" sz="2800" dirty="0"/>
+              <a:t>B</a:t>
+            </a:r>
+          </a:p>
+        </p:txBody>
+      </p:sp>
+      <p:sp>
+        <p:nvSpPr>
+          <p:cNvPr id="10" name="TextBox 9"/>
+          <p:cNvSpPr txBox="1"/>
+          <p:nvPr/>
+        </p:nvSpPr>
+        <p:spPr>
+          <a:xfrm>
+            <a:off x="4920343" y="2394863"/>
+            <a:ext cx="2375499" cy="1477328"/>
+          </a:xfrm>
+          <a:prstGeom prst="rect">
+            <a:avLst/>
+          </a:prstGeom>
+          <a:noFill/>
+        </p:spPr>
+        <p:txBody>
+          <a:bodyPr wrap="square" rtlCol="0">
+            <a:spAutoFit/>
+          </a:bodyPr>
+          <a:lstStyle/>
+          <a:p>
+            <a:r>
+              <a:rPr lang="en-US" dirty="0">
+                <a:solidFill>
+                  <a:schemeClr val="bg1">
+                    <a:lumMod val="95000"/>
+                  </a:schemeClr>
+                </a:solidFill>
+              </a:rPr>
+              <a:t>Albert	      Beth</a:t>
+            </a:r>
+          </a:p>
+          <a:p>
+            <a:endParaRPr lang="en-US" dirty="0">
+              <a:solidFill>
+                <a:schemeClr val="bg1">
+                  <a:lumMod val="95000"/>
+                </a:schemeClr>
+              </a:solidFill>
+            </a:endParaRPr>
+          </a:p>
+          <a:p>
+            <a:endParaRPr lang="en-US" dirty="0">
+              <a:solidFill>
+                <a:schemeClr val="bg1">
+                  <a:lumMod val="95000"/>
+                </a:schemeClr>
+              </a:solidFill>
+            </a:endParaRPr>
+          </a:p>
+          <a:p>
+            <a:endParaRPr lang="en-US" dirty="0">
+              <a:solidFill>
+                <a:schemeClr val="bg1">
+                  <a:lumMod val="95000"/>
+                </a:schemeClr>
+              </a:solidFill>
+            </a:endParaRPr>
+          </a:p>
+          <a:p>
+            <a:r>
+              <a:rPr lang="en-US" dirty="0">
+                <a:solidFill>
+                  <a:schemeClr val="bg1">
+                    <a:lumMod val="95000"/>
+                  </a:schemeClr>
+                </a:solidFill>
+              </a:rPr>
               <a:t>Pearl	       Add</a:t>
             </a:r>
           </a:p>
         </p:txBody>
       </p:sp>
+      <p:pic>
+        <p:nvPicPr>
+          <p:cNvPr id="18" name="Picture 2" descr="http://www.creativesoulphoto.com/wp-content/uploads/2015/05/2015-05-07_0001.jpg"/>
+          <p:cNvPicPr>
+            <a:picLocks noChangeAspect="1" noChangeArrowheads="1"/>
+          </p:cNvPicPr>
+          <p:nvPr/>
+        </p:nvPicPr>
+        <p:blipFill rotWithShape="1">
+          <a:blip r:embed="rId3">
+            <a:extLst>
+              <a:ext uri="{28A0092B-C50C-407E-A947-70E740481C1C}">
+                <a14:useLocalDpi xmlns:a14="http://schemas.microsoft.com/office/drawing/2010/main" val="0"/>
+              </a:ext>
+            </a:extLst>
+          </a:blip>
+          <a:srcRect l="12083" t="9777" r="28041" b="27781"/>
+          <a:stretch/>
+        </p:blipFill>
+        <p:spPr bwMode="auto">
+          <a:xfrm>
+            <a:off x="4920342" y="1757157"/>
+            <a:ext cx="1123406" cy="700640"/>
+          </a:xfrm>
+          <a:prstGeom prst="rect">
+            <a:avLst/>
+          </a:prstGeom>
+          <a:noFill/>
+          <a:extLst>
+            <a:ext uri="{909E8E84-426E-40DD-AFC4-6F175D3DCCD1}">
+              <a14:hiddenFill xmlns:a14="http://schemas.microsoft.com/office/drawing/2010/main">
+                <a:solidFill>
+                  <a:srgbClr val="FFFFFF"/>
+                </a:solidFill>
+              </a14:hiddenFill>
+            </a:ext>
+          </a:extLst>
+        </p:spPr>
+      </p:pic>
+      <p:pic>
+        <p:nvPicPr>
+          <p:cNvPr id="19" name="Picture 4" descr="http://static.wixstatic.com/media/9f192c_5ef6405990094f558a94350d1da90fec.jpg_srz_1903_1270_85_22_0.50_1.20_0.00_jpg_srz"/>
+          <p:cNvPicPr>
+            <a:picLocks noChangeAspect="1" noChangeArrowheads="1"/>
+          </p:cNvPicPr>
+          <p:nvPr/>
+        </p:nvPicPr>
+        <p:blipFill rotWithShape="1">
+          <a:blip r:embed="rId4">
+            <a:extLst>
+              <a:ext uri="{28A0092B-C50C-407E-A947-70E740481C1C}">
+                <a14:useLocalDpi xmlns:a14="http://schemas.microsoft.com/office/drawing/2010/main" val="0"/>
+              </a:ext>
+            </a:extLst>
+          </a:blip>
+          <a:srcRect r="24403"/>
+          <a:stretch/>
+        </p:blipFill>
+        <p:spPr bwMode="auto">
+          <a:xfrm>
+            <a:off x="6163490" y="1761215"/>
+            <a:ext cx="1132352" cy="696582"/>
+          </a:xfrm>
+          <a:prstGeom prst="rect">
+            <a:avLst/>
+          </a:prstGeom>
+          <a:noFill/>
+          <a:extLst>
+            <a:ext uri="{909E8E84-426E-40DD-AFC4-6F175D3DCCD1}">
+              <a14:hiddenFill xmlns:a14="http://schemas.microsoft.com/office/drawing/2010/main">
+                <a:solidFill>
+                  <a:srgbClr val="FFFFFF"/>
+                </a:solidFill>
+              </a14:hiddenFill>
+            </a:ext>
+          </a:extLst>
+        </p:spPr>
+      </p:pic>
       <p:sp>
         <p:nvSpPr>
           <p:cNvPr id="11" name="Rectangle 10"/>
@@ -8527,7 +9827,7 @@
           <p:nvPr/>
         </p:nvPicPr>
         <p:blipFill>
-          <a:blip r:embed="rId3"/>
+          <a:blip r:embed="rId5"/>
           <a:stretch>
             <a:fillRect/>
           </a:stretch>
@@ -8551,7 +9851,858 @@
           <p:nvPr/>
         </p:nvPicPr>
         <p:blipFill>
-          <a:blip r:embed="rId4"/>
+          <a:blip r:embed="rId6"/>
+          <a:stretch>
+            <a:fillRect/>
+          </a:stretch>
+        </p:blipFill>
+        <p:spPr>
+          <a:xfrm>
+            <a:off x="4881214" y="2638728"/>
+            <a:ext cx="2487251" cy="1865438"/>
+          </a:xfrm>
+          <a:prstGeom prst="rect">
+            <a:avLst/>
+          </a:prstGeom>
+        </p:spPr>
+      </p:pic>
+      <p:grpSp>
+        <p:nvGrpSpPr>
+          <p:cNvPr id="20" name="Group 19"/>
+          <p:cNvGrpSpPr/>
+          <p:nvPr/>
+        </p:nvGrpSpPr>
+        <p:grpSpPr>
+          <a:xfrm>
+            <a:off x="4998722" y="357051"/>
+            <a:ext cx="1802674" cy="6200503"/>
+            <a:chOff x="4963886" y="357051"/>
+            <a:chExt cx="1802674" cy="6200503"/>
+          </a:xfrm>
+        </p:grpSpPr>
+        <p:sp>
+          <p:nvSpPr>
+            <p:cNvPr id="21" name="Rectangle 20"/>
+            <p:cNvSpPr/>
+            <p:nvPr/>
+          </p:nvSpPr>
+          <p:spPr>
+            <a:xfrm>
+              <a:off x="5799909" y="357051"/>
+              <a:ext cx="583474" cy="130629"/>
+            </a:xfrm>
+            <a:prstGeom prst="rect">
+              <a:avLst/>
+            </a:prstGeom>
+            <a:solidFill>
+              <a:srgbClr val="F2F2F2"/>
+            </a:solidFill>
+            <a:ln>
+              <a:noFill/>
+            </a:ln>
+          </p:spPr>
+          <p:style>
+            <a:lnRef idx="2">
+              <a:schemeClr val="accent1">
+                <a:shade val="50000"/>
+              </a:schemeClr>
+            </a:lnRef>
+            <a:fillRef idx="1">
+              <a:schemeClr val="accent1"/>
+            </a:fillRef>
+            <a:effectRef idx="0">
+              <a:schemeClr val="accent1"/>
+            </a:effectRef>
+            <a:fontRef idx="minor">
+              <a:schemeClr val="lt1"/>
+            </a:fontRef>
+          </p:style>
+          <p:txBody>
+            <a:bodyPr rtlCol="0" anchor="ctr"/>
+            <a:lstStyle/>
+            <a:p>
+              <a:pPr algn="ctr"/>
+              <a:endParaRPr lang="en-US"/>
+            </a:p>
+          </p:txBody>
+        </p:sp>
+        <p:sp>
+          <p:nvSpPr>
+            <p:cNvPr id="22" name="Rectangle 21"/>
+            <p:cNvSpPr/>
+            <p:nvPr/>
+          </p:nvSpPr>
+          <p:spPr>
+            <a:xfrm>
+              <a:off x="5503818" y="5858576"/>
+              <a:ext cx="1262742" cy="698978"/>
+            </a:xfrm>
+            <a:prstGeom prst="rect">
+              <a:avLst/>
+            </a:prstGeom>
+            <a:solidFill>
+              <a:srgbClr val="F2F2F2"/>
+            </a:solidFill>
+            <a:ln>
+              <a:noFill/>
+            </a:ln>
+          </p:spPr>
+          <p:style>
+            <a:lnRef idx="2">
+              <a:schemeClr val="accent1">
+                <a:shade val="50000"/>
+              </a:schemeClr>
+            </a:lnRef>
+            <a:fillRef idx="1">
+              <a:schemeClr val="accent1"/>
+            </a:fillRef>
+            <a:effectRef idx="0">
+              <a:schemeClr val="accent1"/>
+            </a:effectRef>
+            <a:fontRef idx="minor">
+              <a:schemeClr val="lt1"/>
+            </a:fontRef>
+          </p:style>
+          <p:txBody>
+            <a:bodyPr rtlCol="0" anchor="ctr"/>
+            <a:lstStyle/>
+            <a:p>
+              <a:pPr algn="ctr"/>
+              <a:endParaRPr lang="en-US"/>
+            </a:p>
+          </p:txBody>
+        </p:sp>
+        <p:sp>
+          <p:nvSpPr>
+            <p:cNvPr id="23" name="Oval 22"/>
+            <p:cNvSpPr/>
+            <p:nvPr/>
+          </p:nvSpPr>
+          <p:spPr>
+            <a:xfrm>
+              <a:off x="4963886" y="487680"/>
+              <a:ext cx="113211" cy="113211"/>
+            </a:xfrm>
+            <a:prstGeom prst="ellipse">
+              <a:avLst/>
+            </a:prstGeom>
+          </p:spPr>
+          <p:style>
+            <a:lnRef idx="2">
+              <a:schemeClr val="dk1">
+                <a:shade val="50000"/>
+              </a:schemeClr>
+            </a:lnRef>
+            <a:fillRef idx="1">
+              <a:schemeClr val="dk1"/>
+            </a:fillRef>
+            <a:effectRef idx="0">
+              <a:schemeClr val="dk1"/>
+            </a:effectRef>
+            <a:fontRef idx="minor">
+              <a:schemeClr val="lt1"/>
+            </a:fontRef>
+          </p:style>
+          <p:txBody>
+            <a:bodyPr rtlCol="0" anchor="ctr"/>
+            <a:lstStyle/>
+            <a:p>
+              <a:pPr algn="ctr"/>
+              <a:endParaRPr lang="en-US"/>
+            </a:p>
+          </p:txBody>
+        </p:sp>
+        <p:sp>
+          <p:nvSpPr>
+            <p:cNvPr id="24" name="Rectangle 23"/>
+            <p:cNvSpPr/>
+            <p:nvPr/>
+          </p:nvSpPr>
+          <p:spPr>
+            <a:xfrm>
+              <a:off x="5216435" y="628388"/>
+              <a:ext cx="583474" cy="130629"/>
+            </a:xfrm>
+            <a:prstGeom prst="rect">
+              <a:avLst/>
+            </a:prstGeom>
+            <a:solidFill>
+              <a:srgbClr val="F2F2F2"/>
+            </a:solidFill>
+            <a:ln>
+              <a:noFill/>
+            </a:ln>
+          </p:spPr>
+          <p:style>
+            <a:lnRef idx="2">
+              <a:schemeClr val="accent1">
+                <a:shade val="50000"/>
+              </a:schemeClr>
+            </a:lnRef>
+            <a:fillRef idx="1">
+              <a:schemeClr val="accent1"/>
+            </a:fillRef>
+            <a:effectRef idx="0">
+              <a:schemeClr val="accent1"/>
+            </a:effectRef>
+            <a:fontRef idx="minor">
+              <a:schemeClr val="lt1"/>
+            </a:fontRef>
+          </p:style>
+          <p:txBody>
+            <a:bodyPr rtlCol="0" anchor="ctr"/>
+            <a:lstStyle/>
+            <a:p>
+              <a:pPr algn="ctr"/>
+              <a:endParaRPr lang="en-US"/>
+            </a:p>
+          </p:txBody>
+        </p:sp>
+        <p:sp>
+          <p:nvSpPr>
+            <p:cNvPr id="25" name="Rounded Rectangle 24"/>
+            <p:cNvSpPr/>
+            <p:nvPr/>
+          </p:nvSpPr>
+          <p:spPr>
+            <a:xfrm>
+              <a:off x="5416735" y="373617"/>
+              <a:ext cx="1275805" cy="98398"/>
+            </a:xfrm>
+            <a:prstGeom prst="roundRect">
+              <a:avLst/>
+            </a:prstGeom>
+            <a:solidFill>
+              <a:srgbClr val="F2F2F2"/>
+            </a:solidFill>
+            <a:ln>
+              <a:solidFill>
+                <a:schemeClr val="bg1">
+                  <a:lumMod val="50000"/>
+                </a:schemeClr>
+              </a:solidFill>
+            </a:ln>
+          </p:spPr>
+          <p:style>
+            <a:lnRef idx="2">
+              <a:schemeClr val="accent1">
+                <a:shade val="50000"/>
+              </a:schemeClr>
+            </a:lnRef>
+            <a:fillRef idx="1">
+              <a:schemeClr val="accent1"/>
+            </a:fillRef>
+            <a:effectRef idx="0">
+              <a:schemeClr val="accent1"/>
+            </a:effectRef>
+            <a:fontRef idx="minor">
+              <a:schemeClr val="lt1"/>
+            </a:fontRef>
+          </p:style>
+          <p:txBody>
+            <a:bodyPr rtlCol="0" anchor="ctr"/>
+            <a:lstStyle/>
+            <a:p>
+              <a:pPr algn="ctr"/>
+              <a:endParaRPr lang="en-US"/>
+            </a:p>
+          </p:txBody>
+        </p:sp>
+      </p:grpSp>
+    </p:spTree>
+    <p:extLst>
+      <p:ext uri="{BB962C8B-B14F-4D97-AF65-F5344CB8AC3E}">
+        <p14:creationId xmlns:p14="http://schemas.microsoft.com/office/powerpoint/2010/main" val="3888993189"/>
+      </p:ext>
+    </p:extLst>
+  </p:cSld>
+  <p:clrMapOvr>
+    <a:masterClrMapping/>
+  </p:clrMapOvr>
+  <p:timing>
+    <p:tnLst>
+      <p:par>
+        <p:cTn id="1" dur="indefinite" restart="never" nodeType="tmRoot">
+          <p:childTnLst>
+            <p:seq concurrent="1" nextAc="seek">
+              <p:cTn id="2" dur="indefinite" nodeType="mainSeq">
+                <p:childTnLst>
+                  <p:par>
+                    <p:cTn id="3" fill="hold">
+                      <p:stCondLst>
+                        <p:cond delay="indefinite"/>
+                        <p:cond evt="onBegin" delay="0">
+                          <p:tn val="2"/>
+                        </p:cond>
+                      </p:stCondLst>
+                      <p:childTnLst>
+                        <p:par>
+                          <p:cTn id="4" fill="hold">
+                            <p:stCondLst>
+                              <p:cond delay="0"/>
+                            </p:stCondLst>
+                            <p:childTnLst>
+                              <p:par>
+                                <p:cTn id="5" presetID="42" presetClass="path" presetSubtype="0" accel="50000" decel="50000" fill="hold" grpId="0" nodeType="withEffect">
+                                  <p:stCondLst>
+                                    <p:cond delay="1000"/>
+                                  </p:stCondLst>
+                                  <p:childTnLst>
+                                    <p:animMotion origin="layout" path="M -1.25E-6 -2.22222E-6 L -1.25E-6 -0.15463 " pathEditMode="relative" rAng="0" ptsTypes="AA">
+                                      <p:cBhvr>
+                                        <p:cTn id="6" dur="2000" fill="hold"/>
+                                        <p:tgtEl>
+                                          <p:spTgt spid="6"/>
+                                        </p:tgtEl>
+                                        <p:attrNameLst>
+                                          <p:attrName>ppt_x</p:attrName>
+                                          <p:attrName>ppt_y</p:attrName>
+                                        </p:attrNameLst>
+                                      </p:cBhvr>
+                                      <p:rCtr x="0" y="-7731"/>
+                                    </p:animMotion>
+                                  </p:childTnLst>
+                                </p:cTn>
+                              </p:par>
+                            </p:childTnLst>
+                          </p:cTn>
+                        </p:par>
+                      </p:childTnLst>
+                    </p:cTn>
+                  </p:par>
+                </p:childTnLst>
+              </p:cTn>
+              <p:prevCondLst>
+                <p:cond evt="onPrev" delay="0">
+                  <p:tgtEl>
+                    <p:sldTgt/>
+                  </p:tgtEl>
+                </p:cond>
+              </p:prevCondLst>
+              <p:nextCondLst>
+                <p:cond evt="onNext" delay="0">
+                  <p:tgtEl>
+                    <p:sldTgt/>
+                  </p:tgtEl>
+                </p:cond>
+              </p:nextCondLst>
+            </p:seq>
+          </p:childTnLst>
+        </p:cTn>
+      </p:par>
+    </p:tnLst>
+    <p:bldLst>
+      <p:bldP spid="6" grpId="0"/>
+    </p:bldLst>
+  </p:timing>
+</p:sld>
+</file>
+
+<file path=ppt/slides/slide12.xml><?xml version="1.0" encoding="utf-8"?>
+<p:sld xmlns:a="http://schemas.openxmlformats.org/drawingml/2006/main" xmlns:r="http://schemas.openxmlformats.org/officeDocument/2006/relationships" xmlns:p="http://schemas.openxmlformats.org/presentationml/2006/main">
+  <p:cSld>
+    <p:spTree>
+      <p:nvGrpSpPr>
+        <p:cNvPr id="1" name=""/>
+        <p:cNvGrpSpPr/>
+        <p:nvPr/>
+      </p:nvGrpSpPr>
+      <p:grpSpPr>
+        <a:xfrm>
+          <a:off x="0" y="0"/>
+          <a:ext cx="0" cy="0"/>
+          <a:chOff x="0" y="0"/>
+          <a:chExt cx="0" cy="0"/>
+        </a:xfrm>
+      </p:grpSpPr>
+      <p:sp>
+        <p:nvSpPr>
+          <p:cNvPr id="8" name="Rectangle 7"/>
+          <p:cNvSpPr/>
+          <p:nvPr/>
+        </p:nvSpPr>
+        <p:spPr>
+          <a:xfrm>
+            <a:off x="4800600" y="1048624"/>
+            <a:ext cx="2623931" cy="4676315"/>
+          </a:xfrm>
+          <a:prstGeom prst="rect">
+            <a:avLst/>
+          </a:prstGeom>
+          <a:solidFill>
+            <a:srgbClr val="335B74"/>
+          </a:solidFill>
+          <a:ln>
+            <a:noFill/>
+          </a:ln>
+        </p:spPr>
+        <p:style>
+          <a:lnRef idx="2">
+            <a:schemeClr val="accent1">
+              <a:shade val="50000"/>
+            </a:schemeClr>
+          </a:lnRef>
+          <a:fillRef idx="1">
+            <a:schemeClr val="accent1"/>
+          </a:fillRef>
+          <a:effectRef idx="0">
+            <a:schemeClr val="accent1"/>
+          </a:effectRef>
+          <a:fontRef idx="minor">
+            <a:schemeClr val="lt1"/>
+          </a:fontRef>
+        </p:style>
+        <p:txBody>
+          <a:bodyPr rtlCol="0" anchor="ctr"/>
+          <a:lstStyle/>
+          <a:p>
+            <a:pPr algn="ctr"/>
+            <a:endParaRPr lang="en-US" dirty="0"/>
+          </a:p>
+        </p:txBody>
+      </p:sp>
+      <p:sp>
+        <p:nvSpPr>
+          <p:cNvPr id="2" name="TextBox 1"/>
+          <p:cNvSpPr txBox="1"/>
+          <p:nvPr/>
+        </p:nvSpPr>
+        <p:spPr>
+          <a:xfrm>
+            <a:off x="9315450" y="5876925"/>
+            <a:ext cx="2333625" cy="369332"/>
+          </a:xfrm>
+          <a:prstGeom prst="rect">
+            <a:avLst/>
+          </a:prstGeom>
+          <a:noFill/>
+        </p:spPr>
+        <p:txBody>
+          <a:bodyPr wrap="square" rtlCol="0">
+            <a:spAutoFit/>
+          </a:bodyPr>
+          <a:lstStyle/>
+          <a:p>
+            <a:r>
+              <a:rPr lang="en-US" dirty="0">
+                <a:latin typeface="Malgun Gothic Semilight" panose="020B0502040204020203" pitchFamily="34" charset="-128"/>
+                <a:ea typeface="Malgun Gothic Semilight" panose="020B0502040204020203" pitchFamily="34" charset="-128"/>
+                <a:cs typeface="Malgun Gothic Semilight" panose="020B0502040204020203" pitchFamily="34" charset="-128"/>
+              </a:rPr>
+              <a:t>Results Screen</a:t>
+            </a:r>
+          </a:p>
+        </p:txBody>
+      </p:sp>
+      <p:sp>
+        <p:nvSpPr>
+          <p:cNvPr id="6" name="TextBox 5"/>
+          <p:cNvSpPr txBox="1"/>
+          <p:nvPr/>
+        </p:nvSpPr>
+        <p:spPr>
+          <a:xfrm>
+            <a:off x="5625833" y="3202115"/>
+            <a:ext cx="973463" cy="369332"/>
+          </a:xfrm>
+          <a:prstGeom prst="rect">
+            <a:avLst/>
+          </a:prstGeom>
+          <a:noFill/>
+        </p:spPr>
+        <p:txBody>
+          <a:bodyPr wrap="square" rtlCol="0">
+            <a:spAutoFit/>
+          </a:bodyPr>
+          <a:lstStyle/>
+          <a:p>
+            <a:pPr marL="0" marR="0" lvl="0" indent="0" algn="ctr" defTabSz="914400" eaLnBrk="1" fontAlgn="auto" latinLnBrk="0" hangingPunct="1">
+              <a:lnSpc>
+                <a:spcPct val="100000"/>
+              </a:lnSpc>
+              <a:spcBef>
+                <a:spcPts val="0"/>
+              </a:spcBef>
+              <a:spcAft>
+                <a:spcPts val="0"/>
+              </a:spcAft>
+              <a:buClrTx/>
+              <a:buSzTx/>
+              <a:buFontTx/>
+              <a:buNone/>
+              <a:tabLst/>
+              <a:defRPr/>
+            </a:pPr>
+            <a:r>
+              <a:rPr kumimoji="0" lang="en-US" sz="1800" b="0" i="0" u="none" strike="noStrike" kern="0" cap="none" spc="0" normalizeH="0" baseline="0" noProof="0" dirty="0">
+                <a:ln>
+                  <a:noFill/>
+                </a:ln>
+                <a:solidFill>
+                  <a:schemeClr val="bg1"/>
+                </a:solidFill>
+                <a:effectLst/>
+                <a:uLnTx/>
+                <a:uFillTx/>
+                <a:latin typeface="Malgun Gothic Semilight" panose="020B0502040204020203" pitchFamily="34" charset="-128"/>
+                <a:ea typeface="Malgun Gothic Semilight" panose="020B0502040204020203" pitchFamily="34" charset="-128"/>
+                <a:cs typeface="Malgun Gothic Semilight" panose="020B0502040204020203" pitchFamily="34" charset="-128"/>
+              </a:rPr>
+              <a:t>Even II</a:t>
+            </a:r>
+          </a:p>
+        </p:txBody>
+      </p:sp>
+      <p:pic>
+        <p:nvPicPr>
+          <p:cNvPr id="5" name="Picture 4"/>
+          <p:cNvPicPr>
+            <a:picLocks noChangeAspect="1"/>
+          </p:cNvPicPr>
+          <p:nvPr/>
+        </p:nvPicPr>
+        <p:blipFill>
+          <a:blip r:embed="rId2"/>
+          <a:stretch>
+            <a:fillRect/>
+          </a:stretch>
+        </p:blipFill>
+        <p:spPr>
+          <a:xfrm>
+            <a:off x="4800599" y="1053959"/>
+            <a:ext cx="2623931" cy="4664767"/>
+          </a:xfrm>
+          <a:prstGeom prst="rect">
+            <a:avLst/>
+          </a:prstGeom>
+        </p:spPr>
+      </p:pic>
+      <p:sp>
+        <p:nvSpPr>
+          <p:cNvPr id="7" name="Rectangle 6"/>
+          <p:cNvSpPr/>
+          <p:nvPr/>
+        </p:nvSpPr>
+        <p:spPr>
+          <a:xfrm>
+            <a:off x="4920343" y="1776552"/>
+            <a:ext cx="1123406" cy="661851"/>
+          </a:xfrm>
+          <a:prstGeom prst="rect">
+            <a:avLst/>
+          </a:prstGeom>
+          <a:solidFill>
+            <a:srgbClr val="3E6F8E"/>
+          </a:solidFill>
+        </p:spPr>
+        <p:style>
+          <a:lnRef idx="2">
+            <a:schemeClr val="accent1">
+              <a:shade val="50000"/>
+            </a:schemeClr>
+          </a:lnRef>
+          <a:fillRef idx="1">
+            <a:schemeClr val="accent1"/>
+          </a:fillRef>
+          <a:effectRef idx="0">
+            <a:schemeClr val="accent1"/>
+          </a:effectRef>
+          <a:fontRef idx="minor">
+            <a:schemeClr val="lt1"/>
+          </a:fontRef>
+        </p:style>
+        <p:txBody>
+          <a:bodyPr rtlCol="0" anchor="ctr"/>
+          <a:lstStyle/>
+          <a:p>
+            <a:pPr algn="ctr"/>
+            <a:r>
+              <a:rPr lang="en-US" sz="2800" dirty="0"/>
+              <a:t>A</a:t>
+            </a:r>
+          </a:p>
+        </p:txBody>
+      </p:sp>
+      <p:sp>
+        <p:nvSpPr>
+          <p:cNvPr id="9" name="Rectangle 8"/>
+          <p:cNvSpPr/>
+          <p:nvPr/>
+        </p:nvSpPr>
+        <p:spPr>
+          <a:xfrm>
+            <a:off x="6172436" y="1776552"/>
+            <a:ext cx="1123406" cy="661851"/>
+          </a:xfrm>
+          <a:prstGeom prst="rect">
+            <a:avLst/>
+          </a:prstGeom>
+          <a:solidFill>
+            <a:srgbClr val="3E6F8E"/>
+          </a:solidFill>
+        </p:spPr>
+        <p:style>
+          <a:lnRef idx="2">
+            <a:schemeClr val="accent1">
+              <a:shade val="50000"/>
+            </a:schemeClr>
+          </a:lnRef>
+          <a:fillRef idx="1">
+            <a:schemeClr val="accent1"/>
+          </a:fillRef>
+          <a:effectRef idx="0">
+            <a:schemeClr val="accent1"/>
+          </a:effectRef>
+          <a:fontRef idx="minor">
+            <a:schemeClr val="lt1"/>
+          </a:fontRef>
+        </p:style>
+        <p:txBody>
+          <a:bodyPr rtlCol="0" anchor="ctr"/>
+          <a:lstStyle/>
+          <a:p>
+            <a:pPr algn="ctr"/>
+            <a:r>
+              <a:rPr lang="en-US" sz="2800" dirty="0"/>
+              <a:t>B</a:t>
+            </a:r>
+          </a:p>
+        </p:txBody>
+      </p:sp>
+      <p:sp>
+        <p:nvSpPr>
+          <p:cNvPr id="10" name="TextBox 9"/>
+          <p:cNvSpPr txBox="1"/>
+          <p:nvPr/>
+        </p:nvSpPr>
+        <p:spPr>
+          <a:xfrm>
+            <a:off x="4920343" y="2394863"/>
+            <a:ext cx="2375499" cy="1477328"/>
+          </a:xfrm>
+          <a:prstGeom prst="rect">
+            <a:avLst/>
+          </a:prstGeom>
+          <a:noFill/>
+        </p:spPr>
+        <p:txBody>
+          <a:bodyPr wrap="square" rtlCol="0">
+            <a:spAutoFit/>
+          </a:bodyPr>
+          <a:lstStyle/>
+          <a:p>
+            <a:r>
+              <a:rPr lang="en-US" dirty="0">
+                <a:solidFill>
+                  <a:schemeClr val="bg1">
+                    <a:lumMod val="95000"/>
+                  </a:schemeClr>
+                </a:solidFill>
+              </a:rPr>
+              <a:t>Albert	      Beth</a:t>
+            </a:r>
+          </a:p>
+          <a:p>
+            <a:endParaRPr lang="en-US" dirty="0">
+              <a:solidFill>
+                <a:schemeClr val="bg1">
+                  <a:lumMod val="95000"/>
+                </a:schemeClr>
+              </a:solidFill>
+            </a:endParaRPr>
+          </a:p>
+          <a:p>
+            <a:endParaRPr lang="en-US" dirty="0">
+              <a:solidFill>
+                <a:schemeClr val="bg1">
+                  <a:lumMod val="95000"/>
+                </a:schemeClr>
+              </a:solidFill>
+            </a:endParaRPr>
+          </a:p>
+          <a:p>
+            <a:endParaRPr lang="en-US" dirty="0">
+              <a:solidFill>
+                <a:schemeClr val="bg1">
+                  <a:lumMod val="95000"/>
+                </a:schemeClr>
+              </a:solidFill>
+            </a:endParaRPr>
+          </a:p>
+          <a:p>
+            <a:r>
+              <a:rPr lang="en-US" dirty="0">
+                <a:solidFill>
+                  <a:schemeClr val="bg1">
+                    <a:lumMod val="95000"/>
+                  </a:schemeClr>
+                </a:solidFill>
+              </a:rPr>
+              <a:t>Pearl	       Add</a:t>
+            </a:r>
+          </a:p>
+        </p:txBody>
+      </p:sp>
+      <p:pic>
+        <p:nvPicPr>
+          <p:cNvPr id="22" name="Picture 2" descr="http://www.creativesoulphoto.com/wp-content/uploads/2015/05/2015-05-07_0001.jpg"/>
+          <p:cNvPicPr>
+            <a:picLocks noChangeAspect="1" noChangeArrowheads="1"/>
+          </p:cNvPicPr>
+          <p:nvPr/>
+        </p:nvPicPr>
+        <p:blipFill rotWithShape="1">
+          <a:blip r:embed="rId3">
+            <a:extLst>
+              <a:ext uri="{28A0092B-C50C-407E-A947-70E740481C1C}">
+                <a14:useLocalDpi xmlns:a14="http://schemas.microsoft.com/office/drawing/2010/main" val="0"/>
+              </a:ext>
+            </a:extLst>
+          </a:blip>
+          <a:srcRect l="12083" t="9777" r="28041" b="27781"/>
+          <a:stretch/>
+        </p:blipFill>
+        <p:spPr bwMode="auto">
+          <a:xfrm>
+            <a:off x="4920342" y="1757157"/>
+            <a:ext cx="1123406" cy="700640"/>
+          </a:xfrm>
+          <a:prstGeom prst="rect">
+            <a:avLst/>
+          </a:prstGeom>
+          <a:noFill/>
+          <a:extLst>
+            <a:ext uri="{909E8E84-426E-40DD-AFC4-6F175D3DCCD1}">
+              <a14:hiddenFill xmlns:a14="http://schemas.microsoft.com/office/drawing/2010/main">
+                <a:solidFill>
+                  <a:srgbClr val="FFFFFF"/>
+                </a:solidFill>
+              </a14:hiddenFill>
+            </a:ext>
+          </a:extLst>
+        </p:spPr>
+      </p:pic>
+      <p:pic>
+        <p:nvPicPr>
+          <p:cNvPr id="23" name="Picture 4" descr="http://static.wixstatic.com/media/9f192c_5ef6405990094f558a94350d1da90fec.jpg_srz_1903_1270_85_22_0.50_1.20_0.00_jpg_srz"/>
+          <p:cNvPicPr>
+            <a:picLocks noChangeAspect="1" noChangeArrowheads="1"/>
+          </p:cNvPicPr>
+          <p:nvPr/>
+        </p:nvPicPr>
+        <p:blipFill rotWithShape="1">
+          <a:blip r:embed="rId4">
+            <a:extLst>
+              <a:ext uri="{28A0092B-C50C-407E-A947-70E740481C1C}">
+                <a14:useLocalDpi xmlns:a14="http://schemas.microsoft.com/office/drawing/2010/main" val="0"/>
+              </a:ext>
+            </a:extLst>
+          </a:blip>
+          <a:srcRect r="24403"/>
+          <a:stretch/>
+        </p:blipFill>
+        <p:spPr bwMode="auto">
+          <a:xfrm>
+            <a:off x="6163490" y="1761215"/>
+            <a:ext cx="1132352" cy="696582"/>
+          </a:xfrm>
+          <a:prstGeom prst="rect">
+            <a:avLst/>
+          </a:prstGeom>
+          <a:noFill/>
+          <a:extLst>
+            <a:ext uri="{909E8E84-426E-40DD-AFC4-6F175D3DCCD1}">
+              <a14:hiddenFill xmlns:a14="http://schemas.microsoft.com/office/drawing/2010/main">
+                <a:solidFill>
+                  <a:srgbClr val="FFFFFF"/>
+                </a:solidFill>
+              </a14:hiddenFill>
+            </a:ext>
+          </a:extLst>
+        </p:spPr>
+      </p:pic>
+      <p:sp>
+        <p:nvSpPr>
+          <p:cNvPr id="11" name="Rectangle 10"/>
+          <p:cNvSpPr/>
+          <p:nvPr/>
+        </p:nvSpPr>
+        <p:spPr>
+          <a:xfrm>
+            <a:off x="4796126" y="1042411"/>
+            <a:ext cx="2623931" cy="4676315"/>
+          </a:xfrm>
+          <a:prstGeom prst="rect">
+            <a:avLst/>
+          </a:prstGeom>
+          <a:solidFill>
+            <a:srgbClr val="000000">
+              <a:alpha val="50196"/>
+            </a:srgbClr>
+          </a:solidFill>
+          <a:ln>
+            <a:noFill/>
+          </a:ln>
+        </p:spPr>
+        <p:style>
+          <a:lnRef idx="2">
+            <a:schemeClr val="accent1">
+              <a:shade val="50000"/>
+            </a:schemeClr>
+          </a:lnRef>
+          <a:fillRef idx="1">
+            <a:schemeClr val="accent1"/>
+          </a:fillRef>
+          <a:effectRef idx="0">
+            <a:schemeClr val="accent1"/>
+          </a:effectRef>
+          <a:fontRef idx="minor">
+            <a:schemeClr val="lt1"/>
+          </a:fontRef>
+        </p:style>
+        <p:txBody>
+          <a:bodyPr rtlCol="0" anchor="ctr"/>
+          <a:lstStyle/>
+          <a:p>
+            <a:pPr algn="ctr"/>
+            <a:endParaRPr lang="en-US" dirty="0"/>
+          </a:p>
+        </p:txBody>
+      </p:sp>
+      <p:pic>
+        <p:nvPicPr>
+          <p:cNvPr id="3" name="Picture 2"/>
+          <p:cNvPicPr>
+            <a:picLocks noChangeAspect="1"/>
+          </p:cNvPicPr>
+          <p:nvPr/>
+        </p:nvPicPr>
+        <p:blipFill>
+          <a:blip r:embed="rId5"/>
+          <a:stretch>
+            <a:fillRect/>
+          </a:stretch>
+        </p:blipFill>
+        <p:spPr>
+          <a:xfrm>
+            <a:off x="4927712" y="2838996"/>
+            <a:ext cx="2394257" cy="899820"/>
+          </a:xfrm>
+          <a:prstGeom prst="rect">
+            <a:avLst/>
+          </a:prstGeom>
+        </p:spPr>
+      </p:pic>
+      <p:pic>
+        <p:nvPicPr>
+          <p:cNvPr id="12" name="Picture 11"/>
+          <p:cNvPicPr>
+            <a:picLocks noChangeAspect="1"/>
+          </p:cNvPicPr>
+          <p:nvPr/>
+        </p:nvPicPr>
+        <p:blipFill>
+          <a:blip r:embed="rId6"/>
           <a:stretch>
             <a:fillRect/>
           </a:stretch>
@@ -8575,7 +10726,7 @@
           <p:nvPr/>
         </p:nvPicPr>
         <p:blipFill>
-          <a:blip r:embed="rId5"/>
+          <a:blip r:embed="rId7"/>
           <a:stretch>
             <a:fillRect/>
           </a:stretch>
@@ -8952,7 +11103,7 @@
 </p:sld>
 </file>
 
-<file path=ppt/slides/slide11.xml><?xml version="1.0" encoding="utf-8"?>
+<file path=ppt/slides/slide13.xml><?xml version="1.0" encoding="utf-8"?>
 <p:sld xmlns:a="http://schemas.openxmlformats.org/drawingml/2006/main" xmlns:r="http://schemas.openxmlformats.org/officeDocument/2006/relationships" xmlns:p="http://schemas.openxmlformats.org/presentationml/2006/main">
   <p:cSld>
     <p:spTree>
@@ -9948,7 +12099,7 @@
 </p:sld>
 </file>
 
-<file path=ppt/slides/slide12.xml><?xml version="1.0" encoding="utf-8"?>
+<file path=ppt/slides/slide14.xml><?xml version="1.0" encoding="utf-8"?>
 <p:sld xmlns:a="http://schemas.openxmlformats.org/drawingml/2006/main" xmlns:r="http://schemas.openxmlformats.org/officeDocument/2006/relationships" xmlns:p="http://schemas.openxmlformats.org/presentationml/2006/main">
   <p:cSld>
     <p:spTree>
@@ -10991,7 +13142,7 @@
 </p:sld>
 </file>
 
-<file path=ppt/slides/slide13.xml><?xml version="1.0" encoding="utf-8"?>
+<file path=ppt/slides/slide15.xml><?xml version="1.0" encoding="utf-8"?>
 <p:sld xmlns:a="http://schemas.openxmlformats.org/drawingml/2006/main" xmlns:r="http://schemas.openxmlformats.org/officeDocument/2006/relationships" xmlns:p="http://schemas.openxmlformats.org/presentationml/2006/main">
   <p:cSld>
     <p:spTree>
@@ -11336,6 +13487,84 @@
           </a:p>
         </p:txBody>
       </p:sp>
+      <p:pic>
+        <p:nvPicPr>
+          <p:cNvPr id="18" name="Picture 2" descr="http://www.creativesoulphoto.com/wp-content/uploads/2015/05/2015-05-07_0001.jpg"/>
+          <p:cNvPicPr>
+            <a:picLocks noChangeAspect="1" noChangeArrowheads="1"/>
+          </p:cNvPicPr>
+          <p:nvPr/>
+        </p:nvPicPr>
+        <p:blipFill rotWithShape="1">
+          <a:blip r:embed="rId3">
+            <a:extLst>
+              <a:ext uri="{28A0092B-C50C-407E-A947-70E740481C1C}">
+                <a14:useLocalDpi xmlns:a14="http://schemas.microsoft.com/office/drawing/2010/main" val="0"/>
+              </a:ext>
+            </a:extLst>
+          </a:blip>
+          <a:srcRect l="12083" t="9777" r="28041" b="27781"/>
+          <a:stretch/>
+        </p:blipFill>
+        <p:spPr bwMode="auto">
+          <a:xfrm>
+            <a:off x="4920342" y="1757157"/>
+            <a:ext cx="1123406" cy="700640"/>
+          </a:xfrm>
+          <a:prstGeom prst="rect">
+            <a:avLst/>
+          </a:prstGeom>
+          <a:noFill/>
+          <a:extLst>
+            <a:ext uri="{909E8E84-426E-40DD-AFC4-6F175D3DCCD1}">
+              <a14:hiddenFill xmlns:a14="http://schemas.microsoft.com/office/drawing/2010/main">
+                <a:solidFill>
+                  <a:srgbClr val="FFFFFF"/>
+                </a:solidFill>
+              </a14:hiddenFill>
+            </a:ext>
+          </a:extLst>
+        </p:spPr>
+      </p:pic>
+      <p:pic>
+        <p:nvPicPr>
+          <p:cNvPr id="19" name="Picture 4" descr="http://static.wixstatic.com/media/9f192c_5ef6405990094f558a94350d1da90fec.jpg_srz_1903_1270_85_22_0.50_1.20_0.00_jpg_srz"/>
+          <p:cNvPicPr>
+            <a:picLocks noChangeAspect="1" noChangeArrowheads="1"/>
+          </p:cNvPicPr>
+          <p:nvPr/>
+        </p:nvPicPr>
+        <p:blipFill rotWithShape="1">
+          <a:blip r:embed="rId4">
+            <a:extLst>
+              <a:ext uri="{28A0092B-C50C-407E-A947-70E740481C1C}">
+                <a14:useLocalDpi xmlns:a14="http://schemas.microsoft.com/office/drawing/2010/main" val="0"/>
+              </a:ext>
+            </a:extLst>
+          </a:blip>
+          <a:srcRect r="24403"/>
+          <a:stretch/>
+        </p:blipFill>
+        <p:spPr bwMode="auto">
+          <a:xfrm>
+            <a:off x="6163490" y="1761215"/>
+            <a:ext cx="1132352" cy="696582"/>
+          </a:xfrm>
+          <a:prstGeom prst="rect">
+            <a:avLst/>
+          </a:prstGeom>
+          <a:noFill/>
+          <a:extLst>
+            <a:ext uri="{909E8E84-426E-40DD-AFC4-6F175D3DCCD1}">
+              <a14:hiddenFill xmlns:a14="http://schemas.microsoft.com/office/drawing/2010/main">
+                <a:solidFill>
+                  <a:srgbClr val="FFFFFF"/>
+                </a:solidFill>
+              </a14:hiddenFill>
+            </a:ext>
+          </a:extLst>
+        </p:spPr>
+      </p:pic>
       <p:sp>
         <p:nvSpPr>
           <p:cNvPr id="11" name="Rectangle 10"/>
@@ -11393,7 +13622,7 @@
           <p:nvPr/>
         </p:nvPicPr>
         <p:blipFill>
-          <a:blip r:embed="rId3"/>
+          <a:blip r:embed="rId5"/>
           <a:stretch>
             <a:fillRect/>
           </a:stretch>
@@ -11417,7 +13646,7 @@
           <p:nvPr/>
         </p:nvPicPr>
         <p:blipFill>
-          <a:blip r:embed="rId4"/>
+          <a:blip r:embed="rId6"/>
           <a:stretch>
             <a:fillRect/>
           </a:stretch>
@@ -11764,7 +13993,7 @@
 </p:sld>
 </file>
 
-<file path=ppt/slides/slide14.xml><?xml version="1.0" encoding="utf-8"?>
+<file path=ppt/slides/slide16.xml><?xml version="1.0" encoding="utf-8"?>
 <p:sld xmlns:a="http://schemas.openxmlformats.org/drawingml/2006/main" xmlns:r="http://schemas.openxmlformats.org/officeDocument/2006/relationships" xmlns:p="http://schemas.openxmlformats.org/presentationml/2006/main">
   <p:cSld>
     <p:spTree>
@@ -12109,6 +14338,84 @@
           </a:p>
         </p:txBody>
       </p:sp>
+      <p:pic>
+        <p:nvPicPr>
+          <p:cNvPr id="20" name="Picture 2" descr="http://www.creativesoulphoto.com/wp-content/uploads/2015/05/2015-05-07_0001.jpg"/>
+          <p:cNvPicPr>
+            <a:picLocks noChangeAspect="1" noChangeArrowheads="1"/>
+          </p:cNvPicPr>
+          <p:nvPr/>
+        </p:nvPicPr>
+        <p:blipFill rotWithShape="1">
+          <a:blip r:embed="rId3">
+            <a:extLst>
+              <a:ext uri="{28A0092B-C50C-407E-A947-70E740481C1C}">
+                <a14:useLocalDpi xmlns:a14="http://schemas.microsoft.com/office/drawing/2010/main" val="0"/>
+              </a:ext>
+            </a:extLst>
+          </a:blip>
+          <a:srcRect l="12083" t="9777" r="28041" b="27781"/>
+          <a:stretch/>
+        </p:blipFill>
+        <p:spPr bwMode="auto">
+          <a:xfrm>
+            <a:off x="4927712" y="1767178"/>
+            <a:ext cx="1123406" cy="700640"/>
+          </a:xfrm>
+          <a:prstGeom prst="rect">
+            <a:avLst/>
+          </a:prstGeom>
+          <a:noFill/>
+          <a:extLst>
+            <a:ext uri="{909E8E84-426E-40DD-AFC4-6F175D3DCCD1}">
+              <a14:hiddenFill xmlns:a14="http://schemas.microsoft.com/office/drawing/2010/main">
+                <a:solidFill>
+                  <a:srgbClr val="FFFFFF"/>
+                </a:solidFill>
+              </a14:hiddenFill>
+            </a:ext>
+          </a:extLst>
+        </p:spPr>
+      </p:pic>
+      <p:pic>
+        <p:nvPicPr>
+          <p:cNvPr id="21" name="Picture 4" descr="http://static.wixstatic.com/media/9f192c_5ef6405990094f558a94350d1da90fec.jpg_srz_1903_1270_85_22_0.50_1.20_0.00_jpg_srz"/>
+          <p:cNvPicPr>
+            <a:picLocks noChangeAspect="1" noChangeArrowheads="1"/>
+          </p:cNvPicPr>
+          <p:nvPr/>
+        </p:nvPicPr>
+        <p:blipFill rotWithShape="1">
+          <a:blip r:embed="rId4">
+            <a:extLst>
+              <a:ext uri="{28A0092B-C50C-407E-A947-70E740481C1C}">
+                <a14:useLocalDpi xmlns:a14="http://schemas.microsoft.com/office/drawing/2010/main" val="0"/>
+              </a:ext>
+            </a:extLst>
+          </a:blip>
+          <a:srcRect r="24403"/>
+          <a:stretch/>
+        </p:blipFill>
+        <p:spPr bwMode="auto">
+          <a:xfrm>
+            <a:off x="6170860" y="1771236"/>
+            <a:ext cx="1132352" cy="696582"/>
+          </a:xfrm>
+          <a:prstGeom prst="rect">
+            <a:avLst/>
+          </a:prstGeom>
+          <a:noFill/>
+          <a:extLst>
+            <a:ext uri="{909E8E84-426E-40DD-AFC4-6F175D3DCCD1}">
+              <a14:hiddenFill xmlns:a14="http://schemas.microsoft.com/office/drawing/2010/main">
+                <a:solidFill>
+                  <a:srgbClr val="FFFFFF"/>
+                </a:solidFill>
+              </a14:hiddenFill>
+            </a:ext>
+          </a:extLst>
+        </p:spPr>
+      </p:pic>
       <p:sp>
         <p:nvSpPr>
           <p:cNvPr id="11" name="Rectangle 10"/>
@@ -12166,7 +14473,7 @@
           <p:nvPr/>
         </p:nvPicPr>
         <p:blipFill>
-          <a:blip r:embed="rId3"/>
+          <a:blip r:embed="rId5"/>
           <a:stretch>
             <a:fillRect/>
           </a:stretch>
@@ -12190,7 +14497,7 @@
           <p:nvPr/>
         </p:nvPicPr>
         <p:blipFill>
-          <a:blip r:embed="rId4"/>
+          <a:blip r:embed="rId6"/>
           <a:stretch>
             <a:fillRect/>
           </a:stretch>
@@ -12214,7 +14521,7 @@
           <p:nvPr/>
         </p:nvPicPr>
         <p:blipFill>
-          <a:blip r:embed="rId5"/>
+          <a:blip r:embed="rId7"/>
           <a:stretch>
             <a:fillRect/>
           </a:stretch>
@@ -12591,7 +14898,7 @@
 </p:sld>
 </file>
 
-<file path=ppt/slides/slide15.xml><?xml version="1.0" encoding="utf-8"?>
+<file path=ppt/slides/slide17.xml><?xml version="1.0" encoding="utf-8"?>
 <p:sld xmlns:a="http://schemas.openxmlformats.org/drawingml/2006/main" xmlns:r="http://schemas.openxmlformats.org/officeDocument/2006/relationships" xmlns:p="http://schemas.openxmlformats.org/presentationml/2006/main">
   <p:cSld>
     <p:spTree>
@@ -13682,7 +15989,7 @@
 </p:sld>
 </file>
 
-<file path=ppt/slides/slide16.xml><?xml version="1.0" encoding="utf-8"?>
+<file path=ppt/slides/slide18.xml><?xml version="1.0" encoding="utf-8"?>
 <p:sld xmlns:a="http://schemas.openxmlformats.org/drawingml/2006/main" xmlns:r="http://schemas.openxmlformats.org/officeDocument/2006/relationships" xmlns:p="http://schemas.openxmlformats.org/presentationml/2006/main">
   <p:cSld>
     <p:spTree>
@@ -14814,7 +17121,7 @@
 </p:sld>
 </file>
 
-<file path=ppt/slides/slide17.xml><?xml version="1.0" encoding="utf-8"?>
+<file path=ppt/slides/slide19.xml><?xml version="1.0" encoding="utf-8"?>
 <p:sld xmlns:a="http://schemas.openxmlformats.org/drawingml/2006/main" xmlns:r="http://schemas.openxmlformats.org/officeDocument/2006/relationships" xmlns:p="http://schemas.openxmlformats.org/presentationml/2006/main">
   <p:cSld>
     <p:spTree>
@@ -14831,90 +17138,282 @@
           <a:chExt cx="0" cy="0"/>
         </a:xfrm>
       </p:grpSpPr>
-      <p:sp>
-        <p:nvSpPr>
-          <p:cNvPr id="2" name="Title 1"/>
-          <p:cNvSpPr>
-            <a:spLocks noGrp="1"/>
-          </p:cNvSpPr>
-          <p:nvPr>
-            <p:ph type="title"/>
-          </p:nvPr>
-        </p:nvSpPr>
-        <p:spPr/>
-        <p:txBody>
-          <a:bodyPr/>
-          <a:lstStyle/>
-          <a:p>
-            <a:pPr algn="ctr"/>
-            <a:r>
-              <a:rPr lang="en-US" dirty="0"/>
-              <a:t>Future Improvements</a:t>
-            </a:r>
-          </a:p>
-        </p:txBody>
-      </p:sp>
-      <p:sp>
-        <p:nvSpPr>
-          <p:cNvPr id="3" name="Content Placeholder 2"/>
-          <p:cNvSpPr>
-            <a:spLocks noGrp="1"/>
-          </p:cNvSpPr>
-          <p:nvPr>
-            <p:ph idx="1"/>
-          </p:nvPr>
-        </p:nvSpPr>
-        <p:spPr/>
-        <p:txBody>
-          <a:bodyPr>
-            <a:noAutofit/>
+      <p:grpSp>
+        <p:nvGrpSpPr>
+          <p:cNvPr id="2" name="Group 1"/>
+          <p:cNvGrpSpPr/>
+          <p:nvPr/>
+        </p:nvGrpSpPr>
+        <p:grpSpPr>
+          <a:xfrm>
+            <a:off x="4998722" y="357051"/>
+            <a:ext cx="1802674" cy="6200503"/>
+            <a:chOff x="4963886" y="357051"/>
+            <a:chExt cx="1802674" cy="6200503"/>
+          </a:xfrm>
+        </p:grpSpPr>
+        <p:sp>
+          <p:nvSpPr>
+            <p:cNvPr id="3" name="Rectangle 2"/>
+            <p:cNvSpPr/>
+            <p:nvPr/>
+          </p:nvSpPr>
+          <p:spPr>
+            <a:xfrm>
+              <a:off x="5799909" y="357051"/>
+              <a:ext cx="583474" cy="130629"/>
+            </a:xfrm>
+            <a:prstGeom prst="rect">
+              <a:avLst/>
+            </a:prstGeom>
+            <a:solidFill>
+              <a:srgbClr val="F2F2F2"/>
+            </a:solidFill>
+            <a:ln>
+              <a:noFill/>
+            </a:ln>
+          </p:spPr>
+          <p:style>
+            <a:lnRef idx="2">
+              <a:schemeClr val="accent1">
+                <a:shade val="50000"/>
+              </a:schemeClr>
+            </a:lnRef>
+            <a:fillRef idx="1">
+              <a:schemeClr val="accent1"/>
+            </a:fillRef>
+            <a:effectRef idx="0">
+              <a:schemeClr val="accent1"/>
+            </a:effectRef>
+            <a:fontRef idx="minor">
+              <a:schemeClr val="lt1"/>
+            </a:fontRef>
+          </p:style>
+          <p:txBody>
+            <a:bodyPr rtlCol="0" anchor="ctr"/>
+            <a:lstStyle/>
+            <a:p>
+              <a:pPr algn="ctr"/>
+              <a:endParaRPr lang="en-US"/>
+            </a:p>
+          </p:txBody>
+        </p:sp>
+        <p:sp>
+          <p:nvSpPr>
+            <p:cNvPr id="4" name="Rectangle 3"/>
+            <p:cNvSpPr/>
+            <p:nvPr/>
+          </p:nvSpPr>
+          <p:spPr>
+            <a:xfrm>
+              <a:off x="5503818" y="5858576"/>
+              <a:ext cx="1262742" cy="698978"/>
+            </a:xfrm>
+            <a:prstGeom prst="rect">
+              <a:avLst/>
+            </a:prstGeom>
+            <a:solidFill>
+              <a:srgbClr val="F2F2F2"/>
+            </a:solidFill>
+            <a:ln>
+              <a:noFill/>
+            </a:ln>
+          </p:spPr>
+          <p:style>
+            <a:lnRef idx="2">
+              <a:schemeClr val="accent1">
+                <a:shade val="50000"/>
+              </a:schemeClr>
+            </a:lnRef>
+            <a:fillRef idx="1">
+              <a:schemeClr val="accent1"/>
+            </a:fillRef>
+            <a:effectRef idx="0">
+              <a:schemeClr val="accent1"/>
+            </a:effectRef>
+            <a:fontRef idx="minor">
+              <a:schemeClr val="lt1"/>
+            </a:fontRef>
+          </p:style>
+          <p:txBody>
+            <a:bodyPr rtlCol="0" anchor="ctr"/>
+            <a:lstStyle/>
+            <a:p>
+              <a:pPr algn="ctr"/>
+              <a:endParaRPr lang="en-US"/>
+            </a:p>
+          </p:txBody>
+        </p:sp>
+        <p:sp>
+          <p:nvSpPr>
+            <p:cNvPr id="5" name="Oval 4"/>
+            <p:cNvSpPr/>
+            <p:nvPr/>
+          </p:nvSpPr>
+          <p:spPr>
+            <a:xfrm>
+              <a:off x="4963886" y="487680"/>
+              <a:ext cx="113211" cy="113211"/>
+            </a:xfrm>
+            <a:prstGeom prst="ellipse">
+              <a:avLst/>
+            </a:prstGeom>
+          </p:spPr>
+          <p:style>
+            <a:lnRef idx="2">
+              <a:schemeClr val="dk1">
+                <a:shade val="50000"/>
+              </a:schemeClr>
+            </a:lnRef>
+            <a:fillRef idx="1">
+              <a:schemeClr val="dk1"/>
+            </a:fillRef>
+            <a:effectRef idx="0">
+              <a:schemeClr val="dk1"/>
+            </a:effectRef>
+            <a:fontRef idx="minor">
+              <a:schemeClr val="lt1"/>
+            </a:fontRef>
+          </p:style>
+          <p:txBody>
+            <a:bodyPr rtlCol="0" anchor="ctr"/>
+            <a:lstStyle/>
+            <a:p>
+              <a:pPr algn="ctr"/>
+              <a:endParaRPr lang="en-US"/>
+            </a:p>
+          </p:txBody>
+        </p:sp>
+        <p:sp>
+          <p:nvSpPr>
+            <p:cNvPr id="6" name="Rectangle 5"/>
+            <p:cNvSpPr/>
+            <p:nvPr/>
+          </p:nvSpPr>
+          <p:spPr>
+            <a:xfrm>
+              <a:off x="5216435" y="628388"/>
+              <a:ext cx="583474" cy="130629"/>
+            </a:xfrm>
+            <a:prstGeom prst="rect">
+              <a:avLst/>
+            </a:prstGeom>
+            <a:solidFill>
+              <a:srgbClr val="F2F2F2"/>
+            </a:solidFill>
+            <a:ln>
+              <a:noFill/>
+            </a:ln>
+          </p:spPr>
+          <p:style>
+            <a:lnRef idx="2">
+              <a:schemeClr val="accent1">
+                <a:shade val="50000"/>
+              </a:schemeClr>
+            </a:lnRef>
+            <a:fillRef idx="1">
+              <a:schemeClr val="accent1"/>
+            </a:fillRef>
+            <a:effectRef idx="0">
+              <a:schemeClr val="accent1"/>
+            </a:effectRef>
+            <a:fontRef idx="minor">
+              <a:schemeClr val="lt1"/>
+            </a:fontRef>
+          </p:style>
+          <p:txBody>
+            <a:bodyPr rtlCol="0" anchor="ctr"/>
+            <a:lstStyle/>
+            <a:p>
+              <a:pPr algn="ctr"/>
+              <a:endParaRPr lang="en-US"/>
+            </a:p>
+          </p:txBody>
+        </p:sp>
+        <p:sp>
+          <p:nvSpPr>
+            <p:cNvPr id="7" name="Rounded Rectangle 32"/>
+            <p:cNvSpPr/>
+            <p:nvPr/>
+          </p:nvSpPr>
+          <p:spPr>
+            <a:xfrm>
+              <a:off x="5416735" y="373617"/>
+              <a:ext cx="1275805" cy="98398"/>
+            </a:xfrm>
+            <a:prstGeom prst="roundRect">
+              <a:avLst/>
+            </a:prstGeom>
+            <a:solidFill>
+              <a:srgbClr val="F2F2F2"/>
+            </a:solidFill>
+            <a:ln>
+              <a:solidFill>
+                <a:schemeClr val="bg1">
+                  <a:lumMod val="50000"/>
+                </a:schemeClr>
+              </a:solidFill>
+            </a:ln>
+          </p:spPr>
+          <p:style>
+            <a:lnRef idx="2">
+              <a:schemeClr val="accent1">
+                <a:shade val="50000"/>
+              </a:schemeClr>
+            </a:lnRef>
+            <a:fillRef idx="1">
+              <a:schemeClr val="accent1"/>
+            </a:fillRef>
+            <a:effectRef idx="0">
+              <a:schemeClr val="accent1"/>
+            </a:effectRef>
+            <a:fontRef idx="minor">
+              <a:schemeClr val="lt1"/>
+            </a:fontRef>
+          </p:style>
+          <p:txBody>
+            <a:bodyPr rtlCol="0" anchor="ctr"/>
+            <a:lstStyle/>
+            <a:p>
+              <a:pPr algn="ctr"/>
+              <a:endParaRPr lang="en-US"/>
+            </a:p>
+          </p:txBody>
+        </p:sp>
+      </p:grpSp>
+      <p:sp>
+        <p:nvSpPr>
+          <p:cNvPr id="8" name="TextBox 7"/>
+          <p:cNvSpPr txBox="1"/>
+          <p:nvPr/>
+        </p:nvSpPr>
+        <p:spPr>
+          <a:xfrm>
+            <a:off x="4621763" y="2427395"/>
+            <a:ext cx="2935419" cy="1446550"/>
+          </a:xfrm>
+          <a:prstGeom prst="rect">
+            <a:avLst/>
+          </a:prstGeom>
+          <a:noFill/>
+        </p:spPr>
+        <p:txBody>
+          <a:bodyPr wrap="none" rtlCol="0">
+            <a:spAutoFit/>
           </a:bodyPr>
           <a:lstStyle/>
           <a:p>
             <a:r>
-              <a:rPr lang="en-US" sz="3300" dirty="0"/>
-              <a:t>Complete MVP</a:t>
-            </a:r>
-          </a:p>
-          <a:p>
-            <a:endParaRPr lang="en-US" sz="3300" dirty="0"/>
-          </a:p>
-          <a:p>
-            <a:r>
-              <a:rPr lang="en-US" sz="3300" dirty="0"/>
-              <a:t>Additional security in data transfer</a:t>
-            </a:r>
-          </a:p>
-          <a:p>
-            <a:endParaRPr lang="en-US" sz="3300" dirty="0"/>
-          </a:p>
-          <a:p>
-            <a:r>
-              <a:rPr lang="en-US" sz="3300" dirty="0"/>
-              <a:t>Accounts for caretakers</a:t>
-            </a:r>
-          </a:p>
-          <a:p>
-            <a:endParaRPr lang="en-US" sz="3300" dirty="0"/>
-          </a:p>
-          <a:p>
-            <a:r>
-              <a:rPr lang="en-US" sz="3300" dirty="0"/>
-              <a:t>Machine Learning/Audio fingerprinting</a:t>
-            </a:r>
-          </a:p>
-          <a:p>
-            <a:pPr marL="0" indent="0">
-              <a:buNone/>
-            </a:pPr>
-            <a:endParaRPr lang="en-US" sz="3300" dirty="0"/>
+              <a:rPr lang="en-US" sz="8800" dirty="0"/>
+              <a:t>Demo</a:t>
+            </a:r>
           </a:p>
         </p:txBody>
       </p:sp>
     </p:spTree>
     <p:extLst>
       <p:ext uri="{BB962C8B-B14F-4D97-AF65-F5344CB8AC3E}">
-        <p14:creationId xmlns:p14="http://schemas.microsoft.com/office/powerpoint/2010/main" val="1671750005"/>
+        <p14:creationId xmlns:p14="http://schemas.microsoft.com/office/powerpoint/2010/main" val="3607804538"/>
       </p:ext>
     </p:extLst>
   </p:cSld>
@@ -14924,7 +17423,7 @@
 </p:sld>
 </file>
 
-<file path=ppt/slides/slide18.xml><?xml version="1.0" encoding="utf-8"?>
+<file path=ppt/slides/slide2.xml><?xml version="1.0" encoding="utf-8"?>
 <p:sld xmlns:a="http://schemas.openxmlformats.org/drawingml/2006/main" xmlns:r="http://schemas.openxmlformats.org/officeDocument/2006/relationships" xmlns:p="http://schemas.openxmlformats.org/presentationml/2006/main">
   <p:cSld>
     <p:spTree>
@@ -14956,6 +17455,225 @@
           <a:bodyPr/>
           <a:lstStyle/>
           <a:p>
+            <a:r>
+              <a:rPr lang="en-US" dirty="0"/>
+              <a:t>Agenda</a:t>
+            </a:r>
+          </a:p>
+        </p:txBody>
+      </p:sp>
+      <p:sp>
+        <p:nvSpPr>
+          <p:cNvPr id="3" name="Content Placeholder 2"/>
+          <p:cNvSpPr>
+            <a:spLocks noGrp="1"/>
+          </p:cNvSpPr>
+          <p:nvPr>
+            <p:ph idx="1"/>
+          </p:nvPr>
+        </p:nvSpPr>
+        <p:spPr/>
+        <p:txBody>
+          <a:bodyPr>
+            <a:normAutofit fontScale="92500" lnSpcReduction="10000"/>
+          </a:bodyPr>
+          <a:lstStyle/>
+          <a:p>
+            <a:r>
+              <a:rPr lang="en-US" sz="4400" dirty="0"/>
+              <a:t>Problem Statement</a:t>
+            </a:r>
+          </a:p>
+          <a:p>
+            <a:r>
+              <a:rPr lang="en-US" sz="4400" dirty="0"/>
+              <a:t>Proposed Solution</a:t>
+            </a:r>
+          </a:p>
+          <a:p>
+            <a:r>
+              <a:rPr lang="en-US" sz="4400" dirty="0"/>
+              <a:t>Workflow Overview</a:t>
+            </a:r>
+          </a:p>
+          <a:p>
+            <a:r>
+              <a:rPr lang="en-US" sz="4400" dirty="0"/>
+              <a:t>Benefits</a:t>
+            </a:r>
+          </a:p>
+          <a:p>
+            <a:r>
+              <a:rPr lang="en-US" sz="4400" dirty="0"/>
+              <a:t>Mock up </a:t>
+            </a:r>
+          </a:p>
+          <a:p>
+            <a:r>
+              <a:rPr lang="en-US" sz="4400" dirty="0"/>
+              <a:t>Demo</a:t>
+            </a:r>
+          </a:p>
+          <a:p>
+            <a:endParaRPr lang="en-US" dirty="0"/>
+          </a:p>
+        </p:txBody>
+      </p:sp>
+    </p:spTree>
+    <p:extLst>
+      <p:ext uri="{BB962C8B-B14F-4D97-AF65-F5344CB8AC3E}">
+        <p14:creationId xmlns:p14="http://schemas.microsoft.com/office/powerpoint/2010/main" val="509441900"/>
+      </p:ext>
+    </p:extLst>
+  </p:cSld>
+  <p:clrMapOvr>
+    <a:masterClrMapping/>
+  </p:clrMapOvr>
+</p:sld>
+</file>
+
+<file path=ppt/slides/slide20.xml><?xml version="1.0" encoding="utf-8"?>
+<p:sld xmlns:a="http://schemas.openxmlformats.org/drawingml/2006/main" xmlns:r="http://schemas.openxmlformats.org/officeDocument/2006/relationships" xmlns:p="http://schemas.openxmlformats.org/presentationml/2006/main">
+  <p:cSld>
+    <p:spTree>
+      <p:nvGrpSpPr>
+        <p:cNvPr id="1" name=""/>
+        <p:cNvGrpSpPr/>
+        <p:nvPr/>
+      </p:nvGrpSpPr>
+      <p:grpSpPr>
+        <a:xfrm>
+          <a:off x="0" y="0"/>
+          <a:ext cx="0" cy="0"/>
+          <a:chOff x="0" y="0"/>
+          <a:chExt cx="0" cy="0"/>
+        </a:xfrm>
+      </p:grpSpPr>
+      <p:sp>
+        <p:nvSpPr>
+          <p:cNvPr id="2" name="Title 1"/>
+          <p:cNvSpPr>
+            <a:spLocks noGrp="1"/>
+          </p:cNvSpPr>
+          <p:nvPr>
+            <p:ph type="title"/>
+          </p:nvPr>
+        </p:nvSpPr>
+        <p:spPr/>
+        <p:txBody>
+          <a:bodyPr/>
+          <a:lstStyle/>
+          <a:p>
+            <a:pPr algn="ctr"/>
+            <a:r>
+              <a:rPr lang="en-US" dirty="0"/>
+              <a:t>Future Improvements</a:t>
+            </a:r>
+          </a:p>
+        </p:txBody>
+      </p:sp>
+      <p:sp>
+        <p:nvSpPr>
+          <p:cNvPr id="3" name="Content Placeholder 2"/>
+          <p:cNvSpPr>
+            <a:spLocks noGrp="1"/>
+          </p:cNvSpPr>
+          <p:nvPr>
+            <p:ph idx="1"/>
+          </p:nvPr>
+        </p:nvSpPr>
+        <p:spPr/>
+        <p:txBody>
+          <a:bodyPr>
+            <a:noAutofit/>
+          </a:bodyPr>
+          <a:lstStyle/>
+          <a:p>
+            <a:r>
+              <a:rPr lang="en-US" sz="3300" dirty="0"/>
+              <a:t>Complete minimally viable product (MVP)</a:t>
+            </a:r>
+          </a:p>
+          <a:p>
+            <a:endParaRPr lang="en-US" sz="3300" dirty="0"/>
+          </a:p>
+          <a:p>
+            <a:r>
+              <a:rPr lang="en-US" sz="3300" dirty="0"/>
+              <a:t>Additional security in data transfer</a:t>
+            </a:r>
+          </a:p>
+          <a:p>
+            <a:endParaRPr lang="en-US" sz="3300" dirty="0"/>
+          </a:p>
+          <a:p>
+            <a:r>
+              <a:rPr lang="en-US" sz="3300" dirty="0"/>
+              <a:t>Accounts for caretakers</a:t>
+            </a:r>
+          </a:p>
+          <a:p>
+            <a:endParaRPr lang="en-US" sz="3300" dirty="0"/>
+          </a:p>
+          <a:p>
+            <a:r>
+              <a:rPr lang="en-US" sz="3300" dirty="0"/>
+              <a:t>Machine Learning/Audio fingerprinting</a:t>
+            </a:r>
+          </a:p>
+          <a:p>
+            <a:pPr marL="0" indent="0">
+              <a:buNone/>
+            </a:pPr>
+            <a:endParaRPr lang="en-US" sz="3300" dirty="0"/>
+          </a:p>
+        </p:txBody>
+      </p:sp>
+    </p:spTree>
+    <p:extLst>
+      <p:ext uri="{BB962C8B-B14F-4D97-AF65-F5344CB8AC3E}">
+        <p14:creationId xmlns:p14="http://schemas.microsoft.com/office/powerpoint/2010/main" val="1671750005"/>
+      </p:ext>
+    </p:extLst>
+  </p:cSld>
+  <p:clrMapOvr>
+    <a:masterClrMapping/>
+  </p:clrMapOvr>
+</p:sld>
+</file>
+
+<file path=ppt/slides/slide21.xml><?xml version="1.0" encoding="utf-8"?>
+<p:sld xmlns:a="http://schemas.openxmlformats.org/drawingml/2006/main" xmlns:r="http://schemas.openxmlformats.org/officeDocument/2006/relationships" xmlns:p="http://schemas.openxmlformats.org/presentationml/2006/main">
+  <p:cSld>
+    <p:spTree>
+      <p:nvGrpSpPr>
+        <p:cNvPr id="1" name=""/>
+        <p:cNvGrpSpPr/>
+        <p:nvPr/>
+      </p:nvGrpSpPr>
+      <p:grpSpPr>
+        <a:xfrm>
+          <a:off x="0" y="0"/>
+          <a:ext cx="0" cy="0"/>
+          <a:chOff x="0" y="0"/>
+          <a:chExt cx="0" cy="0"/>
+        </a:xfrm>
+      </p:grpSpPr>
+      <p:sp>
+        <p:nvSpPr>
+          <p:cNvPr id="2" name="Title 1"/>
+          <p:cNvSpPr>
+            <a:spLocks noGrp="1"/>
+          </p:cNvSpPr>
+          <p:nvPr>
+            <p:ph type="title"/>
+          </p:nvPr>
+        </p:nvSpPr>
+        <p:spPr/>
+        <p:txBody>
+          <a:bodyPr/>
+          <a:lstStyle/>
+          <a:p>
             <a:pPr algn="ctr"/>
             <a:r>
               <a:rPr lang="en-US" dirty="0"/>
@@ -15004,7 +17722,117 @@
 </p:sld>
 </file>
 
-<file path=ppt/slides/slide2.xml><?xml version="1.0" encoding="utf-8"?>
+<file path=ppt/slides/slide3.xml><?xml version="1.0" encoding="utf-8"?>
+<p:sld xmlns:a="http://schemas.openxmlformats.org/drawingml/2006/main" xmlns:r="http://schemas.openxmlformats.org/officeDocument/2006/relationships" xmlns:p="http://schemas.openxmlformats.org/presentationml/2006/main">
+  <p:cSld>
+    <p:spTree>
+      <p:nvGrpSpPr>
+        <p:cNvPr id="1" name=""/>
+        <p:cNvGrpSpPr/>
+        <p:nvPr/>
+      </p:nvGrpSpPr>
+      <p:grpSpPr>
+        <a:xfrm>
+          <a:off x="0" y="0"/>
+          <a:ext cx="0" cy="0"/>
+          <a:chOff x="0" y="0"/>
+          <a:chExt cx="0" cy="0"/>
+        </a:xfrm>
+      </p:grpSpPr>
+      <p:sp>
+        <p:nvSpPr>
+          <p:cNvPr id="2" name="Title 1"/>
+          <p:cNvSpPr>
+            <a:spLocks noGrp="1"/>
+          </p:cNvSpPr>
+          <p:nvPr>
+            <p:ph type="title"/>
+          </p:nvPr>
+        </p:nvSpPr>
+        <p:spPr/>
+        <p:txBody>
+          <a:bodyPr/>
+          <a:lstStyle/>
+          <a:p>
+            <a:pPr algn="ctr"/>
+            <a:r>
+              <a:rPr lang="en-US" dirty="0"/>
+              <a:t>Problem</a:t>
+            </a:r>
+          </a:p>
+        </p:txBody>
+      </p:sp>
+      <p:sp>
+        <p:nvSpPr>
+          <p:cNvPr id="3" name="Content Placeholder 2"/>
+          <p:cNvSpPr>
+            <a:spLocks noGrp="1"/>
+          </p:cNvSpPr>
+          <p:nvPr>
+            <p:ph idx="1"/>
+          </p:nvPr>
+        </p:nvSpPr>
+        <p:spPr/>
+        <p:txBody>
+          <a:bodyPr>
+            <a:normAutofit/>
+          </a:bodyPr>
+          <a:lstStyle/>
+          <a:p>
+            <a:r>
+              <a:rPr lang="en-US" sz="4000" dirty="0"/>
+              <a:t>Inconvenience for autistic child </a:t>
+            </a:r>
+          </a:p>
+          <a:p>
+            <a:endParaRPr lang="en-US" sz="4000" dirty="0"/>
+          </a:p>
+          <a:p>
+            <a:r>
+              <a:rPr lang="en-US" sz="4000" dirty="0"/>
+              <a:t>No seamless transition between caretakers</a:t>
+            </a:r>
+          </a:p>
+          <a:p>
+            <a:pPr marL="0" indent="0">
+              <a:buNone/>
+            </a:pPr>
+            <a:endParaRPr lang="en-US" sz="4000" dirty="0"/>
+          </a:p>
+          <a:p>
+            <a:r>
+              <a:rPr lang="en-US" sz="4000" dirty="0"/>
+              <a:t>Limited speech development </a:t>
+            </a:r>
+          </a:p>
+          <a:p>
+            <a:endParaRPr lang="en-US" dirty="0"/>
+          </a:p>
+          <a:p>
+            <a:endParaRPr lang="en-US" dirty="0"/>
+          </a:p>
+          <a:p>
+            <a:pPr marL="0" indent="0">
+              <a:buNone/>
+            </a:pPr>
+            <a:endParaRPr lang="en-US" dirty="0"/>
+          </a:p>
+        </p:txBody>
+      </p:sp>
+    </p:spTree>
+    <p:extLst>
+      <p:ext uri="{BB962C8B-B14F-4D97-AF65-F5344CB8AC3E}">
+        <p14:creationId xmlns:p14="http://schemas.microsoft.com/office/powerpoint/2010/main" val="1872240003"/>
+      </p:ext>
+    </p:extLst>
+  </p:cSld>
+  <p:clrMapOvr>
+    <a:masterClrMapping/>
+  </p:clrMapOvr>
+</p:sld>
+</file>
+
+<file path=ppt/slides/slide4.xml><?xml version="1.0" encoding="utf-8"?>
 <p:sld xmlns:a="http://schemas.openxmlformats.org/drawingml/2006/main" xmlns:r="http://schemas.openxmlformats.org/officeDocument/2006/relationships" xmlns:p="http://schemas.openxmlformats.org/presentationml/2006/main">
   <p:cSld>
     <p:spTree>
@@ -15247,7 +18075,7 @@
             <a:pPr algn="ctr"/>
             <a:r>
               <a:rPr lang="en-US" dirty="0"/>
-              <a:t>What Is It?</a:t>
+              <a:t>Proposed solution</a:t>
             </a:r>
           </a:p>
         </p:txBody>
@@ -15324,7 +18152,7 @@
 </p:sld>
 </file>
 
-<file path=ppt/slides/slide3.xml><?xml version="1.0" encoding="utf-8"?>
+<file path=ppt/slides/slide5.xml><?xml version="1.0" encoding="utf-8"?>
 <p:sld xmlns:a="http://schemas.openxmlformats.org/drawingml/2006/main" xmlns:r="http://schemas.openxmlformats.org/officeDocument/2006/relationships" xmlns:p="http://schemas.openxmlformats.org/presentationml/2006/main">
   <p:cSld>
     <p:spTree>
@@ -15359,7 +18187,7 @@
             <a:pPr algn="ctr"/>
             <a:r>
               <a:rPr lang="en-US" dirty="0"/>
-              <a:t>How it works</a:t>
+              <a:t>Workflow overview</a:t>
             </a:r>
           </a:p>
         </p:txBody>
@@ -15432,7 +18260,7 @@
 </p:sld>
 </file>
 
-<file path=ppt/slides/slide4.xml><?xml version="1.0" encoding="utf-8"?>
+<file path=ppt/slides/slide6.xml><?xml version="1.0" encoding="utf-8"?>
 <p:sld xmlns:a="http://schemas.openxmlformats.org/drawingml/2006/main" xmlns:r="http://schemas.openxmlformats.org/officeDocument/2006/relationships" xmlns:p="http://schemas.openxmlformats.org/presentationml/2006/main">
   <p:cSld>
     <p:spTree>
@@ -15467,7 +18295,7 @@
             <a:pPr algn="ctr"/>
             <a:r>
               <a:rPr lang="en-US" dirty="0"/>
-              <a:t>How does it Solve the problem</a:t>
+              <a:t>Benefits</a:t>
             </a:r>
           </a:p>
         </p:txBody>
@@ -15533,7 +18361,7 @@
 </p:sld>
 </file>
 
-<file path=ppt/slides/slide5.xml><?xml version="1.0" encoding="utf-8"?>
+<file path=ppt/slides/slide7.xml><?xml version="1.0" encoding="utf-8"?>
 <p:sld xmlns:a="http://schemas.openxmlformats.org/drawingml/2006/main" xmlns:r="http://schemas.openxmlformats.org/officeDocument/2006/relationships" xmlns:p="http://schemas.openxmlformats.org/presentationml/2006/main">
   <p:cSld>
     <p:spTree>
@@ -16020,7 +18848,7 @@
 </p:sld>
 </file>
 
-<file path=ppt/slides/slide6.xml><?xml version="1.0" encoding="utf-8"?>
+<file path=ppt/slides/slide8.xml><?xml version="1.0" encoding="utf-8"?>
 <p:sld xmlns:a="http://schemas.openxmlformats.org/drawingml/2006/main" xmlns:r="http://schemas.openxmlformats.org/officeDocument/2006/relationships" xmlns:p="http://schemas.openxmlformats.org/presentationml/2006/main">
   <p:cSld>
     <p:spTree>
@@ -16608,6 +19436,84 @@
           </p:txBody>
         </p:sp>
       </p:grpSp>
+      <p:pic>
+        <p:nvPicPr>
+          <p:cNvPr id="1026" name="Picture 2" descr="http://www.creativesoulphoto.com/wp-content/uploads/2015/05/2015-05-07_0001.jpg"/>
+          <p:cNvPicPr>
+            <a:picLocks noChangeAspect="1" noChangeArrowheads="1"/>
+          </p:cNvPicPr>
+          <p:nvPr/>
+        </p:nvPicPr>
+        <p:blipFill rotWithShape="1">
+          <a:blip r:embed="rId3">
+            <a:extLst>
+              <a:ext uri="{28A0092B-C50C-407E-A947-70E740481C1C}">
+                <a14:useLocalDpi xmlns:a14="http://schemas.microsoft.com/office/drawing/2010/main" val="0"/>
+              </a:ext>
+            </a:extLst>
+          </a:blip>
+          <a:srcRect l="12083" t="9777" r="28041" b="27781"/>
+          <a:stretch/>
+        </p:blipFill>
+        <p:spPr bwMode="auto">
+          <a:xfrm>
+            <a:off x="4920342" y="1757157"/>
+            <a:ext cx="1123406" cy="700640"/>
+          </a:xfrm>
+          <a:prstGeom prst="rect">
+            <a:avLst/>
+          </a:prstGeom>
+          <a:noFill/>
+          <a:extLst>
+            <a:ext uri="{909E8E84-426E-40DD-AFC4-6F175D3DCCD1}">
+              <a14:hiddenFill xmlns:a14="http://schemas.microsoft.com/office/drawing/2010/main">
+                <a:solidFill>
+                  <a:srgbClr val="FFFFFF"/>
+                </a:solidFill>
+              </a14:hiddenFill>
+            </a:ext>
+          </a:extLst>
+        </p:spPr>
+      </p:pic>
+      <p:pic>
+        <p:nvPicPr>
+          <p:cNvPr id="1028" name="Picture 4" descr="http://static.wixstatic.com/media/9f192c_5ef6405990094f558a94350d1da90fec.jpg_srz_1903_1270_85_22_0.50_1.20_0.00_jpg_srz"/>
+          <p:cNvPicPr>
+            <a:picLocks noChangeAspect="1" noChangeArrowheads="1"/>
+          </p:cNvPicPr>
+          <p:nvPr/>
+        </p:nvPicPr>
+        <p:blipFill rotWithShape="1">
+          <a:blip r:embed="rId4">
+            <a:extLst>
+              <a:ext uri="{28A0092B-C50C-407E-A947-70E740481C1C}">
+                <a14:useLocalDpi xmlns:a14="http://schemas.microsoft.com/office/drawing/2010/main" val="0"/>
+              </a:ext>
+            </a:extLst>
+          </a:blip>
+          <a:srcRect r="24403"/>
+          <a:stretch/>
+        </p:blipFill>
+        <p:spPr bwMode="auto">
+          <a:xfrm>
+            <a:off x="6163490" y="1761215"/>
+            <a:ext cx="1132352" cy="696582"/>
+          </a:xfrm>
+          <a:prstGeom prst="rect">
+            <a:avLst/>
+          </a:prstGeom>
+          <a:noFill/>
+          <a:extLst>
+            <a:ext uri="{909E8E84-426E-40DD-AFC4-6F175D3DCCD1}">
+              <a14:hiddenFill xmlns:a14="http://schemas.microsoft.com/office/drawing/2010/main">
+                <a:solidFill>
+                  <a:srgbClr val="FFFFFF"/>
+                </a:solidFill>
+              </a14:hiddenFill>
+            </a:ext>
+          </a:extLst>
+        </p:spPr>
+      </p:pic>
     </p:spTree>
     <p:extLst>
       <p:ext uri="{BB962C8B-B14F-4D97-AF65-F5344CB8AC3E}">
@@ -16697,7 +19603,7 @@
 </p:sld>
 </file>
 
-<file path=ppt/slides/slide7.xml><?xml version="1.0" encoding="utf-8"?>
+<file path=ppt/slides/slide9.xml><?xml version="1.0" encoding="utf-8"?>
 <p:sld xmlns:a="http://schemas.openxmlformats.org/drawingml/2006/main" xmlns:r="http://schemas.openxmlformats.org/officeDocument/2006/relationships" xmlns:p="http://schemas.openxmlformats.org/presentationml/2006/main">
   <p:cSld>
     <p:spTree>
@@ -17042,6 +19948,84 @@
           </a:p>
         </p:txBody>
       </p:sp>
+      <p:pic>
+        <p:nvPicPr>
+          <p:cNvPr id="17" name="Picture 2" descr="http://www.creativesoulphoto.com/wp-content/uploads/2015/05/2015-05-07_0001.jpg"/>
+          <p:cNvPicPr>
+            <a:picLocks noChangeAspect="1" noChangeArrowheads="1"/>
+          </p:cNvPicPr>
+          <p:nvPr/>
+        </p:nvPicPr>
+        <p:blipFill rotWithShape="1">
+          <a:blip r:embed="rId3">
+            <a:extLst>
+              <a:ext uri="{28A0092B-C50C-407E-A947-70E740481C1C}">
+                <a14:useLocalDpi xmlns:a14="http://schemas.microsoft.com/office/drawing/2010/main" val="0"/>
+              </a:ext>
+            </a:extLst>
+          </a:blip>
+          <a:srcRect l="12083" t="9777" r="28041" b="27781"/>
+          <a:stretch/>
+        </p:blipFill>
+        <p:spPr bwMode="auto">
+          <a:xfrm>
+            <a:off x="4920342" y="1757157"/>
+            <a:ext cx="1123406" cy="700640"/>
+          </a:xfrm>
+          <a:prstGeom prst="rect">
+            <a:avLst/>
+          </a:prstGeom>
+          <a:noFill/>
+          <a:extLst>
+            <a:ext uri="{909E8E84-426E-40DD-AFC4-6F175D3DCCD1}">
+              <a14:hiddenFill xmlns:a14="http://schemas.microsoft.com/office/drawing/2010/main">
+                <a:solidFill>
+                  <a:srgbClr val="FFFFFF"/>
+                </a:solidFill>
+              </a14:hiddenFill>
+            </a:ext>
+          </a:extLst>
+        </p:spPr>
+      </p:pic>
+      <p:pic>
+        <p:nvPicPr>
+          <p:cNvPr id="18" name="Picture 4" descr="http://static.wixstatic.com/media/9f192c_5ef6405990094f558a94350d1da90fec.jpg_srz_1903_1270_85_22_0.50_1.20_0.00_jpg_srz"/>
+          <p:cNvPicPr>
+            <a:picLocks noChangeAspect="1" noChangeArrowheads="1"/>
+          </p:cNvPicPr>
+          <p:nvPr/>
+        </p:nvPicPr>
+        <p:blipFill rotWithShape="1">
+          <a:blip r:embed="rId4">
+            <a:extLst>
+              <a:ext uri="{28A0092B-C50C-407E-A947-70E740481C1C}">
+                <a14:useLocalDpi xmlns:a14="http://schemas.microsoft.com/office/drawing/2010/main" val="0"/>
+              </a:ext>
+            </a:extLst>
+          </a:blip>
+          <a:srcRect r="24403"/>
+          <a:stretch/>
+        </p:blipFill>
+        <p:spPr bwMode="auto">
+          <a:xfrm>
+            <a:off x="6163490" y="1761215"/>
+            <a:ext cx="1132352" cy="696582"/>
+          </a:xfrm>
+          <a:prstGeom prst="rect">
+            <a:avLst/>
+          </a:prstGeom>
+          <a:noFill/>
+          <a:extLst>
+            <a:ext uri="{909E8E84-426E-40DD-AFC4-6F175D3DCCD1}">
+              <a14:hiddenFill xmlns:a14="http://schemas.microsoft.com/office/drawing/2010/main">
+                <a:solidFill>
+                  <a:srgbClr val="FFFFFF"/>
+                </a:solidFill>
+              </a14:hiddenFill>
+            </a:ext>
+          </a:extLst>
+        </p:spPr>
+      </p:pic>
       <p:sp>
         <p:nvSpPr>
           <p:cNvPr id="11" name="Rectangle 10"/>
@@ -17099,7 +20083,7 @@
           <p:nvPr/>
         </p:nvPicPr>
         <p:blipFill>
-          <a:blip r:embed="rId3"/>
+          <a:blip r:embed="rId5"/>
           <a:stretch>
             <a:fillRect/>
           </a:stretch>
@@ -17361,1633 +20345,6 @@
     <p:extLst>
       <p:ext uri="{BB962C8B-B14F-4D97-AF65-F5344CB8AC3E}">
         <p14:creationId xmlns:p14="http://schemas.microsoft.com/office/powerpoint/2010/main" val="1240418949"/>
-      </p:ext>
-    </p:extLst>
-  </p:cSld>
-  <p:clrMapOvr>
-    <a:masterClrMapping/>
-  </p:clrMapOvr>
-  <p:timing>
-    <p:tnLst>
-      <p:par>
-        <p:cTn id="1" dur="indefinite" restart="never" nodeType="tmRoot">
-          <p:childTnLst>
-            <p:seq concurrent="1" nextAc="seek">
-              <p:cTn id="2" dur="indefinite" nodeType="mainSeq">
-                <p:childTnLst>
-                  <p:par>
-                    <p:cTn id="3" fill="hold">
-                      <p:stCondLst>
-                        <p:cond delay="indefinite"/>
-                        <p:cond evt="onBegin" delay="0">
-                          <p:tn val="2"/>
-                        </p:cond>
-                      </p:stCondLst>
-                      <p:childTnLst>
-                        <p:par>
-                          <p:cTn id="4" fill="hold">
-                            <p:stCondLst>
-                              <p:cond delay="0"/>
-                            </p:stCondLst>
-                            <p:childTnLst>
-                              <p:par>
-                                <p:cTn id="5" presetID="42" presetClass="path" presetSubtype="0" accel="50000" decel="50000" fill="hold" grpId="0" nodeType="withEffect">
-                                  <p:stCondLst>
-                                    <p:cond delay="1000"/>
-                                  </p:stCondLst>
-                                  <p:childTnLst>
-                                    <p:animMotion origin="layout" path="M -1.25E-6 -2.22222E-6 L -1.25E-6 -0.15463 " pathEditMode="relative" rAng="0" ptsTypes="AA">
-                                      <p:cBhvr>
-                                        <p:cTn id="6" dur="2000" fill="hold"/>
-                                        <p:tgtEl>
-                                          <p:spTgt spid="6"/>
-                                        </p:tgtEl>
-                                        <p:attrNameLst>
-                                          <p:attrName>ppt_x</p:attrName>
-                                          <p:attrName>ppt_y</p:attrName>
-                                        </p:attrNameLst>
-                                      </p:cBhvr>
-                                      <p:rCtr x="0" y="-7731"/>
-                                    </p:animMotion>
-                                  </p:childTnLst>
-                                </p:cTn>
-                              </p:par>
-                            </p:childTnLst>
-                          </p:cTn>
-                        </p:par>
-                      </p:childTnLst>
-                    </p:cTn>
-                  </p:par>
-                </p:childTnLst>
-              </p:cTn>
-              <p:prevCondLst>
-                <p:cond evt="onPrev" delay="0">
-                  <p:tgtEl>
-                    <p:sldTgt/>
-                  </p:tgtEl>
-                </p:cond>
-              </p:prevCondLst>
-              <p:nextCondLst>
-                <p:cond evt="onNext" delay="0">
-                  <p:tgtEl>
-                    <p:sldTgt/>
-                  </p:tgtEl>
-                </p:cond>
-              </p:nextCondLst>
-            </p:seq>
-          </p:childTnLst>
-        </p:cTn>
-      </p:par>
-    </p:tnLst>
-    <p:bldLst>
-      <p:bldP spid="6" grpId="0"/>
-    </p:bldLst>
-  </p:timing>
-</p:sld>
-</file>
-
-<file path=ppt/slides/slide8.xml><?xml version="1.0" encoding="utf-8"?>
-<p:sld xmlns:a="http://schemas.openxmlformats.org/drawingml/2006/main" xmlns:r="http://schemas.openxmlformats.org/officeDocument/2006/relationships" xmlns:p="http://schemas.openxmlformats.org/presentationml/2006/main">
-  <p:cSld>
-    <p:spTree>
-      <p:nvGrpSpPr>
-        <p:cNvPr id="1" name=""/>
-        <p:cNvGrpSpPr/>
-        <p:nvPr/>
-      </p:nvGrpSpPr>
-      <p:grpSpPr>
-        <a:xfrm>
-          <a:off x="0" y="0"/>
-          <a:ext cx="0" cy="0"/>
-          <a:chOff x="0" y="0"/>
-          <a:chExt cx="0" cy="0"/>
-        </a:xfrm>
-      </p:grpSpPr>
-      <p:sp>
-        <p:nvSpPr>
-          <p:cNvPr id="8" name="Rectangle 7"/>
-          <p:cNvSpPr/>
-          <p:nvPr/>
-        </p:nvSpPr>
-        <p:spPr>
-          <a:xfrm>
-            <a:off x="4800600" y="1048624"/>
-            <a:ext cx="2623931" cy="4676315"/>
-          </a:xfrm>
-          <a:prstGeom prst="rect">
-            <a:avLst/>
-          </a:prstGeom>
-          <a:solidFill>
-            <a:srgbClr val="335B74"/>
-          </a:solidFill>
-          <a:ln>
-            <a:noFill/>
-          </a:ln>
-        </p:spPr>
-        <p:style>
-          <a:lnRef idx="2">
-            <a:schemeClr val="accent1">
-              <a:shade val="50000"/>
-            </a:schemeClr>
-          </a:lnRef>
-          <a:fillRef idx="1">
-            <a:schemeClr val="accent1"/>
-          </a:fillRef>
-          <a:effectRef idx="0">
-            <a:schemeClr val="accent1"/>
-          </a:effectRef>
-          <a:fontRef idx="minor">
-            <a:schemeClr val="lt1"/>
-          </a:fontRef>
-        </p:style>
-        <p:txBody>
-          <a:bodyPr rtlCol="0" anchor="ctr"/>
-          <a:lstStyle/>
-          <a:p>
-            <a:pPr algn="ctr"/>
-            <a:endParaRPr lang="en-US" dirty="0"/>
-          </a:p>
-        </p:txBody>
-      </p:sp>
-      <p:sp>
-        <p:nvSpPr>
-          <p:cNvPr id="2" name="TextBox 1"/>
-          <p:cNvSpPr txBox="1"/>
-          <p:nvPr/>
-        </p:nvSpPr>
-        <p:spPr>
-          <a:xfrm>
-            <a:off x="9315450" y="5876925"/>
-            <a:ext cx="2333625" cy="369332"/>
-          </a:xfrm>
-          <a:prstGeom prst="rect">
-            <a:avLst/>
-          </a:prstGeom>
-          <a:noFill/>
-        </p:spPr>
-        <p:txBody>
-          <a:bodyPr wrap="square" rtlCol="0">
-            <a:spAutoFit/>
-          </a:bodyPr>
-          <a:lstStyle/>
-          <a:p>
-            <a:r>
-              <a:rPr lang="en-US" dirty="0">
-                <a:latin typeface="Malgun Gothic Semilight" panose="020B0502040204020203" pitchFamily="34" charset="-128"/>
-                <a:ea typeface="Malgun Gothic Semilight" panose="020B0502040204020203" pitchFamily="34" charset="-128"/>
-                <a:cs typeface="Malgun Gothic Semilight" panose="020B0502040204020203" pitchFamily="34" charset="-128"/>
-              </a:rPr>
-              <a:t>Home Screen</a:t>
-            </a:r>
-          </a:p>
-        </p:txBody>
-      </p:sp>
-      <p:sp>
-        <p:nvSpPr>
-          <p:cNvPr id="6" name="TextBox 5"/>
-          <p:cNvSpPr txBox="1"/>
-          <p:nvPr/>
-        </p:nvSpPr>
-        <p:spPr>
-          <a:xfrm>
-            <a:off x="5625833" y="3202115"/>
-            <a:ext cx="973463" cy="369332"/>
-          </a:xfrm>
-          <a:prstGeom prst="rect">
-            <a:avLst/>
-          </a:prstGeom>
-          <a:noFill/>
-        </p:spPr>
-        <p:txBody>
-          <a:bodyPr wrap="square" rtlCol="0">
-            <a:spAutoFit/>
-          </a:bodyPr>
-          <a:lstStyle/>
-          <a:p>
-            <a:pPr marL="0" marR="0" lvl="0" indent="0" algn="ctr" defTabSz="914400" eaLnBrk="1" fontAlgn="auto" latinLnBrk="0" hangingPunct="1">
-              <a:lnSpc>
-                <a:spcPct val="100000"/>
-              </a:lnSpc>
-              <a:spcBef>
-                <a:spcPts val="0"/>
-              </a:spcBef>
-              <a:spcAft>
-                <a:spcPts val="0"/>
-              </a:spcAft>
-              <a:buClrTx/>
-              <a:buSzTx/>
-              <a:buFontTx/>
-              <a:buNone/>
-              <a:tabLst/>
-              <a:defRPr/>
-            </a:pPr>
-            <a:r>
-              <a:rPr kumimoji="0" lang="en-US" sz="1800" b="0" i="0" u="none" strike="noStrike" kern="0" cap="none" spc="0" normalizeH="0" baseline="0" noProof="0" dirty="0">
-                <a:ln>
-                  <a:noFill/>
-                </a:ln>
-                <a:solidFill>
-                  <a:schemeClr val="bg1"/>
-                </a:solidFill>
-                <a:effectLst/>
-                <a:uLnTx/>
-                <a:uFillTx/>
-                <a:latin typeface="Malgun Gothic Semilight" panose="020B0502040204020203" pitchFamily="34" charset="-128"/>
-                <a:ea typeface="Malgun Gothic Semilight" panose="020B0502040204020203" pitchFamily="34" charset="-128"/>
-                <a:cs typeface="Malgun Gothic Semilight" panose="020B0502040204020203" pitchFamily="34" charset="-128"/>
-              </a:rPr>
-              <a:t>Even II</a:t>
-            </a:r>
-          </a:p>
-        </p:txBody>
-      </p:sp>
-      <p:pic>
-        <p:nvPicPr>
-          <p:cNvPr id="5" name="Picture 4"/>
-          <p:cNvPicPr>
-            <a:picLocks noChangeAspect="1"/>
-          </p:cNvPicPr>
-          <p:nvPr/>
-        </p:nvPicPr>
-        <p:blipFill>
-          <a:blip r:embed="rId2"/>
-          <a:stretch>
-            <a:fillRect/>
-          </a:stretch>
-        </p:blipFill>
-        <p:spPr>
-          <a:xfrm>
-            <a:off x="4800599" y="1053959"/>
-            <a:ext cx="2623931" cy="4664767"/>
-          </a:xfrm>
-          <a:prstGeom prst="rect">
-            <a:avLst/>
-          </a:prstGeom>
-        </p:spPr>
-      </p:pic>
-      <p:sp>
-        <p:nvSpPr>
-          <p:cNvPr id="7" name="Rectangle 6"/>
-          <p:cNvSpPr/>
-          <p:nvPr/>
-        </p:nvSpPr>
-        <p:spPr>
-          <a:xfrm>
-            <a:off x="4920343" y="1776552"/>
-            <a:ext cx="1123406" cy="661851"/>
-          </a:xfrm>
-          <a:prstGeom prst="rect">
-            <a:avLst/>
-          </a:prstGeom>
-          <a:solidFill>
-            <a:srgbClr val="3E6F8E"/>
-          </a:solidFill>
-        </p:spPr>
-        <p:style>
-          <a:lnRef idx="2">
-            <a:schemeClr val="accent1">
-              <a:shade val="50000"/>
-            </a:schemeClr>
-          </a:lnRef>
-          <a:fillRef idx="1">
-            <a:schemeClr val="accent1"/>
-          </a:fillRef>
-          <a:effectRef idx="0">
-            <a:schemeClr val="accent1"/>
-          </a:effectRef>
-          <a:fontRef idx="minor">
-            <a:schemeClr val="lt1"/>
-          </a:fontRef>
-        </p:style>
-        <p:txBody>
-          <a:bodyPr rtlCol="0" anchor="ctr"/>
-          <a:lstStyle/>
-          <a:p>
-            <a:pPr algn="ctr"/>
-            <a:r>
-              <a:rPr lang="en-US" sz="2800" dirty="0"/>
-              <a:t>A</a:t>
-            </a:r>
-          </a:p>
-        </p:txBody>
-      </p:sp>
-      <p:sp>
-        <p:nvSpPr>
-          <p:cNvPr id="9" name="Rectangle 8"/>
-          <p:cNvSpPr/>
-          <p:nvPr/>
-        </p:nvSpPr>
-        <p:spPr>
-          <a:xfrm>
-            <a:off x="6172436" y="1776552"/>
-            <a:ext cx="1123406" cy="661851"/>
-          </a:xfrm>
-          <a:prstGeom prst="rect">
-            <a:avLst/>
-          </a:prstGeom>
-          <a:solidFill>
-            <a:srgbClr val="3E6F8E"/>
-          </a:solidFill>
-        </p:spPr>
-        <p:style>
-          <a:lnRef idx="2">
-            <a:schemeClr val="accent1">
-              <a:shade val="50000"/>
-            </a:schemeClr>
-          </a:lnRef>
-          <a:fillRef idx="1">
-            <a:schemeClr val="accent1"/>
-          </a:fillRef>
-          <a:effectRef idx="0">
-            <a:schemeClr val="accent1"/>
-          </a:effectRef>
-          <a:fontRef idx="minor">
-            <a:schemeClr val="lt1"/>
-          </a:fontRef>
-        </p:style>
-        <p:txBody>
-          <a:bodyPr rtlCol="0" anchor="ctr"/>
-          <a:lstStyle/>
-          <a:p>
-            <a:pPr algn="ctr"/>
-            <a:r>
-              <a:rPr lang="en-US" sz="2800" dirty="0"/>
-              <a:t>B</a:t>
-            </a:r>
-          </a:p>
-        </p:txBody>
-      </p:sp>
-      <p:sp>
-        <p:nvSpPr>
-          <p:cNvPr id="10" name="TextBox 9"/>
-          <p:cNvSpPr txBox="1"/>
-          <p:nvPr/>
-        </p:nvSpPr>
-        <p:spPr>
-          <a:xfrm>
-            <a:off x="4920343" y="2394863"/>
-            <a:ext cx="2375499" cy="2585323"/>
-          </a:xfrm>
-          <a:prstGeom prst="rect">
-            <a:avLst/>
-          </a:prstGeom>
-          <a:noFill/>
-        </p:spPr>
-        <p:txBody>
-          <a:bodyPr wrap="square" rtlCol="0">
-            <a:spAutoFit/>
-          </a:bodyPr>
-          <a:lstStyle/>
-          <a:p>
-            <a:r>
-              <a:rPr lang="en-US" dirty="0">
-                <a:solidFill>
-                  <a:schemeClr val="bg1">
-                    <a:lumMod val="95000"/>
-                  </a:schemeClr>
-                </a:solidFill>
-              </a:rPr>
-              <a:t>Albert	      Beth</a:t>
-            </a:r>
-          </a:p>
-          <a:p>
-            <a:endParaRPr lang="en-US" dirty="0">
-              <a:solidFill>
-                <a:schemeClr val="bg1">
-                  <a:lumMod val="95000"/>
-                </a:schemeClr>
-              </a:solidFill>
-            </a:endParaRPr>
-          </a:p>
-          <a:p>
-            <a:endParaRPr lang="en-US" dirty="0">
-              <a:solidFill>
-                <a:schemeClr val="bg1">
-                  <a:lumMod val="95000"/>
-                </a:schemeClr>
-              </a:solidFill>
-            </a:endParaRPr>
-          </a:p>
-          <a:p>
-            <a:endParaRPr lang="en-US" dirty="0">
-              <a:solidFill>
-                <a:schemeClr val="bg1">
-                  <a:lumMod val="95000"/>
-                </a:schemeClr>
-              </a:solidFill>
-            </a:endParaRPr>
-          </a:p>
-          <a:p>
-            <a:r>
-              <a:rPr lang="en-US" dirty="0">
-                <a:solidFill>
-                  <a:schemeClr val="bg1">
-                    <a:lumMod val="95000"/>
-                  </a:schemeClr>
-                </a:solidFill>
-              </a:rPr>
-              <a:t>Carl	              Pearl</a:t>
-            </a:r>
-          </a:p>
-          <a:p>
-            <a:endParaRPr lang="en-US" dirty="0">
-              <a:solidFill>
-                <a:schemeClr val="bg1">
-                  <a:lumMod val="95000"/>
-                </a:schemeClr>
-              </a:solidFill>
-            </a:endParaRPr>
-          </a:p>
-          <a:p>
-            <a:endParaRPr lang="en-US" dirty="0">
-              <a:solidFill>
-                <a:schemeClr val="bg1">
-                  <a:lumMod val="95000"/>
-                </a:schemeClr>
-              </a:solidFill>
-            </a:endParaRPr>
-          </a:p>
-          <a:p>
-            <a:endParaRPr lang="en-US" dirty="0">
-              <a:solidFill>
-                <a:schemeClr val="bg1">
-                  <a:lumMod val="95000"/>
-                </a:schemeClr>
-              </a:solidFill>
-            </a:endParaRPr>
-          </a:p>
-          <a:p>
-            <a:r>
-              <a:rPr lang="en-US" dirty="0">
-                <a:solidFill>
-                  <a:schemeClr val="bg1">
-                    <a:lumMod val="95000"/>
-                  </a:schemeClr>
-                </a:solidFill>
-              </a:rPr>
-              <a:t>Add</a:t>
-            </a:r>
-          </a:p>
-        </p:txBody>
-      </p:sp>
-      <p:sp>
-        <p:nvSpPr>
-          <p:cNvPr id="11" name="Rectangle 10"/>
-          <p:cNvSpPr/>
-          <p:nvPr/>
-        </p:nvSpPr>
-        <p:spPr>
-          <a:xfrm>
-            <a:off x="6181380" y="2824371"/>
-            <a:ext cx="1123406" cy="661851"/>
-          </a:xfrm>
-          <a:prstGeom prst="rect">
-            <a:avLst/>
-          </a:prstGeom>
-          <a:solidFill>
-            <a:srgbClr val="3E6F8E"/>
-          </a:solidFill>
-        </p:spPr>
-        <p:style>
-          <a:lnRef idx="2">
-            <a:schemeClr val="accent1">
-              <a:shade val="50000"/>
-            </a:schemeClr>
-          </a:lnRef>
-          <a:fillRef idx="1">
-            <a:schemeClr val="accent1"/>
-          </a:fillRef>
-          <a:effectRef idx="0">
-            <a:schemeClr val="accent1"/>
-          </a:effectRef>
-          <a:fontRef idx="minor">
-            <a:schemeClr val="lt1"/>
-          </a:fontRef>
-        </p:style>
-        <p:txBody>
-          <a:bodyPr rtlCol="0" anchor="ctr"/>
-          <a:lstStyle/>
-          <a:p>
-            <a:pPr algn="ctr"/>
-            <a:r>
-              <a:rPr lang="en-US" sz="2800" dirty="0"/>
-              <a:t>P</a:t>
-            </a:r>
-          </a:p>
-        </p:txBody>
-      </p:sp>
-      <p:sp>
-        <p:nvSpPr>
-          <p:cNvPr id="12" name="Rectangle 11"/>
-          <p:cNvSpPr/>
-          <p:nvPr/>
-        </p:nvSpPr>
-        <p:spPr>
-          <a:xfrm>
-            <a:off x="4914188" y="2824371"/>
-            <a:ext cx="1123406" cy="661851"/>
-          </a:xfrm>
-          <a:prstGeom prst="rect">
-            <a:avLst/>
-          </a:prstGeom>
-          <a:solidFill>
-            <a:srgbClr val="3E6F8E"/>
-          </a:solidFill>
-        </p:spPr>
-        <p:style>
-          <a:lnRef idx="2">
-            <a:schemeClr val="accent1">
-              <a:shade val="50000"/>
-            </a:schemeClr>
-          </a:lnRef>
-          <a:fillRef idx="1">
-            <a:schemeClr val="accent1"/>
-          </a:fillRef>
-          <a:effectRef idx="0">
-            <a:schemeClr val="accent1"/>
-          </a:effectRef>
-          <a:fontRef idx="minor">
-            <a:schemeClr val="lt1"/>
-          </a:fontRef>
-        </p:style>
-        <p:txBody>
-          <a:bodyPr rtlCol="0" anchor="ctr"/>
-          <a:lstStyle/>
-          <a:p>
-            <a:pPr algn="ctr"/>
-            <a:r>
-              <a:rPr lang="en-US" sz="2800" dirty="0"/>
-              <a:t>C</a:t>
-            </a:r>
-          </a:p>
-        </p:txBody>
-      </p:sp>
-      <p:sp>
-        <p:nvSpPr>
-          <p:cNvPr id="13" name="Rectangle 12"/>
-          <p:cNvSpPr/>
-          <p:nvPr/>
-        </p:nvSpPr>
-        <p:spPr>
-          <a:xfrm>
-            <a:off x="4911399" y="3872190"/>
-            <a:ext cx="1123406" cy="661851"/>
-          </a:xfrm>
-          <a:prstGeom prst="rect">
-            <a:avLst/>
-          </a:prstGeom>
-          <a:solidFill>
-            <a:srgbClr val="3E6F8E"/>
-          </a:solidFill>
-        </p:spPr>
-        <p:style>
-          <a:lnRef idx="2">
-            <a:schemeClr val="accent1">
-              <a:shade val="50000"/>
-            </a:schemeClr>
-          </a:lnRef>
-          <a:fillRef idx="1">
-            <a:schemeClr val="accent1"/>
-          </a:fillRef>
-          <a:effectRef idx="0">
-            <a:schemeClr val="accent1"/>
-          </a:effectRef>
-          <a:fontRef idx="minor">
-            <a:schemeClr val="lt1"/>
-          </a:fontRef>
-        </p:style>
-        <p:txBody>
-          <a:bodyPr rtlCol="0" anchor="ctr"/>
-          <a:lstStyle/>
-          <a:p>
-            <a:pPr algn="ctr"/>
-            <a:r>
-              <a:rPr lang="en-US" sz="4800" b="1" dirty="0"/>
-              <a:t>+</a:t>
-            </a:r>
-          </a:p>
-        </p:txBody>
-      </p:sp>
-      <p:grpSp>
-        <p:nvGrpSpPr>
-          <p:cNvPr id="21" name="Group 20"/>
-          <p:cNvGrpSpPr/>
-          <p:nvPr/>
-        </p:nvGrpSpPr>
-        <p:grpSpPr>
-          <a:xfrm>
-            <a:off x="4998722" y="357051"/>
-            <a:ext cx="1802674" cy="6200503"/>
-            <a:chOff x="4963886" y="357051"/>
-            <a:chExt cx="1802674" cy="6200503"/>
-          </a:xfrm>
-        </p:grpSpPr>
-        <p:sp>
-          <p:nvSpPr>
-            <p:cNvPr id="22" name="Rectangle 21"/>
-            <p:cNvSpPr/>
-            <p:nvPr/>
-          </p:nvSpPr>
-          <p:spPr>
-            <a:xfrm>
-              <a:off x="5799909" y="357051"/>
-              <a:ext cx="583474" cy="130629"/>
-            </a:xfrm>
-            <a:prstGeom prst="rect">
-              <a:avLst/>
-            </a:prstGeom>
-            <a:solidFill>
-              <a:srgbClr val="F2F2F2"/>
-            </a:solidFill>
-            <a:ln>
-              <a:noFill/>
-            </a:ln>
-          </p:spPr>
-          <p:style>
-            <a:lnRef idx="2">
-              <a:schemeClr val="accent1">
-                <a:shade val="50000"/>
-              </a:schemeClr>
-            </a:lnRef>
-            <a:fillRef idx="1">
-              <a:schemeClr val="accent1"/>
-            </a:fillRef>
-            <a:effectRef idx="0">
-              <a:schemeClr val="accent1"/>
-            </a:effectRef>
-            <a:fontRef idx="minor">
-              <a:schemeClr val="lt1"/>
-            </a:fontRef>
-          </p:style>
-          <p:txBody>
-            <a:bodyPr rtlCol="0" anchor="ctr"/>
-            <a:lstStyle/>
-            <a:p>
-              <a:pPr algn="ctr"/>
-              <a:endParaRPr lang="en-US"/>
-            </a:p>
-          </p:txBody>
-        </p:sp>
-        <p:sp>
-          <p:nvSpPr>
-            <p:cNvPr id="23" name="Rectangle 22"/>
-            <p:cNvSpPr/>
-            <p:nvPr/>
-          </p:nvSpPr>
-          <p:spPr>
-            <a:xfrm>
-              <a:off x="5503818" y="5858576"/>
-              <a:ext cx="1262742" cy="698978"/>
-            </a:xfrm>
-            <a:prstGeom prst="rect">
-              <a:avLst/>
-            </a:prstGeom>
-            <a:solidFill>
-              <a:srgbClr val="F2F2F2"/>
-            </a:solidFill>
-            <a:ln>
-              <a:noFill/>
-            </a:ln>
-          </p:spPr>
-          <p:style>
-            <a:lnRef idx="2">
-              <a:schemeClr val="accent1">
-                <a:shade val="50000"/>
-              </a:schemeClr>
-            </a:lnRef>
-            <a:fillRef idx="1">
-              <a:schemeClr val="accent1"/>
-            </a:fillRef>
-            <a:effectRef idx="0">
-              <a:schemeClr val="accent1"/>
-            </a:effectRef>
-            <a:fontRef idx="minor">
-              <a:schemeClr val="lt1"/>
-            </a:fontRef>
-          </p:style>
-          <p:txBody>
-            <a:bodyPr rtlCol="0" anchor="ctr"/>
-            <a:lstStyle/>
-            <a:p>
-              <a:pPr algn="ctr"/>
-              <a:endParaRPr lang="en-US"/>
-            </a:p>
-          </p:txBody>
-        </p:sp>
-        <p:sp>
-          <p:nvSpPr>
-            <p:cNvPr id="24" name="Oval 23"/>
-            <p:cNvSpPr/>
-            <p:nvPr/>
-          </p:nvSpPr>
-          <p:spPr>
-            <a:xfrm>
-              <a:off x="4963886" y="487680"/>
-              <a:ext cx="113211" cy="113211"/>
-            </a:xfrm>
-            <a:prstGeom prst="ellipse">
-              <a:avLst/>
-            </a:prstGeom>
-          </p:spPr>
-          <p:style>
-            <a:lnRef idx="2">
-              <a:schemeClr val="dk1">
-                <a:shade val="50000"/>
-              </a:schemeClr>
-            </a:lnRef>
-            <a:fillRef idx="1">
-              <a:schemeClr val="dk1"/>
-            </a:fillRef>
-            <a:effectRef idx="0">
-              <a:schemeClr val="dk1"/>
-            </a:effectRef>
-            <a:fontRef idx="minor">
-              <a:schemeClr val="lt1"/>
-            </a:fontRef>
-          </p:style>
-          <p:txBody>
-            <a:bodyPr rtlCol="0" anchor="ctr"/>
-            <a:lstStyle/>
-            <a:p>
-              <a:pPr algn="ctr"/>
-              <a:endParaRPr lang="en-US"/>
-            </a:p>
-          </p:txBody>
-        </p:sp>
-        <p:sp>
-          <p:nvSpPr>
-            <p:cNvPr id="25" name="Rectangle 24"/>
-            <p:cNvSpPr/>
-            <p:nvPr/>
-          </p:nvSpPr>
-          <p:spPr>
-            <a:xfrm>
-              <a:off x="5216435" y="628388"/>
-              <a:ext cx="583474" cy="130629"/>
-            </a:xfrm>
-            <a:prstGeom prst="rect">
-              <a:avLst/>
-            </a:prstGeom>
-            <a:solidFill>
-              <a:srgbClr val="F2F2F2"/>
-            </a:solidFill>
-            <a:ln>
-              <a:noFill/>
-            </a:ln>
-          </p:spPr>
-          <p:style>
-            <a:lnRef idx="2">
-              <a:schemeClr val="accent1">
-                <a:shade val="50000"/>
-              </a:schemeClr>
-            </a:lnRef>
-            <a:fillRef idx="1">
-              <a:schemeClr val="accent1"/>
-            </a:fillRef>
-            <a:effectRef idx="0">
-              <a:schemeClr val="accent1"/>
-            </a:effectRef>
-            <a:fontRef idx="minor">
-              <a:schemeClr val="lt1"/>
-            </a:fontRef>
-          </p:style>
-          <p:txBody>
-            <a:bodyPr rtlCol="0" anchor="ctr"/>
-            <a:lstStyle/>
-            <a:p>
-              <a:pPr algn="ctr"/>
-              <a:endParaRPr lang="en-US"/>
-            </a:p>
-          </p:txBody>
-        </p:sp>
-        <p:sp>
-          <p:nvSpPr>
-            <p:cNvPr id="26" name="Rounded Rectangle 25"/>
-            <p:cNvSpPr/>
-            <p:nvPr/>
-          </p:nvSpPr>
-          <p:spPr>
-            <a:xfrm>
-              <a:off x="5416735" y="373617"/>
-              <a:ext cx="1275805" cy="98398"/>
-            </a:xfrm>
-            <a:prstGeom prst="roundRect">
-              <a:avLst/>
-            </a:prstGeom>
-            <a:solidFill>
-              <a:srgbClr val="F2F2F2"/>
-            </a:solidFill>
-            <a:ln>
-              <a:solidFill>
-                <a:schemeClr val="bg1">
-                  <a:lumMod val="50000"/>
-                </a:schemeClr>
-              </a:solidFill>
-            </a:ln>
-          </p:spPr>
-          <p:style>
-            <a:lnRef idx="2">
-              <a:schemeClr val="accent1">
-                <a:shade val="50000"/>
-              </a:schemeClr>
-            </a:lnRef>
-            <a:fillRef idx="1">
-              <a:schemeClr val="accent1"/>
-            </a:fillRef>
-            <a:effectRef idx="0">
-              <a:schemeClr val="accent1"/>
-            </a:effectRef>
-            <a:fontRef idx="minor">
-              <a:schemeClr val="lt1"/>
-            </a:fontRef>
-          </p:style>
-          <p:txBody>
-            <a:bodyPr rtlCol="0" anchor="ctr"/>
-            <a:lstStyle/>
-            <a:p>
-              <a:pPr algn="ctr"/>
-              <a:endParaRPr lang="en-US"/>
-            </a:p>
-          </p:txBody>
-        </p:sp>
-      </p:grpSp>
-    </p:spTree>
-    <p:extLst>
-      <p:ext uri="{BB962C8B-B14F-4D97-AF65-F5344CB8AC3E}">
-        <p14:creationId xmlns:p14="http://schemas.microsoft.com/office/powerpoint/2010/main" val="193707465"/>
-      </p:ext>
-    </p:extLst>
-  </p:cSld>
-  <p:clrMapOvr>
-    <a:masterClrMapping/>
-  </p:clrMapOvr>
-  <p:timing>
-    <p:tnLst>
-      <p:par>
-        <p:cTn id="1" dur="indefinite" restart="never" nodeType="tmRoot">
-          <p:childTnLst>
-            <p:seq concurrent="1" nextAc="seek">
-              <p:cTn id="2" dur="indefinite" nodeType="mainSeq">
-                <p:childTnLst>
-                  <p:par>
-                    <p:cTn id="3" fill="hold">
-                      <p:stCondLst>
-                        <p:cond delay="indefinite"/>
-                        <p:cond evt="onBegin" delay="0">
-                          <p:tn val="2"/>
-                        </p:cond>
-                      </p:stCondLst>
-                      <p:childTnLst>
-                        <p:par>
-                          <p:cTn id="4" fill="hold">
-                            <p:stCondLst>
-                              <p:cond delay="0"/>
-                            </p:stCondLst>
-                            <p:childTnLst>
-                              <p:par>
-                                <p:cTn id="5" presetID="42" presetClass="path" presetSubtype="0" accel="50000" decel="50000" fill="hold" grpId="0" nodeType="withEffect">
-                                  <p:stCondLst>
-                                    <p:cond delay="1000"/>
-                                  </p:stCondLst>
-                                  <p:childTnLst>
-                                    <p:animMotion origin="layout" path="M -1.25E-6 -2.22222E-6 L -1.25E-6 -0.15463 " pathEditMode="relative" rAng="0" ptsTypes="AA">
-                                      <p:cBhvr>
-                                        <p:cTn id="6" dur="2000" fill="hold"/>
-                                        <p:tgtEl>
-                                          <p:spTgt spid="6"/>
-                                        </p:tgtEl>
-                                        <p:attrNameLst>
-                                          <p:attrName>ppt_x</p:attrName>
-                                          <p:attrName>ppt_y</p:attrName>
-                                        </p:attrNameLst>
-                                      </p:cBhvr>
-                                      <p:rCtr x="0" y="-7731"/>
-                                    </p:animMotion>
-                                  </p:childTnLst>
-                                </p:cTn>
-                              </p:par>
-                            </p:childTnLst>
-                          </p:cTn>
-                        </p:par>
-                      </p:childTnLst>
-                    </p:cTn>
-                  </p:par>
-                </p:childTnLst>
-              </p:cTn>
-              <p:prevCondLst>
-                <p:cond evt="onPrev" delay="0">
-                  <p:tgtEl>
-                    <p:sldTgt/>
-                  </p:tgtEl>
-                </p:cond>
-              </p:prevCondLst>
-              <p:nextCondLst>
-                <p:cond evt="onNext" delay="0">
-                  <p:tgtEl>
-                    <p:sldTgt/>
-                  </p:tgtEl>
-                </p:cond>
-              </p:nextCondLst>
-            </p:seq>
-          </p:childTnLst>
-        </p:cTn>
-      </p:par>
-    </p:tnLst>
-    <p:bldLst>
-      <p:bldP spid="6" grpId="0"/>
-    </p:bldLst>
-  </p:timing>
-</p:sld>
-</file>
-
-<file path=ppt/slides/slide9.xml><?xml version="1.0" encoding="utf-8"?>
-<p:sld xmlns:a="http://schemas.openxmlformats.org/drawingml/2006/main" xmlns:r="http://schemas.openxmlformats.org/officeDocument/2006/relationships" xmlns:p="http://schemas.openxmlformats.org/presentationml/2006/main">
-  <p:cSld>
-    <p:spTree>
-      <p:nvGrpSpPr>
-        <p:cNvPr id="1" name=""/>
-        <p:cNvGrpSpPr/>
-        <p:nvPr/>
-      </p:nvGrpSpPr>
-      <p:grpSpPr>
-        <a:xfrm>
-          <a:off x="0" y="0"/>
-          <a:ext cx="0" cy="0"/>
-          <a:chOff x="0" y="0"/>
-          <a:chExt cx="0" cy="0"/>
-        </a:xfrm>
-      </p:grpSpPr>
-      <p:sp>
-        <p:nvSpPr>
-          <p:cNvPr id="8" name="Rectangle 7"/>
-          <p:cNvSpPr/>
-          <p:nvPr/>
-        </p:nvSpPr>
-        <p:spPr>
-          <a:xfrm>
-            <a:off x="4800600" y="1048624"/>
-            <a:ext cx="2623931" cy="4676315"/>
-          </a:xfrm>
-          <a:prstGeom prst="rect">
-            <a:avLst/>
-          </a:prstGeom>
-          <a:solidFill>
-            <a:srgbClr val="335B74"/>
-          </a:solidFill>
-          <a:ln>
-            <a:noFill/>
-          </a:ln>
-        </p:spPr>
-        <p:style>
-          <a:lnRef idx="2">
-            <a:schemeClr val="accent1">
-              <a:shade val="50000"/>
-            </a:schemeClr>
-          </a:lnRef>
-          <a:fillRef idx="1">
-            <a:schemeClr val="accent1"/>
-          </a:fillRef>
-          <a:effectRef idx="0">
-            <a:schemeClr val="accent1"/>
-          </a:effectRef>
-          <a:fontRef idx="minor">
-            <a:schemeClr val="lt1"/>
-          </a:fontRef>
-        </p:style>
-        <p:txBody>
-          <a:bodyPr rtlCol="0" anchor="ctr"/>
-          <a:lstStyle/>
-          <a:p>
-            <a:pPr algn="ctr"/>
-            <a:endParaRPr lang="en-US" dirty="0"/>
-          </a:p>
-        </p:txBody>
-      </p:sp>
-      <p:sp>
-        <p:nvSpPr>
-          <p:cNvPr id="2" name="TextBox 1"/>
-          <p:cNvSpPr txBox="1"/>
-          <p:nvPr/>
-        </p:nvSpPr>
-        <p:spPr>
-          <a:xfrm>
-            <a:off x="9315450" y="5876925"/>
-            <a:ext cx="2333625" cy="369332"/>
-          </a:xfrm>
-          <a:prstGeom prst="rect">
-            <a:avLst/>
-          </a:prstGeom>
-          <a:noFill/>
-        </p:spPr>
-        <p:txBody>
-          <a:bodyPr wrap="square" rtlCol="0">
-            <a:spAutoFit/>
-          </a:bodyPr>
-          <a:lstStyle/>
-          <a:p>
-            <a:r>
-              <a:rPr lang="en-US" dirty="0">
-                <a:latin typeface="Malgun Gothic Semilight" panose="020B0502040204020203" pitchFamily="34" charset="-128"/>
-                <a:ea typeface="Malgun Gothic Semilight" panose="020B0502040204020203" pitchFamily="34" charset="-128"/>
-                <a:cs typeface="Malgun Gothic Semilight" panose="020B0502040204020203" pitchFamily="34" charset="-128"/>
-              </a:rPr>
-              <a:t>Home Screen</a:t>
-            </a:r>
-          </a:p>
-        </p:txBody>
-      </p:sp>
-      <p:sp>
-        <p:nvSpPr>
-          <p:cNvPr id="6" name="TextBox 5"/>
-          <p:cNvSpPr txBox="1"/>
-          <p:nvPr/>
-        </p:nvSpPr>
-        <p:spPr>
-          <a:xfrm>
-            <a:off x="5625833" y="3202115"/>
-            <a:ext cx="973463" cy="369332"/>
-          </a:xfrm>
-          <a:prstGeom prst="rect">
-            <a:avLst/>
-          </a:prstGeom>
-          <a:noFill/>
-        </p:spPr>
-        <p:txBody>
-          <a:bodyPr wrap="square" rtlCol="0">
-            <a:spAutoFit/>
-          </a:bodyPr>
-          <a:lstStyle/>
-          <a:p>
-            <a:pPr marL="0" marR="0" lvl="0" indent="0" algn="ctr" defTabSz="914400" eaLnBrk="1" fontAlgn="auto" latinLnBrk="0" hangingPunct="1">
-              <a:lnSpc>
-                <a:spcPct val="100000"/>
-              </a:lnSpc>
-              <a:spcBef>
-                <a:spcPts val="0"/>
-              </a:spcBef>
-              <a:spcAft>
-                <a:spcPts val="0"/>
-              </a:spcAft>
-              <a:buClrTx/>
-              <a:buSzTx/>
-              <a:buFontTx/>
-              <a:buNone/>
-              <a:tabLst/>
-              <a:defRPr/>
-            </a:pPr>
-            <a:r>
-              <a:rPr kumimoji="0" lang="en-US" sz="1800" b="0" i="0" u="none" strike="noStrike" kern="0" cap="none" spc="0" normalizeH="0" baseline="0" noProof="0" dirty="0">
-                <a:ln>
-                  <a:noFill/>
-                </a:ln>
-                <a:solidFill>
-                  <a:schemeClr val="bg1"/>
-                </a:solidFill>
-                <a:effectLst/>
-                <a:uLnTx/>
-                <a:uFillTx/>
-                <a:latin typeface="Malgun Gothic Semilight" panose="020B0502040204020203" pitchFamily="34" charset="-128"/>
-                <a:ea typeface="Malgun Gothic Semilight" panose="020B0502040204020203" pitchFamily="34" charset="-128"/>
-                <a:cs typeface="Malgun Gothic Semilight" panose="020B0502040204020203" pitchFamily="34" charset="-128"/>
-              </a:rPr>
-              <a:t>Even II</a:t>
-            </a:r>
-          </a:p>
-        </p:txBody>
-      </p:sp>
-      <p:pic>
-        <p:nvPicPr>
-          <p:cNvPr id="5" name="Picture 4"/>
-          <p:cNvPicPr>
-            <a:picLocks noChangeAspect="1"/>
-          </p:cNvPicPr>
-          <p:nvPr/>
-        </p:nvPicPr>
-        <p:blipFill>
-          <a:blip r:embed="rId2"/>
-          <a:stretch>
-            <a:fillRect/>
-          </a:stretch>
-        </p:blipFill>
-        <p:spPr>
-          <a:xfrm>
-            <a:off x="4800599" y="1053959"/>
-            <a:ext cx="2623931" cy="4664767"/>
-          </a:xfrm>
-          <a:prstGeom prst="rect">
-            <a:avLst/>
-          </a:prstGeom>
-        </p:spPr>
-      </p:pic>
-      <p:sp>
-        <p:nvSpPr>
-          <p:cNvPr id="7" name="Rectangle 6"/>
-          <p:cNvSpPr/>
-          <p:nvPr/>
-        </p:nvSpPr>
-        <p:spPr>
-          <a:xfrm>
-            <a:off x="4920343" y="1776552"/>
-            <a:ext cx="1123406" cy="661851"/>
-          </a:xfrm>
-          <a:prstGeom prst="rect">
-            <a:avLst/>
-          </a:prstGeom>
-          <a:solidFill>
-            <a:srgbClr val="3E6F8E"/>
-          </a:solidFill>
-        </p:spPr>
-        <p:style>
-          <a:lnRef idx="2">
-            <a:schemeClr val="accent1">
-              <a:shade val="50000"/>
-            </a:schemeClr>
-          </a:lnRef>
-          <a:fillRef idx="1">
-            <a:schemeClr val="accent1"/>
-          </a:fillRef>
-          <a:effectRef idx="0">
-            <a:schemeClr val="accent1"/>
-          </a:effectRef>
-          <a:fontRef idx="minor">
-            <a:schemeClr val="lt1"/>
-          </a:fontRef>
-        </p:style>
-        <p:txBody>
-          <a:bodyPr rtlCol="0" anchor="ctr"/>
-          <a:lstStyle/>
-          <a:p>
-            <a:pPr algn="ctr"/>
-            <a:r>
-              <a:rPr lang="en-US" sz="2800" dirty="0"/>
-              <a:t>A</a:t>
-            </a:r>
-          </a:p>
-        </p:txBody>
-      </p:sp>
-      <p:sp>
-        <p:nvSpPr>
-          <p:cNvPr id="9" name="Rectangle 8"/>
-          <p:cNvSpPr/>
-          <p:nvPr/>
-        </p:nvSpPr>
-        <p:spPr>
-          <a:xfrm>
-            <a:off x="6172436" y="1776552"/>
-            <a:ext cx="1123406" cy="661851"/>
-          </a:xfrm>
-          <a:prstGeom prst="rect">
-            <a:avLst/>
-          </a:prstGeom>
-          <a:solidFill>
-            <a:srgbClr val="3E6F8E"/>
-          </a:solidFill>
-        </p:spPr>
-        <p:style>
-          <a:lnRef idx="2">
-            <a:schemeClr val="accent1">
-              <a:shade val="50000"/>
-            </a:schemeClr>
-          </a:lnRef>
-          <a:fillRef idx="1">
-            <a:schemeClr val="accent1"/>
-          </a:fillRef>
-          <a:effectRef idx="0">
-            <a:schemeClr val="accent1"/>
-          </a:effectRef>
-          <a:fontRef idx="minor">
-            <a:schemeClr val="lt1"/>
-          </a:fontRef>
-        </p:style>
-        <p:txBody>
-          <a:bodyPr rtlCol="0" anchor="ctr"/>
-          <a:lstStyle/>
-          <a:p>
-            <a:pPr algn="ctr"/>
-            <a:r>
-              <a:rPr lang="en-US" sz="2800" dirty="0"/>
-              <a:t>B</a:t>
-            </a:r>
-          </a:p>
-        </p:txBody>
-      </p:sp>
-      <p:sp>
-        <p:nvSpPr>
-          <p:cNvPr id="10" name="TextBox 9"/>
-          <p:cNvSpPr txBox="1"/>
-          <p:nvPr/>
-        </p:nvSpPr>
-        <p:spPr>
-          <a:xfrm>
-            <a:off x="4920343" y="2394863"/>
-            <a:ext cx="2375499" cy="1477328"/>
-          </a:xfrm>
-          <a:prstGeom prst="rect">
-            <a:avLst/>
-          </a:prstGeom>
-          <a:noFill/>
-        </p:spPr>
-        <p:txBody>
-          <a:bodyPr wrap="square" rtlCol="0">
-            <a:spAutoFit/>
-          </a:bodyPr>
-          <a:lstStyle/>
-          <a:p>
-            <a:r>
-              <a:rPr lang="en-US" dirty="0">
-                <a:solidFill>
-                  <a:schemeClr val="bg1">
-                    <a:lumMod val="95000"/>
-                  </a:schemeClr>
-                </a:solidFill>
-              </a:rPr>
-              <a:t>Albert	      Beth</a:t>
-            </a:r>
-          </a:p>
-          <a:p>
-            <a:endParaRPr lang="en-US" dirty="0">
-              <a:solidFill>
-                <a:schemeClr val="bg1">
-                  <a:lumMod val="95000"/>
-                </a:schemeClr>
-              </a:solidFill>
-            </a:endParaRPr>
-          </a:p>
-          <a:p>
-            <a:endParaRPr lang="en-US" dirty="0">
-              <a:solidFill>
-                <a:schemeClr val="bg1">
-                  <a:lumMod val="95000"/>
-                </a:schemeClr>
-              </a:solidFill>
-            </a:endParaRPr>
-          </a:p>
-          <a:p>
-            <a:endParaRPr lang="en-US" dirty="0">
-              <a:solidFill>
-                <a:schemeClr val="bg1">
-                  <a:lumMod val="95000"/>
-                </a:schemeClr>
-              </a:solidFill>
-            </a:endParaRPr>
-          </a:p>
-          <a:p>
-            <a:r>
-              <a:rPr lang="en-US" dirty="0">
-                <a:solidFill>
-                  <a:schemeClr val="bg1">
-                    <a:lumMod val="95000"/>
-                  </a:schemeClr>
-                </a:solidFill>
-              </a:rPr>
-              <a:t>Pearl	       Add</a:t>
-            </a:r>
-          </a:p>
-        </p:txBody>
-      </p:sp>
-      <p:sp>
-        <p:nvSpPr>
-          <p:cNvPr id="11" name="Rectangle 10"/>
-          <p:cNvSpPr/>
-          <p:nvPr/>
-        </p:nvSpPr>
-        <p:spPr>
-          <a:xfrm>
-            <a:off x="4796126" y="1042411"/>
-            <a:ext cx="2623931" cy="4676315"/>
-          </a:xfrm>
-          <a:prstGeom prst="rect">
-            <a:avLst/>
-          </a:prstGeom>
-          <a:solidFill>
-            <a:srgbClr val="000000">
-              <a:alpha val="50196"/>
-            </a:srgbClr>
-          </a:solidFill>
-          <a:ln>
-            <a:noFill/>
-          </a:ln>
-        </p:spPr>
-        <p:style>
-          <a:lnRef idx="2">
-            <a:schemeClr val="accent1">
-              <a:shade val="50000"/>
-            </a:schemeClr>
-          </a:lnRef>
-          <a:fillRef idx="1">
-            <a:schemeClr val="accent1"/>
-          </a:fillRef>
-          <a:effectRef idx="0">
-            <a:schemeClr val="accent1"/>
-          </a:effectRef>
-          <a:fontRef idx="minor">
-            <a:schemeClr val="lt1"/>
-          </a:fontRef>
-        </p:style>
-        <p:txBody>
-          <a:bodyPr rtlCol="0" anchor="ctr"/>
-          <a:lstStyle/>
-          <a:p>
-            <a:pPr algn="ctr"/>
-            <a:endParaRPr lang="en-US" dirty="0"/>
-          </a:p>
-        </p:txBody>
-      </p:sp>
-      <p:pic>
-        <p:nvPicPr>
-          <p:cNvPr id="3" name="Picture 2"/>
-          <p:cNvPicPr>
-            <a:picLocks noChangeAspect="1"/>
-          </p:cNvPicPr>
-          <p:nvPr/>
-        </p:nvPicPr>
-        <p:blipFill>
-          <a:blip r:embed="rId3"/>
-          <a:stretch>
-            <a:fillRect/>
-          </a:stretch>
-        </p:blipFill>
-        <p:spPr>
-          <a:xfrm>
-            <a:off x="4927712" y="2838996"/>
-            <a:ext cx="2394257" cy="899820"/>
-          </a:xfrm>
-          <a:prstGeom prst="rect">
-            <a:avLst/>
-          </a:prstGeom>
-        </p:spPr>
-      </p:pic>
-      <p:pic>
-        <p:nvPicPr>
-          <p:cNvPr id="12" name="Picture 11"/>
-          <p:cNvPicPr>
-            <a:picLocks noChangeAspect="1"/>
-          </p:cNvPicPr>
-          <p:nvPr/>
-        </p:nvPicPr>
-        <p:blipFill>
-          <a:blip r:embed="rId4"/>
-          <a:stretch>
-            <a:fillRect/>
-          </a:stretch>
-        </p:blipFill>
-        <p:spPr>
-          <a:xfrm>
-            <a:off x="4881214" y="2638728"/>
-            <a:ext cx="2487251" cy="1865438"/>
-          </a:xfrm>
-          <a:prstGeom prst="rect">
-            <a:avLst/>
-          </a:prstGeom>
-        </p:spPr>
-      </p:pic>
-      <p:grpSp>
-        <p:nvGrpSpPr>
-          <p:cNvPr id="20" name="Group 19"/>
-          <p:cNvGrpSpPr/>
-          <p:nvPr/>
-        </p:nvGrpSpPr>
-        <p:grpSpPr>
-          <a:xfrm>
-            <a:off x="4998722" y="357051"/>
-            <a:ext cx="1802674" cy="6200503"/>
-            <a:chOff x="4963886" y="357051"/>
-            <a:chExt cx="1802674" cy="6200503"/>
-          </a:xfrm>
-        </p:grpSpPr>
-        <p:sp>
-          <p:nvSpPr>
-            <p:cNvPr id="21" name="Rectangle 20"/>
-            <p:cNvSpPr/>
-            <p:nvPr/>
-          </p:nvSpPr>
-          <p:spPr>
-            <a:xfrm>
-              <a:off x="5799909" y="357051"/>
-              <a:ext cx="583474" cy="130629"/>
-            </a:xfrm>
-            <a:prstGeom prst="rect">
-              <a:avLst/>
-            </a:prstGeom>
-            <a:solidFill>
-              <a:srgbClr val="F2F2F2"/>
-            </a:solidFill>
-            <a:ln>
-              <a:noFill/>
-            </a:ln>
-          </p:spPr>
-          <p:style>
-            <a:lnRef idx="2">
-              <a:schemeClr val="accent1">
-                <a:shade val="50000"/>
-              </a:schemeClr>
-            </a:lnRef>
-            <a:fillRef idx="1">
-              <a:schemeClr val="accent1"/>
-            </a:fillRef>
-            <a:effectRef idx="0">
-              <a:schemeClr val="accent1"/>
-            </a:effectRef>
-            <a:fontRef idx="minor">
-              <a:schemeClr val="lt1"/>
-            </a:fontRef>
-          </p:style>
-          <p:txBody>
-            <a:bodyPr rtlCol="0" anchor="ctr"/>
-            <a:lstStyle/>
-            <a:p>
-              <a:pPr algn="ctr"/>
-              <a:endParaRPr lang="en-US"/>
-            </a:p>
-          </p:txBody>
-        </p:sp>
-        <p:sp>
-          <p:nvSpPr>
-            <p:cNvPr id="22" name="Rectangle 21"/>
-            <p:cNvSpPr/>
-            <p:nvPr/>
-          </p:nvSpPr>
-          <p:spPr>
-            <a:xfrm>
-              <a:off x="5503818" y="5858576"/>
-              <a:ext cx="1262742" cy="698978"/>
-            </a:xfrm>
-            <a:prstGeom prst="rect">
-              <a:avLst/>
-            </a:prstGeom>
-            <a:solidFill>
-              <a:srgbClr val="F2F2F2"/>
-            </a:solidFill>
-            <a:ln>
-              <a:noFill/>
-            </a:ln>
-          </p:spPr>
-          <p:style>
-            <a:lnRef idx="2">
-              <a:schemeClr val="accent1">
-                <a:shade val="50000"/>
-              </a:schemeClr>
-            </a:lnRef>
-            <a:fillRef idx="1">
-              <a:schemeClr val="accent1"/>
-            </a:fillRef>
-            <a:effectRef idx="0">
-              <a:schemeClr val="accent1"/>
-            </a:effectRef>
-            <a:fontRef idx="minor">
-              <a:schemeClr val="lt1"/>
-            </a:fontRef>
-          </p:style>
-          <p:txBody>
-            <a:bodyPr rtlCol="0" anchor="ctr"/>
-            <a:lstStyle/>
-            <a:p>
-              <a:pPr algn="ctr"/>
-              <a:endParaRPr lang="en-US"/>
-            </a:p>
-          </p:txBody>
-        </p:sp>
-        <p:sp>
-          <p:nvSpPr>
-            <p:cNvPr id="23" name="Oval 22"/>
-            <p:cNvSpPr/>
-            <p:nvPr/>
-          </p:nvSpPr>
-          <p:spPr>
-            <a:xfrm>
-              <a:off x="4963886" y="487680"/>
-              <a:ext cx="113211" cy="113211"/>
-            </a:xfrm>
-            <a:prstGeom prst="ellipse">
-              <a:avLst/>
-            </a:prstGeom>
-          </p:spPr>
-          <p:style>
-            <a:lnRef idx="2">
-              <a:schemeClr val="dk1">
-                <a:shade val="50000"/>
-              </a:schemeClr>
-            </a:lnRef>
-            <a:fillRef idx="1">
-              <a:schemeClr val="dk1"/>
-            </a:fillRef>
-            <a:effectRef idx="0">
-              <a:schemeClr val="dk1"/>
-            </a:effectRef>
-            <a:fontRef idx="minor">
-              <a:schemeClr val="lt1"/>
-            </a:fontRef>
-          </p:style>
-          <p:txBody>
-            <a:bodyPr rtlCol="0" anchor="ctr"/>
-            <a:lstStyle/>
-            <a:p>
-              <a:pPr algn="ctr"/>
-              <a:endParaRPr lang="en-US"/>
-            </a:p>
-          </p:txBody>
-        </p:sp>
-        <p:sp>
-          <p:nvSpPr>
-            <p:cNvPr id="24" name="Rectangle 23"/>
-            <p:cNvSpPr/>
-            <p:nvPr/>
-          </p:nvSpPr>
-          <p:spPr>
-            <a:xfrm>
-              <a:off x="5216435" y="628388"/>
-              <a:ext cx="583474" cy="130629"/>
-            </a:xfrm>
-            <a:prstGeom prst="rect">
-              <a:avLst/>
-            </a:prstGeom>
-            <a:solidFill>
-              <a:srgbClr val="F2F2F2"/>
-            </a:solidFill>
-            <a:ln>
-              <a:noFill/>
-            </a:ln>
-          </p:spPr>
-          <p:style>
-            <a:lnRef idx="2">
-              <a:schemeClr val="accent1">
-                <a:shade val="50000"/>
-              </a:schemeClr>
-            </a:lnRef>
-            <a:fillRef idx="1">
-              <a:schemeClr val="accent1"/>
-            </a:fillRef>
-            <a:effectRef idx="0">
-              <a:schemeClr val="accent1"/>
-            </a:effectRef>
-            <a:fontRef idx="minor">
-              <a:schemeClr val="lt1"/>
-            </a:fontRef>
-          </p:style>
-          <p:txBody>
-            <a:bodyPr rtlCol="0" anchor="ctr"/>
-            <a:lstStyle/>
-            <a:p>
-              <a:pPr algn="ctr"/>
-              <a:endParaRPr lang="en-US"/>
-            </a:p>
-          </p:txBody>
-        </p:sp>
-        <p:sp>
-          <p:nvSpPr>
-            <p:cNvPr id="25" name="Rounded Rectangle 24"/>
-            <p:cNvSpPr/>
-            <p:nvPr/>
-          </p:nvSpPr>
-          <p:spPr>
-            <a:xfrm>
-              <a:off x="5416735" y="373617"/>
-              <a:ext cx="1275805" cy="98398"/>
-            </a:xfrm>
-            <a:prstGeom prst="roundRect">
-              <a:avLst/>
-            </a:prstGeom>
-            <a:solidFill>
-              <a:srgbClr val="F2F2F2"/>
-            </a:solidFill>
-            <a:ln>
-              <a:solidFill>
-                <a:schemeClr val="bg1">
-                  <a:lumMod val="50000"/>
-                </a:schemeClr>
-              </a:solidFill>
-            </a:ln>
-          </p:spPr>
-          <p:style>
-            <a:lnRef idx="2">
-              <a:schemeClr val="accent1">
-                <a:shade val="50000"/>
-              </a:schemeClr>
-            </a:lnRef>
-            <a:fillRef idx="1">
-              <a:schemeClr val="accent1"/>
-            </a:fillRef>
-            <a:effectRef idx="0">
-              <a:schemeClr val="accent1"/>
-            </a:effectRef>
-            <a:fontRef idx="minor">
-              <a:schemeClr val="lt1"/>
-            </a:fontRef>
-          </p:style>
-          <p:txBody>
-            <a:bodyPr rtlCol="0" anchor="ctr"/>
-            <a:lstStyle/>
-            <a:p>
-              <a:pPr algn="ctr"/>
-              <a:endParaRPr lang="en-US"/>
-            </a:p>
-          </p:txBody>
-        </p:sp>
-      </p:grpSp>
-    </p:spTree>
-    <p:extLst>
-      <p:ext uri="{BB962C8B-B14F-4D97-AF65-F5344CB8AC3E}">
-        <p14:creationId xmlns:p14="http://schemas.microsoft.com/office/powerpoint/2010/main" val="3888993189"/>
       </p:ext>
     </p:extLst>
   </p:cSld>
